--- a/Replication/Presentation/Replication and Improvement of The Impact of Campaign.pptx
+++ b/Replication/Presentation/Replication and Improvement of The Impact of Campaign.pptx
@@ -5,7 +5,7 @@
     <p:sldMasterId id="2147483648" r:id="rId1"/>
   </p:sldMasterIdLst>
   <p:notesMasterIdLst>
-    <p:notesMasterId r:id="rId13"/>
+    <p:notesMasterId r:id="rId14"/>
   </p:notesMasterIdLst>
   <p:sldIdLst>
     <p:sldId id="256" r:id="rId2"/>
@@ -13,12 +13,13 @@
     <p:sldId id="265" r:id="rId4"/>
     <p:sldId id="257" r:id="rId5"/>
     <p:sldId id="266" r:id="rId6"/>
-    <p:sldId id="258" r:id="rId7"/>
-    <p:sldId id="259" r:id="rId8"/>
-    <p:sldId id="260" r:id="rId9"/>
-    <p:sldId id="261" r:id="rId10"/>
-    <p:sldId id="262" r:id="rId11"/>
-    <p:sldId id="267" r:id="rId12"/>
+    <p:sldId id="268" r:id="rId7"/>
+    <p:sldId id="258" r:id="rId8"/>
+    <p:sldId id="259" r:id="rId9"/>
+    <p:sldId id="260" r:id="rId10"/>
+    <p:sldId id="261" r:id="rId11"/>
+    <p:sldId id="262" r:id="rId12"/>
+    <p:sldId id="267" r:id="rId13"/>
   </p:sldIdLst>
   <p:sldSz cx="12192000" cy="6858000"/>
   <p:notesSz cx="6858000" cy="9144000"/>
@@ -127,6 +128,7 @@
             <p14:sldId id="265"/>
             <p14:sldId id="257"/>
             <p14:sldId id="266"/>
+            <p14:sldId id="268"/>
             <p14:sldId id="258"/>
             <p14:sldId id="259"/>
             <p14:sldId id="260"/>
@@ -140,6 +142,11 @@
     <p:ext uri="{EFAFB233-063F-42B5-8137-9DF3F51BA10A}">
       <p15:sldGuideLst xmlns:p15="http://schemas.microsoft.com/office/powerpoint/2012/main">
         <p15:guide id="1" pos="3840" userDrawn="1">
+          <p15:clr>
+            <a:srgbClr val="A4A3A4"/>
+          </p15:clr>
+        </p15:guide>
+        <p15:guide id="2" orient="horz" pos="2160">
           <p15:clr>
             <a:srgbClr val="A4A3A4"/>
           </p15:clr>
@@ -232,7 +239,7 @@
           <a:p>
             <a:fld id="{81AC707A-BCA3-444E-9746-03A81474ED24}" type="datetimeFigureOut">
               <a:rPr lang="en-IE" smtClean="0"/>
-              <a:t>01/04/2023</a:t>
+              <a:t>03/04/2023</a:t>
             </a:fld>
             <a:endParaRPr lang="en-IE"/>
           </a:p>
@@ -606,7 +613,7 @@
           <p:cNvPr id="2" name="Title 1">
             <a:extLst>
               <a:ext uri="{FF2B5EF4-FFF2-40B4-BE49-F238E27FC236}">
-                <a16:creationId xmlns:a16="http://schemas.microsoft.com/office/drawing/2014/main" id="{80113288-7223-8BC5-E15B-632BF735094C}"/>
+                <a16:creationId xmlns="" xmlns:a16="http://schemas.microsoft.com/office/drawing/2014/main" id="{80113288-7223-8BC5-E15B-632BF735094C}"/>
               </a:ext>
             </a:extLst>
           </p:cNvPr>
@@ -644,7 +651,7 @@
           <p:cNvPr id="3" name="Subtitle 2">
             <a:extLst>
               <a:ext uri="{FF2B5EF4-FFF2-40B4-BE49-F238E27FC236}">
-                <a16:creationId xmlns:a16="http://schemas.microsoft.com/office/drawing/2014/main" id="{1F82D8C5-ABC3-97AA-D009-1B0C48733776}"/>
+                <a16:creationId xmlns="" xmlns:a16="http://schemas.microsoft.com/office/drawing/2014/main" id="{1F82D8C5-ABC3-97AA-D009-1B0C48733776}"/>
               </a:ext>
             </a:extLst>
           </p:cNvPr>
@@ -715,7 +722,7 @@
           <p:cNvPr id="4" name="Date Placeholder 3">
             <a:extLst>
               <a:ext uri="{FF2B5EF4-FFF2-40B4-BE49-F238E27FC236}">
-                <a16:creationId xmlns:a16="http://schemas.microsoft.com/office/drawing/2014/main" id="{CCC346B4-1065-BAF3-0D72-FB673AD554F8}"/>
+                <a16:creationId xmlns="" xmlns:a16="http://schemas.microsoft.com/office/drawing/2014/main" id="{CCC346B4-1065-BAF3-0D72-FB673AD554F8}"/>
               </a:ext>
             </a:extLst>
           </p:cNvPr>
@@ -733,7 +740,7 @@
           <a:p>
             <a:fld id="{9597531F-F6AF-4185-8FD0-A38E26DF4D90}" type="datetimeFigureOut">
               <a:rPr lang="en-IE" smtClean="0"/>
-              <a:t>01/04/2023</a:t>
+              <a:t>03/04/2023</a:t>
             </a:fld>
             <a:endParaRPr lang="en-IE"/>
           </a:p>
@@ -744,7 +751,7 @@
           <p:cNvPr id="5" name="Footer Placeholder 4">
             <a:extLst>
               <a:ext uri="{FF2B5EF4-FFF2-40B4-BE49-F238E27FC236}">
-                <a16:creationId xmlns:a16="http://schemas.microsoft.com/office/drawing/2014/main" id="{742BC43E-9179-DB50-CE27-C3446AB099C9}"/>
+                <a16:creationId xmlns="" xmlns:a16="http://schemas.microsoft.com/office/drawing/2014/main" id="{742BC43E-9179-DB50-CE27-C3446AB099C9}"/>
               </a:ext>
             </a:extLst>
           </p:cNvPr>
@@ -769,7 +776,7 @@
           <p:cNvPr id="6" name="Slide Number Placeholder 5">
             <a:extLst>
               <a:ext uri="{FF2B5EF4-FFF2-40B4-BE49-F238E27FC236}">
-                <a16:creationId xmlns:a16="http://schemas.microsoft.com/office/drawing/2014/main" id="{F51BC5E6-B640-2417-364E-7EBBD09B086F}"/>
+                <a16:creationId xmlns="" xmlns:a16="http://schemas.microsoft.com/office/drawing/2014/main" id="{F51BC5E6-B640-2417-364E-7EBBD09B086F}"/>
               </a:ext>
             </a:extLst>
           </p:cNvPr>
@@ -828,7 +835,7 @@
           <p:cNvPr id="2" name="Title 1">
             <a:extLst>
               <a:ext uri="{FF2B5EF4-FFF2-40B4-BE49-F238E27FC236}">
-                <a16:creationId xmlns:a16="http://schemas.microsoft.com/office/drawing/2014/main" id="{A3B0AABA-3017-9F5C-549F-5122D0F17196}"/>
+                <a16:creationId xmlns="" xmlns:a16="http://schemas.microsoft.com/office/drawing/2014/main" id="{A3B0AABA-3017-9F5C-549F-5122D0F17196}"/>
               </a:ext>
             </a:extLst>
           </p:cNvPr>
@@ -857,7 +864,7 @@
           <p:cNvPr id="3" name="Vertical Text Placeholder 2">
             <a:extLst>
               <a:ext uri="{FF2B5EF4-FFF2-40B4-BE49-F238E27FC236}">
-                <a16:creationId xmlns:a16="http://schemas.microsoft.com/office/drawing/2014/main" id="{D3345F8A-7F73-FDBF-4165-6D224EC44026}"/>
+                <a16:creationId xmlns="" xmlns:a16="http://schemas.microsoft.com/office/drawing/2014/main" id="{D3345F8A-7F73-FDBF-4165-6D224EC44026}"/>
               </a:ext>
             </a:extLst>
           </p:cNvPr>
@@ -915,7 +922,7 @@
           <p:cNvPr id="4" name="Date Placeholder 3">
             <a:extLst>
               <a:ext uri="{FF2B5EF4-FFF2-40B4-BE49-F238E27FC236}">
-                <a16:creationId xmlns:a16="http://schemas.microsoft.com/office/drawing/2014/main" id="{58E4F4A3-98EA-9292-88F6-AACF3D4E00EB}"/>
+                <a16:creationId xmlns="" xmlns:a16="http://schemas.microsoft.com/office/drawing/2014/main" id="{58E4F4A3-98EA-9292-88F6-AACF3D4E00EB}"/>
               </a:ext>
             </a:extLst>
           </p:cNvPr>
@@ -933,7 +940,7 @@
           <a:p>
             <a:fld id="{9597531F-F6AF-4185-8FD0-A38E26DF4D90}" type="datetimeFigureOut">
               <a:rPr lang="en-IE" smtClean="0"/>
-              <a:t>01/04/2023</a:t>
+              <a:t>03/04/2023</a:t>
             </a:fld>
             <a:endParaRPr lang="en-IE"/>
           </a:p>
@@ -944,7 +951,7 @@
           <p:cNvPr id="5" name="Footer Placeholder 4">
             <a:extLst>
               <a:ext uri="{FF2B5EF4-FFF2-40B4-BE49-F238E27FC236}">
-                <a16:creationId xmlns:a16="http://schemas.microsoft.com/office/drawing/2014/main" id="{27B72024-81B3-10C7-DAC5-CC610A71D914}"/>
+                <a16:creationId xmlns="" xmlns:a16="http://schemas.microsoft.com/office/drawing/2014/main" id="{27B72024-81B3-10C7-DAC5-CC610A71D914}"/>
               </a:ext>
             </a:extLst>
           </p:cNvPr>
@@ -969,7 +976,7 @@
           <p:cNvPr id="6" name="Slide Number Placeholder 5">
             <a:extLst>
               <a:ext uri="{FF2B5EF4-FFF2-40B4-BE49-F238E27FC236}">
-                <a16:creationId xmlns:a16="http://schemas.microsoft.com/office/drawing/2014/main" id="{A2FD7E4C-3CEE-E5AD-3173-81902F1025F2}"/>
+                <a16:creationId xmlns="" xmlns:a16="http://schemas.microsoft.com/office/drawing/2014/main" id="{A2FD7E4C-3CEE-E5AD-3173-81902F1025F2}"/>
               </a:ext>
             </a:extLst>
           </p:cNvPr>
@@ -1028,7 +1035,7 @@
           <p:cNvPr id="2" name="Vertical Title 1">
             <a:extLst>
               <a:ext uri="{FF2B5EF4-FFF2-40B4-BE49-F238E27FC236}">
-                <a16:creationId xmlns:a16="http://schemas.microsoft.com/office/drawing/2014/main" id="{09807480-7262-B0C4-1ABE-E435B666C207}"/>
+                <a16:creationId xmlns="" xmlns:a16="http://schemas.microsoft.com/office/drawing/2014/main" id="{09807480-7262-B0C4-1ABE-E435B666C207}"/>
               </a:ext>
             </a:extLst>
           </p:cNvPr>
@@ -1062,7 +1069,7 @@
           <p:cNvPr id="3" name="Vertical Text Placeholder 2">
             <a:extLst>
               <a:ext uri="{FF2B5EF4-FFF2-40B4-BE49-F238E27FC236}">
-                <a16:creationId xmlns:a16="http://schemas.microsoft.com/office/drawing/2014/main" id="{9979E4C8-D8A0-5D1C-5ABA-D3A5A1A57EC3}"/>
+                <a16:creationId xmlns="" xmlns:a16="http://schemas.microsoft.com/office/drawing/2014/main" id="{9979E4C8-D8A0-5D1C-5ABA-D3A5A1A57EC3}"/>
               </a:ext>
             </a:extLst>
           </p:cNvPr>
@@ -1125,7 +1132,7 @@
           <p:cNvPr id="4" name="Date Placeholder 3">
             <a:extLst>
               <a:ext uri="{FF2B5EF4-FFF2-40B4-BE49-F238E27FC236}">
-                <a16:creationId xmlns:a16="http://schemas.microsoft.com/office/drawing/2014/main" id="{C983C2F7-3279-5BF1-94EC-30AB169850A5}"/>
+                <a16:creationId xmlns="" xmlns:a16="http://schemas.microsoft.com/office/drawing/2014/main" id="{C983C2F7-3279-5BF1-94EC-30AB169850A5}"/>
               </a:ext>
             </a:extLst>
           </p:cNvPr>
@@ -1143,7 +1150,7 @@
           <a:p>
             <a:fld id="{9597531F-F6AF-4185-8FD0-A38E26DF4D90}" type="datetimeFigureOut">
               <a:rPr lang="en-IE" smtClean="0"/>
-              <a:t>01/04/2023</a:t>
+              <a:t>03/04/2023</a:t>
             </a:fld>
             <a:endParaRPr lang="en-IE"/>
           </a:p>
@@ -1154,7 +1161,7 @@
           <p:cNvPr id="5" name="Footer Placeholder 4">
             <a:extLst>
               <a:ext uri="{FF2B5EF4-FFF2-40B4-BE49-F238E27FC236}">
-                <a16:creationId xmlns:a16="http://schemas.microsoft.com/office/drawing/2014/main" id="{81A56E0C-A9B7-B688-FBFC-B002279B2B66}"/>
+                <a16:creationId xmlns="" xmlns:a16="http://schemas.microsoft.com/office/drawing/2014/main" id="{81A56E0C-A9B7-B688-FBFC-B002279B2B66}"/>
               </a:ext>
             </a:extLst>
           </p:cNvPr>
@@ -1179,7 +1186,7 @@
           <p:cNvPr id="6" name="Slide Number Placeholder 5">
             <a:extLst>
               <a:ext uri="{FF2B5EF4-FFF2-40B4-BE49-F238E27FC236}">
-                <a16:creationId xmlns:a16="http://schemas.microsoft.com/office/drawing/2014/main" id="{A6DBCD56-9886-7852-061C-F7BFF6E4940B}"/>
+                <a16:creationId xmlns="" xmlns:a16="http://schemas.microsoft.com/office/drawing/2014/main" id="{A6DBCD56-9886-7852-061C-F7BFF6E4940B}"/>
               </a:ext>
             </a:extLst>
           </p:cNvPr>
@@ -1238,7 +1245,7 @@
           <p:cNvPr id="2" name="Title 1">
             <a:extLst>
               <a:ext uri="{FF2B5EF4-FFF2-40B4-BE49-F238E27FC236}">
-                <a16:creationId xmlns:a16="http://schemas.microsoft.com/office/drawing/2014/main" id="{53865A5C-B068-2C2A-7879-DDA0903ED48C}"/>
+                <a16:creationId xmlns="" xmlns:a16="http://schemas.microsoft.com/office/drawing/2014/main" id="{53865A5C-B068-2C2A-7879-DDA0903ED48C}"/>
               </a:ext>
             </a:extLst>
           </p:cNvPr>
@@ -1267,7 +1274,7 @@
           <p:cNvPr id="3" name="Content Placeholder 2">
             <a:extLst>
               <a:ext uri="{FF2B5EF4-FFF2-40B4-BE49-F238E27FC236}">
-                <a16:creationId xmlns:a16="http://schemas.microsoft.com/office/drawing/2014/main" id="{8F0E865B-8F74-456D-E9CA-0933EF4085D5}"/>
+                <a16:creationId xmlns="" xmlns:a16="http://schemas.microsoft.com/office/drawing/2014/main" id="{8F0E865B-8F74-456D-E9CA-0933EF4085D5}"/>
               </a:ext>
             </a:extLst>
           </p:cNvPr>
@@ -1325,7 +1332,7 @@
           <p:cNvPr id="4" name="Date Placeholder 3">
             <a:extLst>
               <a:ext uri="{FF2B5EF4-FFF2-40B4-BE49-F238E27FC236}">
-                <a16:creationId xmlns:a16="http://schemas.microsoft.com/office/drawing/2014/main" id="{8FCF4374-1519-8984-C8A7-A6EFBC90A328}"/>
+                <a16:creationId xmlns="" xmlns:a16="http://schemas.microsoft.com/office/drawing/2014/main" id="{8FCF4374-1519-8984-C8A7-A6EFBC90A328}"/>
               </a:ext>
             </a:extLst>
           </p:cNvPr>
@@ -1343,7 +1350,7 @@
           <a:p>
             <a:fld id="{9597531F-F6AF-4185-8FD0-A38E26DF4D90}" type="datetimeFigureOut">
               <a:rPr lang="en-IE" smtClean="0"/>
-              <a:t>01/04/2023</a:t>
+              <a:t>03/04/2023</a:t>
             </a:fld>
             <a:endParaRPr lang="en-IE"/>
           </a:p>
@@ -1354,7 +1361,7 @@
           <p:cNvPr id="5" name="Footer Placeholder 4">
             <a:extLst>
               <a:ext uri="{FF2B5EF4-FFF2-40B4-BE49-F238E27FC236}">
-                <a16:creationId xmlns:a16="http://schemas.microsoft.com/office/drawing/2014/main" id="{7187DB1F-35C6-3AD2-E482-6FDDB1F199D4}"/>
+                <a16:creationId xmlns="" xmlns:a16="http://schemas.microsoft.com/office/drawing/2014/main" id="{7187DB1F-35C6-3AD2-E482-6FDDB1F199D4}"/>
               </a:ext>
             </a:extLst>
           </p:cNvPr>
@@ -1379,7 +1386,7 @@
           <p:cNvPr id="6" name="Slide Number Placeholder 5">
             <a:extLst>
               <a:ext uri="{FF2B5EF4-FFF2-40B4-BE49-F238E27FC236}">
-                <a16:creationId xmlns:a16="http://schemas.microsoft.com/office/drawing/2014/main" id="{FF5E889C-6D67-E172-658B-95921689414B}"/>
+                <a16:creationId xmlns="" xmlns:a16="http://schemas.microsoft.com/office/drawing/2014/main" id="{FF5E889C-6D67-E172-658B-95921689414B}"/>
               </a:ext>
             </a:extLst>
           </p:cNvPr>
@@ -1438,7 +1445,7 @@
           <p:cNvPr id="2" name="Title 1">
             <a:extLst>
               <a:ext uri="{FF2B5EF4-FFF2-40B4-BE49-F238E27FC236}">
-                <a16:creationId xmlns:a16="http://schemas.microsoft.com/office/drawing/2014/main" id="{4F5E479F-0FD0-FC5D-40F0-8E82A74A7F45}"/>
+                <a16:creationId xmlns="" xmlns:a16="http://schemas.microsoft.com/office/drawing/2014/main" id="{4F5E479F-0FD0-FC5D-40F0-8E82A74A7F45}"/>
               </a:ext>
             </a:extLst>
           </p:cNvPr>
@@ -1476,7 +1483,7 @@
           <p:cNvPr id="3" name="Text Placeholder 2">
             <a:extLst>
               <a:ext uri="{FF2B5EF4-FFF2-40B4-BE49-F238E27FC236}">
-                <a16:creationId xmlns:a16="http://schemas.microsoft.com/office/drawing/2014/main" id="{424F8EB3-057D-6AC7-6617-53107D7505DB}"/>
+                <a16:creationId xmlns="" xmlns:a16="http://schemas.microsoft.com/office/drawing/2014/main" id="{424F8EB3-057D-6AC7-6617-53107D7505DB}"/>
               </a:ext>
             </a:extLst>
           </p:cNvPr>
@@ -1601,7 +1608,7 @@
           <p:cNvPr id="4" name="Date Placeholder 3">
             <a:extLst>
               <a:ext uri="{FF2B5EF4-FFF2-40B4-BE49-F238E27FC236}">
-                <a16:creationId xmlns:a16="http://schemas.microsoft.com/office/drawing/2014/main" id="{039CFE6B-3495-E20E-AD51-ECA79BB4B2F9}"/>
+                <a16:creationId xmlns="" xmlns:a16="http://schemas.microsoft.com/office/drawing/2014/main" id="{039CFE6B-3495-E20E-AD51-ECA79BB4B2F9}"/>
               </a:ext>
             </a:extLst>
           </p:cNvPr>
@@ -1619,7 +1626,7 @@
           <a:p>
             <a:fld id="{9597531F-F6AF-4185-8FD0-A38E26DF4D90}" type="datetimeFigureOut">
               <a:rPr lang="en-IE" smtClean="0"/>
-              <a:t>01/04/2023</a:t>
+              <a:t>03/04/2023</a:t>
             </a:fld>
             <a:endParaRPr lang="en-IE"/>
           </a:p>
@@ -1630,7 +1637,7 @@
           <p:cNvPr id="5" name="Footer Placeholder 4">
             <a:extLst>
               <a:ext uri="{FF2B5EF4-FFF2-40B4-BE49-F238E27FC236}">
-                <a16:creationId xmlns:a16="http://schemas.microsoft.com/office/drawing/2014/main" id="{1A7889FE-4EA7-7239-54AA-BF2C19B4AD3F}"/>
+                <a16:creationId xmlns="" xmlns:a16="http://schemas.microsoft.com/office/drawing/2014/main" id="{1A7889FE-4EA7-7239-54AA-BF2C19B4AD3F}"/>
               </a:ext>
             </a:extLst>
           </p:cNvPr>
@@ -1655,7 +1662,7 @@
           <p:cNvPr id="6" name="Slide Number Placeholder 5">
             <a:extLst>
               <a:ext uri="{FF2B5EF4-FFF2-40B4-BE49-F238E27FC236}">
-                <a16:creationId xmlns:a16="http://schemas.microsoft.com/office/drawing/2014/main" id="{D59F0728-9718-329A-6C9D-89522F113ADA}"/>
+                <a16:creationId xmlns="" xmlns:a16="http://schemas.microsoft.com/office/drawing/2014/main" id="{D59F0728-9718-329A-6C9D-89522F113ADA}"/>
               </a:ext>
             </a:extLst>
           </p:cNvPr>
@@ -1714,7 +1721,7 @@
           <p:cNvPr id="2" name="Title 1">
             <a:extLst>
               <a:ext uri="{FF2B5EF4-FFF2-40B4-BE49-F238E27FC236}">
-                <a16:creationId xmlns:a16="http://schemas.microsoft.com/office/drawing/2014/main" id="{277CB04B-F927-776E-DE85-E37F7BF84427}"/>
+                <a16:creationId xmlns="" xmlns:a16="http://schemas.microsoft.com/office/drawing/2014/main" id="{277CB04B-F927-776E-DE85-E37F7BF84427}"/>
               </a:ext>
             </a:extLst>
           </p:cNvPr>
@@ -1743,7 +1750,7 @@
           <p:cNvPr id="3" name="Content Placeholder 2">
             <a:extLst>
               <a:ext uri="{FF2B5EF4-FFF2-40B4-BE49-F238E27FC236}">
-                <a16:creationId xmlns:a16="http://schemas.microsoft.com/office/drawing/2014/main" id="{B24B832D-1DC5-2D0E-3314-7468DF1A9D25}"/>
+                <a16:creationId xmlns="" xmlns:a16="http://schemas.microsoft.com/office/drawing/2014/main" id="{B24B832D-1DC5-2D0E-3314-7468DF1A9D25}"/>
               </a:ext>
             </a:extLst>
           </p:cNvPr>
@@ -1806,7 +1813,7 @@
           <p:cNvPr id="4" name="Content Placeholder 3">
             <a:extLst>
               <a:ext uri="{FF2B5EF4-FFF2-40B4-BE49-F238E27FC236}">
-                <a16:creationId xmlns:a16="http://schemas.microsoft.com/office/drawing/2014/main" id="{7B8744EC-A25E-DAC7-42F3-1C2D61816428}"/>
+                <a16:creationId xmlns="" xmlns:a16="http://schemas.microsoft.com/office/drawing/2014/main" id="{7B8744EC-A25E-DAC7-42F3-1C2D61816428}"/>
               </a:ext>
             </a:extLst>
           </p:cNvPr>
@@ -1869,7 +1876,7 @@
           <p:cNvPr id="5" name="Date Placeholder 4">
             <a:extLst>
               <a:ext uri="{FF2B5EF4-FFF2-40B4-BE49-F238E27FC236}">
-                <a16:creationId xmlns:a16="http://schemas.microsoft.com/office/drawing/2014/main" id="{A4A32029-92D6-F551-FD61-3D709EB511AF}"/>
+                <a16:creationId xmlns="" xmlns:a16="http://schemas.microsoft.com/office/drawing/2014/main" id="{A4A32029-92D6-F551-FD61-3D709EB511AF}"/>
               </a:ext>
             </a:extLst>
           </p:cNvPr>
@@ -1887,7 +1894,7 @@
           <a:p>
             <a:fld id="{9597531F-F6AF-4185-8FD0-A38E26DF4D90}" type="datetimeFigureOut">
               <a:rPr lang="en-IE" smtClean="0"/>
-              <a:t>01/04/2023</a:t>
+              <a:t>03/04/2023</a:t>
             </a:fld>
             <a:endParaRPr lang="en-IE"/>
           </a:p>
@@ -1898,7 +1905,7 @@
           <p:cNvPr id="6" name="Footer Placeholder 5">
             <a:extLst>
               <a:ext uri="{FF2B5EF4-FFF2-40B4-BE49-F238E27FC236}">
-                <a16:creationId xmlns:a16="http://schemas.microsoft.com/office/drawing/2014/main" id="{19A86D69-5450-76DE-C766-9C730574D131}"/>
+                <a16:creationId xmlns="" xmlns:a16="http://schemas.microsoft.com/office/drawing/2014/main" id="{19A86D69-5450-76DE-C766-9C730574D131}"/>
               </a:ext>
             </a:extLst>
           </p:cNvPr>
@@ -1923,7 +1930,7 @@
           <p:cNvPr id="7" name="Slide Number Placeholder 6">
             <a:extLst>
               <a:ext uri="{FF2B5EF4-FFF2-40B4-BE49-F238E27FC236}">
-                <a16:creationId xmlns:a16="http://schemas.microsoft.com/office/drawing/2014/main" id="{7742CE89-7321-6EEB-2627-ACCDF5FF5DB8}"/>
+                <a16:creationId xmlns="" xmlns:a16="http://schemas.microsoft.com/office/drawing/2014/main" id="{7742CE89-7321-6EEB-2627-ACCDF5FF5DB8}"/>
               </a:ext>
             </a:extLst>
           </p:cNvPr>
@@ -1982,7 +1989,7 @@
           <p:cNvPr id="2" name="Title 1">
             <a:extLst>
               <a:ext uri="{FF2B5EF4-FFF2-40B4-BE49-F238E27FC236}">
-                <a16:creationId xmlns:a16="http://schemas.microsoft.com/office/drawing/2014/main" id="{0583B196-105D-B80B-C40A-DFF8D6B5E20F}"/>
+                <a16:creationId xmlns="" xmlns:a16="http://schemas.microsoft.com/office/drawing/2014/main" id="{0583B196-105D-B80B-C40A-DFF8D6B5E20F}"/>
               </a:ext>
             </a:extLst>
           </p:cNvPr>
@@ -2016,7 +2023,7 @@
           <p:cNvPr id="3" name="Text Placeholder 2">
             <a:extLst>
               <a:ext uri="{FF2B5EF4-FFF2-40B4-BE49-F238E27FC236}">
-                <a16:creationId xmlns:a16="http://schemas.microsoft.com/office/drawing/2014/main" id="{5BEED3D5-CB31-50C1-AC57-A6C4BEE8B3C9}"/>
+                <a16:creationId xmlns="" xmlns:a16="http://schemas.microsoft.com/office/drawing/2014/main" id="{5BEED3D5-CB31-50C1-AC57-A6C4BEE8B3C9}"/>
               </a:ext>
             </a:extLst>
           </p:cNvPr>
@@ -2087,7 +2094,7 @@
           <p:cNvPr id="4" name="Content Placeholder 3">
             <a:extLst>
               <a:ext uri="{FF2B5EF4-FFF2-40B4-BE49-F238E27FC236}">
-                <a16:creationId xmlns:a16="http://schemas.microsoft.com/office/drawing/2014/main" id="{6AC4EE3C-7642-2730-0DA8-A886A0E38A29}"/>
+                <a16:creationId xmlns="" xmlns:a16="http://schemas.microsoft.com/office/drawing/2014/main" id="{6AC4EE3C-7642-2730-0DA8-A886A0E38A29}"/>
               </a:ext>
             </a:extLst>
           </p:cNvPr>
@@ -2150,7 +2157,7 @@
           <p:cNvPr id="5" name="Text Placeholder 4">
             <a:extLst>
               <a:ext uri="{FF2B5EF4-FFF2-40B4-BE49-F238E27FC236}">
-                <a16:creationId xmlns:a16="http://schemas.microsoft.com/office/drawing/2014/main" id="{D2092D1F-D3CB-927E-A74D-F3E4542A0BCF}"/>
+                <a16:creationId xmlns="" xmlns:a16="http://schemas.microsoft.com/office/drawing/2014/main" id="{D2092D1F-D3CB-927E-A74D-F3E4542A0BCF}"/>
               </a:ext>
             </a:extLst>
           </p:cNvPr>
@@ -2221,7 +2228,7 @@
           <p:cNvPr id="6" name="Content Placeholder 5">
             <a:extLst>
               <a:ext uri="{FF2B5EF4-FFF2-40B4-BE49-F238E27FC236}">
-                <a16:creationId xmlns:a16="http://schemas.microsoft.com/office/drawing/2014/main" id="{6080C063-D3AE-858E-7675-0D941A54EA58}"/>
+                <a16:creationId xmlns="" xmlns:a16="http://schemas.microsoft.com/office/drawing/2014/main" id="{6080C063-D3AE-858E-7675-0D941A54EA58}"/>
               </a:ext>
             </a:extLst>
           </p:cNvPr>
@@ -2284,7 +2291,7 @@
           <p:cNvPr id="7" name="Date Placeholder 6">
             <a:extLst>
               <a:ext uri="{FF2B5EF4-FFF2-40B4-BE49-F238E27FC236}">
-                <a16:creationId xmlns:a16="http://schemas.microsoft.com/office/drawing/2014/main" id="{A2737A89-3893-5FBE-7B24-2D6F44738C4B}"/>
+                <a16:creationId xmlns="" xmlns:a16="http://schemas.microsoft.com/office/drawing/2014/main" id="{A2737A89-3893-5FBE-7B24-2D6F44738C4B}"/>
               </a:ext>
             </a:extLst>
           </p:cNvPr>
@@ -2302,7 +2309,7 @@
           <a:p>
             <a:fld id="{9597531F-F6AF-4185-8FD0-A38E26DF4D90}" type="datetimeFigureOut">
               <a:rPr lang="en-IE" smtClean="0"/>
-              <a:t>01/04/2023</a:t>
+              <a:t>03/04/2023</a:t>
             </a:fld>
             <a:endParaRPr lang="en-IE"/>
           </a:p>
@@ -2313,7 +2320,7 @@
           <p:cNvPr id="8" name="Footer Placeholder 7">
             <a:extLst>
               <a:ext uri="{FF2B5EF4-FFF2-40B4-BE49-F238E27FC236}">
-                <a16:creationId xmlns:a16="http://schemas.microsoft.com/office/drawing/2014/main" id="{45E1CA38-695E-7E13-1DD0-EE95F21ECC9F}"/>
+                <a16:creationId xmlns="" xmlns:a16="http://schemas.microsoft.com/office/drawing/2014/main" id="{45E1CA38-695E-7E13-1DD0-EE95F21ECC9F}"/>
               </a:ext>
             </a:extLst>
           </p:cNvPr>
@@ -2338,7 +2345,7 @@
           <p:cNvPr id="9" name="Slide Number Placeholder 8">
             <a:extLst>
               <a:ext uri="{FF2B5EF4-FFF2-40B4-BE49-F238E27FC236}">
-                <a16:creationId xmlns:a16="http://schemas.microsoft.com/office/drawing/2014/main" id="{EA62C0DB-BC60-0A3B-6C93-90C702019815}"/>
+                <a16:creationId xmlns="" xmlns:a16="http://schemas.microsoft.com/office/drawing/2014/main" id="{EA62C0DB-BC60-0A3B-6C93-90C702019815}"/>
               </a:ext>
             </a:extLst>
           </p:cNvPr>
@@ -2397,7 +2404,7 @@
           <p:cNvPr id="2" name="Title 1">
             <a:extLst>
               <a:ext uri="{FF2B5EF4-FFF2-40B4-BE49-F238E27FC236}">
-                <a16:creationId xmlns:a16="http://schemas.microsoft.com/office/drawing/2014/main" id="{8E2BE857-055E-A587-66FA-2BAD5C003C16}"/>
+                <a16:creationId xmlns="" xmlns:a16="http://schemas.microsoft.com/office/drawing/2014/main" id="{8E2BE857-055E-A587-66FA-2BAD5C003C16}"/>
               </a:ext>
             </a:extLst>
           </p:cNvPr>
@@ -2426,7 +2433,7 @@
           <p:cNvPr id="3" name="Date Placeholder 2">
             <a:extLst>
               <a:ext uri="{FF2B5EF4-FFF2-40B4-BE49-F238E27FC236}">
-                <a16:creationId xmlns:a16="http://schemas.microsoft.com/office/drawing/2014/main" id="{3F560FE4-547B-1DA6-C8BB-3B13823BFA7C}"/>
+                <a16:creationId xmlns="" xmlns:a16="http://schemas.microsoft.com/office/drawing/2014/main" id="{3F560FE4-547B-1DA6-C8BB-3B13823BFA7C}"/>
               </a:ext>
             </a:extLst>
           </p:cNvPr>
@@ -2444,7 +2451,7 @@
           <a:p>
             <a:fld id="{9597531F-F6AF-4185-8FD0-A38E26DF4D90}" type="datetimeFigureOut">
               <a:rPr lang="en-IE" smtClean="0"/>
-              <a:t>01/04/2023</a:t>
+              <a:t>03/04/2023</a:t>
             </a:fld>
             <a:endParaRPr lang="en-IE"/>
           </a:p>
@@ -2455,7 +2462,7 @@
           <p:cNvPr id="4" name="Footer Placeholder 3">
             <a:extLst>
               <a:ext uri="{FF2B5EF4-FFF2-40B4-BE49-F238E27FC236}">
-                <a16:creationId xmlns:a16="http://schemas.microsoft.com/office/drawing/2014/main" id="{6A22414C-A5D4-B309-4257-0BB005557BAF}"/>
+                <a16:creationId xmlns="" xmlns:a16="http://schemas.microsoft.com/office/drawing/2014/main" id="{6A22414C-A5D4-B309-4257-0BB005557BAF}"/>
               </a:ext>
             </a:extLst>
           </p:cNvPr>
@@ -2480,7 +2487,7 @@
           <p:cNvPr id="5" name="Slide Number Placeholder 4">
             <a:extLst>
               <a:ext uri="{FF2B5EF4-FFF2-40B4-BE49-F238E27FC236}">
-                <a16:creationId xmlns:a16="http://schemas.microsoft.com/office/drawing/2014/main" id="{22321CA0-5823-AEEA-34C0-2C24C08B6097}"/>
+                <a16:creationId xmlns="" xmlns:a16="http://schemas.microsoft.com/office/drawing/2014/main" id="{22321CA0-5823-AEEA-34C0-2C24C08B6097}"/>
               </a:ext>
             </a:extLst>
           </p:cNvPr>
@@ -2539,7 +2546,7 @@
           <p:cNvPr id="2" name="Date Placeholder 1">
             <a:extLst>
               <a:ext uri="{FF2B5EF4-FFF2-40B4-BE49-F238E27FC236}">
-                <a16:creationId xmlns:a16="http://schemas.microsoft.com/office/drawing/2014/main" id="{CF06C40B-CF20-3D02-37AA-0CAF70EEBDF4}"/>
+                <a16:creationId xmlns="" xmlns:a16="http://schemas.microsoft.com/office/drawing/2014/main" id="{CF06C40B-CF20-3D02-37AA-0CAF70EEBDF4}"/>
               </a:ext>
             </a:extLst>
           </p:cNvPr>
@@ -2557,7 +2564,7 @@
           <a:p>
             <a:fld id="{9597531F-F6AF-4185-8FD0-A38E26DF4D90}" type="datetimeFigureOut">
               <a:rPr lang="en-IE" smtClean="0"/>
-              <a:t>01/04/2023</a:t>
+              <a:t>03/04/2023</a:t>
             </a:fld>
             <a:endParaRPr lang="en-IE"/>
           </a:p>
@@ -2568,7 +2575,7 @@
           <p:cNvPr id="3" name="Footer Placeholder 2">
             <a:extLst>
               <a:ext uri="{FF2B5EF4-FFF2-40B4-BE49-F238E27FC236}">
-                <a16:creationId xmlns:a16="http://schemas.microsoft.com/office/drawing/2014/main" id="{A1BF906F-C40E-13A6-86B7-932FB94668D3}"/>
+                <a16:creationId xmlns="" xmlns:a16="http://schemas.microsoft.com/office/drawing/2014/main" id="{A1BF906F-C40E-13A6-86B7-932FB94668D3}"/>
               </a:ext>
             </a:extLst>
           </p:cNvPr>
@@ -2593,7 +2600,7 @@
           <p:cNvPr id="4" name="Slide Number Placeholder 3">
             <a:extLst>
               <a:ext uri="{FF2B5EF4-FFF2-40B4-BE49-F238E27FC236}">
-                <a16:creationId xmlns:a16="http://schemas.microsoft.com/office/drawing/2014/main" id="{85759CF8-BE0D-3347-B833-EE5C921EDBE4}"/>
+                <a16:creationId xmlns="" xmlns:a16="http://schemas.microsoft.com/office/drawing/2014/main" id="{85759CF8-BE0D-3347-B833-EE5C921EDBE4}"/>
               </a:ext>
             </a:extLst>
           </p:cNvPr>
@@ -2652,7 +2659,7 @@
           <p:cNvPr id="2" name="Title 1">
             <a:extLst>
               <a:ext uri="{FF2B5EF4-FFF2-40B4-BE49-F238E27FC236}">
-                <a16:creationId xmlns:a16="http://schemas.microsoft.com/office/drawing/2014/main" id="{CF4FA41E-FB4B-A5CA-AE2B-F4E7B2E5D1C2}"/>
+                <a16:creationId xmlns="" xmlns:a16="http://schemas.microsoft.com/office/drawing/2014/main" id="{CF4FA41E-FB4B-A5CA-AE2B-F4E7B2E5D1C2}"/>
               </a:ext>
             </a:extLst>
           </p:cNvPr>
@@ -2690,7 +2697,7 @@
           <p:cNvPr id="3" name="Content Placeholder 2">
             <a:extLst>
               <a:ext uri="{FF2B5EF4-FFF2-40B4-BE49-F238E27FC236}">
-                <a16:creationId xmlns:a16="http://schemas.microsoft.com/office/drawing/2014/main" id="{BE0BF845-4818-ACED-8DA9-84D7842BAB14}"/>
+                <a16:creationId xmlns="" xmlns:a16="http://schemas.microsoft.com/office/drawing/2014/main" id="{BE0BF845-4818-ACED-8DA9-84D7842BAB14}"/>
               </a:ext>
             </a:extLst>
           </p:cNvPr>
@@ -2781,7 +2788,7 @@
           <p:cNvPr id="4" name="Text Placeholder 3">
             <a:extLst>
               <a:ext uri="{FF2B5EF4-FFF2-40B4-BE49-F238E27FC236}">
-                <a16:creationId xmlns:a16="http://schemas.microsoft.com/office/drawing/2014/main" id="{F4FB9CCA-25F0-8B63-9726-56F8FF3303BE}"/>
+                <a16:creationId xmlns="" xmlns:a16="http://schemas.microsoft.com/office/drawing/2014/main" id="{F4FB9CCA-25F0-8B63-9726-56F8FF3303BE}"/>
               </a:ext>
             </a:extLst>
           </p:cNvPr>
@@ -2852,7 +2859,7 @@
           <p:cNvPr id="5" name="Date Placeholder 4">
             <a:extLst>
               <a:ext uri="{FF2B5EF4-FFF2-40B4-BE49-F238E27FC236}">
-                <a16:creationId xmlns:a16="http://schemas.microsoft.com/office/drawing/2014/main" id="{6B0368AC-4662-8E3B-EC12-D37890A77400}"/>
+                <a16:creationId xmlns="" xmlns:a16="http://schemas.microsoft.com/office/drawing/2014/main" id="{6B0368AC-4662-8E3B-EC12-D37890A77400}"/>
               </a:ext>
             </a:extLst>
           </p:cNvPr>
@@ -2870,7 +2877,7 @@
           <a:p>
             <a:fld id="{9597531F-F6AF-4185-8FD0-A38E26DF4D90}" type="datetimeFigureOut">
               <a:rPr lang="en-IE" smtClean="0"/>
-              <a:t>01/04/2023</a:t>
+              <a:t>03/04/2023</a:t>
             </a:fld>
             <a:endParaRPr lang="en-IE"/>
           </a:p>
@@ -2881,7 +2888,7 @@
           <p:cNvPr id="6" name="Footer Placeholder 5">
             <a:extLst>
               <a:ext uri="{FF2B5EF4-FFF2-40B4-BE49-F238E27FC236}">
-                <a16:creationId xmlns:a16="http://schemas.microsoft.com/office/drawing/2014/main" id="{C3AD261D-8A8D-111E-1B33-B306276858B9}"/>
+                <a16:creationId xmlns="" xmlns:a16="http://schemas.microsoft.com/office/drawing/2014/main" id="{C3AD261D-8A8D-111E-1B33-B306276858B9}"/>
               </a:ext>
             </a:extLst>
           </p:cNvPr>
@@ -2906,7 +2913,7 @@
           <p:cNvPr id="7" name="Slide Number Placeholder 6">
             <a:extLst>
               <a:ext uri="{FF2B5EF4-FFF2-40B4-BE49-F238E27FC236}">
-                <a16:creationId xmlns:a16="http://schemas.microsoft.com/office/drawing/2014/main" id="{B517EC67-906F-9F13-F67E-74ACA355FC31}"/>
+                <a16:creationId xmlns="" xmlns:a16="http://schemas.microsoft.com/office/drawing/2014/main" id="{B517EC67-906F-9F13-F67E-74ACA355FC31}"/>
               </a:ext>
             </a:extLst>
           </p:cNvPr>
@@ -2965,7 +2972,7 @@
           <p:cNvPr id="2" name="Title 1">
             <a:extLst>
               <a:ext uri="{FF2B5EF4-FFF2-40B4-BE49-F238E27FC236}">
-                <a16:creationId xmlns:a16="http://schemas.microsoft.com/office/drawing/2014/main" id="{48CFE0D4-1AF7-04B8-13EB-D74C1DDCF8D1}"/>
+                <a16:creationId xmlns="" xmlns:a16="http://schemas.microsoft.com/office/drawing/2014/main" id="{48CFE0D4-1AF7-04B8-13EB-D74C1DDCF8D1}"/>
               </a:ext>
             </a:extLst>
           </p:cNvPr>
@@ -3003,7 +3010,7 @@
           <p:cNvPr id="3" name="Picture Placeholder 2">
             <a:extLst>
               <a:ext uri="{FF2B5EF4-FFF2-40B4-BE49-F238E27FC236}">
-                <a16:creationId xmlns:a16="http://schemas.microsoft.com/office/drawing/2014/main" id="{74C35061-3068-9E11-F9ED-EEAF8DB3FA07}"/>
+                <a16:creationId xmlns="" xmlns:a16="http://schemas.microsoft.com/office/drawing/2014/main" id="{74C35061-3068-9E11-F9ED-EEAF8DB3FA07}"/>
               </a:ext>
             </a:extLst>
           </p:cNvPr>
@@ -3070,7 +3077,7 @@
           <p:cNvPr id="4" name="Text Placeholder 3">
             <a:extLst>
               <a:ext uri="{FF2B5EF4-FFF2-40B4-BE49-F238E27FC236}">
-                <a16:creationId xmlns:a16="http://schemas.microsoft.com/office/drawing/2014/main" id="{230E5384-4F54-14D2-9AA7-7F9A83D539C0}"/>
+                <a16:creationId xmlns="" xmlns:a16="http://schemas.microsoft.com/office/drawing/2014/main" id="{230E5384-4F54-14D2-9AA7-7F9A83D539C0}"/>
               </a:ext>
             </a:extLst>
           </p:cNvPr>
@@ -3141,7 +3148,7 @@
           <p:cNvPr id="5" name="Date Placeholder 4">
             <a:extLst>
               <a:ext uri="{FF2B5EF4-FFF2-40B4-BE49-F238E27FC236}">
-                <a16:creationId xmlns:a16="http://schemas.microsoft.com/office/drawing/2014/main" id="{03BFA12D-84AD-1BC4-74C8-342AD9AF841C}"/>
+                <a16:creationId xmlns="" xmlns:a16="http://schemas.microsoft.com/office/drawing/2014/main" id="{03BFA12D-84AD-1BC4-74C8-342AD9AF841C}"/>
               </a:ext>
             </a:extLst>
           </p:cNvPr>
@@ -3159,7 +3166,7 @@
           <a:p>
             <a:fld id="{9597531F-F6AF-4185-8FD0-A38E26DF4D90}" type="datetimeFigureOut">
               <a:rPr lang="en-IE" smtClean="0"/>
-              <a:t>01/04/2023</a:t>
+              <a:t>03/04/2023</a:t>
             </a:fld>
             <a:endParaRPr lang="en-IE"/>
           </a:p>
@@ -3170,7 +3177,7 @@
           <p:cNvPr id="6" name="Footer Placeholder 5">
             <a:extLst>
               <a:ext uri="{FF2B5EF4-FFF2-40B4-BE49-F238E27FC236}">
-                <a16:creationId xmlns:a16="http://schemas.microsoft.com/office/drawing/2014/main" id="{1DBE6898-C21B-EB99-020F-FBDE37FD40E8}"/>
+                <a16:creationId xmlns="" xmlns:a16="http://schemas.microsoft.com/office/drawing/2014/main" id="{1DBE6898-C21B-EB99-020F-FBDE37FD40E8}"/>
               </a:ext>
             </a:extLst>
           </p:cNvPr>
@@ -3195,7 +3202,7 @@
           <p:cNvPr id="7" name="Slide Number Placeholder 6">
             <a:extLst>
               <a:ext uri="{FF2B5EF4-FFF2-40B4-BE49-F238E27FC236}">
-                <a16:creationId xmlns:a16="http://schemas.microsoft.com/office/drawing/2014/main" id="{7E1E50A3-C4A9-A8FE-6BEC-B462010D02ED}"/>
+                <a16:creationId xmlns="" xmlns:a16="http://schemas.microsoft.com/office/drawing/2014/main" id="{7E1E50A3-C4A9-A8FE-6BEC-B462010D02ED}"/>
               </a:ext>
             </a:extLst>
           </p:cNvPr>
@@ -3259,7 +3266,7 @@
           <p:cNvPr id="2" name="Title Placeholder 1">
             <a:extLst>
               <a:ext uri="{FF2B5EF4-FFF2-40B4-BE49-F238E27FC236}">
-                <a16:creationId xmlns:a16="http://schemas.microsoft.com/office/drawing/2014/main" id="{81BFE920-27DD-AAF4-1F5D-F7155C27B3D9}"/>
+                <a16:creationId xmlns="" xmlns:a16="http://schemas.microsoft.com/office/drawing/2014/main" id="{81BFE920-27DD-AAF4-1F5D-F7155C27B3D9}"/>
               </a:ext>
             </a:extLst>
           </p:cNvPr>
@@ -3298,7 +3305,7 @@
           <p:cNvPr id="3" name="Text Placeholder 2">
             <a:extLst>
               <a:ext uri="{FF2B5EF4-FFF2-40B4-BE49-F238E27FC236}">
-                <a16:creationId xmlns:a16="http://schemas.microsoft.com/office/drawing/2014/main" id="{B5E5B730-7E1D-532E-0720-5BFFD119EC57}"/>
+                <a16:creationId xmlns="" xmlns:a16="http://schemas.microsoft.com/office/drawing/2014/main" id="{B5E5B730-7E1D-532E-0720-5BFFD119EC57}"/>
               </a:ext>
             </a:extLst>
           </p:cNvPr>
@@ -3366,7 +3373,7 @@
           <p:cNvPr id="4" name="Date Placeholder 3">
             <a:extLst>
               <a:ext uri="{FF2B5EF4-FFF2-40B4-BE49-F238E27FC236}">
-                <a16:creationId xmlns:a16="http://schemas.microsoft.com/office/drawing/2014/main" id="{39AF65B7-FB67-8383-660D-D14B58CE29D4}"/>
+                <a16:creationId xmlns="" xmlns:a16="http://schemas.microsoft.com/office/drawing/2014/main" id="{39AF65B7-FB67-8383-660D-D14B58CE29D4}"/>
               </a:ext>
             </a:extLst>
           </p:cNvPr>
@@ -3402,7 +3409,7 @@
           <a:p>
             <a:fld id="{9597531F-F6AF-4185-8FD0-A38E26DF4D90}" type="datetimeFigureOut">
               <a:rPr lang="en-IE" smtClean="0"/>
-              <a:t>01/04/2023</a:t>
+              <a:t>03/04/2023</a:t>
             </a:fld>
             <a:endParaRPr lang="en-IE"/>
           </a:p>
@@ -3413,7 +3420,7 @@
           <p:cNvPr id="5" name="Footer Placeholder 4">
             <a:extLst>
               <a:ext uri="{FF2B5EF4-FFF2-40B4-BE49-F238E27FC236}">
-                <a16:creationId xmlns:a16="http://schemas.microsoft.com/office/drawing/2014/main" id="{CBB1D89B-55BD-29B1-8F37-ACF8C473BC74}"/>
+                <a16:creationId xmlns="" xmlns:a16="http://schemas.microsoft.com/office/drawing/2014/main" id="{CBB1D89B-55BD-29B1-8F37-ACF8C473BC74}"/>
               </a:ext>
             </a:extLst>
           </p:cNvPr>
@@ -3456,7 +3463,7 @@
           <p:cNvPr id="6" name="Slide Number Placeholder 5">
             <a:extLst>
               <a:ext uri="{FF2B5EF4-FFF2-40B4-BE49-F238E27FC236}">
-                <a16:creationId xmlns:a16="http://schemas.microsoft.com/office/drawing/2014/main" id="{1CC0B688-FC4B-83EC-9190-F38AB17E4248}"/>
+                <a16:creationId xmlns="" xmlns:a16="http://schemas.microsoft.com/office/drawing/2014/main" id="{1CC0B688-FC4B-83EC-9190-F38AB17E4248}"/>
               </a:ext>
             </a:extLst>
           </p:cNvPr>
@@ -3832,10 +3839,10 @@
           <p:cNvPr id="14" name="!!Rectangle">
             <a:extLst>
               <a:ext uri="{FF2B5EF4-FFF2-40B4-BE49-F238E27FC236}">
-                <a16:creationId xmlns:a16="http://schemas.microsoft.com/office/drawing/2014/main" id="{D4906370-1564-49FA-A802-58546B3922DC}"/>
+                <a16:creationId xmlns="" xmlns:a16="http://schemas.microsoft.com/office/drawing/2014/main" id="{D4906370-1564-49FA-A802-58546B3922DC}"/>
               </a:ext>
               <a:ext uri="{C183D7F6-B498-43B3-948B-1728B52AA6E4}">
-                <adec:decorative xmlns:adec="http://schemas.microsoft.com/office/drawing/2017/decorative" val="1"/>
+                <adec:decorative xmlns="" xmlns:adec="http://schemas.microsoft.com/office/drawing/2017/decorative" val="1"/>
               </a:ext>
             </a:extLst>
           </p:cNvPr>
@@ -3845,7 +3852,7 @@
           <p:nvPr>
             <p:extLst>
               <p:ext uri="{386F3935-93C4-4BCD-93E2-E3B085C9AB24}">
-                <p16:designElem xmlns:p16="http://schemas.microsoft.com/office/powerpoint/2015/main" val="1"/>
+                <p16:designElem xmlns="" xmlns:p16="http://schemas.microsoft.com/office/powerpoint/2015/main" val="1"/>
               </p:ext>
             </p:extLst>
           </p:nvPr>
@@ -3895,7 +3902,7 @@
           <p:cNvPr id="5" name="Picture 4">
             <a:extLst>
               <a:ext uri="{FF2B5EF4-FFF2-40B4-BE49-F238E27FC236}">
-                <a16:creationId xmlns:a16="http://schemas.microsoft.com/office/drawing/2014/main" id="{6A2EAE04-4982-7159-B9A2-0CD3C094B982}"/>
+                <a16:creationId xmlns="" xmlns:a16="http://schemas.microsoft.com/office/drawing/2014/main" id="{6A2EAE04-4982-7159-B9A2-0CD3C094B982}"/>
               </a:ext>
             </a:extLst>
           </p:cNvPr>
@@ -3926,10 +3933,10 @@
           <p:cNvPr id="16" name="Oval 15">
             <a:extLst>
               <a:ext uri="{FF2B5EF4-FFF2-40B4-BE49-F238E27FC236}">
-                <a16:creationId xmlns:a16="http://schemas.microsoft.com/office/drawing/2014/main" id="{EF640709-BDFD-453B-B75D-6212E7A870BA}"/>
+                <a16:creationId xmlns="" xmlns:a16="http://schemas.microsoft.com/office/drawing/2014/main" id="{EF640709-BDFD-453B-B75D-6212E7A870BA}"/>
               </a:ext>
               <a:ext uri="{C183D7F6-B498-43B3-948B-1728B52AA6E4}">
-                <adec:decorative xmlns:adec="http://schemas.microsoft.com/office/drawing/2017/decorative" val="1"/>
+                <adec:decorative xmlns="" xmlns:adec="http://schemas.microsoft.com/office/drawing/2017/decorative" val="1"/>
               </a:ext>
             </a:extLst>
           </p:cNvPr>
@@ -3939,7 +3946,7 @@
           <p:nvPr>
             <p:extLst>
               <p:ext uri="{386F3935-93C4-4BCD-93E2-E3B085C9AB24}">
-                <p16:designElem xmlns:p16="http://schemas.microsoft.com/office/powerpoint/2015/main" val="1"/>
+                <p16:designElem xmlns="" xmlns:p16="http://schemas.microsoft.com/office/powerpoint/2015/main" val="1"/>
               </p:ext>
             </p:extLst>
           </p:nvPr>
@@ -3991,7 +3998,7 @@
           <p:cNvPr id="2" name="Title 1">
             <a:extLst>
               <a:ext uri="{FF2B5EF4-FFF2-40B4-BE49-F238E27FC236}">
-                <a16:creationId xmlns:a16="http://schemas.microsoft.com/office/drawing/2014/main" id="{751B364B-DC9F-1B83-4402-6FCCD4670EE2}"/>
+                <a16:creationId xmlns="" xmlns:a16="http://schemas.microsoft.com/office/drawing/2014/main" id="{751B364B-DC9F-1B83-4402-6FCCD4670EE2}"/>
               </a:ext>
             </a:extLst>
           </p:cNvPr>
@@ -4027,7 +4034,7 @@
           <p:cNvPr id="3" name="Subtitle 2">
             <a:extLst>
               <a:ext uri="{FF2B5EF4-FFF2-40B4-BE49-F238E27FC236}">
-                <a16:creationId xmlns:a16="http://schemas.microsoft.com/office/drawing/2014/main" id="{27A71120-1198-BC4E-F930-011F1A95992B}"/>
+                <a16:creationId xmlns="" xmlns:a16="http://schemas.microsoft.com/office/drawing/2014/main" id="{27A71120-1198-BC4E-F930-011F1A95992B}"/>
               </a:ext>
             </a:extLst>
           </p:cNvPr>
@@ -4074,10 +4081,10 @@
           <p:cNvPr id="18" name="Arc 17">
             <a:extLst>
               <a:ext uri="{FF2B5EF4-FFF2-40B4-BE49-F238E27FC236}">
-                <a16:creationId xmlns:a16="http://schemas.microsoft.com/office/drawing/2014/main" id="{B4019478-3FDC-438C-8848-1D7DA864AFC4}"/>
+                <a16:creationId xmlns="" xmlns:a16="http://schemas.microsoft.com/office/drawing/2014/main" id="{B4019478-3FDC-438C-8848-1D7DA864AFC4}"/>
               </a:ext>
               <a:ext uri="{C183D7F6-B498-43B3-948B-1728B52AA6E4}">
-                <adec:decorative xmlns:adec="http://schemas.microsoft.com/office/drawing/2017/decorative" val="1"/>
+                <adec:decorative xmlns="" xmlns:adec="http://schemas.microsoft.com/office/drawing/2017/decorative" val="1"/>
               </a:ext>
             </a:extLst>
           </p:cNvPr>
@@ -4087,7 +4094,7 @@
           <p:nvPr>
             <p:extLst>
               <p:ext uri="{386F3935-93C4-4BCD-93E2-E3B085C9AB24}">
-                <p16:designElem xmlns:p16="http://schemas.microsoft.com/office/powerpoint/2015/main" val="1"/>
+                <p16:designElem xmlns="" xmlns:p16="http://schemas.microsoft.com/office/powerpoint/2015/main" val="1"/>
               </p:ext>
             </p:extLst>
           </p:nvPr>
@@ -4140,10 +4147,10 @@
           <p:cNvPr id="23" name="Oval 19">
             <a:extLst>
               <a:ext uri="{FF2B5EF4-FFF2-40B4-BE49-F238E27FC236}">
-                <a16:creationId xmlns:a16="http://schemas.microsoft.com/office/drawing/2014/main" id="{FE406479-1D57-4209-B128-3C81746247C6}"/>
+                <a16:creationId xmlns="" xmlns:a16="http://schemas.microsoft.com/office/drawing/2014/main" id="{FE406479-1D57-4209-B128-3C81746247C6}"/>
               </a:ext>
               <a:ext uri="{C183D7F6-B498-43B3-948B-1728B52AA6E4}">
-                <adec:decorative xmlns:adec="http://schemas.microsoft.com/office/drawing/2017/decorative" val="1"/>
+                <adec:decorative xmlns="" xmlns:adec="http://schemas.microsoft.com/office/drawing/2017/decorative" val="1"/>
               </a:ext>
             </a:extLst>
           </p:cNvPr>
@@ -4153,7 +4160,7 @@
           <p:nvPr>
             <p:extLst>
               <p:ext uri="{386F3935-93C4-4BCD-93E2-E3B085C9AB24}">
-                <p16:designElem xmlns:p16="http://schemas.microsoft.com/office/powerpoint/2015/main" val="1"/>
+                <p16:designElem xmlns="" xmlns:p16="http://schemas.microsoft.com/office/powerpoint/2015/main" val="1"/>
               </p:ext>
             </p:extLst>
           </p:nvPr>
@@ -4233,7 +4240,7 @@
           <p:cNvPr id="3" name="Content Placeholder 2">
             <a:extLst>
               <a:ext uri="{FF2B5EF4-FFF2-40B4-BE49-F238E27FC236}">
-                <a16:creationId xmlns:a16="http://schemas.microsoft.com/office/drawing/2014/main" id="{924C26A4-80C9-A9F5-4528-F95CD5209F9C}"/>
+                <a16:creationId xmlns="" xmlns:a16="http://schemas.microsoft.com/office/drawing/2014/main" id="{A213933B-CDC8-EAA9-3FB5-560F924CA9E9}"/>
               </a:ext>
             </a:extLst>
           </p:cNvPr>
@@ -4246,197 +4253,732 @@
         </p:nvSpPr>
         <p:spPr>
           <a:xfrm>
-            <a:off x="2461846" y="0"/>
-            <a:ext cx="8891954" cy="6176963"/>
+            <a:off x="3713870" y="0"/>
+            <a:ext cx="4557933" cy="6858000"/>
           </a:xfrm>
         </p:spPr>
         <p:txBody>
           <a:bodyPr>
-            <a:normAutofit/>
+            <a:normAutofit fontScale="92500" lnSpcReduction="10000"/>
           </a:bodyPr>
           <a:lstStyle/>
           <a:p>
             <a:pPr marL="0" indent="0">
-              <a:buNone/>
-            </a:pPr>
-            <a:r>
-              <a:rPr lang="en-GB" b="1" dirty="0">
-                <a:latin typeface="Arial" panose="020B0604020202020204" pitchFamily="34" charset="0"/>
-                <a:cs typeface="Arial" panose="020B0604020202020204" pitchFamily="34" charset="0"/>
-              </a:rPr>
-              <a:t>Analysis of Variance</a:t>
-            </a:r>
-          </a:p>
-          <a:p>
-            <a:pPr marL="0" indent="0">
-              <a:buNone/>
-            </a:pPr>
-            <a:r>
-              <a:rPr lang="en-GB" b="1" dirty="0">
-                <a:latin typeface="Arial" panose="020B0604020202020204" pitchFamily="34" charset="0"/>
-                <a:cs typeface="Arial" panose="020B0604020202020204" pitchFamily="34" charset="0"/>
-              </a:rPr>
-              <a:t>===================================</a:t>
-            </a:r>
-          </a:p>
-          <a:p>
-            <a:pPr marL="0" indent="0">
-              <a:buNone/>
-            </a:pPr>
-            <a:r>
-              <a:rPr lang="en-GB" b="1" dirty="0">
-                <a:latin typeface="Arial" panose="020B0604020202020204" pitchFamily="34" charset="0"/>
-                <a:cs typeface="Arial" panose="020B0604020202020204" pitchFamily="34" charset="0"/>
-              </a:rPr>
-              <a:t>Statistic N  Mean   St. Dev.   Min     Max  </a:t>
-            </a:r>
-          </a:p>
-          <a:p>
-            <a:pPr marL="0" indent="0">
-              <a:buNone/>
-            </a:pPr>
-            <a:r>
-              <a:rPr lang="en-GB" b="1" dirty="0">
-                <a:latin typeface="Arial" panose="020B0604020202020204" pitchFamily="34" charset="0"/>
-                <a:cs typeface="Arial" panose="020B0604020202020204" pitchFamily="34" charset="0"/>
-              </a:rPr>
-              <a:t>------------------------------------------------------------</a:t>
-            </a:r>
-          </a:p>
-          <a:p>
-            <a:pPr marL="0" indent="0">
-              <a:buNone/>
-            </a:pPr>
-            <a:r>
-              <a:rPr lang="en-GB" b="1" dirty="0" err="1">
-                <a:latin typeface="Arial" panose="020B0604020202020204" pitchFamily="34" charset="0"/>
-                <a:cs typeface="Arial" panose="020B0604020202020204" pitchFamily="34" charset="0"/>
-              </a:rPr>
-              <a:t>Res.Df</a:t>
-            </a:r>
-            <a:r>
-              <a:rPr lang="en-GB" b="1" dirty="0">
-                <a:latin typeface="Arial" panose="020B0604020202020204" pitchFamily="34" charset="0"/>
-                <a:cs typeface="Arial" panose="020B0604020202020204" pitchFamily="34" charset="0"/>
-              </a:rPr>
-              <a:t>    2 40.50    0.707     40      41   </a:t>
-            </a:r>
-          </a:p>
-          <a:p>
-            <a:pPr marL="0" indent="0">
-              <a:buNone/>
-            </a:pPr>
-            <a:r>
-              <a:rPr lang="en-GB" b="1" dirty="0">
-                <a:latin typeface="Arial" panose="020B0604020202020204" pitchFamily="34" charset="0"/>
-                <a:cs typeface="Arial" panose="020B0604020202020204" pitchFamily="34" charset="0"/>
-              </a:rPr>
-              <a:t>RSS         2 13.68    2.844   131.673 135.696</a:t>
-            </a:r>
-          </a:p>
-          <a:p>
-            <a:pPr marL="0" indent="0">
-              <a:buNone/>
-            </a:pPr>
-            <a:r>
-              <a:rPr lang="en-GB" b="1" dirty="0" err="1">
-                <a:latin typeface="Arial" panose="020B0604020202020204" pitchFamily="34" charset="0"/>
-                <a:cs typeface="Arial" panose="020B0604020202020204" pitchFamily="34" charset="0"/>
-              </a:rPr>
-              <a:t>Df</a:t>
-            </a:r>
-            <a:r>
-              <a:rPr lang="en-GB" b="1" dirty="0">
-                <a:latin typeface="Arial" panose="020B0604020202020204" pitchFamily="34" charset="0"/>
-                <a:cs typeface="Arial" panose="020B0604020202020204" pitchFamily="34" charset="0"/>
-              </a:rPr>
-              <a:t>           1  1.000              	       1       1   </a:t>
-            </a:r>
-          </a:p>
-          <a:p>
-            <a:pPr marL="0" indent="0">
-              <a:buNone/>
-            </a:pPr>
-            <a:r>
-              <a:rPr lang="en-GB" b="1" dirty="0">
-                <a:latin typeface="Arial" panose="020B0604020202020204" pitchFamily="34" charset="0"/>
-                <a:cs typeface="Arial" panose="020B0604020202020204" pitchFamily="34" charset="0"/>
-              </a:rPr>
-              <a:t>Sum of </a:t>
-            </a:r>
-          </a:p>
-          <a:p>
-            <a:pPr marL="0" indent="0">
-              <a:buNone/>
-            </a:pPr>
-            <a:r>
-              <a:rPr lang="en-GB" b="1" dirty="0" err="1">
-                <a:latin typeface="Arial" panose="020B0604020202020204" pitchFamily="34" charset="0"/>
-                <a:cs typeface="Arial" panose="020B0604020202020204" pitchFamily="34" charset="0"/>
-              </a:rPr>
-              <a:t>Sq</a:t>
-            </a:r>
-            <a:r>
-              <a:rPr lang="en-GB" b="1" dirty="0">
-                <a:latin typeface="Arial" panose="020B0604020202020204" pitchFamily="34" charset="0"/>
-                <a:cs typeface="Arial" panose="020B0604020202020204" pitchFamily="34" charset="0"/>
-              </a:rPr>
-              <a:t>          1  4.023                   4.023   4.023 </a:t>
-            </a:r>
-          </a:p>
-          <a:p>
-            <a:pPr marL="0" indent="0">
-              <a:buNone/>
-            </a:pPr>
-            <a:r>
-              <a:rPr lang="en-GB" b="1" dirty="0">
-                <a:latin typeface="Arial" panose="020B0604020202020204" pitchFamily="34" charset="0"/>
-                <a:cs typeface="Arial" panose="020B0604020202020204" pitchFamily="34" charset="0"/>
-              </a:rPr>
-              <a:t>F             1  1.222            	  1.222   1.222 </a:t>
-            </a:r>
-          </a:p>
-          <a:p>
-            <a:pPr marL="0" indent="0">
-              <a:buNone/>
-            </a:pPr>
-            <a:r>
-              <a:rPr lang="en-GB" b="1" dirty="0" err="1">
-                <a:latin typeface="Arial" panose="020B0604020202020204" pitchFamily="34" charset="0"/>
-                <a:cs typeface="Arial" panose="020B0604020202020204" pitchFamily="34" charset="0"/>
-              </a:rPr>
-              <a:t>Pr</a:t>
-            </a:r>
-            <a:r>
-              <a:rPr lang="en-GB" b="1" dirty="0">
-                <a:latin typeface="Arial" panose="020B0604020202020204" pitchFamily="34" charset="0"/>
-                <a:cs typeface="Arial" panose="020B0604020202020204" pitchFamily="34" charset="0"/>
-              </a:rPr>
-              <a:t>(&gt; F)   1  0.276           	  0.276   0.276 </a:t>
-            </a:r>
-          </a:p>
-          <a:p>
-            <a:pPr marL="0" indent="0">
-              <a:buNone/>
-            </a:pPr>
-            <a:r>
-              <a:rPr lang="en-GB" b="1" dirty="0">
-                <a:latin typeface="Arial" panose="020B0604020202020204" pitchFamily="34" charset="0"/>
-                <a:cs typeface="Arial" panose="020B0604020202020204" pitchFamily="34" charset="0"/>
-              </a:rPr>
-              <a:t>-------------------------------------------------------------</a:t>
-            </a:r>
-            <a:endParaRPr lang="en-IE" b="1" dirty="0">
-              <a:latin typeface="Arial" panose="020B0604020202020204" pitchFamily="34" charset="0"/>
-              <a:cs typeface="Arial" panose="020B0604020202020204" pitchFamily="34" charset="0"/>
-            </a:endParaRPr>
+              <a:spcBef>
+                <a:spcPts val="0"/>
+              </a:spcBef>
+              <a:buNone/>
+            </a:pPr>
+            <a:r>
+              <a:rPr lang="en-IE" sz="1400" b="1" dirty="0">
+                <a:latin typeface="Arial" panose="020B0604020202020204" pitchFamily="34" charset="0"/>
+                <a:cs typeface="Arial" panose="020B0604020202020204" pitchFamily="34" charset="0"/>
+              </a:rPr>
+              <a:t>	Dependent variable: ENP  </a:t>
+            </a:r>
+          </a:p>
+          <a:p>
+            <a:pPr marL="0" indent="0">
+              <a:spcBef>
+                <a:spcPts val="0"/>
+              </a:spcBef>
+              <a:buNone/>
+            </a:pPr>
+            <a:r>
+              <a:rPr lang="en-IE" sz="1400" b="1" dirty="0">
+                <a:latin typeface="Arial" panose="020B0604020202020204" pitchFamily="34" charset="0"/>
+                <a:cs typeface="Arial" panose="020B0604020202020204" pitchFamily="34" charset="0"/>
+              </a:rPr>
+              <a:t>                      -------------------------------------</a:t>
+            </a:r>
+          </a:p>
+          <a:p>
+            <a:pPr marL="0" indent="0">
+              <a:spcBef>
+                <a:spcPts val="0"/>
+              </a:spcBef>
+              <a:buNone/>
+            </a:pPr>
+            <a:r>
+              <a:rPr lang="en-IE" sz="1400" b="1" dirty="0">
+                <a:latin typeface="Arial" panose="020B0604020202020204" pitchFamily="34" charset="0"/>
+                <a:cs typeface="Arial" panose="020B0604020202020204" pitchFamily="34" charset="0"/>
+              </a:rPr>
+              <a:t>	Post 74 Additive      Post 74 Interactive       </a:t>
+            </a:r>
+          </a:p>
+          <a:p>
+            <a:pPr marL="0" indent="0">
+              <a:spcBef>
+                <a:spcPts val="0"/>
+              </a:spcBef>
+              <a:buNone/>
+            </a:pPr>
+            <a:r>
+              <a:rPr lang="en-IE" sz="1400" b="1" dirty="0">
+                <a:latin typeface="Arial" panose="020B0604020202020204" pitchFamily="34" charset="0"/>
+                <a:cs typeface="Arial" panose="020B0604020202020204" pitchFamily="34" charset="0"/>
+              </a:rPr>
+              <a:t>-----------------------------------------------------------</a:t>
+            </a:r>
+          </a:p>
+          <a:p>
+            <a:pPr marL="0" indent="0">
+              <a:spcBef>
+                <a:spcPts val="0"/>
+              </a:spcBef>
+              <a:buNone/>
+            </a:pPr>
+            <a:r>
+              <a:rPr lang="en-IE" sz="1400" b="1" dirty="0">
+                <a:latin typeface="Arial" panose="020B0604020202020204" pitchFamily="34" charset="0"/>
+                <a:cs typeface="Arial" panose="020B0604020202020204" pitchFamily="34" charset="0"/>
+              </a:rPr>
+              <a:t>fundparity4              0.472**               0.479**      </a:t>
+            </a:r>
+          </a:p>
+          <a:p>
+            <a:pPr marL="0" indent="0">
+              <a:spcBef>
+                <a:spcPts val="0"/>
+              </a:spcBef>
+              <a:buNone/>
+            </a:pPr>
+            <a:r>
+              <a:rPr lang="en-IE" sz="1400" b="1" dirty="0">
+                <a:latin typeface="Arial" panose="020B0604020202020204" pitchFamily="34" charset="0"/>
+                <a:cs typeface="Arial" panose="020B0604020202020204" pitchFamily="34" charset="0"/>
+              </a:rPr>
+              <a:t>                                 (0.224)               (0.223)      </a:t>
+            </a:r>
+          </a:p>
+          <a:p>
+            <a:pPr marL="0" indent="0">
+              <a:spcBef>
+                <a:spcPts val="0"/>
+              </a:spcBef>
+              <a:buNone/>
+            </a:pPr>
+            <a:r>
+              <a:rPr lang="en-IE" sz="1400" b="1" dirty="0">
+                <a:latin typeface="Arial" panose="020B0604020202020204" pitchFamily="34" charset="0"/>
+                <a:cs typeface="Arial" panose="020B0604020202020204" pitchFamily="34" charset="0"/>
+              </a:rPr>
+              <a:t>                                                           </a:t>
+            </a:r>
+          </a:p>
+          <a:p>
+            <a:pPr marL="0" indent="0">
+              <a:spcBef>
+                <a:spcPts val="0"/>
+              </a:spcBef>
+              <a:buNone/>
+            </a:pPr>
+            <a:r>
+              <a:rPr lang="en-IE" sz="1400" b="1" dirty="0" err="1">
+                <a:latin typeface="Arial" panose="020B0604020202020204" pitchFamily="34" charset="0"/>
+                <a:cs typeface="Arial" panose="020B0604020202020204" pitchFamily="34" charset="0"/>
+              </a:rPr>
+              <a:t>demyears</a:t>
+            </a:r>
+            <a:r>
+              <a:rPr lang="en-IE" sz="1400" b="1" dirty="0">
+                <a:latin typeface="Arial" panose="020B0604020202020204" pitchFamily="34" charset="0"/>
+                <a:cs typeface="Arial" panose="020B0604020202020204" pitchFamily="34" charset="0"/>
+              </a:rPr>
+              <a:t>               -0.016                   0.015       </a:t>
+            </a:r>
+          </a:p>
+          <a:p>
+            <a:pPr marL="0" indent="0">
+              <a:spcBef>
+                <a:spcPts val="0"/>
+              </a:spcBef>
+              <a:buNone/>
+            </a:pPr>
+            <a:r>
+              <a:rPr lang="en-IE" sz="1400" b="1" dirty="0">
+                <a:latin typeface="Arial" panose="020B0604020202020204" pitchFamily="34" charset="0"/>
+                <a:cs typeface="Arial" panose="020B0604020202020204" pitchFamily="34" charset="0"/>
+              </a:rPr>
+              <a:t>                               (0.035)                 (0.044)      </a:t>
+            </a:r>
+          </a:p>
+          <a:p>
+            <a:pPr marL="0" indent="0">
+              <a:spcBef>
+                <a:spcPts val="0"/>
+              </a:spcBef>
+              <a:buNone/>
+            </a:pPr>
+            <a:r>
+              <a:rPr lang="en-IE" sz="1400" b="1" dirty="0">
+                <a:latin typeface="Arial" panose="020B0604020202020204" pitchFamily="34" charset="0"/>
+                <a:cs typeface="Arial" panose="020B0604020202020204" pitchFamily="34" charset="0"/>
+              </a:rPr>
+              <a:t>                                                           </a:t>
+            </a:r>
+          </a:p>
+          <a:p>
+            <a:pPr marL="0" indent="0">
+              <a:spcBef>
+                <a:spcPts val="0"/>
+              </a:spcBef>
+              <a:buNone/>
+            </a:pPr>
+            <a:r>
+              <a:rPr lang="en-IE" sz="1400" b="1" dirty="0">
+                <a:latin typeface="Arial" panose="020B0604020202020204" pitchFamily="34" charset="0"/>
+                <a:cs typeface="Arial" panose="020B0604020202020204" pitchFamily="34" charset="0"/>
+              </a:rPr>
+              <a:t>fed                           -0.340                    -0.515      </a:t>
+            </a:r>
+          </a:p>
+          <a:p>
+            <a:pPr marL="0" indent="0">
+              <a:spcBef>
+                <a:spcPts val="0"/>
+              </a:spcBef>
+              <a:buNone/>
+            </a:pPr>
+            <a:r>
+              <a:rPr lang="en-IE" sz="1400" b="1" dirty="0">
+                <a:latin typeface="Arial" panose="020B0604020202020204" pitchFamily="34" charset="0"/>
+                <a:cs typeface="Arial" panose="020B0604020202020204" pitchFamily="34" charset="0"/>
+              </a:rPr>
+              <a:t>                                (0.775)                 (0.789)      </a:t>
+            </a:r>
+          </a:p>
+          <a:p>
+            <a:pPr marL="0" indent="0">
+              <a:spcBef>
+                <a:spcPts val="0"/>
+              </a:spcBef>
+              <a:buNone/>
+            </a:pPr>
+            <a:r>
+              <a:rPr lang="en-IE" sz="1400" b="1" dirty="0">
+                <a:latin typeface="Arial" panose="020B0604020202020204" pitchFamily="34" charset="0"/>
+                <a:cs typeface="Arial" panose="020B0604020202020204" pitchFamily="34" charset="0"/>
+              </a:rPr>
+              <a:t>                                                           </a:t>
+            </a:r>
+          </a:p>
+          <a:p>
+            <a:pPr marL="0" indent="0">
+              <a:spcBef>
+                <a:spcPts val="0"/>
+              </a:spcBef>
+              <a:buNone/>
+            </a:pPr>
+            <a:r>
+              <a:rPr lang="en-IE" sz="1400" b="1" dirty="0" err="1">
+                <a:latin typeface="Arial" panose="020B0604020202020204" pitchFamily="34" charset="0"/>
+                <a:cs typeface="Arial" panose="020B0604020202020204" pitchFamily="34" charset="0"/>
+              </a:rPr>
+              <a:t>pres_cat</a:t>
+            </a:r>
+            <a:r>
+              <a:rPr lang="en-IE" sz="1400" b="1" dirty="0">
+                <a:latin typeface="Arial" panose="020B0604020202020204" pitchFamily="34" charset="0"/>
+                <a:cs typeface="Arial" panose="020B0604020202020204" pitchFamily="34" charset="0"/>
+              </a:rPr>
+              <a:t>                    -0.027                  1.289       </a:t>
+            </a:r>
+          </a:p>
+          <a:p>
+            <a:pPr marL="0" indent="0">
+              <a:spcBef>
+                <a:spcPts val="0"/>
+              </a:spcBef>
+              <a:buNone/>
+            </a:pPr>
+            <a:r>
+              <a:rPr lang="en-IE" sz="1400" b="1" dirty="0">
+                <a:latin typeface="Arial" panose="020B0604020202020204" pitchFamily="34" charset="0"/>
+                <a:cs typeface="Arial" panose="020B0604020202020204" pitchFamily="34" charset="0"/>
+              </a:rPr>
+              <a:t>                                  (0.578)                 (1.323)      </a:t>
+            </a:r>
+          </a:p>
+          <a:p>
+            <a:pPr marL="0" indent="0">
+              <a:spcBef>
+                <a:spcPts val="0"/>
+              </a:spcBef>
+              <a:buNone/>
+            </a:pPr>
+            <a:r>
+              <a:rPr lang="en-IE" sz="1400" b="1" dirty="0">
+                <a:latin typeface="Arial" panose="020B0604020202020204" pitchFamily="34" charset="0"/>
+                <a:cs typeface="Arial" panose="020B0604020202020204" pitchFamily="34" charset="0"/>
+              </a:rPr>
+              <a:t>                                                           </a:t>
+            </a:r>
+          </a:p>
+          <a:p>
+            <a:pPr marL="0" indent="0">
+              <a:spcBef>
+                <a:spcPts val="0"/>
+              </a:spcBef>
+              <a:buNone/>
+            </a:pPr>
+            <a:r>
+              <a:rPr lang="en-IE" sz="1400" b="1" dirty="0">
+                <a:latin typeface="Arial" panose="020B0604020202020204" pitchFamily="34" charset="0"/>
+                <a:cs typeface="Arial" panose="020B0604020202020204" pitchFamily="34" charset="0"/>
+              </a:rPr>
+              <a:t>log(</a:t>
+            </a:r>
+            <a:r>
+              <a:rPr lang="en-IE" sz="1400" b="1" dirty="0" err="1">
+                <a:latin typeface="Arial" panose="020B0604020202020204" pitchFamily="34" charset="0"/>
+                <a:cs typeface="Arial" panose="020B0604020202020204" pitchFamily="34" charset="0"/>
+              </a:rPr>
+              <a:t>avemag</a:t>
+            </a:r>
+            <a:r>
+              <a:rPr lang="en-IE" sz="1400" b="1" dirty="0">
+                <a:latin typeface="Arial" panose="020B0604020202020204" pitchFamily="34" charset="0"/>
+                <a:cs typeface="Arial" panose="020B0604020202020204" pitchFamily="34" charset="0"/>
+              </a:rPr>
+              <a:t>)              0.139                   0.149       </a:t>
+            </a:r>
+          </a:p>
+          <a:p>
+            <a:pPr marL="0" indent="0">
+              <a:spcBef>
+                <a:spcPts val="0"/>
+              </a:spcBef>
+              <a:buNone/>
+            </a:pPr>
+            <a:r>
+              <a:rPr lang="en-IE" sz="1400" b="1" dirty="0">
+                <a:latin typeface="Arial" panose="020B0604020202020204" pitchFamily="34" charset="0"/>
+                <a:cs typeface="Arial" panose="020B0604020202020204" pitchFamily="34" charset="0"/>
+              </a:rPr>
+              <a:t>                                   (0.487)               (0.486)      </a:t>
+            </a:r>
+          </a:p>
+          <a:p>
+            <a:pPr marL="0" indent="0">
+              <a:spcBef>
+                <a:spcPts val="0"/>
+              </a:spcBef>
+              <a:buNone/>
+            </a:pPr>
+            <a:r>
+              <a:rPr lang="en-IE" sz="1400" b="1" dirty="0">
+                <a:latin typeface="Arial" panose="020B0604020202020204" pitchFamily="34" charset="0"/>
+                <a:cs typeface="Arial" panose="020B0604020202020204" pitchFamily="34" charset="0"/>
+              </a:rPr>
+              <a:t>                                                           </a:t>
+            </a:r>
+          </a:p>
+          <a:p>
+            <a:pPr marL="0" indent="0">
+              <a:spcBef>
+                <a:spcPts val="0"/>
+              </a:spcBef>
+              <a:buNone/>
+            </a:pPr>
+            <a:r>
+              <a:rPr lang="en-IE" sz="1400" b="1" dirty="0" err="1">
+                <a:latin typeface="Arial" panose="020B0604020202020204" pitchFamily="34" charset="0"/>
+                <a:cs typeface="Arial" panose="020B0604020202020204" pitchFamily="34" charset="0"/>
+              </a:rPr>
+              <a:t>fract</a:t>
+            </a:r>
+            <a:r>
+              <a:rPr lang="en-IE" sz="1400" b="1" dirty="0">
+                <a:latin typeface="Arial" panose="020B0604020202020204" pitchFamily="34" charset="0"/>
+                <a:cs typeface="Arial" panose="020B0604020202020204" pitchFamily="34" charset="0"/>
+              </a:rPr>
+              <a:t>                          -1.108                   -1.364      </a:t>
+            </a:r>
+          </a:p>
+          <a:p>
+            <a:pPr marL="0" indent="0">
+              <a:spcBef>
+                <a:spcPts val="0"/>
+              </a:spcBef>
+              <a:buNone/>
+            </a:pPr>
+            <a:r>
+              <a:rPr lang="en-IE" sz="1400" b="1" dirty="0">
+                <a:latin typeface="Arial" panose="020B0604020202020204" pitchFamily="34" charset="0"/>
+                <a:cs typeface="Arial" panose="020B0604020202020204" pitchFamily="34" charset="0"/>
+              </a:rPr>
+              <a:t>                                  (1.994)                 (2.002)      </a:t>
+            </a:r>
+          </a:p>
+          <a:p>
+            <a:pPr marL="0" indent="0">
+              <a:spcBef>
+                <a:spcPts val="0"/>
+              </a:spcBef>
+              <a:buNone/>
+            </a:pPr>
+            <a:r>
+              <a:rPr lang="en-IE" sz="1400" b="1" dirty="0">
+                <a:latin typeface="Arial" panose="020B0604020202020204" pitchFamily="34" charset="0"/>
+                <a:cs typeface="Arial" panose="020B0604020202020204" pitchFamily="34" charset="0"/>
+              </a:rPr>
+              <a:t>                                                           </a:t>
+            </a:r>
+          </a:p>
+          <a:p>
+            <a:pPr marL="0" indent="0">
+              <a:spcBef>
+                <a:spcPts val="0"/>
+              </a:spcBef>
+              <a:buNone/>
+            </a:pPr>
+            <a:r>
+              <a:rPr lang="en-IE" sz="1400" b="1" dirty="0" err="1">
+                <a:latin typeface="Arial" panose="020B0604020202020204" pitchFamily="34" charset="0"/>
+                <a:cs typeface="Arial" panose="020B0604020202020204" pitchFamily="34" charset="0"/>
+              </a:rPr>
+              <a:t>demyears:pres_cat</a:t>
+            </a:r>
+            <a:r>
+              <a:rPr lang="en-IE" sz="1400" b="1" dirty="0">
+                <a:latin typeface="Arial" panose="020B0604020202020204" pitchFamily="34" charset="0"/>
+                <a:cs typeface="Arial" panose="020B0604020202020204" pitchFamily="34" charset="0"/>
+              </a:rPr>
+              <a:t>                              -0.074      </a:t>
+            </a:r>
+          </a:p>
+          <a:p>
+            <a:pPr marL="0" indent="0">
+              <a:spcBef>
+                <a:spcPts val="0"/>
+              </a:spcBef>
+              <a:buNone/>
+            </a:pPr>
+            <a:r>
+              <a:rPr lang="en-IE" sz="1400" b="1" dirty="0">
+                <a:latin typeface="Arial" panose="020B0604020202020204" pitchFamily="34" charset="0"/>
+                <a:cs typeface="Arial" panose="020B0604020202020204" pitchFamily="34" charset="0"/>
+              </a:rPr>
+              <a:t>                                                               (0.067)      </a:t>
+            </a:r>
+          </a:p>
+          <a:p>
+            <a:pPr marL="0" indent="0">
+              <a:spcBef>
+                <a:spcPts val="0"/>
+              </a:spcBef>
+              <a:buNone/>
+            </a:pPr>
+            <a:r>
+              <a:rPr lang="en-IE" sz="1400" b="1" dirty="0">
+                <a:latin typeface="Arial" panose="020B0604020202020204" pitchFamily="34" charset="0"/>
+                <a:cs typeface="Arial" panose="020B0604020202020204" pitchFamily="34" charset="0"/>
+              </a:rPr>
+              <a:t>                                                           </a:t>
+            </a:r>
+          </a:p>
+          <a:p>
+            <a:pPr marL="0" indent="0">
+              <a:spcBef>
+                <a:spcPts val="0"/>
+              </a:spcBef>
+              <a:buNone/>
+            </a:pPr>
+            <a:r>
+              <a:rPr lang="en-IE" sz="1400" b="1" dirty="0">
+                <a:latin typeface="Arial" panose="020B0604020202020204" pitchFamily="34" charset="0"/>
+                <a:cs typeface="Arial" panose="020B0604020202020204" pitchFamily="34" charset="0"/>
+              </a:rPr>
+              <a:t>log(</a:t>
+            </a:r>
+            <a:r>
+              <a:rPr lang="en-IE" sz="1400" b="1" dirty="0" err="1">
+                <a:latin typeface="Arial" panose="020B0604020202020204" pitchFamily="34" charset="0"/>
+                <a:cs typeface="Arial" panose="020B0604020202020204" pitchFamily="34" charset="0"/>
+              </a:rPr>
+              <a:t>avemag</a:t>
+            </a:r>
+            <a:r>
+              <a:rPr lang="en-IE" sz="1400" b="1" dirty="0">
+                <a:latin typeface="Arial" panose="020B0604020202020204" pitchFamily="34" charset="0"/>
+                <a:cs typeface="Arial" panose="020B0604020202020204" pitchFamily="34" charset="0"/>
+              </a:rPr>
+              <a:t>):</a:t>
+            </a:r>
+            <a:r>
+              <a:rPr lang="en-IE" sz="1400" b="1" dirty="0" err="1">
+                <a:latin typeface="Arial" panose="020B0604020202020204" pitchFamily="34" charset="0"/>
+                <a:cs typeface="Arial" panose="020B0604020202020204" pitchFamily="34" charset="0"/>
+              </a:rPr>
+              <a:t>fract</a:t>
+            </a:r>
+            <a:r>
+              <a:rPr lang="en-IE" sz="1400" b="1" dirty="0">
+                <a:latin typeface="Arial" panose="020B0604020202020204" pitchFamily="34" charset="0"/>
+                <a:cs typeface="Arial" panose="020B0604020202020204" pitchFamily="34" charset="0"/>
+              </a:rPr>
+              <a:t>     0.102                   0.100       </a:t>
+            </a:r>
+          </a:p>
+          <a:p>
+            <a:pPr marL="0" indent="0">
+              <a:spcBef>
+                <a:spcPts val="0"/>
+              </a:spcBef>
+              <a:buNone/>
+            </a:pPr>
+            <a:r>
+              <a:rPr lang="en-IE" sz="1400" b="1" dirty="0">
+                <a:latin typeface="Arial" panose="020B0604020202020204" pitchFamily="34" charset="0"/>
+                <a:cs typeface="Arial" panose="020B0604020202020204" pitchFamily="34" charset="0"/>
+              </a:rPr>
+              <a:t>                                   (1.061)                (1.058)      </a:t>
+            </a:r>
+          </a:p>
+          <a:p>
+            <a:pPr marL="0" indent="0">
+              <a:spcBef>
+                <a:spcPts val="0"/>
+              </a:spcBef>
+              <a:buNone/>
+            </a:pPr>
+            <a:r>
+              <a:rPr lang="en-IE" sz="1400" b="1" dirty="0">
+                <a:latin typeface="Arial" panose="020B0604020202020204" pitchFamily="34" charset="0"/>
+                <a:cs typeface="Arial" panose="020B0604020202020204" pitchFamily="34" charset="0"/>
+              </a:rPr>
+              <a:t>                                                           </a:t>
+            </a:r>
+          </a:p>
+          <a:p>
+            <a:pPr marL="0" indent="0">
+              <a:spcBef>
+                <a:spcPts val="0"/>
+              </a:spcBef>
+              <a:buNone/>
+            </a:pPr>
+            <a:r>
+              <a:rPr lang="en-IE" sz="1400" b="1" dirty="0">
+                <a:latin typeface="Arial" panose="020B0604020202020204" pitchFamily="34" charset="0"/>
+                <a:cs typeface="Arial" panose="020B0604020202020204" pitchFamily="34" charset="0"/>
+              </a:rPr>
+              <a:t>Constant                   4.612***               4.111***     </a:t>
+            </a:r>
+          </a:p>
+          <a:p>
+            <a:pPr marL="0" indent="0">
+              <a:spcBef>
+                <a:spcPts val="0"/>
+              </a:spcBef>
+              <a:buNone/>
+            </a:pPr>
+            <a:r>
+              <a:rPr lang="en-IE" sz="1400" b="1" dirty="0">
+                <a:latin typeface="Arial" panose="020B0604020202020204" pitchFamily="34" charset="0"/>
+                <a:cs typeface="Arial" panose="020B0604020202020204" pitchFamily="34" charset="0"/>
+              </a:rPr>
+              <a:t>                                   (1.248)                (1.325)      </a:t>
+            </a:r>
+          </a:p>
+          <a:p>
+            <a:pPr marL="0" indent="0">
+              <a:spcBef>
+                <a:spcPts val="0"/>
+              </a:spcBef>
+              <a:buNone/>
+            </a:pPr>
+            <a:r>
+              <a:rPr lang="en-IE" sz="1400" b="1" dirty="0">
+                <a:latin typeface="Arial" panose="020B0604020202020204" pitchFamily="34" charset="0"/>
+                <a:cs typeface="Arial" panose="020B0604020202020204" pitchFamily="34" charset="0"/>
+              </a:rPr>
+              <a:t>                                                           </a:t>
+            </a:r>
+          </a:p>
+          <a:p>
+            <a:pPr marL="0" indent="0">
+              <a:spcBef>
+                <a:spcPts val="0"/>
+              </a:spcBef>
+              <a:buNone/>
+            </a:pPr>
+            <a:r>
+              <a:rPr lang="en-IE" sz="1400" b="1" dirty="0">
+                <a:latin typeface="Arial" panose="020B0604020202020204" pitchFamily="34" charset="0"/>
+                <a:cs typeface="Arial" panose="020B0604020202020204" pitchFamily="34" charset="0"/>
+              </a:rPr>
+              <a:t>-----------------------------------------------------------</a:t>
+            </a:r>
+          </a:p>
+          <a:p>
+            <a:pPr marL="0" indent="0">
+              <a:spcBef>
+                <a:spcPts val="0"/>
+              </a:spcBef>
+              <a:buNone/>
+            </a:pPr>
+            <a:r>
+              <a:rPr lang="en-IE" sz="1400" b="1" dirty="0">
+                <a:latin typeface="Arial" panose="020B0604020202020204" pitchFamily="34" charset="0"/>
+                <a:cs typeface="Arial" panose="020B0604020202020204" pitchFamily="34" charset="0"/>
+              </a:rPr>
+              <a:t>Observations                  49                 49        </a:t>
+            </a:r>
+          </a:p>
+          <a:p>
+            <a:pPr marL="0" indent="0">
+              <a:spcBef>
+                <a:spcPts val="0"/>
+              </a:spcBef>
+              <a:buNone/>
+            </a:pPr>
+            <a:r>
+              <a:rPr lang="en-IE" sz="1400" b="1" dirty="0">
+                <a:latin typeface="Arial" panose="020B0604020202020204" pitchFamily="34" charset="0"/>
+                <a:cs typeface="Arial" panose="020B0604020202020204" pitchFamily="34" charset="0"/>
+              </a:rPr>
+              <a:t>R2                                  0.177              0.202       </a:t>
+            </a:r>
+          </a:p>
+          <a:p>
+            <a:pPr marL="0" indent="0">
+              <a:spcBef>
+                <a:spcPts val="0"/>
+              </a:spcBef>
+              <a:buNone/>
+            </a:pPr>
+            <a:r>
+              <a:rPr lang="en-IE" sz="1400" b="1" dirty="0">
+                <a:latin typeface="Arial" panose="020B0604020202020204" pitchFamily="34" charset="0"/>
+                <a:cs typeface="Arial" panose="020B0604020202020204" pitchFamily="34" charset="0"/>
+              </a:rPr>
+              <a:t>Adjusted R2                 0.037               0.042       </a:t>
+            </a:r>
+          </a:p>
+          <a:p>
+            <a:pPr marL="0" indent="0">
+              <a:spcBef>
+                <a:spcPts val="0"/>
+              </a:spcBef>
+              <a:buNone/>
+            </a:pPr>
+            <a:r>
+              <a:rPr lang="en-IE" sz="1400" b="1" dirty="0">
+                <a:latin typeface="Arial" panose="020B0604020202020204" pitchFamily="34" charset="0"/>
+                <a:cs typeface="Arial" panose="020B0604020202020204" pitchFamily="34" charset="0"/>
+              </a:rPr>
+              <a:t>Residual Std. Error    1.819 (</a:t>
+            </a:r>
+            <a:r>
+              <a:rPr lang="en-IE" sz="1400" b="1" dirty="0" err="1">
+                <a:latin typeface="Arial" panose="020B0604020202020204" pitchFamily="34" charset="0"/>
+                <a:cs typeface="Arial" panose="020B0604020202020204" pitchFamily="34" charset="0"/>
+              </a:rPr>
+              <a:t>df</a:t>
+            </a:r>
+            <a:r>
+              <a:rPr lang="en-IE" sz="1400" b="1" dirty="0">
+                <a:latin typeface="Arial" panose="020B0604020202020204" pitchFamily="34" charset="0"/>
+                <a:cs typeface="Arial" panose="020B0604020202020204" pitchFamily="34" charset="0"/>
+              </a:rPr>
+              <a:t> = 41) 1.814 (</a:t>
+            </a:r>
+            <a:r>
+              <a:rPr lang="en-IE" sz="1400" b="1" dirty="0" err="1">
+                <a:latin typeface="Arial" panose="020B0604020202020204" pitchFamily="34" charset="0"/>
+                <a:cs typeface="Arial" panose="020B0604020202020204" pitchFamily="34" charset="0"/>
+              </a:rPr>
+              <a:t>df</a:t>
+            </a:r>
+            <a:r>
+              <a:rPr lang="en-IE" sz="1400" b="1" dirty="0">
+                <a:latin typeface="Arial" panose="020B0604020202020204" pitchFamily="34" charset="0"/>
+                <a:cs typeface="Arial" panose="020B0604020202020204" pitchFamily="34" charset="0"/>
+              </a:rPr>
+              <a:t> = 40)  </a:t>
+            </a:r>
+          </a:p>
+          <a:p>
+            <a:pPr marL="0" indent="0">
+              <a:spcBef>
+                <a:spcPts val="0"/>
+              </a:spcBef>
+              <a:buNone/>
+            </a:pPr>
+            <a:r>
+              <a:rPr lang="en-IE" sz="1400" b="1" dirty="0">
+                <a:latin typeface="Arial" panose="020B0604020202020204" pitchFamily="34" charset="0"/>
+                <a:cs typeface="Arial" panose="020B0604020202020204" pitchFamily="34" charset="0"/>
+              </a:rPr>
+              <a:t>F Statistic           1.261 (</a:t>
+            </a:r>
+            <a:r>
+              <a:rPr lang="en-IE" sz="1400" b="1" dirty="0" err="1">
+                <a:latin typeface="Arial" panose="020B0604020202020204" pitchFamily="34" charset="0"/>
+                <a:cs typeface="Arial" panose="020B0604020202020204" pitchFamily="34" charset="0"/>
+              </a:rPr>
+              <a:t>df</a:t>
+            </a:r>
+            <a:r>
+              <a:rPr lang="en-IE" sz="1400" b="1" dirty="0">
+                <a:latin typeface="Arial" panose="020B0604020202020204" pitchFamily="34" charset="0"/>
+                <a:cs typeface="Arial" panose="020B0604020202020204" pitchFamily="34" charset="0"/>
+              </a:rPr>
+              <a:t> = 7; 41)     1.262 (</a:t>
+            </a:r>
+            <a:r>
+              <a:rPr lang="en-IE" sz="1400" b="1" dirty="0" err="1">
+                <a:latin typeface="Arial" panose="020B0604020202020204" pitchFamily="34" charset="0"/>
+                <a:cs typeface="Arial" panose="020B0604020202020204" pitchFamily="34" charset="0"/>
+              </a:rPr>
+              <a:t>df</a:t>
+            </a:r>
+            <a:r>
+              <a:rPr lang="en-IE" sz="1400" b="1" dirty="0">
+                <a:latin typeface="Arial" panose="020B0604020202020204" pitchFamily="34" charset="0"/>
+                <a:cs typeface="Arial" panose="020B0604020202020204" pitchFamily="34" charset="0"/>
+              </a:rPr>
+              <a:t> = 8; 40)</a:t>
+            </a:r>
+          </a:p>
+          <a:p>
+            <a:pPr marL="0" indent="0">
+              <a:spcBef>
+                <a:spcPts val="0"/>
+              </a:spcBef>
+              <a:buNone/>
+            </a:pPr>
+            <a:r>
+              <a:rPr lang="en-IE" sz="1400" b="1" dirty="0">
+                <a:latin typeface="Arial" panose="020B0604020202020204" pitchFamily="34" charset="0"/>
+                <a:cs typeface="Arial" panose="020B0604020202020204" pitchFamily="34" charset="0"/>
+              </a:rPr>
+              <a:t>============================================</a:t>
+            </a:r>
+          </a:p>
+          <a:p>
+            <a:pPr marL="0" indent="0">
+              <a:spcBef>
+                <a:spcPts val="0"/>
+              </a:spcBef>
+              <a:buNone/>
+            </a:pPr>
+            <a:r>
+              <a:rPr lang="en-IE" sz="1400" b="1" dirty="0">
+                <a:latin typeface="Arial" panose="020B0604020202020204" pitchFamily="34" charset="0"/>
+                <a:cs typeface="Arial" panose="020B0604020202020204" pitchFamily="34" charset="0"/>
+              </a:rPr>
+              <a:t>Note:                           *p&lt;0.1; **p&lt;0.05; ***p&lt;0.0</a:t>
+            </a:r>
           </a:p>
         </p:txBody>
       </p:sp>
     </p:spTree>
     <p:extLst>
       <p:ext uri="{BB962C8B-B14F-4D97-AF65-F5344CB8AC3E}">
-        <p14:creationId xmlns:p14="http://schemas.microsoft.com/office/powerpoint/2010/main" val="1048563488"/>
+        <p14:creationId xmlns:p14="http://schemas.microsoft.com/office/powerpoint/2010/main" val="2263536256"/>
       </p:ext>
     </p:extLst>
   </p:cSld>
@@ -4468,7 +5010,242 @@
           <p:cNvPr id="3" name="Content Placeholder 2">
             <a:extLst>
               <a:ext uri="{FF2B5EF4-FFF2-40B4-BE49-F238E27FC236}">
-                <a16:creationId xmlns:a16="http://schemas.microsoft.com/office/drawing/2014/main" id="{99FCBBCB-82EF-2797-709A-525F7AF8E238}"/>
+                <a16:creationId xmlns="" xmlns:a16="http://schemas.microsoft.com/office/drawing/2014/main" id="{924C26A4-80C9-A9F5-4528-F95CD5209F9C}"/>
+              </a:ext>
+            </a:extLst>
+          </p:cNvPr>
+          <p:cNvSpPr>
+            <a:spLocks noGrp="1"/>
+          </p:cNvSpPr>
+          <p:nvPr>
+            <p:ph idx="1"/>
+          </p:nvPr>
+        </p:nvSpPr>
+        <p:spPr>
+          <a:xfrm>
+            <a:off x="2461846" y="0"/>
+            <a:ext cx="8891954" cy="6176963"/>
+          </a:xfrm>
+        </p:spPr>
+        <p:txBody>
+          <a:bodyPr>
+            <a:normAutofit/>
+          </a:bodyPr>
+          <a:lstStyle/>
+          <a:p>
+            <a:pPr marL="0" indent="0">
+              <a:buNone/>
+            </a:pPr>
+            <a:r>
+              <a:rPr lang="en-GB" b="1" dirty="0">
+                <a:latin typeface="Arial" panose="020B0604020202020204" pitchFamily="34" charset="0"/>
+                <a:cs typeface="Arial" panose="020B0604020202020204" pitchFamily="34" charset="0"/>
+              </a:rPr>
+              <a:t>Analysis of Variance</a:t>
+            </a:r>
+          </a:p>
+          <a:p>
+            <a:pPr marL="0" indent="0">
+              <a:buNone/>
+            </a:pPr>
+            <a:r>
+              <a:rPr lang="en-GB" b="1" dirty="0">
+                <a:latin typeface="Arial" panose="020B0604020202020204" pitchFamily="34" charset="0"/>
+                <a:cs typeface="Arial" panose="020B0604020202020204" pitchFamily="34" charset="0"/>
+              </a:rPr>
+              <a:t>===================================</a:t>
+            </a:r>
+          </a:p>
+          <a:p>
+            <a:pPr marL="0" indent="0">
+              <a:buNone/>
+            </a:pPr>
+            <a:r>
+              <a:rPr lang="en-GB" b="1" dirty="0">
+                <a:latin typeface="Arial" panose="020B0604020202020204" pitchFamily="34" charset="0"/>
+                <a:cs typeface="Arial" panose="020B0604020202020204" pitchFamily="34" charset="0"/>
+              </a:rPr>
+              <a:t>Statistic N  Mean   St. Dev.   Min     Max  </a:t>
+            </a:r>
+          </a:p>
+          <a:p>
+            <a:pPr marL="0" indent="0">
+              <a:buNone/>
+            </a:pPr>
+            <a:r>
+              <a:rPr lang="en-GB" b="1" dirty="0">
+                <a:latin typeface="Arial" panose="020B0604020202020204" pitchFamily="34" charset="0"/>
+                <a:cs typeface="Arial" panose="020B0604020202020204" pitchFamily="34" charset="0"/>
+              </a:rPr>
+              <a:t>------------------------------------------------------------</a:t>
+            </a:r>
+          </a:p>
+          <a:p>
+            <a:pPr marL="0" indent="0">
+              <a:buNone/>
+            </a:pPr>
+            <a:r>
+              <a:rPr lang="en-GB" b="1" dirty="0" err="1">
+                <a:latin typeface="Arial" panose="020B0604020202020204" pitchFamily="34" charset="0"/>
+                <a:cs typeface="Arial" panose="020B0604020202020204" pitchFamily="34" charset="0"/>
+              </a:rPr>
+              <a:t>Res.Df</a:t>
+            </a:r>
+            <a:r>
+              <a:rPr lang="en-GB" b="1" dirty="0">
+                <a:latin typeface="Arial" panose="020B0604020202020204" pitchFamily="34" charset="0"/>
+                <a:cs typeface="Arial" panose="020B0604020202020204" pitchFamily="34" charset="0"/>
+              </a:rPr>
+              <a:t>    2 40.50    0.707     40      41   </a:t>
+            </a:r>
+          </a:p>
+          <a:p>
+            <a:pPr marL="0" indent="0">
+              <a:buNone/>
+            </a:pPr>
+            <a:r>
+              <a:rPr lang="en-GB" b="1" dirty="0">
+                <a:latin typeface="Arial" panose="020B0604020202020204" pitchFamily="34" charset="0"/>
+                <a:cs typeface="Arial" panose="020B0604020202020204" pitchFamily="34" charset="0"/>
+              </a:rPr>
+              <a:t>RSS         2 13.68    2.844   131.673 135.696</a:t>
+            </a:r>
+          </a:p>
+          <a:p>
+            <a:pPr marL="0" indent="0">
+              <a:buNone/>
+            </a:pPr>
+            <a:r>
+              <a:rPr lang="en-GB" b="1" dirty="0" err="1">
+                <a:latin typeface="Arial" panose="020B0604020202020204" pitchFamily="34" charset="0"/>
+                <a:cs typeface="Arial" panose="020B0604020202020204" pitchFamily="34" charset="0"/>
+              </a:rPr>
+              <a:t>Df</a:t>
+            </a:r>
+            <a:r>
+              <a:rPr lang="en-GB" b="1" dirty="0">
+                <a:latin typeface="Arial" panose="020B0604020202020204" pitchFamily="34" charset="0"/>
+                <a:cs typeface="Arial" panose="020B0604020202020204" pitchFamily="34" charset="0"/>
+              </a:rPr>
+              <a:t>           1  1.000              	       1       1   </a:t>
+            </a:r>
+          </a:p>
+          <a:p>
+            <a:pPr marL="0" indent="0">
+              <a:buNone/>
+            </a:pPr>
+            <a:r>
+              <a:rPr lang="en-GB" b="1" dirty="0">
+                <a:latin typeface="Arial" panose="020B0604020202020204" pitchFamily="34" charset="0"/>
+                <a:cs typeface="Arial" panose="020B0604020202020204" pitchFamily="34" charset="0"/>
+              </a:rPr>
+              <a:t>Sum of </a:t>
+            </a:r>
+          </a:p>
+          <a:p>
+            <a:pPr marL="0" indent="0">
+              <a:buNone/>
+            </a:pPr>
+            <a:r>
+              <a:rPr lang="en-GB" b="1" dirty="0" err="1">
+                <a:latin typeface="Arial" panose="020B0604020202020204" pitchFamily="34" charset="0"/>
+                <a:cs typeface="Arial" panose="020B0604020202020204" pitchFamily="34" charset="0"/>
+              </a:rPr>
+              <a:t>Sq</a:t>
+            </a:r>
+            <a:r>
+              <a:rPr lang="en-GB" b="1" dirty="0">
+                <a:latin typeface="Arial" panose="020B0604020202020204" pitchFamily="34" charset="0"/>
+                <a:cs typeface="Arial" panose="020B0604020202020204" pitchFamily="34" charset="0"/>
+              </a:rPr>
+              <a:t>          1  4.023                   4.023   4.023 </a:t>
+            </a:r>
+          </a:p>
+          <a:p>
+            <a:pPr marL="0" indent="0">
+              <a:buNone/>
+            </a:pPr>
+            <a:r>
+              <a:rPr lang="en-GB" b="1" dirty="0">
+                <a:latin typeface="Arial" panose="020B0604020202020204" pitchFamily="34" charset="0"/>
+                <a:cs typeface="Arial" panose="020B0604020202020204" pitchFamily="34" charset="0"/>
+              </a:rPr>
+              <a:t>F             1  1.222            	  1.222   1.222 </a:t>
+            </a:r>
+          </a:p>
+          <a:p>
+            <a:pPr marL="0" indent="0">
+              <a:buNone/>
+            </a:pPr>
+            <a:r>
+              <a:rPr lang="en-GB" b="1" dirty="0" err="1">
+                <a:latin typeface="Arial" panose="020B0604020202020204" pitchFamily="34" charset="0"/>
+                <a:cs typeface="Arial" panose="020B0604020202020204" pitchFamily="34" charset="0"/>
+              </a:rPr>
+              <a:t>Pr</a:t>
+            </a:r>
+            <a:r>
+              <a:rPr lang="en-GB" b="1" dirty="0">
+                <a:latin typeface="Arial" panose="020B0604020202020204" pitchFamily="34" charset="0"/>
+                <a:cs typeface="Arial" panose="020B0604020202020204" pitchFamily="34" charset="0"/>
+              </a:rPr>
+              <a:t>(&gt; F)   1  0.276           	  0.276   0.276 </a:t>
+            </a:r>
+          </a:p>
+          <a:p>
+            <a:pPr marL="0" indent="0">
+              <a:buNone/>
+            </a:pPr>
+            <a:r>
+              <a:rPr lang="en-GB" b="1" dirty="0">
+                <a:latin typeface="Arial" panose="020B0604020202020204" pitchFamily="34" charset="0"/>
+                <a:cs typeface="Arial" panose="020B0604020202020204" pitchFamily="34" charset="0"/>
+              </a:rPr>
+              <a:t>-------------------------------------------------------------</a:t>
+            </a:r>
+            <a:endParaRPr lang="en-IE" b="1" dirty="0">
+              <a:latin typeface="Arial" panose="020B0604020202020204" pitchFamily="34" charset="0"/>
+              <a:cs typeface="Arial" panose="020B0604020202020204" pitchFamily="34" charset="0"/>
+            </a:endParaRPr>
+          </a:p>
+        </p:txBody>
+      </p:sp>
+    </p:spTree>
+    <p:extLst>
+      <p:ext uri="{BB962C8B-B14F-4D97-AF65-F5344CB8AC3E}">
+        <p14:creationId xmlns:p14="http://schemas.microsoft.com/office/powerpoint/2010/main" val="1048563488"/>
+      </p:ext>
+    </p:extLst>
+  </p:cSld>
+  <p:clrMapOvr>
+    <a:masterClrMapping/>
+  </p:clrMapOvr>
+</p:sld>
+</file>
+
+<file path=ppt/slides/slide12.xml><?xml version="1.0" encoding="utf-8"?>
+<p:sld xmlns:a="http://schemas.openxmlformats.org/drawingml/2006/main" xmlns:r="http://schemas.openxmlformats.org/officeDocument/2006/relationships" xmlns:p="http://schemas.openxmlformats.org/presentationml/2006/main">
+  <p:cSld>
+    <p:spTree>
+      <p:nvGrpSpPr>
+        <p:cNvPr id="1" name=""/>
+        <p:cNvGrpSpPr/>
+        <p:nvPr/>
+      </p:nvGrpSpPr>
+      <p:grpSpPr>
+        <a:xfrm>
+          <a:off x="0" y="0"/>
+          <a:ext cx="0" cy="0"/>
+          <a:chOff x="0" y="0"/>
+          <a:chExt cx="0" cy="0"/>
+        </a:xfrm>
+      </p:grpSpPr>
+      <p:sp>
+        <p:nvSpPr>
+          <p:cNvPr id="3" name="Content Placeholder 2">
+            <a:extLst>
+              <a:ext uri="{FF2B5EF4-FFF2-40B4-BE49-F238E27FC236}">
+                <a16:creationId xmlns="" xmlns:a16="http://schemas.microsoft.com/office/drawing/2014/main" id="{99FCBBCB-82EF-2797-709A-525F7AF8E238}"/>
               </a:ext>
             </a:extLst>
           </p:cNvPr>
@@ -4560,10 +5337,10 @@
           <p:cNvPr id="8" name="Rectangle 7">
             <a:extLst>
               <a:ext uri="{FF2B5EF4-FFF2-40B4-BE49-F238E27FC236}">
-                <a16:creationId xmlns:a16="http://schemas.microsoft.com/office/drawing/2014/main" id="{907EF6B7-1338-4443-8C46-6A318D952DFD}"/>
+                <a16:creationId xmlns="" xmlns:a16="http://schemas.microsoft.com/office/drawing/2014/main" id="{907EF6B7-1338-4443-8C46-6A318D952DFD}"/>
               </a:ext>
               <a:ext uri="{C183D7F6-B498-43B3-948B-1728B52AA6E4}">
-                <adec:decorative xmlns:adec="http://schemas.microsoft.com/office/drawing/2017/decorative" val="1"/>
+                <adec:decorative xmlns="" xmlns:adec="http://schemas.microsoft.com/office/drawing/2017/decorative" val="1"/>
               </a:ext>
             </a:extLst>
           </p:cNvPr>
@@ -4573,7 +5350,7 @@
           <p:nvPr>
             <p:extLst>
               <p:ext uri="{386F3935-93C4-4BCD-93E2-E3B085C9AB24}">
-                <p16:designElem xmlns:p16="http://schemas.microsoft.com/office/powerpoint/2015/main" val="1"/>
+                <p16:designElem xmlns="" xmlns:p16="http://schemas.microsoft.com/office/powerpoint/2015/main" val="1"/>
               </p:ext>
             </p:extLst>
           </p:nvPr>
@@ -4620,10 +5397,10 @@
           <p:cNvPr id="10" name="Freeform: Shape 9">
             <a:extLst>
               <a:ext uri="{FF2B5EF4-FFF2-40B4-BE49-F238E27FC236}">
-                <a16:creationId xmlns:a16="http://schemas.microsoft.com/office/drawing/2014/main" id="{DAAE4CDD-124C-4DCF-9584-B6033B545DD5}"/>
+                <a16:creationId xmlns="" xmlns:a16="http://schemas.microsoft.com/office/drawing/2014/main" id="{DAAE4CDD-124C-4DCF-9584-B6033B545DD5}"/>
               </a:ext>
               <a:ext uri="{C183D7F6-B498-43B3-948B-1728B52AA6E4}">
-                <adec:decorative xmlns:adec="http://schemas.microsoft.com/office/drawing/2017/decorative" val="1"/>
+                <adec:decorative xmlns="" xmlns:adec="http://schemas.microsoft.com/office/drawing/2017/decorative" val="1"/>
               </a:ext>
             </a:extLst>
           </p:cNvPr>
@@ -4633,7 +5410,7 @@
           <p:nvPr>
             <p:extLst>
               <p:ext uri="{386F3935-93C4-4BCD-93E2-E3B085C9AB24}">
-                <p16:designElem xmlns:p16="http://schemas.microsoft.com/office/powerpoint/2015/main" val="1"/>
+                <p16:designElem xmlns="" xmlns:p16="http://schemas.microsoft.com/office/powerpoint/2015/main" val="1"/>
               </p:ext>
             </p:extLst>
           </p:nvPr>
@@ -4754,7 +5531,7 @@
           <p:cNvPr id="2" name="Title 1">
             <a:extLst>
               <a:ext uri="{FF2B5EF4-FFF2-40B4-BE49-F238E27FC236}">
-                <a16:creationId xmlns:a16="http://schemas.microsoft.com/office/drawing/2014/main" id="{C107BD1B-A567-3F93-0A64-4B4D3C8D36E3}"/>
+                <a16:creationId xmlns="" xmlns:a16="http://schemas.microsoft.com/office/drawing/2014/main" id="{C107BD1B-A567-3F93-0A64-4B4D3C8D36E3}"/>
               </a:ext>
             </a:extLst>
           </p:cNvPr>
@@ -4798,10 +5575,10 @@
           <p:cNvPr id="12" name="Arc 11">
             <a:extLst>
               <a:ext uri="{FF2B5EF4-FFF2-40B4-BE49-F238E27FC236}">
-                <a16:creationId xmlns:a16="http://schemas.microsoft.com/office/drawing/2014/main" id="{081E4A58-353D-44AE-B2FC-2A74E2E400F7}"/>
+                <a16:creationId xmlns="" xmlns:a16="http://schemas.microsoft.com/office/drawing/2014/main" id="{081E4A58-353D-44AE-B2FC-2A74E2E400F7}"/>
               </a:ext>
               <a:ext uri="{C183D7F6-B498-43B3-948B-1728B52AA6E4}">
-                <adec:decorative xmlns:adec="http://schemas.microsoft.com/office/drawing/2017/decorative" val="1"/>
+                <adec:decorative xmlns="" xmlns:adec="http://schemas.microsoft.com/office/drawing/2017/decorative" val="1"/>
               </a:ext>
             </a:extLst>
           </p:cNvPr>
@@ -4811,7 +5588,7 @@
           <p:nvPr>
             <p:extLst>
               <p:ext uri="{386F3935-93C4-4BCD-93E2-E3B085C9AB24}">
-                <p16:designElem xmlns:p16="http://schemas.microsoft.com/office/powerpoint/2015/main" val="1"/>
+                <p16:designElem xmlns="" xmlns:p16="http://schemas.microsoft.com/office/powerpoint/2015/main" val="1"/>
               </p:ext>
             </p:extLst>
           </p:nvPr>
@@ -4859,7 +5636,7 @@
           <p:cNvPr id="3" name="Content Placeholder 2">
             <a:extLst>
               <a:ext uri="{FF2B5EF4-FFF2-40B4-BE49-F238E27FC236}">
-                <a16:creationId xmlns:a16="http://schemas.microsoft.com/office/drawing/2014/main" id="{FD6CF253-766B-49E3-6220-B17EA324E6A1}"/>
+                <a16:creationId xmlns="" xmlns:a16="http://schemas.microsoft.com/office/drawing/2014/main" id="{FD6CF253-766B-49E3-6220-B17EA324E6A1}"/>
               </a:ext>
             </a:extLst>
           </p:cNvPr>
@@ -4891,11 +5668,32 @@
               </a:spcAft>
             </a:pPr>
             <a:r>
-              <a:rPr lang="en-GB" b="0" i="0" u="none" strike="noStrike">
+              <a:rPr lang="en-GB" b="0" i="0" u="none" strike="noStrike" dirty="0">
                 <a:effectLst/>
                 <a:latin typeface="Arial" panose="020B0604020202020204" pitchFamily="34" charset="0"/>
               </a:rPr>
-              <a:t>By Joshua Potter and Margit Tavis (2013)</a:t>
+              <a:t>By Joshua Potter and Margit </a:t>
+            </a:r>
+            <a:r>
+              <a:rPr lang="en-GB" b="0" i="0" u="none" strike="noStrike" dirty="0" err="1" smtClean="0">
+                <a:effectLst/>
+                <a:latin typeface="Arial" panose="020B0604020202020204" pitchFamily="34" charset="0"/>
+              </a:rPr>
+              <a:t>Tavits</a:t>
+            </a:r>
+            <a:r>
+              <a:rPr lang="en-GB" b="0" i="0" u="none" strike="noStrike" dirty="0" smtClean="0">
+                <a:effectLst/>
+                <a:latin typeface="Arial" panose="020B0604020202020204" pitchFamily="34" charset="0"/>
+              </a:rPr>
+              <a:t> </a:t>
+            </a:r>
+            <a:r>
+              <a:rPr lang="en-GB" b="0" i="0" u="none" strike="noStrike" dirty="0">
+                <a:effectLst/>
+                <a:latin typeface="Arial" panose="020B0604020202020204" pitchFamily="34" charset="0"/>
+              </a:rPr>
+              <a:t>(2013)</a:t>
             </a:r>
           </a:p>
           <a:p>
@@ -4907,7 +5705,7 @@
                 <a:spcPts val="600"/>
               </a:spcAft>
             </a:pPr>
-            <a:endParaRPr lang="en-GB" b="0" i="0" u="none" strike="noStrike">
+            <a:endParaRPr lang="en-GB" b="0" i="0" u="none" strike="noStrike" dirty="0">
               <a:effectLst/>
               <a:latin typeface="Arial" panose="020B0604020202020204" pitchFamily="34" charset="0"/>
             </a:endParaRPr>
@@ -4922,23 +5720,31 @@
               </a:spcAft>
             </a:pPr>
             <a:r>
-              <a:rPr lang="en-GB" b="0" i="0" u="none" strike="noStrike">
+              <a:rPr lang="en-GB" b="0" i="0" u="none" strike="noStrike" dirty="0">
                 <a:effectLst/>
                 <a:latin typeface="Arial" panose="020B0604020202020204" pitchFamily="34" charset="0"/>
               </a:rPr>
-              <a:t>Paper looks at whether campaign finance laws effect the number of political parties (ENP)</a:t>
-            </a:r>
-          </a:p>
-          <a:p>
-            <a:pPr rtl="0">
+              <a:t>Paper looks at whether campaign finance laws effect the number of political </a:t>
+            </a:r>
+            <a:r>
+              <a:rPr lang="en-GB" b="0" i="0" u="none" strike="noStrike" dirty="0" smtClean="0">
+                <a:effectLst/>
+                <a:latin typeface="Arial" panose="020B0604020202020204" pitchFamily="34" charset="0"/>
+              </a:rPr>
+              <a:t>parties (ENP)</a:t>
+            </a:r>
+          </a:p>
+          <a:p>
+            <a:pPr marL="0" indent="0" rtl="0">
               <a:spcBef>
                 <a:spcPts val="0"/>
               </a:spcBef>
               <a:spcAft>
                 <a:spcPts val="600"/>
               </a:spcAft>
-            </a:pPr>
-            <a:endParaRPr lang="en-GB">
+              <a:buNone/>
+            </a:pPr>
+            <a:endParaRPr lang="en-GB" dirty="0">
               <a:latin typeface="Arial" panose="020B0604020202020204" pitchFamily="34" charset="0"/>
             </a:endParaRPr>
           </a:p>
@@ -4952,11 +5758,31 @@
               </a:spcAft>
             </a:pPr>
             <a:r>
-              <a:rPr lang="en-GB" b="0" i="0" u="none" strike="noStrike">
+              <a:rPr lang="en-GB" b="0" i="0" u="none" strike="noStrike" dirty="0">
                 <a:effectLst/>
                 <a:latin typeface="Arial" panose="020B0604020202020204" pitchFamily="34" charset="0"/>
               </a:rPr>
-              <a:t>Theory: Expensive campaigns are constraints on party political actors </a:t>
+              <a:t>Theory: </a:t>
+            </a:r>
+            <a:r>
+              <a:rPr lang="en-GB" dirty="0" smtClean="0">
+                <a:latin typeface="Arial" panose="020B0604020202020204" pitchFamily="34" charset="0"/>
+              </a:rPr>
+              <a:t>Campaign Expenses </a:t>
+            </a:r>
+            <a:r>
+              <a:rPr lang="en-GB" b="0" i="0" u="none" strike="noStrike" dirty="0" smtClean="0">
+                <a:effectLst/>
+                <a:latin typeface="Arial" panose="020B0604020202020204" pitchFamily="34" charset="0"/>
+              </a:rPr>
+              <a:t>are a constraint </a:t>
+            </a:r>
+            <a:r>
+              <a:rPr lang="en-GB" b="0" i="0" u="none" strike="noStrike" dirty="0">
+                <a:effectLst/>
+                <a:latin typeface="Arial" panose="020B0604020202020204" pitchFamily="34" charset="0"/>
+              </a:rPr>
+              <a:t>on party political actors </a:t>
             </a:r>
           </a:p>
           <a:p>
@@ -4969,7 +5795,7 @@
               </a:spcAft>
             </a:pPr>
             <a:r>
-              <a:rPr lang="en-GB" b="0" i="0" u="none" strike="noStrike">
+              <a:rPr lang="en-GB" b="0" i="0" u="none" strike="noStrike" dirty="0">
                 <a:effectLst/>
                 <a:latin typeface="Arial" panose="020B0604020202020204" pitchFamily="34" charset="0"/>
               </a:rPr>
@@ -5021,10 +5847,10 @@
           <p:cNvPr id="8" name="Rectangle 7">
             <a:extLst>
               <a:ext uri="{FF2B5EF4-FFF2-40B4-BE49-F238E27FC236}">
-                <a16:creationId xmlns:a16="http://schemas.microsoft.com/office/drawing/2014/main" id="{907EF6B7-1338-4443-8C46-6A318D952DFD}"/>
+                <a16:creationId xmlns="" xmlns:a16="http://schemas.microsoft.com/office/drawing/2014/main" id="{907EF6B7-1338-4443-8C46-6A318D952DFD}"/>
               </a:ext>
               <a:ext uri="{C183D7F6-B498-43B3-948B-1728B52AA6E4}">
-                <adec:decorative xmlns:adec="http://schemas.microsoft.com/office/drawing/2017/decorative" val="1"/>
+                <adec:decorative xmlns="" xmlns:adec="http://schemas.microsoft.com/office/drawing/2017/decorative" val="1"/>
               </a:ext>
             </a:extLst>
           </p:cNvPr>
@@ -5034,7 +5860,7 @@
           <p:nvPr>
             <p:extLst>
               <p:ext uri="{386F3935-93C4-4BCD-93E2-E3B085C9AB24}">
-                <p16:designElem xmlns:p16="http://schemas.microsoft.com/office/powerpoint/2015/main" val="1"/>
+                <p16:designElem xmlns="" xmlns:p16="http://schemas.microsoft.com/office/powerpoint/2015/main" val="1"/>
               </p:ext>
             </p:extLst>
           </p:nvPr>
@@ -5081,10 +5907,10 @@
           <p:cNvPr id="10" name="Freeform: Shape 9">
             <a:extLst>
               <a:ext uri="{FF2B5EF4-FFF2-40B4-BE49-F238E27FC236}">
-                <a16:creationId xmlns:a16="http://schemas.microsoft.com/office/drawing/2014/main" id="{DAAE4CDD-124C-4DCF-9584-B6033B545DD5}"/>
+                <a16:creationId xmlns="" xmlns:a16="http://schemas.microsoft.com/office/drawing/2014/main" id="{DAAE4CDD-124C-4DCF-9584-B6033B545DD5}"/>
               </a:ext>
               <a:ext uri="{C183D7F6-B498-43B3-948B-1728B52AA6E4}">
-                <adec:decorative xmlns:adec="http://schemas.microsoft.com/office/drawing/2017/decorative" val="1"/>
+                <adec:decorative xmlns="" xmlns:adec="http://schemas.microsoft.com/office/drawing/2017/decorative" val="1"/>
               </a:ext>
             </a:extLst>
           </p:cNvPr>
@@ -5094,7 +5920,7 @@
           <p:nvPr>
             <p:extLst>
               <p:ext uri="{386F3935-93C4-4BCD-93E2-E3B085C9AB24}">
-                <p16:designElem xmlns:p16="http://schemas.microsoft.com/office/powerpoint/2015/main" val="1"/>
+                <p16:designElem xmlns="" xmlns:p16="http://schemas.microsoft.com/office/powerpoint/2015/main" val="1"/>
               </p:ext>
             </p:extLst>
           </p:nvPr>
@@ -5215,7 +6041,7 @@
           <p:cNvPr id="2" name="Title 1">
             <a:extLst>
               <a:ext uri="{FF2B5EF4-FFF2-40B4-BE49-F238E27FC236}">
-                <a16:creationId xmlns:a16="http://schemas.microsoft.com/office/drawing/2014/main" id="{FDF81566-23BB-C8B8-9CA0-D50F65D7F373}"/>
+                <a16:creationId xmlns="" xmlns:a16="http://schemas.microsoft.com/office/drawing/2014/main" id="{FDF81566-23BB-C8B8-9CA0-D50F65D7F373}"/>
               </a:ext>
             </a:extLst>
           </p:cNvPr>
@@ -5259,10 +6085,10 @@
           <p:cNvPr id="12" name="Arc 11">
             <a:extLst>
               <a:ext uri="{FF2B5EF4-FFF2-40B4-BE49-F238E27FC236}">
-                <a16:creationId xmlns:a16="http://schemas.microsoft.com/office/drawing/2014/main" id="{081E4A58-353D-44AE-B2FC-2A74E2E400F7}"/>
+                <a16:creationId xmlns="" xmlns:a16="http://schemas.microsoft.com/office/drawing/2014/main" id="{081E4A58-353D-44AE-B2FC-2A74E2E400F7}"/>
               </a:ext>
               <a:ext uri="{C183D7F6-B498-43B3-948B-1728B52AA6E4}">
-                <adec:decorative xmlns:adec="http://schemas.microsoft.com/office/drawing/2017/decorative" val="1"/>
+                <adec:decorative xmlns="" xmlns:adec="http://schemas.microsoft.com/office/drawing/2017/decorative" val="1"/>
               </a:ext>
             </a:extLst>
           </p:cNvPr>
@@ -5272,7 +6098,7 @@
           <p:nvPr>
             <p:extLst>
               <p:ext uri="{386F3935-93C4-4BCD-93E2-E3B085C9AB24}">
-                <p16:designElem xmlns:p16="http://schemas.microsoft.com/office/powerpoint/2015/main" val="1"/>
+                <p16:designElem xmlns="" xmlns:p16="http://schemas.microsoft.com/office/powerpoint/2015/main" val="1"/>
               </p:ext>
             </p:extLst>
           </p:nvPr>
@@ -5320,7 +6146,7 @@
           <p:cNvPr id="3" name="Content Placeholder 2">
             <a:extLst>
               <a:ext uri="{FF2B5EF4-FFF2-40B4-BE49-F238E27FC236}">
-                <a16:creationId xmlns:a16="http://schemas.microsoft.com/office/drawing/2014/main" id="{86B5DBCA-7F1A-B271-B62A-1F1BEE84B016}"/>
+                <a16:creationId xmlns="" xmlns:a16="http://schemas.microsoft.com/office/drawing/2014/main" id="{86B5DBCA-7F1A-B271-B62A-1F1BEE84B016}"/>
               </a:ext>
             </a:extLst>
           </p:cNvPr>
@@ -5358,7 +6184,7 @@
               <a:defRPr/>
             </a:pPr>
             <a:r>
-              <a:rPr kumimoji="0" lang="en-GB" sz="1500" b="0" i="0" u="none" strike="noStrike" kern="1200" cap="none" spc="0" normalizeH="0" baseline="0" noProof="0">
+              <a:rPr kumimoji="0" lang="en-GB" sz="1500" b="0" i="0" u="none" strike="noStrike" kern="1200" cap="none" spc="0" normalizeH="0" baseline="0" noProof="0" dirty="0">
                 <a:ln>
                   <a:noFill/>
                 </a:ln>
@@ -5387,7 +6213,7 @@
               <a:defRPr/>
             </a:pPr>
             <a:r>
-              <a:rPr kumimoji="0" lang="en-GB" sz="1500" b="0" i="0" u="none" strike="noStrike" kern="1200" cap="none" spc="0" normalizeH="0" baseline="0" noProof="0">
+              <a:rPr kumimoji="0" lang="en-GB" sz="1500" b="0" i="0" u="none" strike="noStrike" kern="1200" cap="none" spc="0" normalizeH="0" baseline="0" noProof="0" dirty="0">
                 <a:ln>
                   <a:noFill/>
                 </a:ln>
@@ -5400,7 +6226,7 @@
               </a:rPr>
               <a:t>Data for 130 countries</a:t>
             </a:r>
-            <a:endParaRPr kumimoji="0" lang="en-GB" sz="1500" b="0" i="0" u="none" strike="noStrike" kern="1200" cap="none" spc="0" normalizeH="0" baseline="0" noProof="0">
+            <a:endParaRPr kumimoji="0" lang="en-GB" sz="1500" b="0" i="0" u="none" strike="noStrike" kern="1200" cap="none" spc="0" normalizeH="0" baseline="0" noProof="0" dirty="0">
               <a:ln>
                 <a:noFill/>
               </a:ln>
@@ -5425,7 +6251,7 @@
               <a:tabLst/>
               <a:defRPr/>
             </a:pPr>
-            <a:endParaRPr kumimoji="0" lang="en-GB" sz="1500" b="0" i="0" u="none" strike="noStrike" kern="1200" cap="none" spc="0" normalizeH="0" baseline="0" noProof="0">
+            <a:endParaRPr kumimoji="0" lang="en-GB" sz="1500" b="0" i="0" u="none" strike="noStrike" kern="1200" cap="none" spc="0" normalizeH="0" baseline="0" noProof="0" dirty="0">
               <a:ln>
                 <a:noFill/>
               </a:ln>
@@ -5452,7 +6278,7 @@
               <a:defRPr/>
             </a:pPr>
             <a:r>
-              <a:rPr kumimoji="0" lang="en-GB" sz="1500" b="0" i="0" u="none" strike="noStrike" kern="1200" cap="none" spc="0" normalizeH="0" baseline="0" noProof="0">
+              <a:rPr kumimoji="0" lang="en-GB" sz="1500" b="0" i="0" u="none" strike="noStrike" kern="1200" cap="none" spc="0" normalizeH="0" baseline="0" noProof="0" dirty="0">
                 <a:ln>
                   <a:noFill/>
                 </a:ln>
@@ -5481,7 +6307,14 @@
               <a:defRPr/>
             </a:pPr>
             <a:r>
-              <a:rPr kumimoji="0" lang="en-GB" sz="1500" b="0" i="0" u="none" strike="noStrike" kern="1200" cap="none" spc="0" normalizeH="0" baseline="0" noProof="0">
+              <a:rPr lang="en-GB" sz="1500" dirty="0">
+                <a:latin typeface="Arial" panose="020B0604020202020204" pitchFamily="34" charset="0"/>
+                <a:cs typeface="Arial" panose="020B0604020202020204" pitchFamily="34" charset="0"/>
+              </a:rPr>
+              <a:t>N</a:t>
+            </a:r>
+            <a:r>
+              <a:rPr kumimoji="0" lang="en-GB" sz="1500" b="0" i="0" u="none" strike="noStrike" kern="1200" cap="none" spc="0" normalizeH="0" baseline="0" noProof="0" dirty="0" smtClean="0">
                 <a:ln>
                   <a:noFill/>
                 </a:ln>
@@ -5491,26 +6324,10 @@
                 <a:latin typeface="Arial" panose="020B0604020202020204" pitchFamily="34" charset="0"/>
                 <a:cs typeface="Arial" panose="020B0604020202020204" pitchFamily="34" charset="0"/>
               </a:rPr>
-              <a:t>No. Parties W</a:t>
-            </a:r>
-          </a:p>
-          <a:p>
-            <a:pPr marL="685800" marR="0" lvl="1" indent="-228600" defTabSz="914400" rtl="0" eaLnBrk="1" fontAlgn="base" latinLnBrk="0" hangingPunct="1">
-              <a:spcBef>
-                <a:spcPts val="0"/>
-              </a:spcBef>
-              <a:spcAft>
-                <a:spcPts val="0"/>
-              </a:spcAft>
-              <a:buClrTx/>
-              <a:buSzTx/>
-              <a:buFont typeface="Arial" panose="020B0604020202020204" pitchFamily="34" charset="0"/>
-              <a:buChar char="•"/>
-              <a:tabLst/>
-              <a:defRPr/>
-            </a:pPr>
-            <a:r>
-              <a:rPr kumimoji="0" lang="en-GB" sz="1500" b="0" i="0" u="none" strike="noStrike" kern="1200" cap="none" spc="0" normalizeH="0" baseline="0" noProof="0">
+              <a:t>o</a:t>
+            </a:r>
+            <a:r>
+              <a:rPr kumimoji="0" lang="en-GB" sz="1500" b="0" i="0" u="none" strike="noStrike" kern="1200" cap="none" spc="0" normalizeH="0" baseline="0" noProof="0" dirty="0">
                 <a:ln>
                   <a:noFill/>
                 </a:ln>
@@ -5520,25 +6337,75 @@
                 <a:latin typeface="Arial" panose="020B0604020202020204" pitchFamily="34" charset="0"/>
                 <a:cs typeface="Arial" panose="020B0604020202020204" pitchFamily="34" charset="0"/>
               </a:rPr>
-              <a:t>Weighted by relative strength</a:t>
-            </a:r>
-          </a:p>
-          <a:p>
-            <a:pPr marL="228600" marR="0" lvl="0" indent="-228600" defTabSz="914400" rtl="0" eaLnBrk="1" fontAlgn="base" latinLnBrk="0" hangingPunct="1">
-              <a:spcBef>
-                <a:spcPts val="0"/>
-              </a:spcBef>
-              <a:spcAft>
-                <a:spcPts val="0"/>
-              </a:spcAft>
-              <a:buClrTx/>
-              <a:buSzTx/>
-              <a:buFont typeface="Arial" panose="020B0604020202020204" pitchFamily="34" charset="0"/>
-              <a:buChar char="•"/>
-              <a:tabLst/>
-              <a:defRPr/>
-            </a:pPr>
-            <a:endParaRPr kumimoji="0" lang="en-GB" sz="1500" b="0" i="0" u="none" strike="noStrike" kern="1200" cap="none" spc="0" normalizeH="0" baseline="0" noProof="0">
+              <a:t>. </a:t>
+            </a:r>
+            <a:r>
+              <a:rPr lang="en-GB" sz="1500" dirty="0">
+                <a:latin typeface="Arial" panose="020B0604020202020204" pitchFamily="34" charset="0"/>
+                <a:cs typeface="Arial" panose="020B0604020202020204" pitchFamily="34" charset="0"/>
+              </a:rPr>
+              <a:t>p</a:t>
+            </a:r>
+            <a:r>
+              <a:rPr kumimoji="0" lang="en-GB" sz="1500" b="0" i="0" u="none" strike="noStrike" kern="1200" cap="none" spc="0" normalizeH="0" baseline="0" noProof="0" dirty="0" smtClean="0">
+                <a:ln>
+                  <a:noFill/>
+                </a:ln>
+                <a:effectLst/>
+                <a:uLnTx/>
+                <a:uFillTx/>
+                <a:latin typeface="Arial" panose="020B0604020202020204" pitchFamily="34" charset="0"/>
+                <a:cs typeface="Arial" panose="020B0604020202020204" pitchFamily="34" charset="0"/>
+              </a:rPr>
+              <a:t>arties</a:t>
+            </a:r>
+            <a:r>
+              <a:rPr lang="en-GB" sz="1500" dirty="0" smtClean="0">
+                <a:latin typeface="Arial" panose="020B0604020202020204" pitchFamily="34" charset="0"/>
+                <a:cs typeface="Arial" panose="020B0604020202020204" pitchFamily="34" charset="0"/>
+              </a:rPr>
+              <a:t> weighted </a:t>
+            </a:r>
+            <a:r>
+              <a:rPr kumimoji="0" lang="en-GB" sz="1500" b="0" i="0" u="none" strike="noStrike" kern="1200" cap="none" spc="0" normalizeH="0" baseline="0" noProof="0" dirty="0" smtClean="0">
+                <a:ln>
+                  <a:noFill/>
+                </a:ln>
+                <a:effectLst/>
+                <a:uLnTx/>
+                <a:uFillTx/>
+                <a:latin typeface="Arial" panose="020B0604020202020204" pitchFamily="34" charset="0"/>
+                <a:cs typeface="Arial" panose="020B0604020202020204" pitchFamily="34" charset="0"/>
+              </a:rPr>
+              <a:t>by </a:t>
+            </a:r>
+            <a:r>
+              <a:rPr kumimoji="0" lang="en-GB" sz="1500" b="0" i="0" u="none" strike="noStrike" kern="1200" cap="none" spc="0" normalizeH="0" baseline="0" noProof="0" dirty="0">
+                <a:ln>
+                  <a:noFill/>
+                </a:ln>
+                <a:effectLst/>
+                <a:uLnTx/>
+                <a:uFillTx/>
+                <a:latin typeface="Arial" panose="020B0604020202020204" pitchFamily="34" charset="0"/>
+                <a:cs typeface="Arial" panose="020B0604020202020204" pitchFamily="34" charset="0"/>
+              </a:rPr>
+              <a:t>relative </a:t>
+            </a:r>
+            <a:r>
+              <a:rPr kumimoji="0" lang="en-GB" sz="1500" b="0" i="0" u="none" strike="noStrike" kern="1200" cap="none" spc="0" normalizeH="0" baseline="0" noProof="0" dirty="0" smtClean="0">
+                <a:ln>
+                  <a:noFill/>
+                </a:ln>
+                <a:effectLst/>
+                <a:uLnTx/>
+                <a:uFillTx/>
+                <a:latin typeface="Arial" panose="020B0604020202020204" pitchFamily="34" charset="0"/>
+                <a:cs typeface="Arial" panose="020B0604020202020204" pitchFamily="34" charset="0"/>
+              </a:rPr>
+              <a:t>strength</a:t>
+            </a:r>
+            <a:endParaRPr kumimoji="0" lang="en-GB" sz="1500" b="0" i="0" u="none" strike="noStrike" kern="1200" cap="none" spc="0" normalizeH="0" baseline="0" noProof="0" dirty="0">
               <a:ln>
                 <a:noFill/>
               </a:ln>
@@ -5564,42 +6431,19 @@
               <a:tabLst/>
               <a:defRPr/>
             </a:pPr>
-            <a:r>
-              <a:rPr kumimoji="0" lang="en-GB" sz="1500" b="0" i="0" u="none" strike="noStrike" kern="1200" cap="none" spc="0" normalizeH="0" baseline="0" noProof="0">
-                <a:ln>
-                  <a:noFill/>
-                </a:ln>
-                <a:effectLst/>
-                <a:uLnTx/>
-                <a:uFillTx/>
-                <a:latin typeface="Arial" panose="020B0604020202020204" pitchFamily="34" charset="0"/>
-                <a:cs typeface="Arial" panose="020B0604020202020204" pitchFamily="34" charset="0"/>
-              </a:rPr>
-              <a:t>Fund Parity (x</a:t>
-            </a:r>
-            <a:r>
-              <a:rPr lang="en-GB" sz="1500">
-                <a:latin typeface="Arial" panose="020B0604020202020204" pitchFamily="34" charset="0"/>
-                <a:cs typeface="Arial" panose="020B0604020202020204" pitchFamily="34" charset="0"/>
-              </a:rPr>
-              <a:t>1</a:t>
-            </a:r>
-            <a:r>
-              <a:rPr kumimoji="0" lang="en-GB" sz="1500" b="0" i="0" u="none" strike="noStrike" kern="1200" cap="none" spc="0" normalizeH="0" baseline="0" noProof="0">
-                <a:ln>
-                  <a:noFill/>
-                </a:ln>
-                <a:effectLst/>
-                <a:uLnTx/>
-                <a:uFillTx/>
-                <a:latin typeface="Arial" panose="020B0604020202020204" pitchFamily="34" charset="0"/>
-                <a:cs typeface="Arial" panose="020B0604020202020204" pitchFamily="34" charset="0"/>
-              </a:rPr>
-              <a:t>) </a:t>
-            </a:r>
-          </a:p>
-          <a:p>
-            <a:pPr marL="685800" marR="0" lvl="1" indent="-228600" defTabSz="914400" rtl="0" eaLnBrk="1" fontAlgn="base" latinLnBrk="0" hangingPunct="1">
+            <a:endParaRPr kumimoji="0" lang="en-GB" sz="1500" b="0" i="0" u="none" strike="noStrike" kern="1200" cap="none" spc="0" normalizeH="0" baseline="0" noProof="0" dirty="0">
+              <a:ln>
+                <a:noFill/>
+              </a:ln>
+              <a:effectLst/>
+              <a:uLnTx/>
+              <a:uFillTx/>
+              <a:latin typeface="Arial" panose="020B0604020202020204" pitchFamily="34" charset="0"/>
+              <a:cs typeface="Arial" panose="020B0604020202020204" pitchFamily="34" charset="0"/>
+            </a:endParaRPr>
+          </a:p>
+          <a:p>
+            <a:pPr marL="228600" marR="0" lvl="0" indent="-228600" defTabSz="914400" rtl="0" eaLnBrk="1" fontAlgn="base" latinLnBrk="0" hangingPunct="1">
               <a:spcBef>
                 <a:spcPts val="0"/>
               </a:spcBef>
@@ -5614,7 +6458,7 @@
               <a:defRPr/>
             </a:pPr>
             <a:r>
-              <a:rPr kumimoji="0" lang="en-GB" sz="1500" b="0" i="0" u="none" strike="noStrike" kern="1200" cap="none" spc="0" normalizeH="0" baseline="0" noProof="0">
+              <a:rPr kumimoji="0" lang="en-GB" sz="1500" b="0" i="0" u="none" strike="noStrike" kern="1200" cap="none" spc="0" normalizeH="0" baseline="0" noProof="0" dirty="0">
                 <a:ln>
                   <a:noFill/>
                 </a:ln>
@@ -5624,8 +6468,51 @@
                 <a:latin typeface="Arial" panose="020B0604020202020204" pitchFamily="34" charset="0"/>
                 <a:cs typeface="Arial" panose="020B0604020202020204" pitchFamily="34" charset="0"/>
               </a:rPr>
-              <a:t>Donation Limits </a:t>
-            </a:r>
+              <a:t>Fund Parity (</a:t>
+            </a:r>
+            <a:r>
+              <a:rPr kumimoji="0" lang="en-GB" sz="1500" b="0" i="0" u="none" strike="noStrike" kern="1200" cap="none" spc="0" normalizeH="0" baseline="0" noProof="0" dirty="0" smtClean="0">
+                <a:ln>
+                  <a:noFill/>
+                </a:ln>
+                <a:effectLst/>
+                <a:uLnTx/>
+                <a:uFillTx/>
+                <a:latin typeface="Arial" panose="020B0604020202020204" pitchFamily="34" charset="0"/>
+                <a:cs typeface="Arial" panose="020B0604020202020204" pitchFamily="34" charset="0"/>
+              </a:rPr>
+              <a:t>x</a:t>
+            </a:r>
+            <a:r>
+              <a:rPr lang="en-GB" sz="1500" noProof="0" dirty="0">
+                <a:latin typeface="Arial" panose="020B0604020202020204" pitchFamily="34" charset="0"/>
+                <a:cs typeface="Arial" panose="020B0604020202020204" pitchFamily="34" charset="0"/>
+              </a:rPr>
+              <a:t>1</a:t>
+            </a:r>
+            <a:r>
+              <a:rPr kumimoji="0" lang="en-GB" sz="1500" b="0" i="0" u="none" strike="noStrike" kern="1200" cap="none" spc="0" normalizeH="0" baseline="0" noProof="0" dirty="0" smtClean="0">
+                <a:ln>
+                  <a:noFill/>
+                </a:ln>
+                <a:effectLst/>
+                <a:uLnTx/>
+                <a:uFillTx/>
+                <a:latin typeface="Arial" panose="020B0604020202020204" pitchFamily="34" charset="0"/>
+                <a:cs typeface="Arial" panose="020B0604020202020204" pitchFamily="34" charset="0"/>
+              </a:rPr>
+              <a:t>) </a:t>
+            </a:r>
+            <a:endParaRPr kumimoji="0" lang="en-GB" sz="1500" b="0" i="0" u="none" strike="noStrike" kern="1200" cap="none" spc="0" normalizeH="0" baseline="0" noProof="0" dirty="0">
+              <a:ln>
+                <a:noFill/>
+              </a:ln>
+              <a:effectLst/>
+              <a:uLnTx/>
+              <a:uFillTx/>
+              <a:latin typeface="Arial" panose="020B0604020202020204" pitchFamily="34" charset="0"/>
+              <a:cs typeface="Arial" panose="020B0604020202020204" pitchFamily="34" charset="0"/>
+            </a:endParaRPr>
           </a:p>
           <a:p>
             <a:pPr marL="685800" marR="0" lvl="1" indent="-228600" defTabSz="914400" rtl="0" eaLnBrk="1" fontAlgn="base" latinLnBrk="0" hangingPunct="1">
@@ -5643,7 +6530,7 @@
               <a:defRPr/>
             </a:pPr>
             <a:r>
-              <a:rPr kumimoji="0" lang="en-GB" sz="1500" b="0" i="0" u="none" strike="noStrike" kern="1200" cap="none" spc="0" normalizeH="0" baseline="0" noProof="0">
+              <a:rPr kumimoji="0" lang="en-GB" sz="1500" b="0" i="0" u="none" strike="noStrike" kern="1200" cap="none" spc="0" normalizeH="0" baseline="0" noProof="0" dirty="0">
                 <a:ln>
                   <a:noFill/>
                 </a:ln>
@@ -5653,7 +6540,7 @@
                 <a:latin typeface="Arial" panose="020B0604020202020204" pitchFamily="34" charset="0"/>
                 <a:cs typeface="Arial" panose="020B0604020202020204" pitchFamily="34" charset="0"/>
               </a:rPr>
-              <a:t>Spending Limits </a:t>
+              <a:t>Donation Limits </a:t>
             </a:r>
           </a:p>
           <a:p>
@@ -5672,7 +6559,7 @@
               <a:defRPr/>
             </a:pPr>
             <a:r>
-              <a:rPr kumimoji="0" lang="en-GB" sz="1500" b="0" i="0" u="none" strike="noStrike" kern="1200" cap="none" spc="0" normalizeH="0" baseline="0" noProof="0">
+              <a:rPr kumimoji="0" lang="en-GB" sz="1500" b="0" i="0" u="none" strike="noStrike" kern="1200" cap="none" spc="0" normalizeH="0" baseline="0" noProof="0" dirty="0">
                 <a:ln>
                   <a:noFill/>
                 </a:ln>
@@ -5682,7 +6569,7 @@
                 <a:latin typeface="Arial" panose="020B0604020202020204" pitchFamily="34" charset="0"/>
                 <a:cs typeface="Arial" panose="020B0604020202020204" pitchFamily="34" charset="0"/>
               </a:rPr>
-              <a:t>Free Media Access</a:t>
+              <a:t>Spending Limits </a:t>
             </a:r>
           </a:p>
           <a:p>
@@ -5701,7 +6588,7 @@
               <a:defRPr/>
             </a:pPr>
             <a:r>
-              <a:rPr kumimoji="0" lang="en-GB" sz="1500" b="0" i="0" u="none" strike="noStrike" kern="1200" cap="none" spc="0" normalizeH="0" baseline="0" noProof="0">
+              <a:rPr kumimoji="0" lang="en-GB" sz="1500" b="0" i="0" u="none" strike="noStrike" kern="1200" cap="none" spc="0" normalizeH="0" baseline="0" noProof="0" dirty="0">
                 <a:ln>
                   <a:noFill/>
                 </a:ln>
@@ -5711,12 +6598,41 @@
                 <a:latin typeface="Arial" panose="020B0604020202020204" pitchFamily="34" charset="0"/>
                 <a:cs typeface="Arial" panose="020B0604020202020204" pitchFamily="34" charset="0"/>
               </a:rPr>
+              <a:t>Free Media Access</a:t>
+            </a:r>
+          </a:p>
+          <a:p>
+            <a:pPr marL="685800" marR="0" lvl="1" indent="-228600" defTabSz="914400" rtl="0" eaLnBrk="1" fontAlgn="base" latinLnBrk="0" hangingPunct="1">
+              <a:spcBef>
+                <a:spcPts val="0"/>
+              </a:spcBef>
+              <a:spcAft>
+                <a:spcPts val="0"/>
+              </a:spcAft>
+              <a:buClrTx/>
+              <a:buSzTx/>
+              <a:buFont typeface="Arial" panose="020B0604020202020204" pitchFamily="34" charset="0"/>
+              <a:buChar char="•"/>
+              <a:tabLst/>
+              <a:defRPr/>
+            </a:pPr>
+            <a:r>
+              <a:rPr kumimoji="0" lang="en-GB" sz="1500" b="0" i="0" u="none" strike="noStrike" kern="1200" cap="none" spc="0" normalizeH="0" baseline="0" noProof="0" dirty="0">
+                <a:ln>
+                  <a:noFill/>
+                </a:ln>
+                <a:effectLst/>
+                <a:uLnTx/>
+                <a:uFillTx/>
+                <a:latin typeface="Arial" panose="020B0604020202020204" pitchFamily="34" charset="0"/>
+                <a:cs typeface="Arial" panose="020B0604020202020204" pitchFamily="34" charset="0"/>
+              </a:rPr>
               <a:t>Direct public funding</a:t>
             </a:r>
           </a:p>
           <a:p>
             <a:r>
-              <a:rPr lang="en-IE" sz="1500">
+              <a:rPr lang="en-IE" sz="1500" dirty="0">
                 <a:latin typeface="Arial" panose="020B0604020202020204" pitchFamily="34" charset="0"/>
                 <a:cs typeface="Arial" panose="020B0604020202020204" pitchFamily="34" charset="0"/>
               </a:rPr>
@@ -5726,7 +6642,7 @@
           <a:p>
             <a:pPr lvl="1"/>
             <a:r>
-              <a:rPr lang="en-IE" sz="1500">
+              <a:rPr lang="en-IE" sz="1500" dirty="0">
                 <a:latin typeface="Arial" panose="020B0604020202020204" pitchFamily="34" charset="0"/>
                 <a:cs typeface="Arial" panose="020B0604020202020204" pitchFamily="34" charset="0"/>
               </a:rPr>
@@ -5737,7 +6653,7 @@
             <a:pPr marL="0" indent="0">
               <a:buNone/>
             </a:pPr>
-            <a:endParaRPr lang="en-IE" sz="1500"/>
+            <a:endParaRPr lang="en-IE" sz="1500" dirty="0"/>
           </a:p>
         </p:txBody>
       </p:sp>
@@ -5776,7 +6692,7 @@
           <p:cNvPr id="3" name="Content Placeholder 2">
             <a:extLst>
               <a:ext uri="{FF2B5EF4-FFF2-40B4-BE49-F238E27FC236}">
-                <a16:creationId xmlns:a16="http://schemas.microsoft.com/office/drawing/2014/main" id="{95EAFD2A-E93E-B0E5-F751-79D6DEE577B4}"/>
+                <a16:creationId xmlns="" xmlns:a16="http://schemas.microsoft.com/office/drawing/2014/main" id="{95EAFD2A-E93E-B0E5-F751-79D6DEE577B4}"/>
               </a:ext>
             </a:extLst>
           </p:cNvPr>
@@ -5895,7 +6811,15 @@
             </a:r>
             <a:r>
               <a:rPr lang="en-IE" sz="1800" b="1" dirty="0"/>
-              <a:t>          	 0.013               -0.013 </a:t>
+              <a:t>          	</a:t>
+            </a:r>
+            <a:r>
+              <a:rPr lang="en-IE" sz="1800" b="1" dirty="0" smtClean="0"/>
+              <a:t>  </a:t>
+            </a:r>
+            <a:r>
+              <a:rPr lang="en-IE" sz="1800" b="1" dirty="0"/>
+              <a:t>0.013               -0.013 </a:t>
             </a:r>
           </a:p>
           <a:p>
@@ -5966,8 +6890,12 @@
               <a:buNone/>
             </a:pPr>
             <a:r>
+              <a:rPr lang="en-IE" sz="1800" b="1" dirty="0" smtClean="0"/>
+              <a:t>Presidential    </a:t>
+            </a:r>
+            <a:r>
               <a:rPr lang="en-IE" sz="1800" b="1" dirty="0"/>
-              <a:t>Presidential    	  -0.172               -0.025      </a:t>
+              <a:t>	  -0.172               -0.025      </a:t>
             </a:r>
           </a:p>
           <a:p>
@@ -6139,7 +7067,31 @@
             </a:pPr>
             <a:r>
               <a:rPr lang="en-IE" sz="1800" b="1" dirty="0"/>
-              <a:t>Constant                  	3.070***             4.383***     </a:t>
+              <a:t>Constant                  </a:t>
+            </a:r>
+            <a:r>
+              <a:rPr lang="en-IE" sz="1800" b="1" dirty="0" smtClean="0"/>
+              <a:t>  </a:t>
+            </a:r>
+            <a:r>
+              <a:rPr lang="en-IE" sz="1800" b="1" dirty="0"/>
+              <a:t>	</a:t>
+            </a:r>
+            <a:r>
+              <a:rPr lang="en-IE" sz="1800" b="1" dirty="0" smtClean="0"/>
+              <a:t> 3.070</a:t>
+            </a:r>
+            <a:r>
+              <a:rPr lang="en-IE" sz="1800" b="1" dirty="0"/>
+              <a:t>***          </a:t>
+            </a:r>
+            <a:r>
+              <a:rPr lang="en-IE" sz="1800" b="1" dirty="0" smtClean="0"/>
+              <a:t>4.383</a:t>
+            </a:r>
+            <a:r>
+              <a:rPr lang="en-IE" sz="1800" b="1" dirty="0"/>
+              <a:t>***     </a:t>
             </a:r>
           </a:p>
           <a:p>
@@ -6307,7 +7259,7 @@
           <p:cNvPr id="2" name="Title 1">
             <a:extLst>
               <a:ext uri="{FF2B5EF4-FFF2-40B4-BE49-F238E27FC236}">
-                <a16:creationId xmlns:a16="http://schemas.microsoft.com/office/drawing/2014/main" id="{6756D5C9-D8EC-098B-F59A-B9C94EB0F1C9}"/>
+                <a16:creationId xmlns="" xmlns:a16="http://schemas.microsoft.com/office/drawing/2014/main" id="{6756D5C9-D8EC-098B-F59A-B9C94EB0F1C9}"/>
               </a:ext>
             </a:extLst>
           </p:cNvPr>
@@ -6337,7 +7289,7 @@
           <p:cNvPr id="19" name="Content Placeholder 18">
             <a:extLst>
               <a:ext uri="{FF2B5EF4-FFF2-40B4-BE49-F238E27FC236}">
-                <a16:creationId xmlns:a16="http://schemas.microsoft.com/office/drawing/2014/main" id="{E77F34B8-1A21-F060-634C-4DA41ADDE93B}"/>
+                <a16:creationId xmlns="" xmlns:a16="http://schemas.microsoft.com/office/drawing/2014/main" id="{E77F34B8-1A21-F060-634C-4DA41ADDE93B}"/>
               </a:ext>
             </a:extLst>
           </p:cNvPr>
@@ -6365,7 +7317,7 @@
           <p:cNvPr id="21" name="TextBox 20">
             <a:extLst>
               <a:ext uri="{FF2B5EF4-FFF2-40B4-BE49-F238E27FC236}">
-                <a16:creationId xmlns:a16="http://schemas.microsoft.com/office/drawing/2014/main" id="{7BA7E4D2-3ACF-887A-FCAA-099E04BD75A8}"/>
+                <a16:creationId xmlns="" xmlns:a16="http://schemas.microsoft.com/office/drawing/2014/main" id="{7BA7E4D2-3ACF-887A-FCAA-099E04BD75A8}"/>
               </a:ext>
             </a:extLst>
           </p:cNvPr>
@@ -6434,13 +7386,31 @@
       </p:grpSpPr>
       <p:sp>
         <p:nvSpPr>
-          <p:cNvPr id="3" name="Content Placeholder 2">
-            <a:extLst>
-              <a:ext uri="{FF2B5EF4-FFF2-40B4-BE49-F238E27FC236}">
-                <a16:creationId xmlns:a16="http://schemas.microsoft.com/office/drawing/2014/main" id="{663B506C-3371-868B-1199-E4839CED0C13}"/>
-              </a:ext>
-            </a:extLst>
-          </p:cNvPr>
+          <p:cNvPr id="2" name="Title 1"/>
+          <p:cNvSpPr>
+            <a:spLocks noGrp="1"/>
+          </p:cNvSpPr>
+          <p:nvPr>
+            <p:ph type="title"/>
+          </p:nvPr>
+        </p:nvSpPr>
+        <p:spPr/>
+        <p:txBody>
+          <a:bodyPr/>
+          <a:lstStyle/>
+          <a:p>
+            <a:pPr algn="ctr"/>
+            <a:r>
+              <a:rPr lang="en-GB" dirty="0" smtClean="0"/>
+              <a:t>Additions</a:t>
+            </a:r>
+            <a:endParaRPr lang="en-GB" dirty="0"/>
+          </a:p>
+        </p:txBody>
+      </p:sp>
+      <p:sp>
+        <p:nvSpPr>
+          <p:cNvPr id="3" name="Content Placeholder 2"/>
           <p:cNvSpPr>
             <a:spLocks noGrp="1"/>
           </p:cNvSpPr>
@@ -6448,876 +7418,38 @@
             <p:ph idx="1"/>
           </p:nvPr>
         </p:nvSpPr>
-        <p:spPr>
-          <a:xfrm>
-            <a:off x="3948029" y="182881"/>
-            <a:ext cx="6414867" cy="6858000"/>
-          </a:xfrm>
-        </p:spPr>
+        <p:spPr/>
         <p:txBody>
-          <a:bodyPr>
-            <a:normAutofit fontScale="70000" lnSpcReduction="20000"/>
-          </a:bodyPr>
+          <a:bodyPr/>
           <a:lstStyle/>
           <a:p>
-            <a:pPr marL="0" indent="0">
-              <a:lnSpc>
-                <a:spcPct val="100000"/>
-              </a:lnSpc>
-              <a:spcBef>
-                <a:spcPts val="0"/>
-              </a:spcBef>
-              <a:buNone/>
-            </a:pPr>
-            <a:r>
-              <a:rPr lang="en-IE" sz="1800" b="1" dirty="0">
-                <a:latin typeface="Arial" panose="020B0604020202020204" pitchFamily="34" charset="0"/>
-                <a:cs typeface="Arial" panose="020B0604020202020204" pitchFamily="34" charset="0"/>
-              </a:rPr>
-              <a:t>   	       Dependent variable: ENP    </a:t>
-            </a:r>
-          </a:p>
-          <a:p>
-            <a:pPr marL="0" indent="0">
-              <a:lnSpc>
-                <a:spcPct val="100000"/>
-              </a:lnSpc>
-              <a:spcBef>
-                <a:spcPts val="0"/>
-              </a:spcBef>
-              <a:buNone/>
-            </a:pPr>
-            <a:r>
-              <a:rPr lang="en-IE" sz="1800" b="1" dirty="0">
-                <a:latin typeface="Arial" panose="020B0604020202020204" pitchFamily="34" charset="0"/>
-                <a:cs typeface="Arial" panose="020B0604020202020204" pitchFamily="34" charset="0"/>
-              </a:rPr>
-              <a:t>                    --------------------------------------------------                 </a:t>
-            </a:r>
-          </a:p>
-          <a:p>
-            <a:pPr marL="0" indent="0">
-              <a:lnSpc>
-                <a:spcPct val="100000"/>
-              </a:lnSpc>
-              <a:spcBef>
-                <a:spcPts val="0"/>
-              </a:spcBef>
-              <a:buNone/>
-            </a:pPr>
-            <a:r>
-              <a:rPr lang="en-IE" sz="1800" b="1" dirty="0">
-                <a:latin typeface="Arial" panose="020B0604020202020204" pitchFamily="34" charset="0"/>
-                <a:cs typeface="Arial" panose="020B0604020202020204" pitchFamily="34" charset="0"/>
-              </a:rPr>
-              <a:t>                                 Full                   </a:t>
-            </a:r>
-            <a:r>
-              <a:rPr lang="en-IE" sz="1800" b="1" dirty="0" err="1">
-                <a:latin typeface="Arial" panose="020B0604020202020204" pitchFamily="34" charset="0"/>
-                <a:cs typeface="Arial" panose="020B0604020202020204" pitchFamily="34" charset="0"/>
-              </a:rPr>
-              <a:t>Full</a:t>
-            </a:r>
-            <a:r>
-              <a:rPr lang="en-IE" sz="1800" b="1" dirty="0">
-                <a:latin typeface="Arial" panose="020B0604020202020204" pitchFamily="34" charset="0"/>
-                <a:cs typeface="Arial" panose="020B0604020202020204" pitchFamily="34" charset="0"/>
-              </a:rPr>
-              <a:t> w/Recode        </a:t>
-            </a:r>
-          </a:p>
-          <a:p>
-            <a:pPr marL="0" indent="0">
-              <a:lnSpc>
-                <a:spcPct val="100000"/>
-              </a:lnSpc>
-              <a:spcBef>
-                <a:spcPts val="0"/>
-              </a:spcBef>
-              <a:buNone/>
-            </a:pPr>
-            <a:r>
-              <a:rPr lang="en-IE" sz="1800" b="1" dirty="0">
-                <a:latin typeface="Arial" panose="020B0604020202020204" pitchFamily="34" charset="0"/>
-                <a:cs typeface="Arial" panose="020B0604020202020204" pitchFamily="34" charset="0"/>
-              </a:rPr>
-              <a:t>-----------------------------------------------------------------------</a:t>
-            </a:r>
-          </a:p>
-          <a:p>
-            <a:pPr marL="0" indent="0">
-              <a:lnSpc>
-                <a:spcPct val="100000"/>
-              </a:lnSpc>
-              <a:spcBef>
-                <a:spcPts val="0"/>
-              </a:spcBef>
-              <a:buNone/>
-            </a:pPr>
-            <a:r>
-              <a:rPr lang="en-IE" sz="1800" b="1" dirty="0">
-                <a:latin typeface="Arial" panose="020B0604020202020204" pitchFamily="34" charset="0"/>
-                <a:cs typeface="Arial" panose="020B0604020202020204" pitchFamily="34" charset="0"/>
-              </a:rPr>
-              <a:t>fundparity4            0.438***              0.437***       </a:t>
-            </a:r>
-          </a:p>
-          <a:p>
-            <a:pPr marL="0" indent="0">
-              <a:lnSpc>
-                <a:spcPct val="100000"/>
-              </a:lnSpc>
-              <a:spcBef>
-                <a:spcPts val="0"/>
-              </a:spcBef>
-              <a:buNone/>
-            </a:pPr>
-            <a:r>
-              <a:rPr lang="en-IE" sz="1800" b="1" dirty="0">
-                <a:latin typeface="Arial" panose="020B0604020202020204" pitchFamily="34" charset="0"/>
-                <a:cs typeface="Arial" panose="020B0604020202020204" pitchFamily="34" charset="0"/>
-              </a:rPr>
-              <a:t>                               (0.153)               (0.157)       </a:t>
-            </a:r>
-          </a:p>
-          <a:p>
-            <a:pPr marL="0" indent="0">
-              <a:lnSpc>
-                <a:spcPct val="100000"/>
-              </a:lnSpc>
-              <a:spcBef>
-                <a:spcPts val="0"/>
-              </a:spcBef>
-              <a:buNone/>
-            </a:pPr>
-            <a:r>
-              <a:rPr lang="en-IE" sz="1800" b="1" dirty="0">
-                <a:latin typeface="Arial" panose="020B0604020202020204" pitchFamily="34" charset="0"/>
-                <a:cs typeface="Arial" panose="020B0604020202020204" pitchFamily="34" charset="0"/>
-              </a:rPr>
-              <a:t>                                                              </a:t>
-            </a:r>
-          </a:p>
-          <a:p>
-            <a:pPr marL="0" indent="0">
-              <a:lnSpc>
-                <a:spcPct val="100000"/>
-              </a:lnSpc>
-              <a:spcBef>
-                <a:spcPts val="0"/>
-              </a:spcBef>
-              <a:buNone/>
-            </a:pPr>
-            <a:r>
-              <a:rPr lang="en-IE" sz="1800" b="1" dirty="0" err="1">
-                <a:latin typeface="Arial" panose="020B0604020202020204" pitchFamily="34" charset="0"/>
-                <a:cs typeface="Arial" panose="020B0604020202020204" pitchFamily="34" charset="0"/>
-              </a:rPr>
-              <a:t>demyears</a:t>
-            </a:r>
-            <a:r>
-              <a:rPr lang="en-IE" sz="1800" b="1" dirty="0">
-                <a:latin typeface="Arial" panose="020B0604020202020204" pitchFamily="34" charset="0"/>
-                <a:cs typeface="Arial" panose="020B0604020202020204" pitchFamily="34" charset="0"/>
-              </a:rPr>
-              <a:t>                0.013                 0.013        </a:t>
-            </a:r>
-          </a:p>
-          <a:p>
-            <a:pPr marL="0" indent="0">
-              <a:lnSpc>
-                <a:spcPct val="100000"/>
-              </a:lnSpc>
-              <a:spcBef>
-                <a:spcPts val="0"/>
-              </a:spcBef>
-              <a:buNone/>
-            </a:pPr>
-            <a:r>
-              <a:rPr lang="en-IE" sz="1800" b="1" dirty="0">
-                <a:latin typeface="Arial" panose="020B0604020202020204" pitchFamily="34" charset="0"/>
-                <a:cs typeface="Arial" panose="020B0604020202020204" pitchFamily="34" charset="0"/>
-              </a:rPr>
-              <a:t>                                (0.011)               (0.011)       </a:t>
-            </a:r>
-          </a:p>
-          <a:p>
-            <a:pPr marL="0" indent="0">
-              <a:lnSpc>
-                <a:spcPct val="100000"/>
-              </a:lnSpc>
-              <a:spcBef>
-                <a:spcPts val="0"/>
-              </a:spcBef>
-              <a:buNone/>
-            </a:pPr>
-            <a:r>
-              <a:rPr lang="en-IE" sz="1800" b="1" dirty="0">
-                <a:latin typeface="Arial" panose="020B0604020202020204" pitchFamily="34" charset="0"/>
-                <a:cs typeface="Arial" panose="020B0604020202020204" pitchFamily="34" charset="0"/>
-              </a:rPr>
-              <a:t>                                                               </a:t>
-            </a:r>
-          </a:p>
-          <a:p>
-            <a:pPr marL="0" indent="0">
-              <a:lnSpc>
-                <a:spcPct val="100000"/>
-              </a:lnSpc>
-              <a:spcBef>
-                <a:spcPts val="0"/>
-              </a:spcBef>
-              <a:buNone/>
-            </a:pPr>
-            <a:r>
-              <a:rPr lang="en-IE" sz="1800" b="1" dirty="0">
-                <a:latin typeface="Arial" panose="020B0604020202020204" pitchFamily="34" charset="0"/>
-                <a:cs typeface="Arial" panose="020B0604020202020204" pitchFamily="34" charset="0"/>
-              </a:rPr>
-              <a:t>Federal                     0.213                -0.295        </a:t>
-            </a:r>
-          </a:p>
-          <a:p>
-            <a:pPr marL="0" indent="0">
-              <a:lnSpc>
-                <a:spcPct val="100000"/>
-              </a:lnSpc>
-              <a:spcBef>
-                <a:spcPts val="0"/>
-              </a:spcBef>
-              <a:buNone/>
-            </a:pPr>
-            <a:r>
-              <a:rPr lang="en-IE" sz="1800" b="1" dirty="0">
-                <a:latin typeface="Arial" panose="020B0604020202020204" pitchFamily="34" charset="0"/>
-                <a:cs typeface="Arial" panose="020B0604020202020204" pitchFamily="34" charset="0"/>
-              </a:rPr>
-              <a:t>                               (0.476)               (0.480)       </a:t>
-            </a:r>
-          </a:p>
-          <a:p>
-            <a:pPr marL="0" indent="0">
-              <a:lnSpc>
-                <a:spcPct val="100000"/>
-              </a:lnSpc>
-              <a:spcBef>
-                <a:spcPts val="0"/>
-              </a:spcBef>
-              <a:buNone/>
-            </a:pPr>
-            <a:r>
-              <a:rPr lang="en-IE" sz="1800" b="1" dirty="0">
-                <a:latin typeface="Arial" panose="020B0604020202020204" pitchFamily="34" charset="0"/>
-                <a:cs typeface="Arial" panose="020B0604020202020204" pitchFamily="34" charset="0"/>
-              </a:rPr>
-              <a:t>                                                               </a:t>
-            </a:r>
-          </a:p>
-          <a:p>
-            <a:pPr marL="0" indent="0">
-              <a:lnSpc>
-                <a:spcPct val="100000"/>
-              </a:lnSpc>
-              <a:spcBef>
-                <a:spcPts val="0"/>
-              </a:spcBef>
-              <a:buNone/>
-            </a:pPr>
-            <a:r>
-              <a:rPr lang="en-IE" sz="1800" b="1" dirty="0">
-                <a:latin typeface="Arial" panose="020B0604020202020204" pitchFamily="34" charset="0"/>
-                <a:cs typeface="Arial" panose="020B0604020202020204" pitchFamily="34" charset="0"/>
-              </a:rPr>
-              <a:t>Presidential            -0.172                              </a:t>
-            </a:r>
-          </a:p>
-          <a:p>
-            <a:pPr marL="0" indent="0">
-              <a:lnSpc>
-                <a:spcPct val="100000"/>
-              </a:lnSpc>
-              <a:spcBef>
-                <a:spcPts val="0"/>
-              </a:spcBef>
-              <a:buNone/>
-            </a:pPr>
-            <a:r>
-              <a:rPr lang="en-IE" sz="1800" b="1" dirty="0">
-                <a:latin typeface="Arial" panose="020B0604020202020204" pitchFamily="34" charset="0"/>
-                <a:cs typeface="Arial" panose="020B0604020202020204" pitchFamily="34" charset="0"/>
-              </a:rPr>
-              <a:t>                                (0.211)                             </a:t>
-            </a:r>
-          </a:p>
-          <a:p>
-            <a:pPr marL="0" indent="0">
-              <a:lnSpc>
-                <a:spcPct val="100000"/>
-              </a:lnSpc>
-              <a:spcBef>
-                <a:spcPts val="0"/>
-              </a:spcBef>
-              <a:buNone/>
-            </a:pPr>
-            <a:r>
-              <a:rPr lang="en-IE" sz="1800" b="1" dirty="0">
-                <a:latin typeface="Arial" panose="020B0604020202020204" pitchFamily="34" charset="0"/>
-                <a:cs typeface="Arial" panose="020B0604020202020204" pitchFamily="34" charset="0"/>
-              </a:rPr>
-              <a:t>                                                               </a:t>
-            </a:r>
-          </a:p>
-          <a:p>
-            <a:pPr marL="0" indent="0">
-              <a:lnSpc>
-                <a:spcPct val="100000"/>
-              </a:lnSpc>
-              <a:spcBef>
-                <a:spcPts val="0"/>
-              </a:spcBef>
-              <a:buNone/>
-            </a:pPr>
-            <a:r>
-              <a:rPr lang="en-IE" sz="1800" b="1" dirty="0" err="1">
-                <a:latin typeface="Arial" panose="020B0604020202020204" pitchFamily="34" charset="0"/>
-                <a:cs typeface="Arial" panose="020B0604020202020204" pitchFamily="34" charset="0"/>
-              </a:rPr>
-              <a:t>Pres_cat</a:t>
-            </a:r>
-            <a:r>
-              <a:rPr lang="en-IE" sz="1800" b="1" dirty="0">
-                <a:latin typeface="Arial" panose="020B0604020202020204" pitchFamily="34" charset="0"/>
-                <a:cs typeface="Arial" panose="020B0604020202020204" pitchFamily="34" charset="0"/>
-              </a:rPr>
-              <a:t>                                             -0.346        </a:t>
-            </a:r>
-          </a:p>
-          <a:p>
-            <a:pPr marL="0" indent="0">
-              <a:lnSpc>
-                <a:spcPct val="100000"/>
-              </a:lnSpc>
-              <a:spcBef>
-                <a:spcPts val="0"/>
-              </a:spcBef>
-              <a:buNone/>
-            </a:pPr>
-            <a:r>
-              <a:rPr lang="en-IE" sz="1800" b="1" dirty="0">
-                <a:latin typeface="Arial" panose="020B0604020202020204" pitchFamily="34" charset="0"/>
-                <a:cs typeface="Arial" panose="020B0604020202020204" pitchFamily="34" charset="0"/>
-              </a:rPr>
-              <a:t>                                                           (0.422)       </a:t>
-            </a:r>
-          </a:p>
-          <a:p>
-            <a:pPr marL="0" indent="0">
-              <a:lnSpc>
-                <a:spcPct val="100000"/>
-              </a:lnSpc>
-              <a:spcBef>
-                <a:spcPts val="0"/>
-              </a:spcBef>
-              <a:buNone/>
-            </a:pPr>
-            <a:r>
-              <a:rPr lang="en-IE" sz="1800" b="1" dirty="0">
-                <a:latin typeface="Arial" panose="020B0604020202020204" pitchFamily="34" charset="0"/>
-                <a:cs typeface="Arial" panose="020B0604020202020204" pitchFamily="34" charset="0"/>
-              </a:rPr>
-              <a:t>                                                               </a:t>
-            </a:r>
-          </a:p>
-          <a:p>
-            <a:pPr marL="0" indent="0">
-              <a:lnSpc>
-                <a:spcPct val="100000"/>
-              </a:lnSpc>
-              <a:spcBef>
-                <a:spcPts val="0"/>
-              </a:spcBef>
-              <a:buNone/>
-            </a:pPr>
-            <a:r>
-              <a:rPr lang="en-IE" sz="1800" b="1" dirty="0">
-                <a:latin typeface="Arial" panose="020B0604020202020204" pitchFamily="34" charset="0"/>
-                <a:cs typeface="Arial" panose="020B0604020202020204" pitchFamily="34" charset="0"/>
-              </a:rPr>
-              <a:t>log(</a:t>
-            </a:r>
-            <a:r>
-              <a:rPr lang="en-IE" sz="1800" b="1" dirty="0" err="1">
-                <a:latin typeface="Arial" panose="020B0604020202020204" pitchFamily="34" charset="0"/>
-                <a:cs typeface="Arial" panose="020B0604020202020204" pitchFamily="34" charset="0"/>
-              </a:rPr>
-              <a:t>avemag</a:t>
-            </a:r>
-            <a:r>
-              <a:rPr lang="en-IE" sz="1800" b="1" dirty="0">
-                <a:latin typeface="Arial" panose="020B0604020202020204" pitchFamily="34" charset="0"/>
-                <a:cs typeface="Arial" panose="020B0604020202020204" pitchFamily="34" charset="0"/>
-              </a:rPr>
-              <a:t>)             0.601**                0.439        </a:t>
-            </a:r>
-          </a:p>
-          <a:p>
-            <a:pPr marL="0" indent="0">
-              <a:lnSpc>
-                <a:spcPct val="100000"/>
-              </a:lnSpc>
-              <a:spcBef>
-                <a:spcPts val="0"/>
-              </a:spcBef>
-              <a:buNone/>
-            </a:pPr>
-            <a:r>
-              <a:rPr lang="en-IE" sz="1800" b="1" dirty="0">
-                <a:latin typeface="Arial" panose="020B0604020202020204" pitchFamily="34" charset="0"/>
-                <a:cs typeface="Arial" panose="020B0604020202020204" pitchFamily="34" charset="0"/>
-              </a:rPr>
-              <a:t>                                 (0.301)               (0.319)       </a:t>
-            </a:r>
-          </a:p>
-          <a:p>
-            <a:pPr marL="0" indent="0">
-              <a:lnSpc>
-                <a:spcPct val="100000"/>
-              </a:lnSpc>
-              <a:spcBef>
-                <a:spcPts val="0"/>
-              </a:spcBef>
-              <a:buNone/>
-            </a:pPr>
-            <a:r>
-              <a:rPr lang="en-IE" sz="1800" b="1" dirty="0">
-                <a:latin typeface="Arial" panose="020B0604020202020204" pitchFamily="34" charset="0"/>
-                <a:cs typeface="Arial" panose="020B0604020202020204" pitchFamily="34" charset="0"/>
-              </a:rPr>
-              <a:t>                                                               </a:t>
-            </a:r>
-          </a:p>
-          <a:p>
-            <a:pPr marL="0" indent="0">
-              <a:lnSpc>
-                <a:spcPct val="100000"/>
-              </a:lnSpc>
-              <a:spcBef>
-                <a:spcPts val="0"/>
-              </a:spcBef>
-              <a:buNone/>
-            </a:pPr>
-            <a:r>
-              <a:rPr lang="en-IE" sz="1800" b="1" dirty="0" err="1">
-                <a:latin typeface="Arial" panose="020B0604020202020204" pitchFamily="34" charset="0"/>
-                <a:cs typeface="Arial" panose="020B0604020202020204" pitchFamily="34" charset="0"/>
-              </a:rPr>
-              <a:t>fract</a:t>
-            </a:r>
-            <a:r>
-              <a:rPr lang="en-IE" sz="1800" b="1" dirty="0">
-                <a:latin typeface="Arial" panose="020B0604020202020204" pitchFamily="34" charset="0"/>
-                <a:cs typeface="Arial" panose="020B0604020202020204" pitchFamily="34" charset="0"/>
-              </a:rPr>
-              <a:t>                           0.956                 0.522        </a:t>
-            </a:r>
-          </a:p>
-          <a:p>
-            <a:pPr marL="0" indent="0">
-              <a:lnSpc>
-                <a:spcPct val="100000"/>
-              </a:lnSpc>
-              <a:spcBef>
-                <a:spcPts val="0"/>
-              </a:spcBef>
-              <a:buNone/>
-            </a:pPr>
-            <a:r>
-              <a:rPr lang="en-IE" sz="1800" b="1" dirty="0">
-                <a:latin typeface="Arial" panose="020B0604020202020204" pitchFamily="34" charset="0"/>
-                <a:cs typeface="Arial" panose="020B0604020202020204" pitchFamily="34" charset="0"/>
-              </a:rPr>
-              <a:t>                                (1.290)               (1.309)       </a:t>
-            </a:r>
-          </a:p>
-          <a:p>
-            <a:pPr marL="0" indent="0">
-              <a:lnSpc>
-                <a:spcPct val="100000"/>
-              </a:lnSpc>
-              <a:spcBef>
-                <a:spcPts val="0"/>
-              </a:spcBef>
-              <a:buNone/>
-            </a:pPr>
-            <a:r>
-              <a:rPr lang="en-IE" sz="1800" b="1" dirty="0">
-                <a:latin typeface="Arial" panose="020B0604020202020204" pitchFamily="34" charset="0"/>
-                <a:cs typeface="Arial" panose="020B0604020202020204" pitchFamily="34" charset="0"/>
-              </a:rPr>
-              <a:t>                                                               </a:t>
-            </a:r>
-          </a:p>
-          <a:p>
-            <a:pPr marL="0" indent="0">
-              <a:lnSpc>
-                <a:spcPct val="100000"/>
-              </a:lnSpc>
-              <a:spcBef>
-                <a:spcPts val="0"/>
-              </a:spcBef>
-              <a:buNone/>
-            </a:pPr>
-            <a:r>
-              <a:rPr lang="en-IE" sz="1800" b="1" dirty="0">
-                <a:latin typeface="Arial" panose="020B0604020202020204" pitchFamily="34" charset="0"/>
-                <a:cs typeface="Arial" panose="020B0604020202020204" pitchFamily="34" charset="0"/>
-              </a:rPr>
-              <a:t>log(</a:t>
-            </a:r>
-            <a:r>
-              <a:rPr lang="en-IE" sz="1800" b="1" dirty="0" err="1">
-                <a:latin typeface="Arial" panose="020B0604020202020204" pitchFamily="34" charset="0"/>
-                <a:cs typeface="Arial" panose="020B0604020202020204" pitchFamily="34" charset="0"/>
-              </a:rPr>
-              <a:t>avemag</a:t>
-            </a:r>
-            <a:r>
-              <a:rPr lang="en-IE" sz="1800" b="1" dirty="0">
-                <a:latin typeface="Arial" panose="020B0604020202020204" pitchFamily="34" charset="0"/>
-                <a:cs typeface="Arial" panose="020B0604020202020204" pitchFamily="34" charset="0"/>
-              </a:rPr>
-              <a:t>):</a:t>
-            </a:r>
-            <a:r>
-              <a:rPr lang="en-IE" sz="1800" b="1" dirty="0" err="1">
-                <a:latin typeface="Arial" panose="020B0604020202020204" pitchFamily="34" charset="0"/>
-                <a:cs typeface="Arial" panose="020B0604020202020204" pitchFamily="34" charset="0"/>
-              </a:rPr>
-              <a:t>fract</a:t>
-            </a:r>
-            <a:r>
-              <a:rPr lang="en-IE" sz="1800" b="1" dirty="0">
-                <a:latin typeface="Arial" panose="020B0604020202020204" pitchFamily="34" charset="0"/>
-                <a:cs typeface="Arial" panose="020B0604020202020204" pitchFamily="34" charset="0"/>
-              </a:rPr>
-              <a:t>    -0.750                -0.190        </a:t>
-            </a:r>
-          </a:p>
-          <a:p>
-            <a:pPr marL="0" indent="0">
-              <a:lnSpc>
-                <a:spcPct val="100000"/>
-              </a:lnSpc>
-              <a:spcBef>
-                <a:spcPts val="0"/>
-              </a:spcBef>
-              <a:buNone/>
-            </a:pPr>
-            <a:r>
-              <a:rPr lang="en-IE" sz="1800" b="1" dirty="0">
-                <a:latin typeface="Arial" panose="020B0604020202020204" pitchFamily="34" charset="0"/>
-                <a:cs typeface="Arial" panose="020B0604020202020204" pitchFamily="34" charset="0"/>
-              </a:rPr>
-              <a:t>                                  (0.641)               (0.727)       </a:t>
-            </a:r>
-          </a:p>
-          <a:p>
-            <a:pPr marL="0" indent="0">
-              <a:lnSpc>
-                <a:spcPct val="100000"/>
-              </a:lnSpc>
-              <a:spcBef>
-                <a:spcPts val="0"/>
-              </a:spcBef>
-              <a:buNone/>
-            </a:pPr>
-            <a:r>
-              <a:rPr lang="en-IE" sz="1800" b="1" dirty="0">
-                <a:latin typeface="Arial" panose="020B0604020202020204" pitchFamily="34" charset="0"/>
-                <a:cs typeface="Arial" panose="020B0604020202020204" pitchFamily="34" charset="0"/>
-              </a:rPr>
-              <a:t>                                                               </a:t>
-            </a:r>
-          </a:p>
-          <a:p>
-            <a:pPr marL="0" indent="0">
-              <a:lnSpc>
-                <a:spcPct val="100000"/>
-              </a:lnSpc>
-              <a:spcBef>
-                <a:spcPts val="0"/>
-              </a:spcBef>
-              <a:buNone/>
-            </a:pPr>
-            <a:r>
-              <a:rPr lang="en-IE" sz="1800" b="1" dirty="0">
-                <a:latin typeface="Arial" panose="020B0604020202020204" pitchFamily="34" charset="0"/>
-                <a:cs typeface="Arial" panose="020B0604020202020204" pitchFamily="34" charset="0"/>
-              </a:rPr>
-              <a:t>Constant                   3.070***              3.195***       </a:t>
-            </a:r>
-          </a:p>
-          <a:p>
-            <a:pPr marL="0" indent="0">
-              <a:lnSpc>
-                <a:spcPct val="100000"/>
-              </a:lnSpc>
-              <a:spcBef>
-                <a:spcPts val="0"/>
-              </a:spcBef>
-              <a:buNone/>
-            </a:pPr>
-            <a:r>
-              <a:rPr lang="en-IE" sz="1800" b="1" dirty="0">
-                <a:latin typeface="Arial" panose="020B0604020202020204" pitchFamily="34" charset="0"/>
-                <a:cs typeface="Arial" panose="020B0604020202020204" pitchFamily="34" charset="0"/>
-              </a:rPr>
-              <a:t>                                  (0.764)               (0.770)       </a:t>
-            </a:r>
-          </a:p>
-          <a:p>
-            <a:pPr marL="0" indent="0">
-              <a:lnSpc>
-                <a:spcPct val="100000"/>
-              </a:lnSpc>
-              <a:spcBef>
-                <a:spcPts val="0"/>
-              </a:spcBef>
-              <a:buNone/>
-            </a:pPr>
-            <a:r>
-              <a:rPr lang="en-IE" sz="1800" b="1" dirty="0">
-                <a:latin typeface="Arial" panose="020B0604020202020204" pitchFamily="34" charset="0"/>
-                <a:cs typeface="Arial" panose="020B0604020202020204" pitchFamily="34" charset="0"/>
-              </a:rPr>
-              <a:t>                                                               </a:t>
-            </a:r>
-          </a:p>
-          <a:p>
-            <a:pPr marL="0" indent="0">
-              <a:lnSpc>
-                <a:spcPct val="100000"/>
-              </a:lnSpc>
-              <a:spcBef>
-                <a:spcPts val="0"/>
-              </a:spcBef>
-              <a:buNone/>
-            </a:pPr>
-            <a:r>
-              <a:rPr lang="en-IE" sz="1800" b="1" dirty="0">
-                <a:latin typeface="Arial" panose="020B0604020202020204" pitchFamily="34" charset="0"/>
-                <a:cs typeface="Arial" panose="020B0604020202020204" pitchFamily="34" charset="0"/>
-              </a:rPr>
-              <a:t>----------------------------------------------------------------------------</a:t>
-            </a:r>
-          </a:p>
-          <a:p>
-            <a:pPr marL="0" indent="0">
-              <a:lnSpc>
-                <a:spcPct val="100000"/>
-              </a:lnSpc>
-              <a:spcBef>
-                <a:spcPts val="0"/>
-              </a:spcBef>
-              <a:buNone/>
-            </a:pPr>
-            <a:r>
-              <a:rPr lang="en-IE" sz="1800" b="1" dirty="0">
-                <a:latin typeface="Arial" panose="020B0604020202020204" pitchFamily="34" charset="0"/>
-                <a:cs typeface="Arial" panose="020B0604020202020204" pitchFamily="34" charset="0"/>
-              </a:rPr>
-              <a:t>Observations                 90                    85          </a:t>
-            </a:r>
-          </a:p>
-          <a:p>
-            <a:pPr marL="0" indent="0">
-              <a:lnSpc>
-                <a:spcPct val="100000"/>
-              </a:lnSpc>
-              <a:spcBef>
-                <a:spcPts val="0"/>
-              </a:spcBef>
-              <a:buNone/>
-            </a:pPr>
-            <a:r>
-              <a:rPr lang="en-IE" sz="1800" b="1" dirty="0">
-                <a:latin typeface="Arial" panose="020B0604020202020204" pitchFamily="34" charset="0"/>
-                <a:cs typeface="Arial" panose="020B0604020202020204" pitchFamily="34" charset="0"/>
-              </a:rPr>
-              <a:t>R2                                 0.198                 0.214        </a:t>
-            </a:r>
-          </a:p>
-          <a:p>
-            <a:pPr marL="0" indent="0">
-              <a:lnSpc>
-                <a:spcPct val="100000"/>
-              </a:lnSpc>
-              <a:spcBef>
-                <a:spcPts val="0"/>
-              </a:spcBef>
-              <a:buNone/>
-            </a:pPr>
-            <a:r>
-              <a:rPr lang="en-IE" sz="1800" b="1" dirty="0">
-                <a:latin typeface="Arial" panose="020B0604020202020204" pitchFamily="34" charset="0"/>
-                <a:cs typeface="Arial" panose="020B0604020202020204" pitchFamily="34" charset="0"/>
-              </a:rPr>
-              <a:t>Adjusted R2                 0.129                 0.143        </a:t>
-            </a:r>
-          </a:p>
-          <a:p>
-            <a:pPr marL="0" indent="0">
-              <a:lnSpc>
-                <a:spcPct val="100000"/>
-              </a:lnSpc>
-              <a:spcBef>
-                <a:spcPts val="0"/>
-              </a:spcBef>
-              <a:buNone/>
-            </a:pPr>
-            <a:r>
-              <a:rPr lang="en-IE" sz="1800" b="1" dirty="0">
-                <a:latin typeface="Arial" panose="020B0604020202020204" pitchFamily="34" charset="0"/>
-                <a:cs typeface="Arial" panose="020B0604020202020204" pitchFamily="34" charset="0"/>
-              </a:rPr>
-              <a:t>Residual Std. Error    1.647 (</a:t>
-            </a:r>
-            <a:r>
-              <a:rPr lang="en-IE" sz="1800" b="1" dirty="0" err="1">
-                <a:latin typeface="Arial" panose="020B0604020202020204" pitchFamily="34" charset="0"/>
-                <a:cs typeface="Arial" panose="020B0604020202020204" pitchFamily="34" charset="0"/>
-              </a:rPr>
-              <a:t>df</a:t>
-            </a:r>
-            <a:r>
-              <a:rPr lang="en-IE" sz="1800" b="1" dirty="0">
-                <a:latin typeface="Arial" panose="020B0604020202020204" pitchFamily="34" charset="0"/>
-                <a:cs typeface="Arial" panose="020B0604020202020204" pitchFamily="34" charset="0"/>
-              </a:rPr>
-              <a:t> = 82)    1.645 (</a:t>
-            </a:r>
-            <a:r>
-              <a:rPr lang="en-IE" sz="1800" b="1" dirty="0" err="1">
-                <a:latin typeface="Arial" panose="020B0604020202020204" pitchFamily="34" charset="0"/>
-                <a:cs typeface="Arial" panose="020B0604020202020204" pitchFamily="34" charset="0"/>
-              </a:rPr>
-              <a:t>df</a:t>
-            </a:r>
-            <a:r>
-              <a:rPr lang="en-IE" sz="1800" b="1" dirty="0">
-                <a:latin typeface="Arial" panose="020B0604020202020204" pitchFamily="34" charset="0"/>
-                <a:cs typeface="Arial" panose="020B0604020202020204" pitchFamily="34" charset="0"/>
-              </a:rPr>
-              <a:t> = 77)   </a:t>
-            </a:r>
-          </a:p>
-          <a:p>
-            <a:pPr marL="0" indent="0">
-              <a:lnSpc>
-                <a:spcPct val="100000"/>
-              </a:lnSpc>
-              <a:spcBef>
-                <a:spcPts val="0"/>
-              </a:spcBef>
-              <a:buNone/>
-            </a:pPr>
-            <a:r>
-              <a:rPr lang="en-IE" sz="1800" b="1" dirty="0">
-                <a:latin typeface="Arial" panose="020B0604020202020204" pitchFamily="34" charset="0"/>
-                <a:cs typeface="Arial" panose="020B0604020202020204" pitchFamily="34" charset="0"/>
-              </a:rPr>
-              <a:t>F Statistic          2.885*** (</a:t>
-            </a:r>
-            <a:r>
-              <a:rPr lang="en-IE" sz="1800" b="1" dirty="0" err="1">
-                <a:latin typeface="Arial" panose="020B0604020202020204" pitchFamily="34" charset="0"/>
-                <a:cs typeface="Arial" panose="020B0604020202020204" pitchFamily="34" charset="0"/>
-              </a:rPr>
-              <a:t>df</a:t>
-            </a:r>
-            <a:r>
-              <a:rPr lang="en-IE" sz="1800" b="1" dirty="0">
-                <a:latin typeface="Arial" panose="020B0604020202020204" pitchFamily="34" charset="0"/>
-                <a:cs typeface="Arial" panose="020B0604020202020204" pitchFamily="34" charset="0"/>
-              </a:rPr>
-              <a:t> = 7; 82)  2.996*** (</a:t>
-            </a:r>
-            <a:r>
-              <a:rPr lang="en-IE" sz="1800" b="1" dirty="0" err="1">
-                <a:latin typeface="Arial" panose="020B0604020202020204" pitchFamily="34" charset="0"/>
-                <a:cs typeface="Arial" panose="020B0604020202020204" pitchFamily="34" charset="0"/>
-              </a:rPr>
-              <a:t>df</a:t>
-            </a:r>
-            <a:r>
-              <a:rPr lang="en-IE" sz="1800" b="1" dirty="0">
-                <a:latin typeface="Arial" panose="020B0604020202020204" pitchFamily="34" charset="0"/>
-                <a:cs typeface="Arial" panose="020B0604020202020204" pitchFamily="34" charset="0"/>
-              </a:rPr>
-              <a:t> = 7; 77)</a:t>
-            </a:r>
-          </a:p>
-          <a:p>
-            <a:pPr marL="0" indent="0">
-              <a:lnSpc>
-                <a:spcPct val="100000"/>
-              </a:lnSpc>
-              <a:spcBef>
-                <a:spcPts val="0"/>
-              </a:spcBef>
-              <a:buNone/>
-            </a:pPr>
-            <a:r>
-              <a:rPr lang="en-IE" sz="1800" b="1" dirty="0">
-                <a:latin typeface="Arial" panose="020B0604020202020204" pitchFamily="34" charset="0"/>
-                <a:cs typeface="Arial" panose="020B0604020202020204" pitchFamily="34" charset="0"/>
-              </a:rPr>
-              <a:t>===============================================</a:t>
-            </a:r>
-          </a:p>
-          <a:p>
-            <a:pPr marL="0" indent="0">
-              <a:lnSpc>
-                <a:spcPct val="100000"/>
-              </a:lnSpc>
-              <a:spcBef>
-                <a:spcPts val="0"/>
-              </a:spcBef>
-              <a:buNone/>
-            </a:pPr>
-            <a:r>
-              <a:rPr lang="en-IE" sz="1800" b="1" dirty="0">
-                <a:latin typeface="Arial" panose="020B0604020202020204" pitchFamily="34" charset="0"/>
-                <a:cs typeface="Arial" panose="020B0604020202020204" pitchFamily="34" charset="0"/>
-              </a:rPr>
-              <a:t>Note:                               *p&lt;0.1; **p&lt;0.05; ***p&lt;0.01</a:t>
-            </a:r>
-          </a:p>
-          <a:p>
-            <a:pPr marL="0" indent="0">
-              <a:lnSpc>
-                <a:spcPct val="100000"/>
-              </a:lnSpc>
-              <a:spcBef>
-                <a:spcPts val="0"/>
-              </a:spcBef>
-              <a:buNone/>
-            </a:pPr>
-            <a:r>
-              <a:rPr lang="en-IE" sz="1400" b="1" dirty="0">
-                <a:latin typeface="Arial" panose="020B0604020202020204" pitchFamily="34" charset="0"/>
-                <a:cs typeface="Arial" panose="020B0604020202020204" pitchFamily="34" charset="0"/>
-              </a:rPr>
-              <a:t>                      </a:t>
-            </a:r>
+            <a:r>
+              <a:rPr lang="en-GB" dirty="0" smtClean="0"/>
+              <a:t>Does being a presidential system, in interaction with time spent as a democracy, reduce the effective number of parties?</a:t>
+            </a:r>
+          </a:p>
+          <a:p>
+            <a:pPr lvl="1"/>
+            <a:r>
+              <a:rPr lang="en-GB" dirty="0" smtClean="0"/>
+              <a:t>Recode </a:t>
+            </a:r>
+            <a:r>
+              <a:rPr lang="en-GB" dirty="0" err="1" smtClean="0"/>
+              <a:t>pres</a:t>
+            </a:r>
+            <a:r>
+              <a:rPr lang="en-GB" dirty="0" smtClean="0"/>
+              <a:t> variable</a:t>
+            </a:r>
+            <a:endParaRPr lang="en-GB" dirty="0"/>
           </a:p>
         </p:txBody>
       </p:sp>
     </p:spTree>
     <p:extLst>
       <p:ext uri="{BB962C8B-B14F-4D97-AF65-F5344CB8AC3E}">
-        <p14:creationId xmlns:p14="http://schemas.microsoft.com/office/powerpoint/2010/main" val="1786123773"/>
+        <p14:creationId xmlns:p14="http://schemas.microsoft.com/office/powerpoint/2010/main" val="331341550"/>
       </p:ext>
     </p:extLst>
   </p:cSld>
@@ -7349,7 +7481,7 @@
           <p:cNvPr id="3" name="Content Placeholder 2">
             <a:extLst>
               <a:ext uri="{FF2B5EF4-FFF2-40B4-BE49-F238E27FC236}">
-                <a16:creationId xmlns:a16="http://schemas.microsoft.com/office/drawing/2014/main" id="{5CFA6F29-49E0-9915-2FAD-6ABCC2095D10}"/>
+                <a16:creationId xmlns="" xmlns:a16="http://schemas.microsoft.com/office/drawing/2014/main" id="{663B506C-3371-868B-1199-E4839CED0C13}"/>
               </a:ext>
             </a:extLst>
           </p:cNvPr>
@@ -7362,13 +7494,13 @@
         </p:nvSpPr>
         <p:spPr>
           <a:xfrm>
-            <a:off x="4074638" y="14748"/>
-            <a:ext cx="5767755" cy="6858000"/>
+            <a:off x="3948029" y="182881"/>
+            <a:ext cx="6414867" cy="6858000"/>
           </a:xfrm>
         </p:spPr>
         <p:txBody>
           <a:bodyPr>
-            <a:normAutofit fontScale="92500" lnSpcReduction="20000"/>
+            <a:normAutofit fontScale="70000" lnSpcReduction="20000"/>
           </a:bodyPr>
           <a:lstStyle/>
           <a:p>
@@ -7381,10 +7513,13 @@
               </a:spcBef>
               <a:buNone/>
             </a:pPr>
-            <a:endParaRPr lang="en-IE" sz="1400" b="1" dirty="0">
-              <a:latin typeface="Arial" panose="020B0604020202020204" pitchFamily="34" charset="0"/>
-              <a:cs typeface="Arial" panose="020B0604020202020204" pitchFamily="34" charset="0"/>
-            </a:endParaRPr>
+            <a:r>
+              <a:rPr lang="en-IE" sz="1800" b="1" dirty="0">
+                <a:latin typeface="Arial" panose="020B0604020202020204" pitchFamily="34" charset="0"/>
+                <a:cs typeface="Arial" panose="020B0604020202020204" pitchFamily="34" charset="0"/>
+              </a:rPr>
+              <a:t>   	       Dependent variable: ENP    </a:t>
+            </a:r>
           </a:p>
           <a:p>
             <a:pPr marL="0" indent="0">
@@ -7397,11 +7532,11 @@
               <a:buNone/>
             </a:pPr>
             <a:r>
-              <a:rPr lang="en-IE" sz="1400" b="1" dirty="0">
-                <a:latin typeface="Arial" panose="020B0604020202020204" pitchFamily="34" charset="0"/>
-                <a:cs typeface="Arial" panose="020B0604020202020204" pitchFamily="34" charset="0"/>
-              </a:rPr>
-              <a:t>                         Dependent variable: ENP  </a:t>
+              <a:rPr lang="en-IE" sz="1800" b="1" dirty="0">
+                <a:latin typeface="Arial" panose="020B0604020202020204" pitchFamily="34" charset="0"/>
+                <a:cs typeface="Arial" panose="020B0604020202020204" pitchFamily="34" charset="0"/>
+              </a:rPr>
+              <a:t>                    --------------------------------------------------                 </a:t>
             </a:r>
           </a:p>
           <a:p>
@@ -7415,11 +7550,25 @@
               <a:buNone/>
             </a:pPr>
             <a:r>
-              <a:rPr lang="en-IE" sz="1400" b="1" dirty="0">
-                <a:latin typeface="Arial" panose="020B0604020202020204" pitchFamily="34" charset="0"/>
-                <a:cs typeface="Arial" panose="020B0604020202020204" pitchFamily="34" charset="0"/>
-              </a:rPr>
-              <a:t>                      -------------------------------------------</a:t>
+              <a:rPr lang="en-IE" sz="1800" b="1" dirty="0">
+                <a:latin typeface="Arial" panose="020B0604020202020204" pitchFamily="34" charset="0"/>
+                <a:cs typeface="Arial" panose="020B0604020202020204" pitchFamily="34" charset="0"/>
+              </a:rPr>
+              <a:t>                                 Full                   </a:t>
+            </a:r>
+            <a:r>
+              <a:rPr lang="en-IE" sz="1800" b="1" dirty="0" err="1">
+                <a:latin typeface="Arial" panose="020B0604020202020204" pitchFamily="34" charset="0"/>
+                <a:cs typeface="Arial" panose="020B0604020202020204" pitchFamily="34" charset="0"/>
+              </a:rPr>
+              <a:t>Full</a:t>
+            </a:r>
+            <a:r>
+              <a:rPr lang="en-IE" sz="1800" b="1" dirty="0">
+                <a:latin typeface="Arial" panose="020B0604020202020204" pitchFamily="34" charset="0"/>
+                <a:cs typeface="Arial" panose="020B0604020202020204" pitchFamily="34" charset="0"/>
+              </a:rPr>
+              <a:t> w/Recode        </a:t>
             </a:r>
           </a:p>
           <a:p>
@@ -7433,11 +7582,11 @@
               <a:buNone/>
             </a:pPr>
             <a:r>
-              <a:rPr lang="en-IE" sz="1400" b="1" dirty="0">
-                <a:latin typeface="Arial" panose="020B0604020202020204" pitchFamily="34" charset="0"/>
-                <a:cs typeface="Arial" panose="020B0604020202020204" pitchFamily="34" charset="0"/>
-              </a:rPr>
-              <a:t>	Full w/Recode            Interactive        </a:t>
+              <a:rPr lang="en-IE" sz="1800" b="1" dirty="0">
+                <a:latin typeface="Arial" panose="020B0604020202020204" pitchFamily="34" charset="0"/>
+                <a:cs typeface="Arial" panose="020B0604020202020204" pitchFamily="34" charset="0"/>
+              </a:rPr>
+              <a:t>-----------------------------------------------------------------------</a:t>
             </a:r>
           </a:p>
           <a:p>
@@ -7451,11 +7600,11 @@
               <a:buNone/>
             </a:pPr>
             <a:r>
-              <a:rPr lang="en-IE" sz="1400" b="1" dirty="0">
-                <a:latin typeface="Arial" panose="020B0604020202020204" pitchFamily="34" charset="0"/>
-                <a:cs typeface="Arial" panose="020B0604020202020204" pitchFamily="34" charset="0"/>
-              </a:rPr>
-              <a:t>-----------------------------------------------------------------</a:t>
+              <a:rPr lang="en-IE" sz="1800" b="1" dirty="0">
+                <a:latin typeface="Arial" panose="020B0604020202020204" pitchFamily="34" charset="0"/>
+                <a:cs typeface="Arial" panose="020B0604020202020204" pitchFamily="34" charset="0"/>
+              </a:rPr>
+              <a:t>fundparity4            0.438***              0.437***       </a:t>
             </a:r>
           </a:p>
           <a:p>
@@ -7469,11 +7618,11 @@
               <a:buNone/>
             </a:pPr>
             <a:r>
-              <a:rPr lang="en-IE" sz="1400" b="1" dirty="0">
-                <a:latin typeface="Arial" panose="020B0604020202020204" pitchFamily="34" charset="0"/>
-                <a:cs typeface="Arial" panose="020B0604020202020204" pitchFamily="34" charset="0"/>
-              </a:rPr>
-              <a:t>fundparity4             0.437***                 0.444***       </a:t>
+              <a:rPr lang="en-IE" sz="1800" b="1" dirty="0">
+                <a:latin typeface="Arial" panose="020B0604020202020204" pitchFamily="34" charset="0"/>
+                <a:cs typeface="Arial" panose="020B0604020202020204" pitchFamily="34" charset="0"/>
+              </a:rPr>
+              <a:t>                               (0.153)               (0.157)       </a:t>
             </a:r>
           </a:p>
           <a:p>
@@ -7487,11 +7636,11 @@
               <a:buNone/>
             </a:pPr>
             <a:r>
-              <a:rPr lang="en-IE" sz="1400" b="1" dirty="0">
-                <a:latin typeface="Arial" panose="020B0604020202020204" pitchFamily="34" charset="0"/>
-                <a:cs typeface="Arial" panose="020B0604020202020204" pitchFamily="34" charset="0"/>
-              </a:rPr>
-              <a:t>                              (0.157)                   (0.153)       </a:t>
+              <a:rPr lang="en-IE" sz="1800" b="1" dirty="0">
+                <a:latin typeface="Arial" panose="020B0604020202020204" pitchFamily="34" charset="0"/>
+                <a:cs typeface="Arial" panose="020B0604020202020204" pitchFamily="34" charset="0"/>
+              </a:rPr>
+              <a:t>                                                              </a:t>
             </a:r>
           </a:p>
           <a:p>
@@ -7505,11 +7654,18 @@
               <a:buNone/>
             </a:pPr>
             <a:r>
-              <a:rPr lang="en-IE" sz="1400" b="1" dirty="0">
-                <a:latin typeface="Arial" panose="020B0604020202020204" pitchFamily="34" charset="0"/>
-                <a:cs typeface="Arial" panose="020B0604020202020204" pitchFamily="34" charset="0"/>
-              </a:rPr>
-              <a:t>                                                                 </a:t>
+              <a:rPr lang="en-IE" sz="1800" b="1" dirty="0" err="1">
+                <a:latin typeface="Arial" panose="020B0604020202020204" pitchFamily="34" charset="0"/>
+                <a:cs typeface="Arial" panose="020B0604020202020204" pitchFamily="34" charset="0"/>
+              </a:rPr>
+              <a:t>demyears</a:t>
+            </a:r>
+            <a:r>
+              <a:rPr lang="en-IE" sz="1800" b="1" dirty="0">
+                <a:latin typeface="Arial" panose="020B0604020202020204" pitchFamily="34" charset="0"/>
+                <a:cs typeface="Arial" panose="020B0604020202020204" pitchFamily="34" charset="0"/>
+              </a:rPr>
+              <a:t>                0.013                 0.013        </a:t>
             </a:r>
           </a:p>
           <a:p>
@@ -7523,18 +7679,11 @@
               <a:buNone/>
             </a:pPr>
             <a:r>
-              <a:rPr lang="en-IE" sz="1400" b="1" dirty="0" err="1">
-                <a:latin typeface="Arial" panose="020B0604020202020204" pitchFamily="34" charset="0"/>
-                <a:cs typeface="Arial" panose="020B0604020202020204" pitchFamily="34" charset="0"/>
-              </a:rPr>
-              <a:t>demyears</a:t>
-            </a:r>
-            <a:r>
-              <a:rPr lang="en-IE" sz="1400" b="1" dirty="0">
-                <a:latin typeface="Arial" panose="020B0604020202020204" pitchFamily="34" charset="0"/>
-                <a:cs typeface="Arial" panose="020B0604020202020204" pitchFamily="34" charset="0"/>
-              </a:rPr>
-              <a:t>                 0.013                    0.025**       </a:t>
+              <a:rPr lang="en-IE" sz="1800" b="1" dirty="0">
+                <a:latin typeface="Arial" panose="020B0604020202020204" pitchFamily="34" charset="0"/>
+                <a:cs typeface="Arial" panose="020B0604020202020204" pitchFamily="34" charset="0"/>
+              </a:rPr>
+              <a:t>                                (0.011)               (0.011)       </a:t>
             </a:r>
           </a:p>
           <a:p>
@@ -7548,11 +7697,11 @@
               <a:buNone/>
             </a:pPr>
             <a:r>
-              <a:rPr lang="en-IE" sz="1400" b="1" dirty="0">
-                <a:latin typeface="Arial" panose="020B0604020202020204" pitchFamily="34" charset="0"/>
-                <a:cs typeface="Arial" panose="020B0604020202020204" pitchFamily="34" charset="0"/>
-              </a:rPr>
-              <a:t>                                (0.011)                  (0.012)       </a:t>
+              <a:rPr lang="en-IE" sz="1800" b="1" dirty="0">
+                <a:latin typeface="Arial" panose="020B0604020202020204" pitchFamily="34" charset="0"/>
+                <a:cs typeface="Arial" panose="020B0604020202020204" pitchFamily="34" charset="0"/>
+              </a:rPr>
+              <a:t>                                                               </a:t>
             </a:r>
           </a:p>
           <a:p>
@@ -7566,11 +7715,11 @@
               <a:buNone/>
             </a:pPr>
             <a:r>
-              <a:rPr lang="en-IE" sz="1400" b="1" dirty="0">
-                <a:latin typeface="Arial" panose="020B0604020202020204" pitchFamily="34" charset="0"/>
-                <a:cs typeface="Arial" panose="020B0604020202020204" pitchFamily="34" charset="0"/>
-              </a:rPr>
-              <a:t>                                                                 </a:t>
+              <a:rPr lang="en-IE" sz="1800" b="1" dirty="0">
+                <a:latin typeface="Arial" panose="020B0604020202020204" pitchFamily="34" charset="0"/>
+                <a:cs typeface="Arial" panose="020B0604020202020204" pitchFamily="34" charset="0"/>
+              </a:rPr>
+              <a:t>Federal                     0.213                -0.295        </a:t>
             </a:r>
           </a:p>
           <a:p>
@@ -7584,11 +7733,11 @@
               <a:buNone/>
             </a:pPr>
             <a:r>
-              <a:rPr lang="en-IE" sz="1400" b="1" dirty="0">
-                <a:latin typeface="Arial" panose="020B0604020202020204" pitchFamily="34" charset="0"/>
-                <a:cs typeface="Arial" panose="020B0604020202020204" pitchFamily="34" charset="0"/>
-              </a:rPr>
-              <a:t>Federal                     -0.295                   -0.270        </a:t>
+              <a:rPr lang="en-IE" sz="1800" b="1" dirty="0">
+                <a:latin typeface="Arial" panose="020B0604020202020204" pitchFamily="34" charset="0"/>
+                <a:cs typeface="Arial" panose="020B0604020202020204" pitchFamily="34" charset="0"/>
+              </a:rPr>
+              <a:t>                               (0.476)               (0.480)       </a:t>
             </a:r>
           </a:p>
           <a:p>
@@ -7602,11 +7751,11 @@
               <a:buNone/>
             </a:pPr>
             <a:r>
-              <a:rPr lang="en-IE" sz="1400" b="1" dirty="0">
-                <a:latin typeface="Arial" panose="020B0604020202020204" pitchFamily="34" charset="0"/>
-                <a:cs typeface="Arial" panose="020B0604020202020204" pitchFamily="34" charset="0"/>
-              </a:rPr>
-              <a:t>                                 (0.480)                  (0.467)       </a:t>
+              <a:rPr lang="en-IE" sz="1800" b="1" dirty="0">
+                <a:latin typeface="Arial" panose="020B0604020202020204" pitchFamily="34" charset="0"/>
+                <a:cs typeface="Arial" panose="020B0604020202020204" pitchFamily="34" charset="0"/>
+              </a:rPr>
+              <a:t>                                                               </a:t>
             </a:r>
           </a:p>
           <a:p>
@@ -7620,11 +7769,11 @@
               <a:buNone/>
             </a:pPr>
             <a:r>
-              <a:rPr lang="en-IE" sz="1400" b="1" dirty="0">
-                <a:latin typeface="Arial" panose="020B0604020202020204" pitchFamily="34" charset="0"/>
-                <a:cs typeface="Arial" panose="020B0604020202020204" pitchFamily="34" charset="0"/>
-              </a:rPr>
-              <a:t>                                                                 </a:t>
+              <a:rPr lang="en-IE" sz="1800" b="1" dirty="0">
+                <a:latin typeface="Arial" panose="020B0604020202020204" pitchFamily="34" charset="0"/>
+                <a:cs typeface="Arial" panose="020B0604020202020204" pitchFamily="34" charset="0"/>
+              </a:rPr>
+              <a:t>Presidential            -0.172                              </a:t>
             </a:r>
           </a:p>
           <a:p>
@@ -7638,18 +7787,11 @@
               <a:buNone/>
             </a:pPr>
             <a:r>
-              <a:rPr lang="en-IE" sz="1400" b="1" dirty="0" err="1">
-                <a:latin typeface="Arial" panose="020B0604020202020204" pitchFamily="34" charset="0"/>
-                <a:cs typeface="Arial" panose="020B0604020202020204" pitchFamily="34" charset="0"/>
-              </a:rPr>
-              <a:t>pres_cat</a:t>
-            </a:r>
-            <a:r>
-              <a:rPr lang="en-IE" sz="1400" b="1" dirty="0">
-                <a:latin typeface="Arial" panose="020B0604020202020204" pitchFamily="34" charset="0"/>
-                <a:cs typeface="Arial" panose="020B0604020202020204" pitchFamily="34" charset="0"/>
-              </a:rPr>
-              <a:t>                  -0.346                    1.095  </a:t>
+              <a:rPr lang="en-IE" sz="1800" b="1" dirty="0">
+                <a:latin typeface="Arial" panose="020B0604020202020204" pitchFamily="34" charset="0"/>
+                <a:cs typeface="Arial" panose="020B0604020202020204" pitchFamily="34" charset="0"/>
+              </a:rPr>
+              <a:t>                                (0.211)                             </a:t>
             </a:r>
           </a:p>
           <a:p>
@@ -7663,35 +7805,11 @@
               <a:buNone/>
             </a:pPr>
             <a:r>
-              <a:rPr lang="en-IE" sz="1400" b="1" dirty="0">
-                <a:latin typeface="Arial" panose="020B0604020202020204" pitchFamily="34" charset="0"/>
-                <a:cs typeface="Arial" panose="020B0604020202020204" pitchFamily="34" charset="0"/>
-              </a:rPr>
-              <a:t>                                 (0.422)                 </a:t>
-            </a:r>
-            <a:r>
-              <a:rPr kumimoji="0" lang="en-IE" sz="1400" b="1" i="0" u="none" strike="noStrike" kern="1200" cap="none" spc="0" normalizeH="0" baseline="0" noProof="0" dirty="0">
-                <a:ln>
-                  <a:noFill/>
-                </a:ln>
-                <a:solidFill>
-                  <a:prstClr val="black"/>
-                </a:solidFill>
-                <a:effectLst/>
-                <a:uLnTx/>
-                <a:uFillTx/>
-                <a:latin typeface="Arial" panose="020B0604020202020204" pitchFamily="34" charset="0"/>
-                <a:ea typeface="+mn-ea"/>
-                <a:cs typeface="Arial" panose="020B0604020202020204" pitchFamily="34" charset="0"/>
-              </a:rPr>
-              <a:t>(0.744)</a:t>
-            </a:r>
-            <a:r>
-              <a:rPr lang="en-IE" sz="1400" b="1" dirty="0">
-                <a:latin typeface="Arial" panose="020B0604020202020204" pitchFamily="34" charset="0"/>
-                <a:cs typeface="Arial" panose="020B0604020202020204" pitchFamily="34" charset="0"/>
-              </a:rPr>
-              <a:t>       </a:t>
+              <a:rPr lang="en-IE" sz="1800" b="1" dirty="0">
+                <a:latin typeface="Arial" panose="020B0604020202020204" pitchFamily="34" charset="0"/>
+                <a:cs typeface="Arial" panose="020B0604020202020204" pitchFamily="34" charset="0"/>
+              </a:rPr>
+              <a:t>                                                               </a:t>
             </a:r>
           </a:p>
           <a:p>
@@ -7705,11 +7823,18 @@
               <a:buNone/>
             </a:pPr>
             <a:r>
-              <a:rPr lang="en-IE" sz="1400" b="1" dirty="0">
-                <a:latin typeface="Arial" panose="020B0604020202020204" pitchFamily="34" charset="0"/>
-                <a:cs typeface="Arial" panose="020B0604020202020204" pitchFamily="34" charset="0"/>
-              </a:rPr>
-              <a:t>                                                                 </a:t>
+              <a:rPr lang="en-IE" sz="1800" b="1" dirty="0" err="1">
+                <a:latin typeface="Arial" panose="020B0604020202020204" pitchFamily="34" charset="0"/>
+                <a:cs typeface="Arial" panose="020B0604020202020204" pitchFamily="34" charset="0"/>
+              </a:rPr>
+              <a:t>Pres_cat</a:t>
+            </a:r>
+            <a:r>
+              <a:rPr lang="en-IE" sz="1800" b="1" dirty="0">
+                <a:latin typeface="Arial" panose="020B0604020202020204" pitchFamily="34" charset="0"/>
+                <a:cs typeface="Arial" panose="020B0604020202020204" pitchFamily="34" charset="0"/>
+              </a:rPr>
+              <a:t>                                             -0.346        </a:t>
             </a:r>
           </a:p>
           <a:p>
@@ -7723,11 +7848,11 @@
               <a:buNone/>
             </a:pPr>
             <a:r>
-              <a:rPr lang="en-IE" sz="1400" b="1" dirty="0">
-                <a:latin typeface="Arial" panose="020B0604020202020204" pitchFamily="34" charset="0"/>
-                <a:cs typeface="Arial" panose="020B0604020202020204" pitchFamily="34" charset="0"/>
-              </a:rPr>
-              <a:t>                                                                 </a:t>
+              <a:rPr lang="en-IE" sz="1800" b="1" dirty="0">
+                <a:latin typeface="Arial" panose="020B0604020202020204" pitchFamily="34" charset="0"/>
+                <a:cs typeface="Arial" panose="020B0604020202020204" pitchFamily="34" charset="0"/>
+              </a:rPr>
+              <a:t>                                                           (0.422)       </a:t>
             </a:r>
           </a:p>
           <a:p>
@@ -7741,25 +7866,11 @@
               <a:buNone/>
             </a:pPr>
             <a:r>
-              <a:rPr lang="en-IE" sz="1400" b="1" dirty="0">
-                <a:latin typeface="Arial" panose="020B0604020202020204" pitchFamily="34" charset="0"/>
-                <a:cs typeface="Arial" panose="020B0604020202020204" pitchFamily="34" charset="0"/>
-              </a:rPr>
-              <a:t>log(</a:t>
-            </a:r>
-            <a:r>
-              <a:rPr lang="en-IE" sz="1400" b="1" dirty="0" err="1">
-                <a:latin typeface="Arial" panose="020B0604020202020204" pitchFamily="34" charset="0"/>
-                <a:cs typeface="Arial" panose="020B0604020202020204" pitchFamily="34" charset="0"/>
-              </a:rPr>
-              <a:t>avemag</a:t>
-            </a:r>
-            <a:r>
-              <a:rPr lang="en-IE" sz="1400" b="1" dirty="0">
-                <a:latin typeface="Arial" panose="020B0604020202020204" pitchFamily="34" charset="0"/>
-                <a:cs typeface="Arial" panose="020B0604020202020204" pitchFamily="34" charset="0"/>
-              </a:rPr>
-              <a:t>)              0.439                   0.434        </a:t>
+              <a:rPr lang="en-IE" sz="1800" b="1" dirty="0">
+                <a:latin typeface="Arial" panose="020B0604020202020204" pitchFamily="34" charset="0"/>
+                <a:cs typeface="Arial" panose="020B0604020202020204" pitchFamily="34" charset="0"/>
+              </a:rPr>
+              <a:t>                                                               </a:t>
             </a:r>
           </a:p>
           <a:p>
@@ -7773,11 +7884,25 @@
               <a:buNone/>
             </a:pPr>
             <a:r>
-              <a:rPr lang="en-IE" sz="1400" b="1" dirty="0">
-                <a:latin typeface="Arial" panose="020B0604020202020204" pitchFamily="34" charset="0"/>
-                <a:cs typeface="Arial" panose="020B0604020202020204" pitchFamily="34" charset="0"/>
-              </a:rPr>
-              <a:t>                                  (0.319)                (0.310)       </a:t>
+              <a:rPr lang="en-IE" sz="1800" b="1" dirty="0">
+                <a:latin typeface="Arial" panose="020B0604020202020204" pitchFamily="34" charset="0"/>
+                <a:cs typeface="Arial" panose="020B0604020202020204" pitchFamily="34" charset="0"/>
+              </a:rPr>
+              <a:t>log(</a:t>
+            </a:r>
+            <a:r>
+              <a:rPr lang="en-IE" sz="1800" b="1" dirty="0" err="1">
+                <a:latin typeface="Arial" panose="020B0604020202020204" pitchFamily="34" charset="0"/>
+                <a:cs typeface="Arial" panose="020B0604020202020204" pitchFamily="34" charset="0"/>
+              </a:rPr>
+              <a:t>avemag</a:t>
+            </a:r>
+            <a:r>
+              <a:rPr lang="en-IE" sz="1800" b="1" dirty="0">
+                <a:latin typeface="Arial" panose="020B0604020202020204" pitchFamily="34" charset="0"/>
+                <a:cs typeface="Arial" panose="020B0604020202020204" pitchFamily="34" charset="0"/>
+              </a:rPr>
+              <a:t>)             0.601**                0.439        </a:t>
             </a:r>
           </a:p>
           <a:p>
@@ -7791,11 +7916,11 @@
               <a:buNone/>
             </a:pPr>
             <a:r>
-              <a:rPr lang="en-IE" sz="1400" b="1" dirty="0">
-                <a:latin typeface="Arial" panose="020B0604020202020204" pitchFamily="34" charset="0"/>
-                <a:cs typeface="Arial" panose="020B0604020202020204" pitchFamily="34" charset="0"/>
-              </a:rPr>
-              <a:t>                                                                 </a:t>
+              <a:rPr lang="en-IE" sz="1800" b="1" dirty="0">
+                <a:latin typeface="Arial" panose="020B0604020202020204" pitchFamily="34" charset="0"/>
+                <a:cs typeface="Arial" panose="020B0604020202020204" pitchFamily="34" charset="0"/>
+              </a:rPr>
+              <a:t>                                 (0.301)               (0.319)       </a:t>
             </a:r>
           </a:p>
           <a:p>
@@ -7809,18 +7934,11 @@
               <a:buNone/>
             </a:pPr>
             <a:r>
-              <a:rPr lang="en-IE" sz="1400" b="1" dirty="0" err="1">
-                <a:latin typeface="Arial" panose="020B0604020202020204" pitchFamily="34" charset="0"/>
-                <a:cs typeface="Arial" panose="020B0604020202020204" pitchFamily="34" charset="0"/>
-              </a:rPr>
-              <a:t>fract</a:t>
-            </a:r>
-            <a:r>
-              <a:rPr lang="en-IE" sz="1400" b="1" dirty="0">
-                <a:latin typeface="Arial" panose="020B0604020202020204" pitchFamily="34" charset="0"/>
-                <a:cs typeface="Arial" panose="020B0604020202020204" pitchFamily="34" charset="0"/>
-              </a:rPr>
-              <a:t>                            0.522                  0.223        </a:t>
+              <a:rPr lang="en-IE" sz="1800" b="1" dirty="0">
+                <a:latin typeface="Arial" panose="020B0604020202020204" pitchFamily="34" charset="0"/>
+                <a:cs typeface="Arial" panose="020B0604020202020204" pitchFamily="34" charset="0"/>
+              </a:rPr>
+              <a:t>                                                               </a:t>
             </a:r>
           </a:p>
           <a:p>
@@ -7834,11 +7952,18 @@
               <a:buNone/>
             </a:pPr>
             <a:r>
-              <a:rPr lang="en-IE" sz="1400" b="1" dirty="0">
-                <a:latin typeface="Arial" panose="020B0604020202020204" pitchFamily="34" charset="0"/>
-                <a:cs typeface="Arial" panose="020B0604020202020204" pitchFamily="34" charset="0"/>
-              </a:rPr>
-              <a:t>                                   (1.309)               (1.280)       </a:t>
+              <a:rPr lang="en-IE" sz="1800" b="1" dirty="0" err="1">
+                <a:latin typeface="Arial" panose="020B0604020202020204" pitchFamily="34" charset="0"/>
+                <a:cs typeface="Arial" panose="020B0604020202020204" pitchFamily="34" charset="0"/>
+              </a:rPr>
+              <a:t>fract</a:t>
+            </a:r>
+            <a:r>
+              <a:rPr lang="en-IE" sz="1800" b="1" dirty="0">
+                <a:latin typeface="Arial" panose="020B0604020202020204" pitchFamily="34" charset="0"/>
+                <a:cs typeface="Arial" panose="020B0604020202020204" pitchFamily="34" charset="0"/>
+              </a:rPr>
+              <a:t>                           0.956                 0.522        </a:t>
             </a:r>
           </a:p>
           <a:p>
@@ -7852,11 +7977,11 @@
               <a:buNone/>
             </a:pPr>
             <a:r>
-              <a:rPr lang="en-IE" sz="1400" b="1" dirty="0">
-                <a:latin typeface="Arial" panose="020B0604020202020204" pitchFamily="34" charset="0"/>
-                <a:cs typeface="Arial" panose="020B0604020202020204" pitchFamily="34" charset="0"/>
-              </a:rPr>
-              <a:t>                                                                 </a:t>
+              <a:rPr lang="en-IE" sz="1800" b="1" dirty="0">
+                <a:latin typeface="Arial" panose="020B0604020202020204" pitchFamily="34" charset="0"/>
+                <a:cs typeface="Arial" panose="020B0604020202020204" pitchFamily="34" charset="0"/>
+              </a:rPr>
+              <a:t>                                (1.290)               (1.309)       </a:t>
             </a:r>
           </a:p>
           <a:p>
@@ -7870,18 +7995,11 @@
               <a:buNone/>
             </a:pPr>
             <a:r>
-              <a:rPr lang="en-IE" sz="1400" b="1" dirty="0" err="1">
-                <a:latin typeface="Arial" panose="020B0604020202020204" pitchFamily="34" charset="0"/>
-                <a:cs typeface="Arial" panose="020B0604020202020204" pitchFamily="34" charset="0"/>
-              </a:rPr>
-              <a:t>demyears:pres_cat</a:t>
-            </a:r>
-            <a:r>
-              <a:rPr lang="en-IE" sz="1400" b="1" dirty="0">
-                <a:latin typeface="Arial" panose="020B0604020202020204" pitchFamily="34" charset="0"/>
-                <a:cs typeface="Arial" panose="020B0604020202020204" pitchFamily="34" charset="0"/>
-              </a:rPr>
-              <a:t>                             -0.055**       </a:t>
+              <a:rPr lang="en-IE" sz="1800" b="1" dirty="0">
+                <a:latin typeface="Arial" panose="020B0604020202020204" pitchFamily="34" charset="0"/>
+                <a:cs typeface="Arial" panose="020B0604020202020204" pitchFamily="34" charset="0"/>
+              </a:rPr>
+              <a:t>                                                               </a:t>
             </a:r>
           </a:p>
           <a:p>
@@ -7895,11 +8013,39 @@
               <a:buNone/>
             </a:pPr>
             <a:r>
-              <a:rPr lang="en-IE" sz="1400" b="1" dirty="0">
-                <a:latin typeface="Arial" panose="020B0604020202020204" pitchFamily="34" charset="0"/>
-                <a:cs typeface="Arial" panose="020B0604020202020204" pitchFamily="34" charset="0"/>
-              </a:rPr>
-              <a:t>                                                              (0.024)</a:t>
+              <a:rPr lang="en-IE" sz="1800" b="1" dirty="0">
+                <a:latin typeface="Arial" panose="020B0604020202020204" pitchFamily="34" charset="0"/>
+                <a:cs typeface="Arial" panose="020B0604020202020204" pitchFamily="34" charset="0"/>
+              </a:rPr>
+              <a:t>log(</a:t>
+            </a:r>
+            <a:r>
+              <a:rPr lang="en-IE" sz="1800" b="1" dirty="0" err="1">
+                <a:latin typeface="Arial" panose="020B0604020202020204" pitchFamily="34" charset="0"/>
+                <a:cs typeface="Arial" panose="020B0604020202020204" pitchFamily="34" charset="0"/>
+              </a:rPr>
+              <a:t>avemag</a:t>
+            </a:r>
+            <a:r>
+              <a:rPr lang="en-IE" sz="1800" b="1" dirty="0">
+                <a:latin typeface="Arial" panose="020B0604020202020204" pitchFamily="34" charset="0"/>
+                <a:cs typeface="Arial" panose="020B0604020202020204" pitchFamily="34" charset="0"/>
+              </a:rPr>
+              <a:t>):</a:t>
+            </a:r>
+            <a:r>
+              <a:rPr lang="en-IE" sz="1800" b="1" dirty="0" err="1">
+                <a:latin typeface="Arial" panose="020B0604020202020204" pitchFamily="34" charset="0"/>
+                <a:cs typeface="Arial" panose="020B0604020202020204" pitchFamily="34" charset="0"/>
+              </a:rPr>
+              <a:t>fract</a:t>
+            </a:r>
+            <a:r>
+              <a:rPr lang="en-IE" sz="1800" b="1" dirty="0">
+                <a:latin typeface="Arial" panose="020B0604020202020204" pitchFamily="34" charset="0"/>
+                <a:cs typeface="Arial" panose="020B0604020202020204" pitchFamily="34" charset="0"/>
+              </a:rPr>
+              <a:t>    -0.750                -0.190        </a:t>
             </a:r>
           </a:p>
           <a:p>
@@ -7913,11 +8059,11 @@
               <a:buNone/>
             </a:pPr>
             <a:r>
-              <a:rPr lang="en-IE" sz="1400" b="1" dirty="0">
-                <a:latin typeface="Arial" panose="020B0604020202020204" pitchFamily="34" charset="0"/>
-                <a:cs typeface="Arial" panose="020B0604020202020204" pitchFamily="34" charset="0"/>
-              </a:rPr>
-              <a:t>                                                                 </a:t>
+              <a:rPr lang="en-IE" sz="1800" b="1" dirty="0">
+                <a:latin typeface="Arial" panose="020B0604020202020204" pitchFamily="34" charset="0"/>
+                <a:cs typeface="Arial" panose="020B0604020202020204" pitchFamily="34" charset="0"/>
+              </a:rPr>
+              <a:t>                                  (0.641)               (0.727)       </a:t>
             </a:r>
           </a:p>
           <a:p>
@@ -7931,39 +8077,11 @@
               <a:buNone/>
             </a:pPr>
             <a:r>
-              <a:rPr lang="en-IE" sz="1400" b="1" dirty="0">
-                <a:latin typeface="Arial" panose="020B0604020202020204" pitchFamily="34" charset="0"/>
-                <a:cs typeface="Arial" panose="020B0604020202020204" pitchFamily="34" charset="0"/>
-              </a:rPr>
-              <a:t>log(</a:t>
-            </a:r>
-            <a:r>
-              <a:rPr lang="en-IE" sz="1400" b="1" dirty="0" err="1">
-                <a:latin typeface="Arial" panose="020B0604020202020204" pitchFamily="34" charset="0"/>
-                <a:cs typeface="Arial" panose="020B0604020202020204" pitchFamily="34" charset="0"/>
-              </a:rPr>
-              <a:t>avemag</a:t>
-            </a:r>
-            <a:r>
-              <a:rPr lang="en-IE" sz="1400" b="1" dirty="0">
-                <a:latin typeface="Arial" panose="020B0604020202020204" pitchFamily="34" charset="0"/>
-                <a:cs typeface="Arial" panose="020B0604020202020204" pitchFamily="34" charset="0"/>
-              </a:rPr>
-              <a:t>):</a:t>
-            </a:r>
-            <a:r>
-              <a:rPr lang="en-IE" sz="1400" b="1" dirty="0" err="1">
-                <a:latin typeface="Arial" panose="020B0604020202020204" pitchFamily="34" charset="0"/>
-                <a:cs typeface="Arial" panose="020B0604020202020204" pitchFamily="34" charset="0"/>
-              </a:rPr>
-              <a:t>fract</a:t>
-            </a:r>
-            <a:r>
-              <a:rPr lang="en-IE" sz="1400" b="1" dirty="0">
-                <a:latin typeface="Arial" panose="020B0604020202020204" pitchFamily="34" charset="0"/>
-                <a:cs typeface="Arial" panose="020B0604020202020204" pitchFamily="34" charset="0"/>
-              </a:rPr>
-              <a:t>     -0.190                -0.167        </a:t>
+              <a:rPr lang="en-IE" sz="1800" b="1" dirty="0">
+                <a:latin typeface="Arial" panose="020B0604020202020204" pitchFamily="34" charset="0"/>
+                <a:cs typeface="Arial" panose="020B0604020202020204" pitchFamily="34" charset="0"/>
+              </a:rPr>
+              <a:t>                                                               </a:t>
             </a:r>
           </a:p>
           <a:p>
@@ -7977,11 +8095,11 @@
               <a:buNone/>
             </a:pPr>
             <a:r>
-              <a:rPr lang="en-IE" sz="1400" b="1" dirty="0">
-                <a:latin typeface="Arial" panose="020B0604020202020204" pitchFamily="34" charset="0"/>
-                <a:cs typeface="Arial" panose="020B0604020202020204" pitchFamily="34" charset="0"/>
-              </a:rPr>
-              <a:t>                                    (0.727)               (0.707)       </a:t>
+              <a:rPr lang="en-IE" sz="1800" b="1" dirty="0">
+                <a:latin typeface="Arial" panose="020B0604020202020204" pitchFamily="34" charset="0"/>
+                <a:cs typeface="Arial" panose="020B0604020202020204" pitchFamily="34" charset="0"/>
+              </a:rPr>
+              <a:t>Constant                   3.070***              3.195***       </a:t>
             </a:r>
           </a:p>
           <a:p>
@@ -7995,11 +8113,11 @@
               <a:buNone/>
             </a:pPr>
             <a:r>
-              <a:rPr lang="en-IE" sz="1400" b="1" dirty="0">
-                <a:latin typeface="Arial" panose="020B0604020202020204" pitchFamily="34" charset="0"/>
-                <a:cs typeface="Arial" panose="020B0604020202020204" pitchFamily="34" charset="0"/>
-              </a:rPr>
-              <a:t>                                                                 </a:t>
+              <a:rPr lang="en-IE" sz="1800" b="1" dirty="0">
+                <a:latin typeface="Arial" panose="020B0604020202020204" pitchFamily="34" charset="0"/>
+                <a:cs typeface="Arial" panose="020B0604020202020204" pitchFamily="34" charset="0"/>
+              </a:rPr>
+              <a:t>                                  (0.764)               (0.770)       </a:t>
             </a:r>
           </a:p>
           <a:p>
@@ -8013,11 +8131,11 @@
               <a:buNone/>
             </a:pPr>
             <a:r>
-              <a:rPr lang="en-IE" sz="1400" b="1" dirty="0">
-                <a:latin typeface="Arial" panose="020B0604020202020204" pitchFamily="34" charset="0"/>
-                <a:cs typeface="Arial" panose="020B0604020202020204" pitchFamily="34" charset="0"/>
-              </a:rPr>
-              <a:t>Constant                   3.195***              2.790***       </a:t>
+              <a:rPr lang="en-IE" sz="1800" b="1" dirty="0">
+                <a:latin typeface="Arial" panose="020B0604020202020204" pitchFamily="34" charset="0"/>
+                <a:cs typeface="Arial" panose="020B0604020202020204" pitchFamily="34" charset="0"/>
+              </a:rPr>
+              <a:t>                                                               </a:t>
             </a:r>
           </a:p>
           <a:p>
@@ -8031,11 +8149,11 @@
               <a:buNone/>
             </a:pPr>
             <a:r>
-              <a:rPr lang="en-IE" sz="1400" b="1" dirty="0">
-                <a:latin typeface="Arial" panose="020B0604020202020204" pitchFamily="34" charset="0"/>
-                <a:cs typeface="Arial" panose="020B0604020202020204" pitchFamily="34" charset="0"/>
-              </a:rPr>
-              <a:t>                                   (0.770)               (0.769)       </a:t>
+              <a:rPr lang="en-IE" sz="1800" b="1" dirty="0">
+                <a:latin typeface="Arial" panose="020B0604020202020204" pitchFamily="34" charset="0"/>
+                <a:cs typeface="Arial" panose="020B0604020202020204" pitchFamily="34" charset="0"/>
+              </a:rPr>
+              <a:t>----------------------------------------------------------------------------</a:t>
             </a:r>
           </a:p>
           <a:p>
@@ -8049,11 +8167,11 @@
               <a:buNone/>
             </a:pPr>
             <a:r>
-              <a:rPr lang="en-IE" sz="1400" b="1" dirty="0">
-                <a:latin typeface="Arial" panose="020B0604020202020204" pitchFamily="34" charset="0"/>
-                <a:cs typeface="Arial" panose="020B0604020202020204" pitchFamily="34" charset="0"/>
-              </a:rPr>
-              <a:t>                                                                 </a:t>
+              <a:rPr lang="en-IE" sz="1800" b="1" dirty="0">
+                <a:latin typeface="Arial" panose="020B0604020202020204" pitchFamily="34" charset="0"/>
+                <a:cs typeface="Arial" panose="020B0604020202020204" pitchFamily="34" charset="0"/>
+              </a:rPr>
+              <a:t>Observations                 90                    85          </a:t>
             </a:r>
           </a:p>
           <a:p>
@@ -8067,11 +8185,11 @@
               <a:buNone/>
             </a:pPr>
             <a:r>
-              <a:rPr lang="en-IE" sz="1400" b="1" dirty="0">
-                <a:latin typeface="Arial" panose="020B0604020202020204" pitchFamily="34" charset="0"/>
-                <a:cs typeface="Arial" panose="020B0604020202020204" pitchFamily="34" charset="0"/>
-              </a:rPr>
-              <a:t>------------------------------------------------------------------------------</a:t>
+              <a:rPr lang="en-IE" sz="1800" b="1" dirty="0">
+                <a:latin typeface="Arial" panose="020B0604020202020204" pitchFamily="34" charset="0"/>
+                <a:cs typeface="Arial" panose="020B0604020202020204" pitchFamily="34" charset="0"/>
+              </a:rPr>
+              <a:t>R2                                 0.198                 0.214        </a:t>
             </a:r>
           </a:p>
           <a:p>
@@ -8085,11 +8203,11 @@
               <a:buNone/>
             </a:pPr>
             <a:r>
-              <a:rPr lang="en-IE" sz="1400" b="1" dirty="0">
-                <a:latin typeface="Arial" panose="020B0604020202020204" pitchFamily="34" charset="0"/>
-                <a:cs typeface="Arial" panose="020B0604020202020204" pitchFamily="34" charset="0"/>
-              </a:rPr>
-              <a:t>Observations                   85                    85          </a:t>
+              <a:rPr lang="en-IE" sz="1800" b="1" dirty="0">
+                <a:latin typeface="Arial" panose="020B0604020202020204" pitchFamily="34" charset="0"/>
+                <a:cs typeface="Arial" panose="020B0604020202020204" pitchFamily="34" charset="0"/>
+              </a:rPr>
+              <a:t>Adjusted R2                 0.129                 0.143        </a:t>
             </a:r>
           </a:p>
           <a:p>
@@ -8103,11 +8221,39 @@
               <a:buNone/>
             </a:pPr>
             <a:r>
-              <a:rPr lang="en-IE" sz="1400" b="1" dirty="0">
-                <a:latin typeface="Arial" panose="020B0604020202020204" pitchFamily="34" charset="0"/>
-                <a:cs typeface="Arial" panose="020B0604020202020204" pitchFamily="34" charset="0"/>
-              </a:rPr>
-              <a:t>R2                                   0.214                 0.266        </a:t>
+              <a:rPr lang="en-IE" sz="1800" b="1" dirty="0">
+                <a:latin typeface="Arial" panose="020B0604020202020204" pitchFamily="34" charset="0"/>
+                <a:cs typeface="Arial" panose="020B0604020202020204" pitchFamily="34" charset="0"/>
+              </a:rPr>
+              <a:t>Residual Std. Error    1.647 (</a:t>
+            </a:r>
+            <a:r>
+              <a:rPr lang="en-IE" sz="1800" b="1" dirty="0" err="1">
+                <a:latin typeface="Arial" panose="020B0604020202020204" pitchFamily="34" charset="0"/>
+                <a:cs typeface="Arial" panose="020B0604020202020204" pitchFamily="34" charset="0"/>
+              </a:rPr>
+              <a:t>df</a:t>
+            </a:r>
+            <a:r>
+              <a:rPr lang="en-IE" sz="1800" b="1" dirty="0">
+                <a:latin typeface="Arial" panose="020B0604020202020204" pitchFamily="34" charset="0"/>
+                <a:cs typeface="Arial" panose="020B0604020202020204" pitchFamily="34" charset="0"/>
+              </a:rPr>
+              <a:t> = 82)    1.645 (</a:t>
+            </a:r>
+            <a:r>
+              <a:rPr lang="en-IE" sz="1800" b="1" dirty="0" err="1">
+                <a:latin typeface="Arial" panose="020B0604020202020204" pitchFamily="34" charset="0"/>
+                <a:cs typeface="Arial" panose="020B0604020202020204" pitchFamily="34" charset="0"/>
+              </a:rPr>
+              <a:t>df</a:t>
+            </a:r>
+            <a:r>
+              <a:rPr lang="en-IE" sz="1800" b="1" dirty="0">
+                <a:latin typeface="Arial" panose="020B0604020202020204" pitchFamily="34" charset="0"/>
+                <a:cs typeface="Arial" panose="020B0604020202020204" pitchFamily="34" charset="0"/>
+              </a:rPr>
+              <a:t> = 77)   </a:t>
             </a:r>
           </a:p>
           <a:p>
@@ -8121,11 +8267,39 @@
               <a:buNone/>
             </a:pPr>
             <a:r>
-              <a:rPr lang="en-IE" sz="1400" b="1" dirty="0">
-                <a:latin typeface="Arial" panose="020B0604020202020204" pitchFamily="34" charset="0"/>
-                <a:cs typeface="Arial" panose="020B0604020202020204" pitchFamily="34" charset="0"/>
-              </a:rPr>
-              <a:t>Adjusted R2                   0.143                 0.189        </a:t>
+              <a:rPr lang="en-IE" sz="1800" b="1" dirty="0">
+                <a:latin typeface="Arial" panose="020B0604020202020204" pitchFamily="34" charset="0"/>
+                <a:cs typeface="Arial" panose="020B0604020202020204" pitchFamily="34" charset="0"/>
+              </a:rPr>
+              <a:t>F Statistic          2.885*** (</a:t>
+            </a:r>
+            <a:r>
+              <a:rPr lang="en-IE" sz="1800" b="1" dirty="0" err="1">
+                <a:latin typeface="Arial" panose="020B0604020202020204" pitchFamily="34" charset="0"/>
+                <a:cs typeface="Arial" panose="020B0604020202020204" pitchFamily="34" charset="0"/>
+              </a:rPr>
+              <a:t>df</a:t>
+            </a:r>
+            <a:r>
+              <a:rPr lang="en-IE" sz="1800" b="1" dirty="0">
+                <a:latin typeface="Arial" panose="020B0604020202020204" pitchFamily="34" charset="0"/>
+                <a:cs typeface="Arial" panose="020B0604020202020204" pitchFamily="34" charset="0"/>
+              </a:rPr>
+              <a:t> = 7; 82)  2.996*** (</a:t>
+            </a:r>
+            <a:r>
+              <a:rPr lang="en-IE" sz="1800" b="1" dirty="0" err="1">
+                <a:latin typeface="Arial" panose="020B0604020202020204" pitchFamily="34" charset="0"/>
+                <a:cs typeface="Arial" panose="020B0604020202020204" pitchFamily="34" charset="0"/>
+              </a:rPr>
+              <a:t>df</a:t>
+            </a:r>
+            <a:r>
+              <a:rPr lang="en-IE" sz="1800" b="1" dirty="0">
+                <a:latin typeface="Arial" panose="020B0604020202020204" pitchFamily="34" charset="0"/>
+                <a:cs typeface="Arial" panose="020B0604020202020204" pitchFamily="34" charset="0"/>
+              </a:rPr>
+              <a:t> = 7; 77)</a:t>
             </a:r>
           </a:p>
           <a:p>
@@ -8139,39 +8313,11 @@
               <a:buNone/>
             </a:pPr>
             <a:r>
-              <a:rPr lang="en-IE" sz="1400" b="1" dirty="0">
-                <a:latin typeface="Arial" panose="020B0604020202020204" pitchFamily="34" charset="0"/>
-                <a:cs typeface="Arial" panose="020B0604020202020204" pitchFamily="34" charset="0"/>
-              </a:rPr>
-              <a:t>Residual Std. Error      1.645 (</a:t>
-            </a:r>
-            <a:r>
-              <a:rPr lang="en-IE" sz="1400" b="1" dirty="0" err="1">
-                <a:latin typeface="Arial" panose="020B0604020202020204" pitchFamily="34" charset="0"/>
-                <a:cs typeface="Arial" panose="020B0604020202020204" pitchFamily="34" charset="0"/>
-              </a:rPr>
-              <a:t>df</a:t>
-            </a:r>
-            <a:r>
-              <a:rPr lang="en-IE" sz="1400" b="1" dirty="0">
-                <a:latin typeface="Arial" panose="020B0604020202020204" pitchFamily="34" charset="0"/>
-                <a:cs typeface="Arial" panose="020B0604020202020204" pitchFamily="34" charset="0"/>
-              </a:rPr>
-              <a:t> = 77)    1.600 (</a:t>
-            </a:r>
-            <a:r>
-              <a:rPr lang="en-IE" sz="1400" b="1" dirty="0" err="1">
-                <a:latin typeface="Arial" panose="020B0604020202020204" pitchFamily="34" charset="0"/>
-                <a:cs typeface="Arial" panose="020B0604020202020204" pitchFamily="34" charset="0"/>
-              </a:rPr>
-              <a:t>df</a:t>
-            </a:r>
-            <a:r>
-              <a:rPr lang="en-IE" sz="1400" b="1" dirty="0">
-                <a:latin typeface="Arial" panose="020B0604020202020204" pitchFamily="34" charset="0"/>
-                <a:cs typeface="Arial" panose="020B0604020202020204" pitchFamily="34" charset="0"/>
-              </a:rPr>
-              <a:t> = 76)   </a:t>
+              <a:rPr lang="en-IE" sz="1800" b="1" dirty="0">
+                <a:latin typeface="Arial" panose="020B0604020202020204" pitchFamily="34" charset="0"/>
+                <a:cs typeface="Arial" panose="020B0604020202020204" pitchFamily="34" charset="0"/>
+              </a:rPr>
+              <a:t>===============================================</a:t>
             </a:r>
           </a:p>
           <a:p>
@@ -8185,39 +8331,11 @@
               <a:buNone/>
             </a:pPr>
             <a:r>
-              <a:rPr lang="en-IE" sz="1400" b="1" dirty="0">
-                <a:latin typeface="Arial" panose="020B0604020202020204" pitchFamily="34" charset="0"/>
-                <a:cs typeface="Arial" panose="020B0604020202020204" pitchFamily="34" charset="0"/>
-              </a:rPr>
-              <a:t>F Statistic           2.996*** (</a:t>
-            </a:r>
-            <a:r>
-              <a:rPr lang="en-IE" sz="1400" b="1" dirty="0" err="1">
-                <a:latin typeface="Arial" panose="020B0604020202020204" pitchFamily="34" charset="0"/>
-                <a:cs typeface="Arial" panose="020B0604020202020204" pitchFamily="34" charset="0"/>
-              </a:rPr>
-              <a:t>df</a:t>
-            </a:r>
-            <a:r>
-              <a:rPr lang="en-IE" sz="1400" b="1" dirty="0">
-                <a:latin typeface="Arial" panose="020B0604020202020204" pitchFamily="34" charset="0"/>
-                <a:cs typeface="Arial" panose="020B0604020202020204" pitchFamily="34" charset="0"/>
-              </a:rPr>
-              <a:t> = 7; 77)   3.446*** (</a:t>
-            </a:r>
-            <a:r>
-              <a:rPr lang="en-IE" sz="1400" b="1" dirty="0" err="1">
-                <a:latin typeface="Arial" panose="020B0604020202020204" pitchFamily="34" charset="0"/>
-                <a:cs typeface="Arial" panose="020B0604020202020204" pitchFamily="34" charset="0"/>
-              </a:rPr>
-              <a:t>df</a:t>
-            </a:r>
-            <a:r>
-              <a:rPr lang="en-IE" sz="1400" b="1" dirty="0">
-                <a:latin typeface="Arial" panose="020B0604020202020204" pitchFamily="34" charset="0"/>
-                <a:cs typeface="Arial" panose="020B0604020202020204" pitchFamily="34" charset="0"/>
-              </a:rPr>
-              <a:t> = 8; 76)</a:t>
+              <a:rPr lang="en-IE" sz="1800" b="1" dirty="0">
+                <a:latin typeface="Arial" panose="020B0604020202020204" pitchFamily="34" charset="0"/>
+                <a:cs typeface="Arial" panose="020B0604020202020204" pitchFamily="34" charset="0"/>
+              </a:rPr>
+              <a:t>Note:                               *p&lt;0.1; **p&lt;0.05; ***p&lt;0.01</a:t>
             </a:r>
           </a:p>
           <a:p>
@@ -8235,25 +8353,7 @@
                 <a:latin typeface="Arial" panose="020B0604020202020204" pitchFamily="34" charset="0"/>
                 <a:cs typeface="Arial" panose="020B0604020202020204" pitchFamily="34" charset="0"/>
               </a:rPr>
-              <a:t>==============================================</a:t>
-            </a:r>
-          </a:p>
-          <a:p>
-            <a:pPr marL="0" indent="0">
-              <a:lnSpc>
-                <a:spcPct val="100000"/>
-              </a:lnSpc>
-              <a:spcBef>
-                <a:spcPts val="0"/>
-              </a:spcBef>
-              <a:buNone/>
-            </a:pPr>
-            <a:r>
-              <a:rPr lang="en-IE" sz="1400" b="1" dirty="0">
-                <a:latin typeface="Arial" panose="020B0604020202020204" pitchFamily="34" charset="0"/>
-                <a:cs typeface="Arial" panose="020B0604020202020204" pitchFamily="34" charset="0"/>
-              </a:rPr>
-              <a:t>Note:                                 *p&lt;0.1; **p&lt;0.05; ***p&lt;0.01</a:t>
+              <a:t>                      </a:t>
             </a:r>
           </a:p>
         </p:txBody>
@@ -8261,7 +8361,7 @@
     </p:spTree>
     <p:extLst>
       <p:ext uri="{BB962C8B-B14F-4D97-AF65-F5344CB8AC3E}">
-        <p14:creationId xmlns:p14="http://schemas.microsoft.com/office/powerpoint/2010/main" val="499189125"/>
+        <p14:creationId xmlns:p14="http://schemas.microsoft.com/office/powerpoint/2010/main" val="1786123773"/>
       </p:ext>
     </p:extLst>
   </p:cSld>
@@ -8293,7 +8393,7 @@
           <p:cNvPr id="3" name="Content Placeholder 2">
             <a:extLst>
               <a:ext uri="{FF2B5EF4-FFF2-40B4-BE49-F238E27FC236}">
-                <a16:creationId xmlns:a16="http://schemas.microsoft.com/office/drawing/2014/main" id="{403C7541-79A3-8B1C-8828-03B1F75A3026}"/>
+                <a16:creationId xmlns="" xmlns:a16="http://schemas.microsoft.com/office/drawing/2014/main" id="{5CFA6F29-49E0-9915-2FAD-6ABCC2095D10}"/>
               </a:ext>
             </a:extLst>
           </p:cNvPr>
@@ -8306,195 +8406,906 @@
         </p:nvSpPr>
         <p:spPr>
           <a:xfrm>
-            <a:off x="3038622" y="0"/>
-            <a:ext cx="8315178" cy="6858000"/>
+            <a:off x="4074638" y="14748"/>
+            <a:ext cx="5767755" cy="6858000"/>
           </a:xfrm>
         </p:spPr>
         <p:txBody>
-          <a:bodyPr/>
+          <a:bodyPr>
+            <a:normAutofit fontScale="92500" lnSpcReduction="20000"/>
+          </a:bodyPr>
           <a:lstStyle/>
           <a:p>
-            <a:pPr marL="0" indent="0" algn="ctr">
-              <a:buNone/>
-            </a:pPr>
-            <a:r>
-              <a:rPr lang="en-GB" b="1" dirty="0">
-                <a:latin typeface="Arial" panose="020B0604020202020204" pitchFamily="34" charset="0"/>
-                <a:cs typeface="Arial" panose="020B0604020202020204" pitchFamily="34" charset="0"/>
-              </a:rPr>
-              <a:t>Analysis of Variance</a:t>
-            </a:r>
-          </a:p>
-          <a:p>
-            <a:pPr marL="0" indent="0">
-              <a:buNone/>
-            </a:pPr>
-            <a:r>
-              <a:rPr lang="en-GB" b="1" dirty="0">
-                <a:latin typeface="Arial" panose="020B0604020202020204" pitchFamily="34" charset="0"/>
-                <a:cs typeface="Arial" panose="020B0604020202020204" pitchFamily="34" charset="0"/>
-              </a:rPr>
-              <a:t>=================================</a:t>
-            </a:r>
-          </a:p>
-          <a:p>
-            <a:pPr marL="0" indent="0">
-              <a:buNone/>
-            </a:pPr>
-            <a:r>
-              <a:rPr lang="en-GB" b="1" dirty="0">
-                <a:latin typeface="Arial" panose="020B0604020202020204" pitchFamily="34" charset="0"/>
-                <a:cs typeface="Arial" panose="020B0604020202020204" pitchFamily="34" charset="0"/>
-              </a:rPr>
-              <a:t>Statistic N  Mean   St. Dev.   Min     Max  </a:t>
-            </a:r>
-          </a:p>
-          <a:p>
-            <a:pPr marL="0" indent="0">
-              <a:buNone/>
-            </a:pPr>
-            <a:r>
-              <a:rPr lang="en-GB" b="1" dirty="0">
-                <a:latin typeface="Arial" panose="020B0604020202020204" pitchFamily="34" charset="0"/>
-                <a:cs typeface="Arial" panose="020B0604020202020204" pitchFamily="34" charset="0"/>
-              </a:rPr>
-              <a:t>---------------------------------------------------------</a:t>
-            </a:r>
-          </a:p>
-          <a:p>
-            <a:pPr marL="0" indent="0">
-              <a:buNone/>
-            </a:pPr>
-            <a:r>
-              <a:rPr lang="en-GB" b="1" dirty="0" err="1">
-                <a:latin typeface="Arial" panose="020B0604020202020204" pitchFamily="34" charset="0"/>
-                <a:cs typeface="Arial" panose="020B0604020202020204" pitchFamily="34" charset="0"/>
-              </a:rPr>
-              <a:t>Res.Df</a:t>
-            </a:r>
-            <a:r>
-              <a:rPr lang="en-GB" b="1" dirty="0">
-                <a:latin typeface="Arial" panose="020B0604020202020204" pitchFamily="34" charset="0"/>
-                <a:cs typeface="Arial" panose="020B0604020202020204" pitchFamily="34" charset="0"/>
-              </a:rPr>
-              <a:t>    2 76.50     0.707      76      77   </a:t>
-            </a:r>
-          </a:p>
-          <a:p>
-            <a:pPr marL="0" indent="0">
-              <a:buNone/>
-            </a:pPr>
-            <a:r>
-              <a:rPr lang="en-GB" b="1" dirty="0">
-                <a:latin typeface="Arial" panose="020B0604020202020204" pitchFamily="34" charset="0"/>
-                <a:cs typeface="Arial" panose="020B0604020202020204" pitchFamily="34" charset="0"/>
-              </a:rPr>
-              <a:t>RSS        2 201.48   9.780    194.566 208.397</a:t>
-            </a:r>
-          </a:p>
-          <a:p>
-            <a:pPr marL="0" indent="0">
-              <a:buNone/>
-            </a:pPr>
-            <a:r>
-              <a:rPr lang="en-GB" b="1" dirty="0" err="1">
-                <a:latin typeface="Arial" panose="020B0604020202020204" pitchFamily="34" charset="0"/>
-                <a:cs typeface="Arial" panose="020B0604020202020204" pitchFamily="34" charset="0"/>
-              </a:rPr>
-              <a:t>Df</a:t>
-            </a:r>
-            <a:r>
-              <a:rPr lang="en-GB" b="1" dirty="0">
-                <a:latin typeface="Arial" panose="020B0604020202020204" pitchFamily="34" charset="0"/>
-                <a:cs typeface="Arial" panose="020B0604020202020204" pitchFamily="34" charset="0"/>
-              </a:rPr>
-              <a:t>            1  1.000                     1       1   </a:t>
-            </a:r>
-          </a:p>
-          <a:p>
-            <a:pPr marL="0" indent="0">
-              <a:buNone/>
-            </a:pPr>
-            <a:r>
-              <a:rPr lang="en-GB" b="1" dirty="0">
-                <a:latin typeface="Arial" panose="020B0604020202020204" pitchFamily="34" charset="0"/>
-                <a:cs typeface="Arial" panose="020B0604020202020204" pitchFamily="34" charset="0"/>
-              </a:rPr>
-              <a:t>Sum of </a:t>
-            </a:r>
-          </a:p>
-          <a:p>
-            <a:pPr marL="0" indent="0">
-              <a:buNone/>
-            </a:pPr>
-            <a:r>
-              <a:rPr lang="en-GB" b="1" dirty="0" err="1">
-                <a:latin typeface="Arial" panose="020B0604020202020204" pitchFamily="34" charset="0"/>
-                <a:cs typeface="Arial" panose="020B0604020202020204" pitchFamily="34" charset="0"/>
-              </a:rPr>
-              <a:t>Sq</a:t>
-            </a:r>
-            <a:r>
-              <a:rPr lang="en-GB" b="1" dirty="0">
-                <a:latin typeface="Arial" panose="020B0604020202020204" pitchFamily="34" charset="0"/>
-                <a:cs typeface="Arial" panose="020B0604020202020204" pitchFamily="34" charset="0"/>
-              </a:rPr>
-              <a:t>           1 13.831                13.831  13.831 </a:t>
-            </a:r>
-          </a:p>
-          <a:p>
-            <a:pPr marL="0" indent="0">
-              <a:buNone/>
-            </a:pPr>
-            <a:r>
-              <a:rPr lang="en-GB" b="1" dirty="0">
-                <a:latin typeface="Arial" panose="020B0604020202020204" pitchFamily="34" charset="0"/>
-                <a:cs typeface="Arial" panose="020B0604020202020204" pitchFamily="34" charset="0"/>
-              </a:rPr>
-              <a:t>F             1  5.403                    5.403   5.403 </a:t>
-            </a:r>
-          </a:p>
-          <a:p>
-            <a:pPr marL="0" indent="0">
-              <a:buNone/>
-            </a:pPr>
-            <a:r>
-              <a:rPr lang="en-GB" b="1" dirty="0" err="1">
-                <a:latin typeface="Arial" panose="020B0604020202020204" pitchFamily="34" charset="0"/>
-                <a:cs typeface="Arial" panose="020B0604020202020204" pitchFamily="34" charset="0"/>
-              </a:rPr>
-              <a:t>Pr</a:t>
-            </a:r>
-            <a:r>
-              <a:rPr lang="en-GB" b="1" dirty="0">
-                <a:latin typeface="Arial" panose="020B0604020202020204" pitchFamily="34" charset="0"/>
-                <a:cs typeface="Arial" panose="020B0604020202020204" pitchFamily="34" charset="0"/>
-              </a:rPr>
-              <a:t>(&gt; F)    1  0.023                   0.023   0.023 </a:t>
-            </a:r>
-          </a:p>
-          <a:p>
-            <a:pPr marL="0" indent="0">
-              <a:buNone/>
-            </a:pPr>
-            <a:r>
-              <a:rPr lang="en-GB" b="1" dirty="0">
-                <a:latin typeface="Arial" panose="020B0604020202020204" pitchFamily="34" charset="0"/>
-                <a:cs typeface="Arial" panose="020B0604020202020204" pitchFamily="34" charset="0"/>
-              </a:rPr>
-              <a:t>------------------------------------------------------------</a:t>
-            </a:r>
-            <a:endParaRPr lang="en-IE" b="1" dirty="0">
+            <a:pPr marL="0" indent="0">
+              <a:lnSpc>
+                <a:spcPct val="100000"/>
+              </a:lnSpc>
+              <a:spcBef>
+                <a:spcPts val="0"/>
+              </a:spcBef>
+              <a:buNone/>
+            </a:pPr>
+            <a:endParaRPr lang="en-IE" sz="1400" b="1" dirty="0">
               <a:latin typeface="Arial" panose="020B0604020202020204" pitchFamily="34" charset="0"/>
               <a:cs typeface="Arial" panose="020B0604020202020204" pitchFamily="34" charset="0"/>
             </a:endParaRPr>
+          </a:p>
+          <a:p>
+            <a:pPr marL="0" indent="0">
+              <a:lnSpc>
+                <a:spcPct val="100000"/>
+              </a:lnSpc>
+              <a:spcBef>
+                <a:spcPts val="0"/>
+              </a:spcBef>
+              <a:buNone/>
+            </a:pPr>
+            <a:r>
+              <a:rPr lang="en-IE" sz="1400" b="1" dirty="0">
+                <a:latin typeface="Arial" panose="020B0604020202020204" pitchFamily="34" charset="0"/>
+                <a:cs typeface="Arial" panose="020B0604020202020204" pitchFamily="34" charset="0"/>
+              </a:rPr>
+              <a:t>                         Dependent variable: ENP  </a:t>
+            </a:r>
+          </a:p>
+          <a:p>
+            <a:pPr marL="0" indent="0">
+              <a:lnSpc>
+                <a:spcPct val="100000"/>
+              </a:lnSpc>
+              <a:spcBef>
+                <a:spcPts val="0"/>
+              </a:spcBef>
+              <a:buNone/>
+            </a:pPr>
+            <a:r>
+              <a:rPr lang="en-IE" sz="1400" b="1" dirty="0">
+                <a:latin typeface="Arial" panose="020B0604020202020204" pitchFamily="34" charset="0"/>
+                <a:cs typeface="Arial" panose="020B0604020202020204" pitchFamily="34" charset="0"/>
+              </a:rPr>
+              <a:t>                      -------------------------------------------</a:t>
+            </a:r>
+          </a:p>
+          <a:p>
+            <a:pPr marL="0" indent="0">
+              <a:lnSpc>
+                <a:spcPct val="100000"/>
+              </a:lnSpc>
+              <a:spcBef>
+                <a:spcPts val="0"/>
+              </a:spcBef>
+              <a:buNone/>
+            </a:pPr>
+            <a:r>
+              <a:rPr lang="en-IE" sz="1400" b="1" dirty="0">
+                <a:latin typeface="Arial" panose="020B0604020202020204" pitchFamily="34" charset="0"/>
+                <a:cs typeface="Arial" panose="020B0604020202020204" pitchFamily="34" charset="0"/>
+              </a:rPr>
+              <a:t>	Full w/Recode            Interactive        </a:t>
+            </a:r>
+          </a:p>
+          <a:p>
+            <a:pPr marL="0" indent="0">
+              <a:lnSpc>
+                <a:spcPct val="100000"/>
+              </a:lnSpc>
+              <a:spcBef>
+                <a:spcPts val="0"/>
+              </a:spcBef>
+              <a:buNone/>
+            </a:pPr>
+            <a:r>
+              <a:rPr lang="en-IE" sz="1400" b="1" dirty="0">
+                <a:latin typeface="Arial" panose="020B0604020202020204" pitchFamily="34" charset="0"/>
+                <a:cs typeface="Arial" panose="020B0604020202020204" pitchFamily="34" charset="0"/>
+              </a:rPr>
+              <a:t>-----------------------------------------------------------------</a:t>
+            </a:r>
+          </a:p>
+          <a:p>
+            <a:pPr marL="0" indent="0">
+              <a:lnSpc>
+                <a:spcPct val="100000"/>
+              </a:lnSpc>
+              <a:spcBef>
+                <a:spcPts val="0"/>
+              </a:spcBef>
+              <a:buNone/>
+            </a:pPr>
+            <a:r>
+              <a:rPr lang="en-IE" sz="1400" b="1" dirty="0">
+                <a:latin typeface="Arial" panose="020B0604020202020204" pitchFamily="34" charset="0"/>
+                <a:cs typeface="Arial" panose="020B0604020202020204" pitchFamily="34" charset="0"/>
+              </a:rPr>
+              <a:t>fundparity4             0.437***                 0.444***       </a:t>
+            </a:r>
+          </a:p>
+          <a:p>
+            <a:pPr marL="0" indent="0">
+              <a:lnSpc>
+                <a:spcPct val="100000"/>
+              </a:lnSpc>
+              <a:spcBef>
+                <a:spcPts val="0"/>
+              </a:spcBef>
+              <a:buNone/>
+            </a:pPr>
+            <a:r>
+              <a:rPr lang="en-IE" sz="1400" b="1" dirty="0">
+                <a:latin typeface="Arial" panose="020B0604020202020204" pitchFamily="34" charset="0"/>
+                <a:cs typeface="Arial" panose="020B0604020202020204" pitchFamily="34" charset="0"/>
+              </a:rPr>
+              <a:t>                              (0.157)                   (0.153)       </a:t>
+            </a:r>
+          </a:p>
+          <a:p>
+            <a:pPr marL="0" indent="0">
+              <a:lnSpc>
+                <a:spcPct val="100000"/>
+              </a:lnSpc>
+              <a:spcBef>
+                <a:spcPts val="0"/>
+              </a:spcBef>
+              <a:buNone/>
+            </a:pPr>
+            <a:r>
+              <a:rPr lang="en-IE" sz="1400" b="1" dirty="0">
+                <a:latin typeface="Arial" panose="020B0604020202020204" pitchFamily="34" charset="0"/>
+                <a:cs typeface="Arial" panose="020B0604020202020204" pitchFamily="34" charset="0"/>
+              </a:rPr>
+              <a:t>                                                                 </a:t>
+            </a:r>
+          </a:p>
+          <a:p>
+            <a:pPr marL="0" indent="0">
+              <a:lnSpc>
+                <a:spcPct val="100000"/>
+              </a:lnSpc>
+              <a:spcBef>
+                <a:spcPts val="0"/>
+              </a:spcBef>
+              <a:buNone/>
+            </a:pPr>
+            <a:r>
+              <a:rPr lang="en-IE" sz="1400" b="1" dirty="0" err="1">
+                <a:latin typeface="Arial" panose="020B0604020202020204" pitchFamily="34" charset="0"/>
+                <a:cs typeface="Arial" panose="020B0604020202020204" pitchFamily="34" charset="0"/>
+              </a:rPr>
+              <a:t>demyears</a:t>
+            </a:r>
+            <a:r>
+              <a:rPr lang="en-IE" sz="1400" b="1" dirty="0">
+                <a:latin typeface="Arial" panose="020B0604020202020204" pitchFamily="34" charset="0"/>
+                <a:cs typeface="Arial" panose="020B0604020202020204" pitchFamily="34" charset="0"/>
+              </a:rPr>
+              <a:t>                 0.013                    0.025**       </a:t>
+            </a:r>
+          </a:p>
+          <a:p>
+            <a:pPr marL="0" indent="0">
+              <a:lnSpc>
+                <a:spcPct val="100000"/>
+              </a:lnSpc>
+              <a:spcBef>
+                <a:spcPts val="0"/>
+              </a:spcBef>
+              <a:buNone/>
+            </a:pPr>
+            <a:r>
+              <a:rPr lang="en-IE" sz="1400" b="1" dirty="0">
+                <a:latin typeface="Arial" panose="020B0604020202020204" pitchFamily="34" charset="0"/>
+                <a:cs typeface="Arial" panose="020B0604020202020204" pitchFamily="34" charset="0"/>
+              </a:rPr>
+              <a:t>                                (0.011)                  (0.012)       </a:t>
+            </a:r>
+          </a:p>
+          <a:p>
+            <a:pPr marL="0" indent="0">
+              <a:lnSpc>
+                <a:spcPct val="100000"/>
+              </a:lnSpc>
+              <a:spcBef>
+                <a:spcPts val="0"/>
+              </a:spcBef>
+              <a:buNone/>
+            </a:pPr>
+            <a:r>
+              <a:rPr lang="en-IE" sz="1400" b="1" dirty="0">
+                <a:latin typeface="Arial" panose="020B0604020202020204" pitchFamily="34" charset="0"/>
+                <a:cs typeface="Arial" panose="020B0604020202020204" pitchFamily="34" charset="0"/>
+              </a:rPr>
+              <a:t>                                                                 </a:t>
+            </a:r>
+          </a:p>
+          <a:p>
+            <a:pPr marL="0" indent="0">
+              <a:lnSpc>
+                <a:spcPct val="100000"/>
+              </a:lnSpc>
+              <a:spcBef>
+                <a:spcPts val="0"/>
+              </a:spcBef>
+              <a:buNone/>
+            </a:pPr>
+            <a:r>
+              <a:rPr lang="en-IE" sz="1400" b="1" dirty="0">
+                <a:latin typeface="Arial" panose="020B0604020202020204" pitchFamily="34" charset="0"/>
+                <a:cs typeface="Arial" panose="020B0604020202020204" pitchFamily="34" charset="0"/>
+              </a:rPr>
+              <a:t>Federal                     -0.295                   -0.270        </a:t>
+            </a:r>
+          </a:p>
+          <a:p>
+            <a:pPr marL="0" indent="0">
+              <a:lnSpc>
+                <a:spcPct val="100000"/>
+              </a:lnSpc>
+              <a:spcBef>
+                <a:spcPts val="0"/>
+              </a:spcBef>
+              <a:buNone/>
+            </a:pPr>
+            <a:r>
+              <a:rPr lang="en-IE" sz="1400" b="1" dirty="0">
+                <a:latin typeface="Arial" panose="020B0604020202020204" pitchFamily="34" charset="0"/>
+                <a:cs typeface="Arial" panose="020B0604020202020204" pitchFamily="34" charset="0"/>
+              </a:rPr>
+              <a:t>                                 (0.480)                  (0.467)       </a:t>
+            </a:r>
+          </a:p>
+          <a:p>
+            <a:pPr marL="0" indent="0">
+              <a:lnSpc>
+                <a:spcPct val="100000"/>
+              </a:lnSpc>
+              <a:spcBef>
+                <a:spcPts val="0"/>
+              </a:spcBef>
+              <a:buNone/>
+            </a:pPr>
+            <a:r>
+              <a:rPr lang="en-IE" sz="1400" b="1" dirty="0">
+                <a:latin typeface="Arial" panose="020B0604020202020204" pitchFamily="34" charset="0"/>
+                <a:cs typeface="Arial" panose="020B0604020202020204" pitchFamily="34" charset="0"/>
+              </a:rPr>
+              <a:t>                                                                 </a:t>
+            </a:r>
+          </a:p>
+          <a:p>
+            <a:pPr marL="0" indent="0">
+              <a:lnSpc>
+                <a:spcPct val="100000"/>
+              </a:lnSpc>
+              <a:spcBef>
+                <a:spcPts val="0"/>
+              </a:spcBef>
+              <a:buNone/>
+            </a:pPr>
+            <a:r>
+              <a:rPr lang="en-IE" sz="1400" b="1" dirty="0" err="1">
+                <a:latin typeface="Arial" panose="020B0604020202020204" pitchFamily="34" charset="0"/>
+                <a:cs typeface="Arial" panose="020B0604020202020204" pitchFamily="34" charset="0"/>
+              </a:rPr>
+              <a:t>pres_cat</a:t>
+            </a:r>
+            <a:r>
+              <a:rPr lang="en-IE" sz="1400" b="1" dirty="0">
+                <a:latin typeface="Arial" panose="020B0604020202020204" pitchFamily="34" charset="0"/>
+                <a:cs typeface="Arial" panose="020B0604020202020204" pitchFamily="34" charset="0"/>
+              </a:rPr>
+              <a:t>                  -0.346                    1.095  </a:t>
+            </a:r>
+          </a:p>
+          <a:p>
+            <a:pPr marL="0" indent="0">
+              <a:lnSpc>
+                <a:spcPct val="100000"/>
+              </a:lnSpc>
+              <a:spcBef>
+                <a:spcPts val="0"/>
+              </a:spcBef>
+              <a:buNone/>
+            </a:pPr>
+            <a:r>
+              <a:rPr lang="en-IE" sz="1400" b="1" dirty="0">
+                <a:latin typeface="Arial" panose="020B0604020202020204" pitchFamily="34" charset="0"/>
+                <a:cs typeface="Arial" panose="020B0604020202020204" pitchFamily="34" charset="0"/>
+              </a:rPr>
+              <a:t>                                 (0.422)                 </a:t>
+            </a:r>
+            <a:r>
+              <a:rPr kumimoji="0" lang="en-IE" sz="1400" b="1" i="0" u="none" strike="noStrike" kern="1200" cap="none" spc="0" normalizeH="0" baseline="0" noProof="0" dirty="0">
+                <a:ln>
+                  <a:noFill/>
+                </a:ln>
+                <a:solidFill>
+                  <a:prstClr val="black"/>
+                </a:solidFill>
+                <a:effectLst/>
+                <a:uLnTx/>
+                <a:uFillTx/>
+                <a:latin typeface="Arial" panose="020B0604020202020204" pitchFamily="34" charset="0"/>
+                <a:ea typeface="+mn-ea"/>
+                <a:cs typeface="Arial" panose="020B0604020202020204" pitchFamily="34" charset="0"/>
+              </a:rPr>
+              <a:t>(0.744)</a:t>
+            </a:r>
+            <a:r>
+              <a:rPr lang="en-IE" sz="1400" b="1" dirty="0">
+                <a:latin typeface="Arial" panose="020B0604020202020204" pitchFamily="34" charset="0"/>
+                <a:cs typeface="Arial" panose="020B0604020202020204" pitchFamily="34" charset="0"/>
+              </a:rPr>
+              <a:t>       </a:t>
+            </a:r>
+          </a:p>
+          <a:p>
+            <a:pPr marL="0" indent="0">
+              <a:lnSpc>
+                <a:spcPct val="100000"/>
+              </a:lnSpc>
+              <a:spcBef>
+                <a:spcPts val="0"/>
+              </a:spcBef>
+              <a:buNone/>
+            </a:pPr>
+            <a:r>
+              <a:rPr lang="en-IE" sz="1400" b="1" dirty="0">
+                <a:latin typeface="Arial" panose="020B0604020202020204" pitchFamily="34" charset="0"/>
+                <a:cs typeface="Arial" panose="020B0604020202020204" pitchFamily="34" charset="0"/>
+              </a:rPr>
+              <a:t>                                                                 </a:t>
+            </a:r>
+          </a:p>
+          <a:p>
+            <a:pPr marL="0" indent="0">
+              <a:lnSpc>
+                <a:spcPct val="100000"/>
+              </a:lnSpc>
+              <a:spcBef>
+                <a:spcPts val="0"/>
+              </a:spcBef>
+              <a:buNone/>
+            </a:pPr>
+            <a:r>
+              <a:rPr lang="en-IE" sz="1400" b="1" dirty="0">
+                <a:latin typeface="Arial" panose="020B0604020202020204" pitchFamily="34" charset="0"/>
+                <a:cs typeface="Arial" panose="020B0604020202020204" pitchFamily="34" charset="0"/>
+              </a:rPr>
+              <a:t>                                                                 </a:t>
+            </a:r>
+          </a:p>
+          <a:p>
+            <a:pPr marL="0" indent="0">
+              <a:lnSpc>
+                <a:spcPct val="100000"/>
+              </a:lnSpc>
+              <a:spcBef>
+                <a:spcPts val="0"/>
+              </a:spcBef>
+              <a:buNone/>
+            </a:pPr>
+            <a:r>
+              <a:rPr lang="en-IE" sz="1400" b="1" dirty="0">
+                <a:latin typeface="Arial" panose="020B0604020202020204" pitchFamily="34" charset="0"/>
+                <a:cs typeface="Arial" panose="020B0604020202020204" pitchFamily="34" charset="0"/>
+              </a:rPr>
+              <a:t>log(</a:t>
+            </a:r>
+            <a:r>
+              <a:rPr lang="en-IE" sz="1400" b="1" dirty="0" err="1">
+                <a:latin typeface="Arial" panose="020B0604020202020204" pitchFamily="34" charset="0"/>
+                <a:cs typeface="Arial" panose="020B0604020202020204" pitchFamily="34" charset="0"/>
+              </a:rPr>
+              <a:t>avemag</a:t>
+            </a:r>
+            <a:r>
+              <a:rPr lang="en-IE" sz="1400" b="1" dirty="0">
+                <a:latin typeface="Arial" panose="020B0604020202020204" pitchFamily="34" charset="0"/>
+                <a:cs typeface="Arial" panose="020B0604020202020204" pitchFamily="34" charset="0"/>
+              </a:rPr>
+              <a:t>)              0.439                   0.434        </a:t>
+            </a:r>
+          </a:p>
+          <a:p>
+            <a:pPr marL="0" indent="0">
+              <a:lnSpc>
+                <a:spcPct val="100000"/>
+              </a:lnSpc>
+              <a:spcBef>
+                <a:spcPts val="0"/>
+              </a:spcBef>
+              <a:buNone/>
+            </a:pPr>
+            <a:r>
+              <a:rPr lang="en-IE" sz="1400" b="1" dirty="0">
+                <a:latin typeface="Arial" panose="020B0604020202020204" pitchFamily="34" charset="0"/>
+                <a:cs typeface="Arial" panose="020B0604020202020204" pitchFamily="34" charset="0"/>
+              </a:rPr>
+              <a:t>                                  (0.319)                (0.310)       </a:t>
+            </a:r>
+          </a:p>
+          <a:p>
+            <a:pPr marL="0" indent="0">
+              <a:lnSpc>
+                <a:spcPct val="100000"/>
+              </a:lnSpc>
+              <a:spcBef>
+                <a:spcPts val="0"/>
+              </a:spcBef>
+              <a:buNone/>
+            </a:pPr>
+            <a:r>
+              <a:rPr lang="en-IE" sz="1400" b="1" dirty="0">
+                <a:latin typeface="Arial" panose="020B0604020202020204" pitchFamily="34" charset="0"/>
+                <a:cs typeface="Arial" panose="020B0604020202020204" pitchFamily="34" charset="0"/>
+              </a:rPr>
+              <a:t>                                                                 </a:t>
+            </a:r>
+          </a:p>
+          <a:p>
+            <a:pPr marL="0" indent="0">
+              <a:lnSpc>
+                <a:spcPct val="100000"/>
+              </a:lnSpc>
+              <a:spcBef>
+                <a:spcPts val="0"/>
+              </a:spcBef>
+              <a:buNone/>
+            </a:pPr>
+            <a:r>
+              <a:rPr lang="en-IE" sz="1400" b="1" dirty="0" err="1">
+                <a:latin typeface="Arial" panose="020B0604020202020204" pitchFamily="34" charset="0"/>
+                <a:cs typeface="Arial" panose="020B0604020202020204" pitchFamily="34" charset="0"/>
+              </a:rPr>
+              <a:t>fract</a:t>
+            </a:r>
+            <a:r>
+              <a:rPr lang="en-IE" sz="1400" b="1" dirty="0">
+                <a:latin typeface="Arial" panose="020B0604020202020204" pitchFamily="34" charset="0"/>
+                <a:cs typeface="Arial" panose="020B0604020202020204" pitchFamily="34" charset="0"/>
+              </a:rPr>
+              <a:t>                            0.522                  0.223        </a:t>
+            </a:r>
+          </a:p>
+          <a:p>
+            <a:pPr marL="0" indent="0">
+              <a:lnSpc>
+                <a:spcPct val="100000"/>
+              </a:lnSpc>
+              <a:spcBef>
+                <a:spcPts val="0"/>
+              </a:spcBef>
+              <a:buNone/>
+            </a:pPr>
+            <a:r>
+              <a:rPr lang="en-IE" sz="1400" b="1" dirty="0">
+                <a:latin typeface="Arial" panose="020B0604020202020204" pitchFamily="34" charset="0"/>
+                <a:cs typeface="Arial" panose="020B0604020202020204" pitchFamily="34" charset="0"/>
+              </a:rPr>
+              <a:t>                                   (1.309)               (1.280)       </a:t>
+            </a:r>
+          </a:p>
+          <a:p>
+            <a:pPr marL="0" indent="0">
+              <a:lnSpc>
+                <a:spcPct val="100000"/>
+              </a:lnSpc>
+              <a:spcBef>
+                <a:spcPts val="0"/>
+              </a:spcBef>
+              <a:buNone/>
+            </a:pPr>
+            <a:r>
+              <a:rPr lang="en-IE" sz="1400" b="1" dirty="0">
+                <a:latin typeface="Arial" panose="020B0604020202020204" pitchFamily="34" charset="0"/>
+                <a:cs typeface="Arial" panose="020B0604020202020204" pitchFamily="34" charset="0"/>
+              </a:rPr>
+              <a:t>                                                                 </a:t>
+            </a:r>
+          </a:p>
+          <a:p>
+            <a:pPr marL="0" indent="0">
+              <a:lnSpc>
+                <a:spcPct val="100000"/>
+              </a:lnSpc>
+              <a:spcBef>
+                <a:spcPts val="0"/>
+              </a:spcBef>
+              <a:buNone/>
+            </a:pPr>
+            <a:r>
+              <a:rPr lang="en-IE" sz="1400" b="1" dirty="0" err="1">
+                <a:latin typeface="Arial" panose="020B0604020202020204" pitchFamily="34" charset="0"/>
+                <a:cs typeface="Arial" panose="020B0604020202020204" pitchFamily="34" charset="0"/>
+              </a:rPr>
+              <a:t>demyears:pres_cat</a:t>
+            </a:r>
+            <a:r>
+              <a:rPr lang="en-IE" sz="1400" b="1" dirty="0">
+                <a:latin typeface="Arial" panose="020B0604020202020204" pitchFamily="34" charset="0"/>
+                <a:cs typeface="Arial" panose="020B0604020202020204" pitchFamily="34" charset="0"/>
+              </a:rPr>
+              <a:t>                             -0.055**       </a:t>
+            </a:r>
+          </a:p>
+          <a:p>
+            <a:pPr marL="0" indent="0">
+              <a:lnSpc>
+                <a:spcPct val="100000"/>
+              </a:lnSpc>
+              <a:spcBef>
+                <a:spcPts val="0"/>
+              </a:spcBef>
+              <a:buNone/>
+            </a:pPr>
+            <a:r>
+              <a:rPr lang="en-IE" sz="1400" b="1" dirty="0">
+                <a:latin typeface="Arial" panose="020B0604020202020204" pitchFamily="34" charset="0"/>
+                <a:cs typeface="Arial" panose="020B0604020202020204" pitchFamily="34" charset="0"/>
+              </a:rPr>
+              <a:t>                                                              (0.024)</a:t>
+            </a:r>
+          </a:p>
+          <a:p>
+            <a:pPr marL="0" indent="0">
+              <a:lnSpc>
+                <a:spcPct val="100000"/>
+              </a:lnSpc>
+              <a:spcBef>
+                <a:spcPts val="0"/>
+              </a:spcBef>
+              <a:buNone/>
+            </a:pPr>
+            <a:r>
+              <a:rPr lang="en-IE" sz="1400" b="1" dirty="0">
+                <a:latin typeface="Arial" panose="020B0604020202020204" pitchFamily="34" charset="0"/>
+                <a:cs typeface="Arial" panose="020B0604020202020204" pitchFamily="34" charset="0"/>
+              </a:rPr>
+              <a:t>                                                                 </a:t>
+            </a:r>
+          </a:p>
+          <a:p>
+            <a:pPr marL="0" indent="0">
+              <a:lnSpc>
+                <a:spcPct val="100000"/>
+              </a:lnSpc>
+              <a:spcBef>
+                <a:spcPts val="0"/>
+              </a:spcBef>
+              <a:buNone/>
+            </a:pPr>
+            <a:r>
+              <a:rPr lang="en-IE" sz="1400" b="1" dirty="0">
+                <a:latin typeface="Arial" panose="020B0604020202020204" pitchFamily="34" charset="0"/>
+                <a:cs typeface="Arial" panose="020B0604020202020204" pitchFamily="34" charset="0"/>
+              </a:rPr>
+              <a:t>log(</a:t>
+            </a:r>
+            <a:r>
+              <a:rPr lang="en-IE" sz="1400" b="1" dirty="0" err="1">
+                <a:latin typeface="Arial" panose="020B0604020202020204" pitchFamily="34" charset="0"/>
+                <a:cs typeface="Arial" panose="020B0604020202020204" pitchFamily="34" charset="0"/>
+              </a:rPr>
+              <a:t>avemag</a:t>
+            </a:r>
+            <a:r>
+              <a:rPr lang="en-IE" sz="1400" b="1" dirty="0">
+                <a:latin typeface="Arial" panose="020B0604020202020204" pitchFamily="34" charset="0"/>
+                <a:cs typeface="Arial" panose="020B0604020202020204" pitchFamily="34" charset="0"/>
+              </a:rPr>
+              <a:t>):</a:t>
+            </a:r>
+            <a:r>
+              <a:rPr lang="en-IE" sz="1400" b="1" dirty="0" err="1">
+                <a:latin typeface="Arial" panose="020B0604020202020204" pitchFamily="34" charset="0"/>
+                <a:cs typeface="Arial" panose="020B0604020202020204" pitchFamily="34" charset="0"/>
+              </a:rPr>
+              <a:t>fract</a:t>
+            </a:r>
+            <a:r>
+              <a:rPr lang="en-IE" sz="1400" b="1" dirty="0">
+                <a:latin typeface="Arial" panose="020B0604020202020204" pitchFamily="34" charset="0"/>
+                <a:cs typeface="Arial" panose="020B0604020202020204" pitchFamily="34" charset="0"/>
+              </a:rPr>
+              <a:t>     -0.190                -0.167        </a:t>
+            </a:r>
+          </a:p>
+          <a:p>
+            <a:pPr marL="0" indent="0">
+              <a:lnSpc>
+                <a:spcPct val="100000"/>
+              </a:lnSpc>
+              <a:spcBef>
+                <a:spcPts val="0"/>
+              </a:spcBef>
+              <a:buNone/>
+            </a:pPr>
+            <a:r>
+              <a:rPr lang="en-IE" sz="1400" b="1" dirty="0">
+                <a:latin typeface="Arial" panose="020B0604020202020204" pitchFamily="34" charset="0"/>
+                <a:cs typeface="Arial" panose="020B0604020202020204" pitchFamily="34" charset="0"/>
+              </a:rPr>
+              <a:t>                                    (0.727)               (0.707)       </a:t>
+            </a:r>
+          </a:p>
+          <a:p>
+            <a:pPr marL="0" indent="0">
+              <a:lnSpc>
+                <a:spcPct val="100000"/>
+              </a:lnSpc>
+              <a:spcBef>
+                <a:spcPts val="0"/>
+              </a:spcBef>
+              <a:buNone/>
+            </a:pPr>
+            <a:r>
+              <a:rPr lang="en-IE" sz="1400" b="1" dirty="0">
+                <a:latin typeface="Arial" panose="020B0604020202020204" pitchFamily="34" charset="0"/>
+                <a:cs typeface="Arial" panose="020B0604020202020204" pitchFamily="34" charset="0"/>
+              </a:rPr>
+              <a:t>                                                                 </a:t>
+            </a:r>
+          </a:p>
+          <a:p>
+            <a:pPr marL="0" indent="0">
+              <a:lnSpc>
+                <a:spcPct val="100000"/>
+              </a:lnSpc>
+              <a:spcBef>
+                <a:spcPts val="0"/>
+              </a:spcBef>
+              <a:buNone/>
+            </a:pPr>
+            <a:r>
+              <a:rPr lang="en-IE" sz="1400" b="1" dirty="0">
+                <a:latin typeface="Arial" panose="020B0604020202020204" pitchFamily="34" charset="0"/>
+                <a:cs typeface="Arial" panose="020B0604020202020204" pitchFamily="34" charset="0"/>
+              </a:rPr>
+              <a:t>Constant                   3.195***              2.790***       </a:t>
+            </a:r>
+          </a:p>
+          <a:p>
+            <a:pPr marL="0" indent="0">
+              <a:lnSpc>
+                <a:spcPct val="100000"/>
+              </a:lnSpc>
+              <a:spcBef>
+                <a:spcPts val="0"/>
+              </a:spcBef>
+              <a:buNone/>
+            </a:pPr>
+            <a:r>
+              <a:rPr lang="en-IE" sz="1400" b="1" dirty="0">
+                <a:latin typeface="Arial" panose="020B0604020202020204" pitchFamily="34" charset="0"/>
+                <a:cs typeface="Arial" panose="020B0604020202020204" pitchFamily="34" charset="0"/>
+              </a:rPr>
+              <a:t>                                   (0.770)               (0.769)       </a:t>
+            </a:r>
+          </a:p>
+          <a:p>
+            <a:pPr marL="0" indent="0">
+              <a:lnSpc>
+                <a:spcPct val="100000"/>
+              </a:lnSpc>
+              <a:spcBef>
+                <a:spcPts val="0"/>
+              </a:spcBef>
+              <a:buNone/>
+            </a:pPr>
+            <a:r>
+              <a:rPr lang="en-IE" sz="1400" b="1" dirty="0">
+                <a:latin typeface="Arial" panose="020B0604020202020204" pitchFamily="34" charset="0"/>
+                <a:cs typeface="Arial" panose="020B0604020202020204" pitchFamily="34" charset="0"/>
+              </a:rPr>
+              <a:t>                                                                 </a:t>
+            </a:r>
+          </a:p>
+          <a:p>
+            <a:pPr marL="0" indent="0">
+              <a:lnSpc>
+                <a:spcPct val="100000"/>
+              </a:lnSpc>
+              <a:spcBef>
+                <a:spcPts val="0"/>
+              </a:spcBef>
+              <a:buNone/>
+            </a:pPr>
+            <a:r>
+              <a:rPr lang="en-IE" sz="1400" b="1" dirty="0">
+                <a:latin typeface="Arial" panose="020B0604020202020204" pitchFamily="34" charset="0"/>
+                <a:cs typeface="Arial" panose="020B0604020202020204" pitchFamily="34" charset="0"/>
+              </a:rPr>
+              <a:t>------------------------------------------------------------------------------</a:t>
+            </a:r>
+          </a:p>
+          <a:p>
+            <a:pPr marL="0" indent="0">
+              <a:lnSpc>
+                <a:spcPct val="100000"/>
+              </a:lnSpc>
+              <a:spcBef>
+                <a:spcPts val="0"/>
+              </a:spcBef>
+              <a:buNone/>
+            </a:pPr>
+            <a:r>
+              <a:rPr lang="en-IE" sz="1400" b="1" dirty="0">
+                <a:latin typeface="Arial" panose="020B0604020202020204" pitchFamily="34" charset="0"/>
+                <a:cs typeface="Arial" panose="020B0604020202020204" pitchFamily="34" charset="0"/>
+              </a:rPr>
+              <a:t>Observations                   85                    85          </a:t>
+            </a:r>
+          </a:p>
+          <a:p>
+            <a:pPr marL="0" indent="0">
+              <a:lnSpc>
+                <a:spcPct val="100000"/>
+              </a:lnSpc>
+              <a:spcBef>
+                <a:spcPts val="0"/>
+              </a:spcBef>
+              <a:buNone/>
+            </a:pPr>
+            <a:r>
+              <a:rPr lang="en-IE" sz="1400" b="1" dirty="0">
+                <a:latin typeface="Arial" panose="020B0604020202020204" pitchFamily="34" charset="0"/>
+                <a:cs typeface="Arial" panose="020B0604020202020204" pitchFamily="34" charset="0"/>
+              </a:rPr>
+              <a:t>R2                                   0.214                 0.266        </a:t>
+            </a:r>
+          </a:p>
+          <a:p>
+            <a:pPr marL="0" indent="0">
+              <a:lnSpc>
+                <a:spcPct val="100000"/>
+              </a:lnSpc>
+              <a:spcBef>
+                <a:spcPts val="0"/>
+              </a:spcBef>
+              <a:buNone/>
+            </a:pPr>
+            <a:r>
+              <a:rPr lang="en-IE" sz="1400" b="1" dirty="0">
+                <a:latin typeface="Arial" panose="020B0604020202020204" pitchFamily="34" charset="0"/>
+                <a:cs typeface="Arial" panose="020B0604020202020204" pitchFamily="34" charset="0"/>
+              </a:rPr>
+              <a:t>Adjusted R2                   0.143                 0.189        </a:t>
+            </a:r>
+          </a:p>
+          <a:p>
+            <a:pPr marL="0" indent="0">
+              <a:lnSpc>
+                <a:spcPct val="100000"/>
+              </a:lnSpc>
+              <a:spcBef>
+                <a:spcPts val="0"/>
+              </a:spcBef>
+              <a:buNone/>
+            </a:pPr>
+            <a:r>
+              <a:rPr lang="en-IE" sz="1400" b="1" dirty="0">
+                <a:latin typeface="Arial" panose="020B0604020202020204" pitchFamily="34" charset="0"/>
+                <a:cs typeface="Arial" panose="020B0604020202020204" pitchFamily="34" charset="0"/>
+              </a:rPr>
+              <a:t>Residual Std. Error      1.645 (</a:t>
+            </a:r>
+            <a:r>
+              <a:rPr lang="en-IE" sz="1400" b="1" dirty="0" err="1">
+                <a:latin typeface="Arial" panose="020B0604020202020204" pitchFamily="34" charset="0"/>
+                <a:cs typeface="Arial" panose="020B0604020202020204" pitchFamily="34" charset="0"/>
+              </a:rPr>
+              <a:t>df</a:t>
+            </a:r>
+            <a:r>
+              <a:rPr lang="en-IE" sz="1400" b="1" dirty="0">
+                <a:latin typeface="Arial" panose="020B0604020202020204" pitchFamily="34" charset="0"/>
+                <a:cs typeface="Arial" panose="020B0604020202020204" pitchFamily="34" charset="0"/>
+              </a:rPr>
+              <a:t> = 77)    1.600 (</a:t>
+            </a:r>
+            <a:r>
+              <a:rPr lang="en-IE" sz="1400" b="1" dirty="0" err="1">
+                <a:latin typeface="Arial" panose="020B0604020202020204" pitchFamily="34" charset="0"/>
+                <a:cs typeface="Arial" panose="020B0604020202020204" pitchFamily="34" charset="0"/>
+              </a:rPr>
+              <a:t>df</a:t>
+            </a:r>
+            <a:r>
+              <a:rPr lang="en-IE" sz="1400" b="1" dirty="0">
+                <a:latin typeface="Arial" panose="020B0604020202020204" pitchFamily="34" charset="0"/>
+                <a:cs typeface="Arial" panose="020B0604020202020204" pitchFamily="34" charset="0"/>
+              </a:rPr>
+              <a:t> = 76)   </a:t>
+            </a:r>
+          </a:p>
+          <a:p>
+            <a:pPr marL="0" indent="0">
+              <a:lnSpc>
+                <a:spcPct val="100000"/>
+              </a:lnSpc>
+              <a:spcBef>
+                <a:spcPts val="0"/>
+              </a:spcBef>
+              <a:buNone/>
+            </a:pPr>
+            <a:r>
+              <a:rPr lang="en-IE" sz="1400" b="1" dirty="0">
+                <a:latin typeface="Arial" panose="020B0604020202020204" pitchFamily="34" charset="0"/>
+                <a:cs typeface="Arial" panose="020B0604020202020204" pitchFamily="34" charset="0"/>
+              </a:rPr>
+              <a:t>F Statistic           2.996*** (</a:t>
+            </a:r>
+            <a:r>
+              <a:rPr lang="en-IE" sz="1400" b="1" dirty="0" err="1">
+                <a:latin typeface="Arial" panose="020B0604020202020204" pitchFamily="34" charset="0"/>
+                <a:cs typeface="Arial" panose="020B0604020202020204" pitchFamily="34" charset="0"/>
+              </a:rPr>
+              <a:t>df</a:t>
+            </a:r>
+            <a:r>
+              <a:rPr lang="en-IE" sz="1400" b="1" dirty="0">
+                <a:latin typeface="Arial" panose="020B0604020202020204" pitchFamily="34" charset="0"/>
+                <a:cs typeface="Arial" panose="020B0604020202020204" pitchFamily="34" charset="0"/>
+              </a:rPr>
+              <a:t> = 7; 77)   3.446*** (</a:t>
+            </a:r>
+            <a:r>
+              <a:rPr lang="en-IE" sz="1400" b="1" dirty="0" err="1">
+                <a:latin typeface="Arial" panose="020B0604020202020204" pitchFamily="34" charset="0"/>
+                <a:cs typeface="Arial" panose="020B0604020202020204" pitchFamily="34" charset="0"/>
+              </a:rPr>
+              <a:t>df</a:t>
+            </a:r>
+            <a:r>
+              <a:rPr lang="en-IE" sz="1400" b="1" dirty="0">
+                <a:latin typeface="Arial" panose="020B0604020202020204" pitchFamily="34" charset="0"/>
+                <a:cs typeface="Arial" panose="020B0604020202020204" pitchFamily="34" charset="0"/>
+              </a:rPr>
+              <a:t> = 8; 76)</a:t>
+            </a:r>
+          </a:p>
+          <a:p>
+            <a:pPr marL="0" indent="0">
+              <a:lnSpc>
+                <a:spcPct val="100000"/>
+              </a:lnSpc>
+              <a:spcBef>
+                <a:spcPts val="0"/>
+              </a:spcBef>
+              <a:buNone/>
+            </a:pPr>
+            <a:r>
+              <a:rPr lang="en-IE" sz="1400" b="1" dirty="0">
+                <a:latin typeface="Arial" panose="020B0604020202020204" pitchFamily="34" charset="0"/>
+                <a:cs typeface="Arial" panose="020B0604020202020204" pitchFamily="34" charset="0"/>
+              </a:rPr>
+              <a:t>==============================================</a:t>
+            </a:r>
+          </a:p>
+          <a:p>
+            <a:pPr marL="0" indent="0">
+              <a:lnSpc>
+                <a:spcPct val="100000"/>
+              </a:lnSpc>
+              <a:spcBef>
+                <a:spcPts val="0"/>
+              </a:spcBef>
+              <a:buNone/>
+            </a:pPr>
+            <a:r>
+              <a:rPr lang="en-IE" sz="1400" b="1" dirty="0">
+                <a:latin typeface="Arial" panose="020B0604020202020204" pitchFamily="34" charset="0"/>
+                <a:cs typeface="Arial" panose="020B0604020202020204" pitchFamily="34" charset="0"/>
+              </a:rPr>
+              <a:t>Note:                                 *p&lt;0.1; **p&lt;0.05; ***p&lt;0.01</a:t>
+            </a:r>
           </a:p>
         </p:txBody>
       </p:sp>
     </p:spTree>
     <p:extLst>
       <p:ext uri="{BB962C8B-B14F-4D97-AF65-F5344CB8AC3E}">
-        <p14:creationId xmlns:p14="http://schemas.microsoft.com/office/powerpoint/2010/main" val="3611191949"/>
+        <p14:creationId xmlns:p14="http://schemas.microsoft.com/office/powerpoint/2010/main" val="499189125"/>
       </p:ext>
     </p:extLst>
   </p:cSld>
@@ -8526,7 +9337,7 @@
           <p:cNvPr id="3" name="Content Placeholder 2">
             <a:extLst>
               <a:ext uri="{FF2B5EF4-FFF2-40B4-BE49-F238E27FC236}">
-                <a16:creationId xmlns:a16="http://schemas.microsoft.com/office/drawing/2014/main" id="{A213933B-CDC8-EAA9-3FB5-560F924CA9E9}"/>
+                <a16:creationId xmlns="" xmlns:a16="http://schemas.microsoft.com/office/drawing/2014/main" id="{403C7541-79A3-8B1C-8828-03B1F75A3026}"/>
               </a:ext>
             </a:extLst>
           </p:cNvPr>
@@ -8539,732 +9350,223 @@
         </p:nvSpPr>
         <p:spPr>
           <a:xfrm>
-            <a:off x="3713870" y="0"/>
-            <a:ext cx="4557933" cy="6858000"/>
+            <a:off x="3038622" y="0"/>
+            <a:ext cx="8315178" cy="6858000"/>
           </a:xfrm>
         </p:spPr>
         <p:txBody>
-          <a:bodyPr>
-            <a:normAutofit fontScale="92500" lnSpcReduction="10000"/>
-          </a:bodyPr>
+          <a:bodyPr/>
           <a:lstStyle/>
           <a:p>
             <a:pPr marL="0" indent="0">
-              <a:spcBef>
-                <a:spcPts val="0"/>
-              </a:spcBef>
-              <a:buNone/>
-            </a:pPr>
-            <a:r>
-              <a:rPr lang="en-IE" sz="1400" b="1" dirty="0">
-                <a:latin typeface="Arial" panose="020B0604020202020204" pitchFamily="34" charset="0"/>
-                <a:cs typeface="Arial" panose="020B0604020202020204" pitchFamily="34" charset="0"/>
-              </a:rPr>
-              <a:t>	Dependent variable: ENP  </a:t>
-            </a:r>
-          </a:p>
-          <a:p>
-            <a:pPr marL="0" indent="0">
-              <a:spcBef>
-                <a:spcPts val="0"/>
-              </a:spcBef>
-              <a:buNone/>
-            </a:pPr>
-            <a:r>
-              <a:rPr lang="en-IE" sz="1400" b="1" dirty="0">
-                <a:latin typeface="Arial" panose="020B0604020202020204" pitchFamily="34" charset="0"/>
-                <a:cs typeface="Arial" panose="020B0604020202020204" pitchFamily="34" charset="0"/>
-              </a:rPr>
-              <a:t>                      -------------------------------------</a:t>
-            </a:r>
-          </a:p>
-          <a:p>
-            <a:pPr marL="0" indent="0">
-              <a:spcBef>
-                <a:spcPts val="0"/>
-              </a:spcBef>
-              <a:buNone/>
-            </a:pPr>
-            <a:r>
-              <a:rPr lang="en-IE" sz="1400" b="1" dirty="0">
-                <a:latin typeface="Arial" panose="020B0604020202020204" pitchFamily="34" charset="0"/>
-                <a:cs typeface="Arial" panose="020B0604020202020204" pitchFamily="34" charset="0"/>
-              </a:rPr>
-              <a:t>	Post 74 Additive      Post 74 Interactive       </a:t>
-            </a:r>
-          </a:p>
-          <a:p>
-            <a:pPr marL="0" indent="0">
-              <a:spcBef>
-                <a:spcPts val="0"/>
-              </a:spcBef>
-              <a:buNone/>
-            </a:pPr>
-            <a:r>
-              <a:rPr lang="en-IE" sz="1400" b="1" dirty="0">
-                <a:latin typeface="Arial" panose="020B0604020202020204" pitchFamily="34" charset="0"/>
-                <a:cs typeface="Arial" panose="020B0604020202020204" pitchFamily="34" charset="0"/>
-              </a:rPr>
-              <a:t>-----------------------------------------------------------</a:t>
-            </a:r>
-          </a:p>
-          <a:p>
-            <a:pPr marL="0" indent="0">
-              <a:spcBef>
-                <a:spcPts val="0"/>
-              </a:spcBef>
-              <a:buNone/>
-            </a:pPr>
-            <a:r>
-              <a:rPr lang="en-IE" sz="1400" b="1" dirty="0">
-                <a:latin typeface="Arial" panose="020B0604020202020204" pitchFamily="34" charset="0"/>
-                <a:cs typeface="Arial" panose="020B0604020202020204" pitchFamily="34" charset="0"/>
-              </a:rPr>
-              <a:t>fundparity4              0.472**               0.479**      </a:t>
-            </a:r>
-          </a:p>
-          <a:p>
-            <a:pPr marL="0" indent="0">
-              <a:spcBef>
-                <a:spcPts val="0"/>
-              </a:spcBef>
-              <a:buNone/>
-            </a:pPr>
-            <a:r>
-              <a:rPr lang="en-IE" sz="1400" b="1" dirty="0">
-                <a:latin typeface="Arial" panose="020B0604020202020204" pitchFamily="34" charset="0"/>
-                <a:cs typeface="Arial" panose="020B0604020202020204" pitchFamily="34" charset="0"/>
-              </a:rPr>
-              <a:t>                                 (0.224)               (0.223)      </a:t>
-            </a:r>
-          </a:p>
-          <a:p>
-            <a:pPr marL="0" indent="0">
-              <a:spcBef>
-                <a:spcPts val="0"/>
-              </a:spcBef>
-              <a:buNone/>
-            </a:pPr>
-            <a:r>
-              <a:rPr lang="en-IE" sz="1400" b="1" dirty="0">
-                <a:latin typeface="Arial" panose="020B0604020202020204" pitchFamily="34" charset="0"/>
-                <a:cs typeface="Arial" panose="020B0604020202020204" pitchFamily="34" charset="0"/>
-              </a:rPr>
-              <a:t>                                                           </a:t>
-            </a:r>
-          </a:p>
-          <a:p>
-            <a:pPr marL="0" indent="0">
-              <a:spcBef>
-                <a:spcPts val="0"/>
-              </a:spcBef>
-              <a:buNone/>
-            </a:pPr>
-            <a:r>
-              <a:rPr lang="en-IE" sz="1400" b="1" dirty="0" err="1">
-                <a:latin typeface="Arial" panose="020B0604020202020204" pitchFamily="34" charset="0"/>
-                <a:cs typeface="Arial" panose="020B0604020202020204" pitchFamily="34" charset="0"/>
-              </a:rPr>
-              <a:t>demyears</a:t>
-            </a:r>
-            <a:r>
-              <a:rPr lang="en-IE" sz="1400" b="1" dirty="0">
-                <a:latin typeface="Arial" panose="020B0604020202020204" pitchFamily="34" charset="0"/>
-                <a:cs typeface="Arial" panose="020B0604020202020204" pitchFamily="34" charset="0"/>
-              </a:rPr>
-              <a:t>               -0.016                   0.015       </a:t>
-            </a:r>
-          </a:p>
-          <a:p>
-            <a:pPr marL="0" indent="0">
-              <a:spcBef>
-                <a:spcPts val="0"/>
-              </a:spcBef>
-              <a:buNone/>
-            </a:pPr>
-            <a:r>
-              <a:rPr lang="en-IE" sz="1400" b="1" dirty="0">
-                <a:latin typeface="Arial" panose="020B0604020202020204" pitchFamily="34" charset="0"/>
-                <a:cs typeface="Arial" panose="020B0604020202020204" pitchFamily="34" charset="0"/>
-              </a:rPr>
-              <a:t>                               (0.035)                 (0.044)      </a:t>
-            </a:r>
-          </a:p>
-          <a:p>
-            <a:pPr marL="0" indent="0">
-              <a:spcBef>
-                <a:spcPts val="0"/>
-              </a:spcBef>
-              <a:buNone/>
-            </a:pPr>
-            <a:r>
-              <a:rPr lang="en-IE" sz="1400" b="1" dirty="0">
-                <a:latin typeface="Arial" panose="020B0604020202020204" pitchFamily="34" charset="0"/>
-                <a:cs typeface="Arial" panose="020B0604020202020204" pitchFamily="34" charset="0"/>
-              </a:rPr>
-              <a:t>                                                           </a:t>
-            </a:r>
-          </a:p>
-          <a:p>
-            <a:pPr marL="0" indent="0">
-              <a:spcBef>
-                <a:spcPts val="0"/>
-              </a:spcBef>
-              <a:buNone/>
-            </a:pPr>
-            <a:r>
-              <a:rPr lang="en-IE" sz="1400" b="1" dirty="0">
-                <a:latin typeface="Arial" panose="020B0604020202020204" pitchFamily="34" charset="0"/>
-                <a:cs typeface="Arial" panose="020B0604020202020204" pitchFamily="34" charset="0"/>
-              </a:rPr>
-              <a:t>fed                           -0.340                    -0.515      </a:t>
-            </a:r>
-          </a:p>
-          <a:p>
-            <a:pPr marL="0" indent="0">
-              <a:spcBef>
-                <a:spcPts val="0"/>
-              </a:spcBef>
-              <a:buNone/>
-            </a:pPr>
-            <a:r>
-              <a:rPr lang="en-IE" sz="1400" b="1" dirty="0">
-                <a:latin typeface="Arial" panose="020B0604020202020204" pitchFamily="34" charset="0"/>
-                <a:cs typeface="Arial" panose="020B0604020202020204" pitchFamily="34" charset="0"/>
-              </a:rPr>
-              <a:t>                                (0.775)                 (0.789)      </a:t>
-            </a:r>
-          </a:p>
-          <a:p>
-            <a:pPr marL="0" indent="0">
-              <a:spcBef>
-                <a:spcPts val="0"/>
-              </a:spcBef>
-              <a:buNone/>
-            </a:pPr>
-            <a:r>
-              <a:rPr lang="en-IE" sz="1400" b="1" dirty="0">
-                <a:latin typeface="Arial" panose="020B0604020202020204" pitchFamily="34" charset="0"/>
-                <a:cs typeface="Arial" panose="020B0604020202020204" pitchFamily="34" charset="0"/>
-              </a:rPr>
-              <a:t>                                                           </a:t>
-            </a:r>
-          </a:p>
-          <a:p>
-            <a:pPr marL="0" indent="0">
-              <a:spcBef>
-                <a:spcPts val="0"/>
-              </a:spcBef>
-              <a:buNone/>
-            </a:pPr>
-            <a:r>
-              <a:rPr lang="en-IE" sz="1400" b="1" dirty="0" err="1">
-                <a:latin typeface="Arial" panose="020B0604020202020204" pitchFamily="34" charset="0"/>
-                <a:cs typeface="Arial" panose="020B0604020202020204" pitchFamily="34" charset="0"/>
-              </a:rPr>
-              <a:t>pres_cat</a:t>
-            </a:r>
-            <a:r>
-              <a:rPr lang="en-IE" sz="1400" b="1" dirty="0">
-                <a:latin typeface="Arial" panose="020B0604020202020204" pitchFamily="34" charset="0"/>
-                <a:cs typeface="Arial" panose="020B0604020202020204" pitchFamily="34" charset="0"/>
-              </a:rPr>
-              <a:t>                    -0.027                  1.289       </a:t>
-            </a:r>
-          </a:p>
-          <a:p>
-            <a:pPr marL="0" indent="0">
-              <a:spcBef>
-                <a:spcPts val="0"/>
-              </a:spcBef>
-              <a:buNone/>
-            </a:pPr>
-            <a:r>
-              <a:rPr lang="en-IE" sz="1400" b="1" dirty="0">
-                <a:latin typeface="Arial" panose="020B0604020202020204" pitchFamily="34" charset="0"/>
-                <a:cs typeface="Arial" panose="020B0604020202020204" pitchFamily="34" charset="0"/>
-              </a:rPr>
-              <a:t>                                  (0.578)                 (1.323)      </a:t>
-            </a:r>
-          </a:p>
-          <a:p>
-            <a:pPr marL="0" indent="0">
-              <a:spcBef>
-                <a:spcPts val="0"/>
-              </a:spcBef>
-              <a:buNone/>
-            </a:pPr>
-            <a:r>
-              <a:rPr lang="en-IE" sz="1400" b="1" dirty="0">
-                <a:latin typeface="Arial" panose="020B0604020202020204" pitchFamily="34" charset="0"/>
-                <a:cs typeface="Arial" panose="020B0604020202020204" pitchFamily="34" charset="0"/>
-              </a:rPr>
-              <a:t>                                                           </a:t>
-            </a:r>
-          </a:p>
-          <a:p>
-            <a:pPr marL="0" indent="0">
-              <a:spcBef>
-                <a:spcPts val="0"/>
-              </a:spcBef>
-              <a:buNone/>
-            </a:pPr>
-            <a:r>
-              <a:rPr lang="en-IE" sz="1400" b="1" dirty="0">
-                <a:latin typeface="Arial" panose="020B0604020202020204" pitchFamily="34" charset="0"/>
-                <a:cs typeface="Arial" panose="020B0604020202020204" pitchFamily="34" charset="0"/>
-              </a:rPr>
-              <a:t>log(</a:t>
-            </a:r>
-            <a:r>
-              <a:rPr lang="en-IE" sz="1400" b="1" dirty="0" err="1">
-                <a:latin typeface="Arial" panose="020B0604020202020204" pitchFamily="34" charset="0"/>
-                <a:cs typeface="Arial" panose="020B0604020202020204" pitchFamily="34" charset="0"/>
-              </a:rPr>
-              <a:t>avemag</a:t>
-            </a:r>
-            <a:r>
-              <a:rPr lang="en-IE" sz="1400" b="1" dirty="0">
-                <a:latin typeface="Arial" panose="020B0604020202020204" pitchFamily="34" charset="0"/>
-                <a:cs typeface="Arial" panose="020B0604020202020204" pitchFamily="34" charset="0"/>
-              </a:rPr>
-              <a:t>)              0.139                   0.149       </a:t>
-            </a:r>
-          </a:p>
-          <a:p>
-            <a:pPr marL="0" indent="0">
-              <a:spcBef>
-                <a:spcPts val="0"/>
-              </a:spcBef>
-              <a:buNone/>
-            </a:pPr>
-            <a:r>
-              <a:rPr lang="en-IE" sz="1400" b="1" dirty="0">
-                <a:latin typeface="Arial" panose="020B0604020202020204" pitchFamily="34" charset="0"/>
-                <a:cs typeface="Arial" panose="020B0604020202020204" pitchFamily="34" charset="0"/>
-              </a:rPr>
-              <a:t>                                   (0.487)               (0.486)      </a:t>
-            </a:r>
-          </a:p>
-          <a:p>
-            <a:pPr marL="0" indent="0">
-              <a:spcBef>
-                <a:spcPts val="0"/>
-              </a:spcBef>
-              <a:buNone/>
-            </a:pPr>
-            <a:r>
-              <a:rPr lang="en-IE" sz="1400" b="1" dirty="0">
-                <a:latin typeface="Arial" panose="020B0604020202020204" pitchFamily="34" charset="0"/>
-                <a:cs typeface="Arial" panose="020B0604020202020204" pitchFamily="34" charset="0"/>
-              </a:rPr>
-              <a:t>                                                           </a:t>
-            </a:r>
-          </a:p>
-          <a:p>
-            <a:pPr marL="0" indent="0">
-              <a:spcBef>
-                <a:spcPts val="0"/>
-              </a:spcBef>
-              <a:buNone/>
-            </a:pPr>
-            <a:r>
-              <a:rPr lang="en-IE" sz="1400" b="1" dirty="0" err="1">
-                <a:latin typeface="Arial" panose="020B0604020202020204" pitchFamily="34" charset="0"/>
-                <a:cs typeface="Arial" panose="020B0604020202020204" pitchFamily="34" charset="0"/>
-              </a:rPr>
-              <a:t>fract</a:t>
-            </a:r>
-            <a:r>
-              <a:rPr lang="en-IE" sz="1400" b="1" dirty="0">
-                <a:latin typeface="Arial" panose="020B0604020202020204" pitchFamily="34" charset="0"/>
-                <a:cs typeface="Arial" panose="020B0604020202020204" pitchFamily="34" charset="0"/>
-              </a:rPr>
-              <a:t>                          -1.108                   -1.364      </a:t>
-            </a:r>
-          </a:p>
-          <a:p>
-            <a:pPr marL="0" indent="0">
-              <a:spcBef>
-                <a:spcPts val="0"/>
-              </a:spcBef>
-              <a:buNone/>
-            </a:pPr>
-            <a:r>
-              <a:rPr lang="en-IE" sz="1400" b="1" dirty="0">
-                <a:latin typeface="Arial" panose="020B0604020202020204" pitchFamily="34" charset="0"/>
-                <a:cs typeface="Arial" panose="020B0604020202020204" pitchFamily="34" charset="0"/>
-              </a:rPr>
-              <a:t>                                  (1.994)                 (2.002)      </a:t>
-            </a:r>
-          </a:p>
-          <a:p>
-            <a:pPr marL="0" indent="0">
-              <a:spcBef>
-                <a:spcPts val="0"/>
-              </a:spcBef>
-              <a:buNone/>
-            </a:pPr>
-            <a:r>
-              <a:rPr lang="en-IE" sz="1400" b="1" dirty="0">
-                <a:latin typeface="Arial" panose="020B0604020202020204" pitchFamily="34" charset="0"/>
-                <a:cs typeface="Arial" panose="020B0604020202020204" pitchFamily="34" charset="0"/>
-              </a:rPr>
-              <a:t>                                                           </a:t>
-            </a:r>
-          </a:p>
-          <a:p>
-            <a:pPr marL="0" indent="0">
-              <a:spcBef>
-                <a:spcPts val="0"/>
-              </a:spcBef>
-              <a:buNone/>
-            </a:pPr>
-            <a:r>
-              <a:rPr lang="en-IE" sz="1400" b="1" dirty="0" err="1">
-                <a:latin typeface="Arial" panose="020B0604020202020204" pitchFamily="34" charset="0"/>
-                <a:cs typeface="Arial" panose="020B0604020202020204" pitchFamily="34" charset="0"/>
-              </a:rPr>
-              <a:t>demyears:pres_cat</a:t>
-            </a:r>
-            <a:r>
-              <a:rPr lang="en-IE" sz="1400" b="1" dirty="0">
-                <a:latin typeface="Arial" panose="020B0604020202020204" pitchFamily="34" charset="0"/>
-                <a:cs typeface="Arial" panose="020B0604020202020204" pitchFamily="34" charset="0"/>
-              </a:rPr>
-              <a:t>                              -0.074      </a:t>
-            </a:r>
-          </a:p>
-          <a:p>
-            <a:pPr marL="0" indent="0">
-              <a:spcBef>
-                <a:spcPts val="0"/>
-              </a:spcBef>
-              <a:buNone/>
-            </a:pPr>
-            <a:r>
-              <a:rPr lang="en-IE" sz="1400" b="1" dirty="0">
-                <a:latin typeface="Arial" panose="020B0604020202020204" pitchFamily="34" charset="0"/>
-                <a:cs typeface="Arial" panose="020B0604020202020204" pitchFamily="34" charset="0"/>
-              </a:rPr>
-              <a:t>                                                               (0.067)      </a:t>
-            </a:r>
-          </a:p>
-          <a:p>
-            <a:pPr marL="0" indent="0">
-              <a:spcBef>
-                <a:spcPts val="0"/>
-              </a:spcBef>
-              <a:buNone/>
-            </a:pPr>
-            <a:r>
-              <a:rPr lang="en-IE" sz="1400" b="1" dirty="0">
-                <a:latin typeface="Arial" panose="020B0604020202020204" pitchFamily="34" charset="0"/>
-                <a:cs typeface="Arial" panose="020B0604020202020204" pitchFamily="34" charset="0"/>
-              </a:rPr>
-              <a:t>                                                           </a:t>
-            </a:r>
-          </a:p>
-          <a:p>
-            <a:pPr marL="0" indent="0">
-              <a:spcBef>
-                <a:spcPts val="0"/>
-              </a:spcBef>
-              <a:buNone/>
-            </a:pPr>
-            <a:r>
-              <a:rPr lang="en-IE" sz="1400" b="1" dirty="0">
-                <a:latin typeface="Arial" panose="020B0604020202020204" pitchFamily="34" charset="0"/>
-                <a:cs typeface="Arial" panose="020B0604020202020204" pitchFamily="34" charset="0"/>
-              </a:rPr>
-              <a:t>log(</a:t>
-            </a:r>
-            <a:r>
-              <a:rPr lang="en-IE" sz="1400" b="1" dirty="0" err="1">
-                <a:latin typeface="Arial" panose="020B0604020202020204" pitchFamily="34" charset="0"/>
-                <a:cs typeface="Arial" panose="020B0604020202020204" pitchFamily="34" charset="0"/>
-              </a:rPr>
-              <a:t>avemag</a:t>
-            </a:r>
-            <a:r>
-              <a:rPr lang="en-IE" sz="1400" b="1" dirty="0">
-                <a:latin typeface="Arial" panose="020B0604020202020204" pitchFamily="34" charset="0"/>
-                <a:cs typeface="Arial" panose="020B0604020202020204" pitchFamily="34" charset="0"/>
-              </a:rPr>
-              <a:t>):</a:t>
-            </a:r>
-            <a:r>
-              <a:rPr lang="en-IE" sz="1400" b="1" dirty="0" err="1">
-                <a:latin typeface="Arial" panose="020B0604020202020204" pitchFamily="34" charset="0"/>
-                <a:cs typeface="Arial" panose="020B0604020202020204" pitchFamily="34" charset="0"/>
-              </a:rPr>
-              <a:t>fract</a:t>
-            </a:r>
-            <a:r>
-              <a:rPr lang="en-IE" sz="1400" b="1" dirty="0">
-                <a:latin typeface="Arial" panose="020B0604020202020204" pitchFamily="34" charset="0"/>
-                <a:cs typeface="Arial" panose="020B0604020202020204" pitchFamily="34" charset="0"/>
-              </a:rPr>
-              <a:t>     0.102                   0.100       </a:t>
-            </a:r>
-          </a:p>
-          <a:p>
-            <a:pPr marL="0" indent="0">
-              <a:spcBef>
-                <a:spcPts val="0"/>
-              </a:spcBef>
-              <a:buNone/>
-            </a:pPr>
-            <a:r>
-              <a:rPr lang="en-IE" sz="1400" b="1" dirty="0">
-                <a:latin typeface="Arial" panose="020B0604020202020204" pitchFamily="34" charset="0"/>
-                <a:cs typeface="Arial" panose="020B0604020202020204" pitchFamily="34" charset="0"/>
-              </a:rPr>
-              <a:t>                                   (1.061)                (1.058)      </a:t>
-            </a:r>
-          </a:p>
-          <a:p>
-            <a:pPr marL="0" indent="0">
-              <a:spcBef>
-                <a:spcPts val="0"/>
-              </a:spcBef>
-              <a:buNone/>
-            </a:pPr>
-            <a:r>
-              <a:rPr lang="en-IE" sz="1400" b="1" dirty="0">
-                <a:latin typeface="Arial" panose="020B0604020202020204" pitchFamily="34" charset="0"/>
-                <a:cs typeface="Arial" panose="020B0604020202020204" pitchFamily="34" charset="0"/>
-              </a:rPr>
-              <a:t>                                                           </a:t>
-            </a:r>
-          </a:p>
-          <a:p>
-            <a:pPr marL="0" indent="0">
-              <a:spcBef>
-                <a:spcPts val="0"/>
-              </a:spcBef>
-              <a:buNone/>
-            </a:pPr>
-            <a:r>
-              <a:rPr lang="en-IE" sz="1400" b="1" dirty="0">
-                <a:latin typeface="Arial" panose="020B0604020202020204" pitchFamily="34" charset="0"/>
-                <a:cs typeface="Arial" panose="020B0604020202020204" pitchFamily="34" charset="0"/>
-              </a:rPr>
-              <a:t>Constant                   4.612***               4.111***     </a:t>
-            </a:r>
-          </a:p>
-          <a:p>
-            <a:pPr marL="0" indent="0">
-              <a:spcBef>
-                <a:spcPts val="0"/>
-              </a:spcBef>
-              <a:buNone/>
-            </a:pPr>
-            <a:r>
-              <a:rPr lang="en-IE" sz="1400" b="1" dirty="0">
-                <a:latin typeface="Arial" panose="020B0604020202020204" pitchFamily="34" charset="0"/>
-                <a:cs typeface="Arial" panose="020B0604020202020204" pitchFamily="34" charset="0"/>
-              </a:rPr>
-              <a:t>                                   (1.248)                (1.325)      </a:t>
-            </a:r>
-          </a:p>
-          <a:p>
-            <a:pPr marL="0" indent="0">
-              <a:spcBef>
-                <a:spcPts val="0"/>
-              </a:spcBef>
-              <a:buNone/>
-            </a:pPr>
-            <a:r>
-              <a:rPr lang="en-IE" sz="1400" b="1" dirty="0">
-                <a:latin typeface="Arial" panose="020B0604020202020204" pitchFamily="34" charset="0"/>
-                <a:cs typeface="Arial" panose="020B0604020202020204" pitchFamily="34" charset="0"/>
-              </a:rPr>
-              <a:t>                                                           </a:t>
-            </a:r>
-          </a:p>
-          <a:p>
-            <a:pPr marL="0" indent="0">
-              <a:spcBef>
-                <a:spcPts val="0"/>
-              </a:spcBef>
-              <a:buNone/>
-            </a:pPr>
-            <a:r>
-              <a:rPr lang="en-IE" sz="1400" b="1" dirty="0">
-                <a:latin typeface="Arial" panose="020B0604020202020204" pitchFamily="34" charset="0"/>
-                <a:cs typeface="Arial" panose="020B0604020202020204" pitchFamily="34" charset="0"/>
-              </a:rPr>
-              <a:t>-----------------------------------------------------------</a:t>
-            </a:r>
-          </a:p>
-          <a:p>
-            <a:pPr marL="0" indent="0">
-              <a:spcBef>
-                <a:spcPts val="0"/>
-              </a:spcBef>
-              <a:buNone/>
-            </a:pPr>
-            <a:r>
-              <a:rPr lang="en-IE" sz="1400" b="1" dirty="0">
-                <a:latin typeface="Arial" panose="020B0604020202020204" pitchFamily="34" charset="0"/>
-                <a:cs typeface="Arial" panose="020B0604020202020204" pitchFamily="34" charset="0"/>
-              </a:rPr>
-              <a:t>Observations                  49                 49        </a:t>
-            </a:r>
-          </a:p>
-          <a:p>
-            <a:pPr marL="0" indent="0">
-              <a:spcBef>
-                <a:spcPts val="0"/>
-              </a:spcBef>
-              <a:buNone/>
-            </a:pPr>
-            <a:r>
-              <a:rPr lang="en-IE" sz="1400" b="1" dirty="0">
-                <a:latin typeface="Arial" panose="020B0604020202020204" pitchFamily="34" charset="0"/>
-                <a:cs typeface="Arial" panose="020B0604020202020204" pitchFamily="34" charset="0"/>
-              </a:rPr>
-              <a:t>R2                                  0.177              0.202       </a:t>
-            </a:r>
-          </a:p>
-          <a:p>
-            <a:pPr marL="0" indent="0">
-              <a:spcBef>
-                <a:spcPts val="0"/>
-              </a:spcBef>
-              <a:buNone/>
-            </a:pPr>
-            <a:r>
-              <a:rPr lang="en-IE" sz="1400" b="1" dirty="0">
-                <a:latin typeface="Arial" panose="020B0604020202020204" pitchFamily="34" charset="0"/>
-                <a:cs typeface="Arial" panose="020B0604020202020204" pitchFamily="34" charset="0"/>
-              </a:rPr>
-              <a:t>Adjusted R2                 0.037               0.042       </a:t>
-            </a:r>
-          </a:p>
-          <a:p>
-            <a:pPr marL="0" indent="0">
-              <a:spcBef>
-                <a:spcPts val="0"/>
-              </a:spcBef>
-              <a:buNone/>
-            </a:pPr>
-            <a:r>
-              <a:rPr lang="en-IE" sz="1400" b="1" dirty="0">
-                <a:latin typeface="Arial" panose="020B0604020202020204" pitchFamily="34" charset="0"/>
-                <a:cs typeface="Arial" panose="020B0604020202020204" pitchFamily="34" charset="0"/>
-              </a:rPr>
-              <a:t>Residual Std. Error    1.819 (</a:t>
-            </a:r>
-            <a:r>
-              <a:rPr lang="en-IE" sz="1400" b="1" dirty="0" err="1">
-                <a:latin typeface="Arial" panose="020B0604020202020204" pitchFamily="34" charset="0"/>
-                <a:cs typeface="Arial" panose="020B0604020202020204" pitchFamily="34" charset="0"/>
-              </a:rPr>
-              <a:t>df</a:t>
-            </a:r>
-            <a:r>
-              <a:rPr lang="en-IE" sz="1400" b="1" dirty="0">
-                <a:latin typeface="Arial" panose="020B0604020202020204" pitchFamily="34" charset="0"/>
-                <a:cs typeface="Arial" panose="020B0604020202020204" pitchFamily="34" charset="0"/>
-              </a:rPr>
-              <a:t> = 41) 1.814 (</a:t>
-            </a:r>
-            <a:r>
-              <a:rPr lang="en-IE" sz="1400" b="1" dirty="0" err="1">
-                <a:latin typeface="Arial" panose="020B0604020202020204" pitchFamily="34" charset="0"/>
-                <a:cs typeface="Arial" panose="020B0604020202020204" pitchFamily="34" charset="0"/>
-              </a:rPr>
-              <a:t>df</a:t>
-            </a:r>
-            <a:r>
-              <a:rPr lang="en-IE" sz="1400" b="1" dirty="0">
-                <a:latin typeface="Arial" panose="020B0604020202020204" pitchFamily="34" charset="0"/>
-                <a:cs typeface="Arial" panose="020B0604020202020204" pitchFamily="34" charset="0"/>
-              </a:rPr>
-              <a:t> = 40)  </a:t>
-            </a:r>
-          </a:p>
-          <a:p>
-            <a:pPr marL="0" indent="0">
-              <a:spcBef>
-                <a:spcPts val="0"/>
-              </a:spcBef>
-              <a:buNone/>
-            </a:pPr>
-            <a:r>
-              <a:rPr lang="en-IE" sz="1400" b="1" dirty="0">
-                <a:latin typeface="Arial" panose="020B0604020202020204" pitchFamily="34" charset="0"/>
-                <a:cs typeface="Arial" panose="020B0604020202020204" pitchFamily="34" charset="0"/>
-              </a:rPr>
-              <a:t>F Statistic           1.261 (</a:t>
-            </a:r>
-            <a:r>
-              <a:rPr lang="en-IE" sz="1400" b="1" dirty="0" err="1">
-                <a:latin typeface="Arial" panose="020B0604020202020204" pitchFamily="34" charset="0"/>
-                <a:cs typeface="Arial" panose="020B0604020202020204" pitchFamily="34" charset="0"/>
-              </a:rPr>
-              <a:t>df</a:t>
-            </a:r>
-            <a:r>
-              <a:rPr lang="en-IE" sz="1400" b="1" dirty="0">
-                <a:latin typeface="Arial" panose="020B0604020202020204" pitchFamily="34" charset="0"/>
-                <a:cs typeface="Arial" panose="020B0604020202020204" pitchFamily="34" charset="0"/>
-              </a:rPr>
-              <a:t> = 7; 41)     1.262 (</a:t>
-            </a:r>
-            <a:r>
-              <a:rPr lang="en-IE" sz="1400" b="1" dirty="0" err="1">
-                <a:latin typeface="Arial" panose="020B0604020202020204" pitchFamily="34" charset="0"/>
-                <a:cs typeface="Arial" panose="020B0604020202020204" pitchFamily="34" charset="0"/>
-              </a:rPr>
-              <a:t>df</a:t>
-            </a:r>
-            <a:r>
-              <a:rPr lang="en-IE" sz="1400" b="1" dirty="0">
-                <a:latin typeface="Arial" panose="020B0604020202020204" pitchFamily="34" charset="0"/>
-                <a:cs typeface="Arial" panose="020B0604020202020204" pitchFamily="34" charset="0"/>
-              </a:rPr>
-              <a:t> = 8; 40)</a:t>
-            </a:r>
-          </a:p>
-          <a:p>
-            <a:pPr marL="0" indent="0">
-              <a:spcBef>
-                <a:spcPts val="0"/>
-              </a:spcBef>
-              <a:buNone/>
-            </a:pPr>
-            <a:r>
-              <a:rPr lang="en-IE" sz="1400" b="1" dirty="0">
-                <a:latin typeface="Arial" panose="020B0604020202020204" pitchFamily="34" charset="0"/>
-                <a:cs typeface="Arial" panose="020B0604020202020204" pitchFamily="34" charset="0"/>
-              </a:rPr>
-              <a:t>============================================</a:t>
-            </a:r>
-          </a:p>
-          <a:p>
-            <a:pPr marL="0" indent="0">
-              <a:spcBef>
-                <a:spcPts val="0"/>
-              </a:spcBef>
-              <a:buNone/>
-            </a:pPr>
-            <a:r>
-              <a:rPr lang="en-IE" sz="1400" b="1" dirty="0">
-                <a:latin typeface="Arial" panose="020B0604020202020204" pitchFamily="34" charset="0"/>
-                <a:cs typeface="Arial" panose="020B0604020202020204" pitchFamily="34" charset="0"/>
-              </a:rPr>
-              <a:t>Note:                           *p&lt;0.1; **p&lt;0.05; ***p&lt;0.0</a:t>
-            </a:r>
+              <a:buNone/>
+            </a:pPr>
+            <a:r>
+              <a:rPr lang="en-GB" b="1" dirty="0">
+                <a:latin typeface="Arial" panose="020B0604020202020204" pitchFamily="34" charset="0"/>
+                <a:cs typeface="Arial" panose="020B0604020202020204" pitchFamily="34" charset="0"/>
+              </a:rPr>
+              <a:t>Analysis of Variance</a:t>
+            </a:r>
+          </a:p>
+          <a:p>
+            <a:pPr marL="0" indent="0">
+              <a:buNone/>
+            </a:pPr>
+            <a:r>
+              <a:rPr lang="en-GB" b="1" dirty="0">
+                <a:latin typeface="Arial" panose="020B0604020202020204" pitchFamily="34" charset="0"/>
+                <a:cs typeface="Arial" panose="020B0604020202020204" pitchFamily="34" charset="0"/>
+              </a:rPr>
+              <a:t>=================================</a:t>
+            </a:r>
+          </a:p>
+          <a:p>
+            <a:pPr marL="0" indent="0">
+              <a:buNone/>
+            </a:pPr>
+            <a:r>
+              <a:rPr lang="en-GB" b="1" dirty="0">
+                <a:latin typeface="Arial" panose="020B0604020202020204" pitchFamily="34" charset="0"/>
+                <a:cs typeface="Arial" panose="020B0604020202020204" pitchFamily="34" charset="0"/>
+              </a:rPr>
+              <a:t>Statistic N  Mean   St. Dev.   Min     Max  </a:t>
+            </a:r>
+          </a:p>
+          <a:p>
+            <a:pPr marL="0" indent="0">
+              <a:buNone/>
+            </a:pPr>
+            <a:r>
+              <a:rPr lang="en-GB" b="1" dirty="0">
+                <a:latin typeface="Arial" panose="020B0604020202020204" pitchFamily="34" charset="0"/>
+                <a:cs typeface="Arial" panose="020B0604020202020204" pitchFamily="34" charset="0"/>
+              </a:rPr>
+              <a:t>---------------------------------------------------------</a:t>
+            </a:r>
+          </a:p>
+          <a:p>
+            <a:pPr marL="0" indent="0">
+              <a:buNone/>
+            </a:pPr>
+            <a:r>
+              <a:rPr lang="en-GB" b="1" dirty="0" err="1">
+                <a:latin typeface="Arial" panose="020B0604020202020204" pitchFamily="34" charset="0"/>
+                <a:cs typeface="Arial" panose="020B0604020202020204" pitchFamily="34" charset="0"/>
+              </a:rPr>
+              <a:t>Res.Df</a:t>
+            </a:r>
+            <a:r>
+              <a:rPr lang="en-GB" b="1" dirty="0">
+                <a:latin typeface="Arial" panose="020B0604020202020204" pitchFamily="34" charset="0"/>
+                <a:cs typeface="Arial" panose="020B0604020202020204" pitchFamily="34" charset="0"/>
+              </a:rPr>
+              <a:t>    2 76.50     0.707      76      77   </a:t>
+            </a:r>
+          </a:p>
+          <a:p>
+            <a:pPr marL="0" indent="0">
+              <a:buNone/>
+            </a:pPr>
+            <a:r>
+              <a:rPr lang="en-GB" b="1" dirty="0">
+                <a:latin typeface="Arial" panose="020B0604020202020204" pitchFamily="34" charset="0"/>
+                <a:cs typeface="Arial" panose="020B0604020202020204" pitchFamily="34" charset="0"/>
+              </a:rPr>
+              <a:t>RSS        2 201.48   9.780    194.566 208.397</a:t>
+            </a:r>
+          </a:p>
+          <a:p>
+            <a:pPr marL="0" indent="0">
+              <a:buNone/>
+            </a:pPr>
+            <a:r>
+              <a:rPr lang="en-GB" b="1" dirty="0" err="1">
+                <a:latin typeface="Arial" panose="020B0604020202020204" pitchFamily="34" charset="0"/>
+                <a:cs typeface="Arial" panose="020B0604020202020204" pitchFamily="34" charset="0"/>
+              </a:rPr>
+              <a:t>Df</a:t>
+            </a:r>
+            <a:r>
+              <a:rPr lang="en-GB" b="1" dirty="0">
+                <a:latin typeface="Arial" panose="020B0604020202020204" pitchFamily="34" charset="0"/>
+                <a:cs typeface="Arial" panose="020B0604020202020204" pitchFamily="34" charset="0"/>
+              </a:rPr>
+              <a:t>           </a:t>
+            </a:r>
+            <a:r>
+              <a:rPr lang="en-GB" b="1" dirty="0" smtClean="0">
+                <a:latin typeface="Arial" panose="020B0604020202020204" pitchFamily="34" charset="0"/>
+                <a:cs typeface="Arial" panose="020B0604020202020204" pitchFamily="34" charset="0"/>
+              </a:rPr>
+              <a:t>1  </a:t>
+            </a:r>
+            <a:r>
+              <a:rPr lang="en-GB" b="1" dirty="0">
+                <a:latin typeface="Arial" panose="020B0604020202020204" pitchFamily="34" charset="0"/>
+                <a:cs typeface="Arial" panose="020B0604020202020204" pitchFamily="34" charset="0"/>
+              </a:rPr>
+              <a:t>1.000                     1       1   </a:t>
+            </a:r>
+          </a:p>
+          <a:p>
+            <a:pPr marL="0" indent="0">
+              <a:buNone/>
+            </a:pPr>
+            <a:r>
+              <a:rPr lang="en-GB" b="1" dirty="0">
+                <a:latin typeface="Arial" panose="020B0604020202020204" pitchFamily="34" charset="0"/>
+                <a:cs typeface="Arial" panose="020B0604020202020204" pitchFamily="34" charset="0"/>
+              </a:rPr>
+              <a:t>Sum of </a:t>
+            </a:r>
+          </a:p>
+          <a:p>
+            <a:pPr marL="0" indent="0">
+              <a:buNone/>
+            </a:pPr>
+            <a:r>
+              <a:rPr lang="en-GB" b="1" dirty="0" err="1">
+                <a:latin typeface="Arial" panose="020B0604020202020204" pitchFamily="34" charset="0"/>
+                <a:cs typeface="Arial" panose="020B0604020202020204" pitchFamily="34" charset="0"/>
+              </a:rPr>
+              <a:t>Sq</a:t>
+            </a:r>
+            <a:r>
+              <a:rPr lang="en-GB" b="1" dirty="0">
+                <a:latin typeface="Arial" panose="020B0604020202020204" pitchFamily="34" charset="0"/>
+                <a:cs typeface="Arial" panose="020B0604020202020204" pitchFamily="34" charset="0"/>
+              </a:rPr>
+              <a:t>          </a:t>
+            </a:r>
+            <a:r>
+              <a:rPr lang="en-GB" b="1" dirty="0" smtClean="0">
+                <a:latin typeface="Arial" panose="020B0604020202020204" pitchFamily="34" charset="0"/>
+                <a:cs typeface="Arial" panose="020B0604020202020204" pitchFamily="34" charset="0"/>
+              </a:rPr>
+              <a:t>1 </a:t>
+            </a:r>
+            <a:r>
+              <a:rPr lang="en-GB" b="1" dirty="0">
+                <a:latin typeface="Arial" panose="020B0604020202020204" pitchFamily="34" charset="0"/>
+                <a:cs typeface="Arial" panose="020B0604020202020204" pitchFamily="34" charset="0"/>
+              </a:rPr>
+              <a:t>13.831                13.831  13.831 </a:t>
+            </a:r>
+          </a:p>
+          <a:p>
+            <a:pPr marL="0" indent="0">
+              <a:buNone/>
+            </a:pPr>
+            <a:r>
+              <a:rPr lang="en-GB" b="1" dirty="0">
+                <a:latin typeface="Arial" panose="020B0604020202020204" pitchFamily="34" charset="0"/>
+                <a:cs typeface="Arial" panose="020B0604020202020204" pitchFamily="34" charset="0"/>
+              </a:rPr>
+              <a:t>F             1  5.403                    5.403   5.403 </a:t>
+            </a:r>
+          </a:p>
+          <a:p>
+            <a:pPr marL="0" indent="0">
+              <a:buNone/>
+            </a:pPr>
+            <a:r>
+              <a:rPr lang="en-GB" b="1" dirty="0" err="1">
+                <a:latin typeface="Arial" panose="020B0604020202020204" pitchFamily="34" charset="0"/>
+                <a:cs typeface="Arial" panose="020B0604020202020204" pitchFamily="34" charset="0"/>
+              </a:rPr>
+              <a:t>Pr</a:t>
+            </a:r>
+            <a:r>
+              <a:rPr lang="en-GB" b="1" dirty="0">
+                <a:latin typeface="Arial" panose="020B0604020202020204" pitchFamily="34" charset="0"/>
+                <a:cs typeface="Arial" panose="020B0604020202020204" pitchFamily="34" charset="0"/>
+              </a:rPr>
+              <a:t>(&gt; F)    1  0.023                   0.023   0.023 </a:t>
+            </a:r>
+          </a:p>
+          <a:p>
+            <a:pPr marL="0" indent="0">
+              <a:buNone/>
+            </a:pPr>
+            <a:r>
+              <a:rPr lang="en-GB" b="1" dirty="0">
+                <a:latin typeface="Arial" panose="020B0604020202020204" pitchFamily="34" charset="0"/>
+                <a:cs typeface="Arial" panose="020B0604020202020204" pitchFamily="34" charset="0"/>
+              </a:rPr>
+              <a:t>------------------------------------------------------------</a:t>
+            </a:r>
+            <a:endParaRPr lang="en-IE" b="1" dirty="0">
+              <a:latin typeface="Arial" panose="020B0604020202020204" pitchFamily="34" charset="0"/>
+              <a:cs typeface="Arial" panose="020B0604020202020204" pitchFamily="34" charset="0"/>
+            </a:endParaRPr>
           </a:p>
         </p:txBody>
       </p:sp>
     </p:spTree>
     <p:extLst>
       <p:ext uri="{BB962C8B-B14F-4D97-AF65-F5344CB8AC3E}">
-        <p14:creationId xmlns:p14="http://schemas.microsoft.com/office/powerpoint/2010/main" val="2263536256"/>
+        <p14:creationId xmlns:p14="http://schemas.microsoft.com/office/powerpoint/2010/main" val="3611191949"/>
       </p:ext>
     </p:extLst>
   </p:cSld>

--- a/Replication/Presentation/Replication and Improvement of The Impact of Campaign.pptx
+++ b/Replication/Presentation/Replication and Improvement of The Impact of Campaign.pptx
@@ -5,7 +5,7 @@
     <p:sldMasterId id="2147483648" r:id="rId1"/>
   </p:sldMasterIdLst>
   <p:notesMasterIdLst>
-    <p:notesMasterId r:id="rId14"/>
+    <p:notesMasterId r:id="rId15"/>
   </p:notesMasterIdLst>
   <p:sldIdLst>
     <p:sldId id="256" r:id="rId2"/>
@@ -20,6 +20,7 @@
     <p:sldId id="261" r:id="rId11"/>
     <p:sldId id="262" r:id="rId12"/>
     <p:sldId id="267" r:id="rId13"/>
+    <p:sldId id="269" r:id="rId14"/>
   </p:sldIdLst>
   <p:sldSz cx="12192000" cy="6858000"/>
   <p:notesSz cx="6858000" cy="9144000"/>
@@ -135,6 +136,7 @@
             <p14:sldId id="261"/>
             <p14:sldId id="262"/>
             <p14:sldId id="267"/>
+            <p14:sldId id="269"/>
           </p14:sldIdLst>
         </p14:section>
       </p14:sectionLst>
@@ -239,7 +241,7 @@
           <a:p>
             <a:fld id="{81AC707A-BCA3-444E-9746-03A81474ED24}" type="datetimeFigureOut">
               <a:rPr lang="en-IE" smtClean="0"/>
-              <a:t>03/04/2023</a:t>
+              <a:t>04/04/2023</a:t>
             </a:fld>
             <a:endParaRPr lang="en-IE"/>
           </a:p>
@@ -613,7 +615,7 @@
           <p:cNvPr id="2" name="Title 1">
             <a:extLst>
               <a:ext uri="{FF2B5EF4-FFF2-40B4-BE49-F238E27FC236}">
-                <a16:creationId xmlns="" xmlns:a16="http://schemas.microsoft.com/office/drawing/2014/main" id="{80113288-7223-8BC5-E15B-632BF735094C}"/>
+                <a16:creationId xmlns:a16="http://schemas.microsoft.com/office/drawing/2014/main" xmlns="" id="{80113288-7223-8BC5-E15B-632BF735094C}"/>
               </a:ext>
             </a:extLst>
           </p:cNvPr>
@@ -651,7 +653,7 @@
           <p:cNvPr id="3" name="Subtitle 2">
             <a:extLst>
               <a:ext uri="{FF2B5EF4-FFF2-40B4-BE49-F238E27FC236}">
-                <a16:creationId xmlns="" xmlns:a16="http://schemas.microsoft.com/office/drawing/2014/main" id="{1F82D8C5-ABC3-97AA-D009-1B0C48733776}"/>
+                <a16:creationId xmlns:a16="http://schemas.microsoft.com/office/drawing/2014/main" xmlns="" id="{1F82D8C5-ABC3-97AA-D009-1B0C48733776}"/>
               </a:ext>
             </a:extLst>
           </p:cNvPr>
@@ -722,7 +724,7 @@
           <p:cNvPr id="4" name="Date Placeholder 3">
             <a:extLst>
               <a:ext uri="{FF2B5EF4-FFF2-40B4-BE49-F238E27FC236}">
-                <a16:creationId xmlns="" xmlns:a16="http://schemas.microsoft.com/office/drawing/2014/main" id="{CCC346B4-1065-BAF3-0D72-FB673AD554F8}"/>
+                <a16:creationId xmlns:a16="http://schemas.microsoft.com/office/drawing/2014/main" xmlns="" id="{CCC346B4-1065-BAF3-0D72-FB673AD554F8}"/>
               </a:ext>
             </a:extLst>
           </p:cNvPr>
@@ -740,7 +742,7 @@
           <a:p>
             <a:fld id="{9597531F-F6AF-4185-8FD0-A38E26DF4D90}" type="datetimeFigureOut">
               <a:rPr lang="en-IE" smtClean="0"/>
-              <a:t>03/04/2023</a:t>
+              <a:t>04/04/2023</a:t>
             </a:fld>
             <a:endParaRPr lang="en-IE"/>
           </a:p>
@@ -751,7 +753,7 @@
           <p:cNvPr id="5" name="Footer Placeholder 4">
             <a:extLst>
               <a:ext uri="{FF2B5EF4-FFF2-40B4-BE49-F238E27FC236}">
-                <a16:creationId xmlns="" xmlns:a16="http://schemas.microsoft.com/office/drawing/2014/main" id="{742BC43E-9179-DB50-CE27-C3446AB099C9}"/>
+                <a16:creationId xmlns:a16="http://schemas.microsoft.com/office/drawing/2014/main" xmlns="" id="{742BC43E-9179-DB50-CE27-C3446AB099C9}"/>
               </a:ext>
             </a:extLst>
           </p:cNvPr>
@@ -776,7 +778,7 @@
           <p:cNvPr id="6" name="Slide Number Placeholder 5">
             <a:extLst>
               <a:ext uri="{FF2B5EF4-FFF2-40B4-BE49-F238E27FC236}">
-                <a16:creationId xmlns="" xmlns:a16="http://schemas.microsoft.com/office/drawing/2014/main" id="{F51BC5E6-B640-2417-364E-7EBBD09B086F}"/>
+                <a16:creationId xmlns:a16="http://schemas.microsoft.com/office/drawing/2014/main" xmlns="" id="{F51BC5E6-B640-2417-364E-7EBBD09B086F}"/>
               </a:ext>
             </a:extLst>
           </p:cNvPr>
@@ -835,7 +837,7 @@
           <p:cNvPr id="2" name="Title 1">
             <a:extLst>
               <a:ext uri="{FF2B5EF4-FFF2-40B4-BE49-F238E27FC236}">
-                <a16:creationId xmlns="" xmlns:a16="http://schemas.microsoft.com/office/drawing/2014/main" id="{A3B0AABA-3017-9F5C-549F-5122D0F17196}"/>
+                <a16:creationId xmlns:a16="http://schemas.microsoft.com/office/drawing/2014/main" xmlns="" id="{A3B0AABA-3017-9F5C-549F-5122D0F17196}"/>
               </a:ext>
             </a:extLst>
           </p:cNvPr>
@@ -864,7 +866,7 @@
           <p:cNvPr id="3" name="Vertical Text Placeholder 2">
             <a:extLst>
               <a:ext uri="{FF2B5EF4-FFF2-40B4-BE49-F238E27FC236}">
-                <a16:creationId xmlns="" xmlns:a16="http://schemas.microsoft.com/office/drawing/2014/main" id="{D3345F8A-7F73-FDBF-4165-6D224EC44026}"/>
+                <a16:creationId xmlns:a16="http://schemas.microsoft.com/office/drawing/2014/main" xmlns="" id="{D3345F8A-7F73-FDBF-4165-6D224EC44026}"/>
               </a:ext>
             </a:extLst>
           </p:cNvPr>
@@ -922,7 +924,7 @@
           <p:cNvPr id="4" name="Date Placeholder 3">
             <a:extLst>
               <a:ext uri="{FF2B5EF4-FFF2-40B4-BE49-F238E27FC236}">
-                <a16:creationId xmlns="" xmlns:a16="http://schemas.microsoft.com/office/drawing/2014/main" id="{58E4F4A3-98EA-9292-88F6-AACF3D4E00EB}"/>
+                <a16:creationId xmlns:a16="http://schemas.microsoft.com/office/drawing/2014/main" xmlns="" id="{58E4F4A3-98EA-9292-88F6-AACF3D4E00EB}"/>
               </a:ext>
             </a:extLst>
           </p:cNvPr>
@@ -940,7 +942,7 @@
           <a:p>
             <a:fld id="{9597531F-F6AF-4185-8FD0-A38E26DF4D90}" type="datetimeFigureOut">
               <a:rPr lang="en-IE" smtClean="0"/>
-              <a:t>03/04/2023</a:t>
+              <a:t>04/04/2023</a:t>
             </a:fld>
             <a:endParaRPr lang="en-IE"/>
           </a:p>
@@ -951,7 +953,7 @@
           <p:cNvPr id="5" name="Footer Placeholder 4">
             <a:extLst>
               <a:ext uri="{FF2B5EF4-FFF2-40B4-BE49-F238E27FC236}">
-                <a16:creationId xmlns="" xmlns:a16="http://schemas.microsoft.com/office/drawing/2014/main" id="{27B72024-81B3-10C7-DAC5-CC610A71D914}"/>
+                <a16:creationId xmlns:a16="http://schemas.microsoft.com/office/drawing/2014/main" xmlns="" id="{27B72024-81B3-10C7-DAC5-CC610A71D914}"/>
               </a:ext>
             </a:extLst>
           </p:cNvPr>
@@ -976,7 +978,7 @@
           <p:cNvPr id="6" name="Slide Number Placeholder 5">
             <a:extLst>
               <a:ext uri="{FF2B5EF4-FFF2-40B4-BE49-F238E27FC236}">
-                <a16:creationId xmlns="" xmlns:a16="http://schemas.microsoft.com/office/drawing/2014/main" id="{A2FD7E4C-3CEE-E5AD-3173-81902F1025F2}"/>
+                <a16:creationId xmlns:a16="http://schemas.microsoft.com/office/drawing/2014/main" xmlns="" id="{A2FD7E4C-3CEE-E5AD-3173-81902F1025F2}"/>
               </a:ext>
             </a:extLst>
           </p:cNvPr>
@@ -1035,7 +1037,7 @@
           <p:cNvPr id="2" name="Vertical Title 1">
             <a:extLst>
               <a:ext uri="{FF2B5EF4-FFF2-40B4-BE49-F238E27FC236}">
-                <a16:creationId xmlns="" xmlns:a16="http://schemas.microsoft.com/office/drawing/2014/main" id="{09807480-7262-B0C4-1ABE-E435B666C207}"/>
+                <a16:creationId xmlns:a16="http://schemas.microsoft.com/office/drawing/2014/main" xmlns="" id="{09807480-7262-B0C4-1ABE-E435B666C207}"/>
               </a:ext>
             </a:extLst>
           </p:cNvPr>
@@ -1069,7 +1071,7 @@
           <p:cNvPr id="3" name="Vertical Text Placeholder 2">
             <a:extLst>
               <a:ext uri="{FF2B5EF4-FFF2-40B4-BE49-F238E27FC236}">
-                <a16:creationId xmlns="" xmlns:a16="http://schemas.microsoft.com/office/drawing/2014/main" id="{9979E4C8-D8A0-5D1C-5ABA-D3A5A1A57EC3}"/>
+                <a16:creationId xmlns:a16="http://schemas.microsoft.com/office/drawing/2014/main" xmlns="" id="{9979E4C8-D8A0-5D1C-5ABA-D3A5A1A57EC3}"/>
               </a:ext>
             </a:extLst>
           </p:cNvPr>
@@ -1132,7 +1134,7 @@
           <p:cNvPr id="4" name="Date Placeholder 3">
             <a:extLst>
               <a:ext uri="{FF2B5EF4-FFF2-40B4-BE49-F238E27FC236}">
-                <a16:creationId xmlns="" xmlns:a16="http://schemas.microsoft.com/office/drawing/2014/main" id="{C983C2F7-3279-5BF1-94EC-30AB169850A5}"/>
+                <a16:creationId xmlns:a16="http://schemas.microsoft.com/office/drawing/2014/main" xmlns="" id="{C983C2F7-3279-5BF1-94EC-30AB169850A5}"/>
               </a:ext>
             </a:extLst>
           </p:cNvPr>
@@ -1150,7 +1152,7 @@
           <a:p>
             <a:fld id="{9597531F-F6AF-4185-8FD0-A38E26DF4D90}" type="datetimeFigureOut">
               <a:rPr lang="en-IE" smtClean="0"/>
-              <a:t>03/04/2023</a:t>
+              <a:t>04/04/2023</a:t>
             </a:fld>
             <a:endParaRPr lang="en-IE"/>
           </a:p>
@@ -1161,7 +1163,7 @@
           <p:cNvPr id="5" name="Footer Placeholder 4">
             <a:extLst>
               <a:ext uri="{FF2B5EF4-FFF2-40B4-BE49-F238E27FC236}">
-                <a16:creationId xmlns="" xmlns:a16="http://schemas.microsoft.com/office/drawing/2014/main" id="{81A56E0C-A9B7-B688-FBFC-B002279B2B66}"/>
+                <a16:creationId xmlns:a16="http://schemas.microsoft.com/office/drawing/2014/main" xmlns="" id="{81A56E0C-A9B7-B688-FBFC-B002279B2B66}"/>
               </a:ext>
             </a:extLst>
           </p:cNvPr>
@@ -1186,7 +1188,7 @@
           <p:cNvPr id="6" name="Slide Number Placeholder 5">
             <a:extLst>
               <a:ext uri="{FF2B5EF4-FFF2-40B4-BE49-F238E27FC236}">
-                <a16:creationId xmlns="" xmlns:a16="http://schemas.microsoft.com/office/drawing/2014/main" id="{A6DBCD56-9886-7852-061C-F7BFF6E4940B}"/>
+                <a16:creationId xmlns:a16="http://schemas.microsoft.com/office/drawing/2014/main" xmlns="" id="{A6DBCD56-9886-7852-061C-F7BFF6E4940B}"/>
               </a:ext>
             </a:extLst>
           </p:cNvPr>
@@ -1245,7 +1247,7 @@
           <p:cNvPr id="2" name="Title 1">
             <a:extLst>
               <a:ext uri="{FF2B5EF4-FFF2-40B4-BE49-F238E27FC236}">
-                <a16:creationId xmlns="" xmlns:a16="http://schemas.microsoft.com/office/drawing/2014/main" id="{53865A5C-B068-2C2A-7879-DDA0903ED48C}"/>
+                <a16:creationId xmlns:a16="http://schemas.microsoft.com/office/drawing/2014/main" xmlns="" id="{53865A5C-B068-2C2A-7879-DDA0903ED48C}"/>
               </a:ext>
             </a:extLst>
           </p:cNvPr>
@@ -1274,7 +1276,7 @@
           <p:cNvPr id="3" name="Content Placeholder 2">
             <a:extLst>
               <a:ext uri="{FF2B5EF4-FFF2-40B4-BE49-F238E27FC236}">
-                <a16:creationId xmlns="" xmlns:a16="http://schemas.microsoft.com/office/drawing/2014/main" id="{8F0E865B-8F74-456D-E9CA-0933EF4085D5}"/>
+                <a16:creationId xmlns:a16="http://schemas.microsoft.com/office/drawing/2014/main" xmlns="" id="{8F0E865B-8F74-456D-E9CA-0933EF4085D5}"/>
               </a:ext>
             </a:extLst>
           </p:cNvPr>
@@ -1332,7 +1334,7 @@
           <p:cNvPr id="4" name="Date Placeholder 3">
             <a:extLst>
               <a:ext uri="{FF2B5EF4-FFF2-40B4-BE49-F238E27FC236}">
-                <a16:creationId xmlns="" xmlns:a16="http://schemas.microsoft.com/office/drawing/2014/main" id="{8FCF4374-1519-8984-C8A7-A6EFBC90A328}"/>
+                <a16:creationId xmlns:a16="http://schemas.microsoft.com/office/drawing/2014/main" xmlns="" id="{8FCF4374-1519-8984-C8A7-A6EFBC90A328}"/>
               </a:ext>
             </a:extLst>
           </p:cNvPr>
@@ -1350,7 +1352,7 @@
           <a:p>
             <a:fld id="{9597531F-F6AF-4185-8FD0-A38E26DF4D90}" type="datetimeFigureOut">
               <a:rPr lang="en-IE" smtClean="0"/>
-              <a:t>03/04/2023</a:t>
+              <a:t>04/04/2023</a:t>
             </a:fld>
             <a:endParaRPr lang="en-IE"/>
           </a:p>
@@ -1361,7 +1363,7 @@
           <p:cNvPr id="5" name="Footer Placeholder 4">
             <a:extLst>
               <a:ext uri="{FF2B5EF4-FFF2-40B4-BE49-F238E27FC236}">
-                <a16:creationId xmlns="" xmlns:a16="http://schemas.microsoft.com/office/drawing/2014/main" id="{7187DB1F-35C6-3AD2-E482-6FDDB1F199D4}"/>
+                <a16:creationId xmlns:a16="http://schemas.microsoft.com/office/drawing/2014/main" xmlns="" id="{7187DB1F-35C6-3AD2-E482-6FDDB1F199D4}"/>
               </a:ext>
             </a:extLst>
           </p:cNvPr>
@@ -1386,7 +1388,7 @@
           <p:cNvPr id="6" name="Slide Number Placeholder 5">
             <a:extLst>
               <a:ext uri="{FF2B5EF4-FFF2-40B4-BE49-F238E27FC236}">
-                <a16:creationId xmlns="" xmlns:a16="http://schemas.microsoft.com/office/drawing/2014/main" id="{FF5E889C-6D67-E172-658B-95921689414B}"/>
+                <a16:creationId xmlns:a16="http://schemas.microsoft.com/office/drawing/2014/main" xmlns="" id="{FF5E889C-6D67-E172-658B-95921689414B}"/>
               </a:ext>
             </a:extLst>
           </p:cNvPr>
@@ -1445,7 +1447,7 @@
           <p:cNvPr id="2" name="Title 1">
             <a:extLst>
               <a:ext uri="{FF2B5EF4-FFF2-40B4-BE49-F238E27FC236}">
-                <a16:creationId xmlns="" xmlns:a16="http://schemas.microsoft.com/office/drawing/2014/main" id="{4F5E479F-0FD0-FC5D-40F0-8E82A74A7F45}"/>
+                <a16:creationId xmlns:a16="http://schemas.microsoft.com/office/drawing/2014/main" xmlns="" id="{4F5E479F-0FD0-FC5D-40F0-8E82A74A7F45}"/>
               </a:ext>
             </a:extLst>
           </p:cNvPr>
@@ -1483,7 +1485,7 @@
           <p:cNvPr id="3" name="Text Placeholder 2">
             <a:extLst>
               <a:ext uri="{FF2B5EF4-FFF2-40B4-BE49-F238E27FC236}">
-                <a16:creationId xmlns="" xmlns:a16="http://schemas.microsoft.com/office/drawing/2014/main" id="{424F8EB3-057D-6AC7-6617-53107D7505DB}"/>
+                <a16:creationId xmlns:a16="http://schemas.microsoft.com/office/drawing/2014/main" xmlns="" id="{424F8EB3-057D-6AC7-6617-53107D7505DB}"/>
               </a:ext>
             </a:extLst>
           </p:cNvPr>
@@ -1608,7 +1610,7 @@
           <p:cNvPr id="4" name="Date Placeholder 3">
             <a:extLst>
               <a:ext uri="{FF2B5EF4-FFF2-40B4-BE49-F238E27FC236}">
-                <a16:creationId xmlns="" xmlns:a16="http://schemas.microsoft.com/office/drawing/2014/main" id="{039CFE6B-3495-E20E-AD51-ECA79BB4B2F9}"/>
+                <a16:creationId xmlns:a16="http://schemas.microsoft.com/office/drawing/2014/main" xmlns="" id="{039CFE6B-3495-E20E-AD51-ECA79BB4B2F9}"/>
               </a:ext>
             </a:extLst>
           </p:cNvPr>
@@ -1626,7 +1628,7 @@
           <a:p>
             <a:fld id="{9597531F-F6AF-4185-8FD0-A38E26DF4D90}" type="datetimeFigureOut">
               <a:rPr lang="en-IE" smtClean="0"/>
-              <a:t>03/04/2023</a:t>
+              <a:t>04/04/2023</a:t>
             </a:fld>
             <a:endParaRPr lang="en-IE"/>
           </a:p>
@@ -1637,7 +1639,7 @@
           <p:cNvPr id="5" name="Footer Placeholder 4">
             <a:extLst>
               <a:ext uri="{FF2B5EF4-FFF2-40B4-BE49-F238E27FC236}">
-                <a16:creationId xmlns="" xmlns:a16="http://schemas.microsoft.com/office/drawing/2014/main" id="{1A7889FE-4EA7-7239-54AA-BF2C19B4AD3F}"/>
+                <a16:creationId xmlns:a16="http://schemas.microsoft.com/office/drawing/2014/main" xmlns="" id="{1A7889FE-4EA7-7239-54AA-BF2C19B4AD3F}"/>
               </a:ext>
             </a:extLst>
           </p:cNvPr>
@@ -1662,7 +1664,7 @@
           <p:cNvPr id="6" name="Slide Number Placeholder 5">
             <a:extLst>
               <a:ext uri="{FF2B5EF4-FFF2-40B4-BE49-F238E27FC236}">
-                <a16:creationId xmlns="" xmlns:a16="http://schemas.microsoft.com/office/drawing/2014/main" id="{D59F0728-9718-329A-6C9D-89522F113ADA}"/>
+                <a16:creationId xmlns:a16="http://schemas.microsoft.com/office/drawing/2014/main" xmlns="" id="{D59F0728-9718-329A-6C9D-89522F113ADA}"/>
               </a:ext>
             </a:extLst>
           </p:cNvPr>
@@ -1721,7 +1723,7 @@
           <p:cNvPr id="2" name="Title 1">
             <a:extLst>
               <a:ext uri="{FF2B5EF4-FFF2-40B4-BE49-F238E27FC236}">
-                <a16:creationId xmlns="" xmlns:a16="http://schemas.microsoft.com/office/drawing/2014/main" id="{277CB04B-F927-776E-DE85-E37F7BF84427}"/>
+                <a16:creationId xmlns:a16="http://schemas.microsoft.com/office/drawing/2014/main" xmlns="" id="{277CB04B-F927-776E-DE85-E37F7BF84427}"/>
               </a:ext>
             </a:extLst>
           </p:cNvPr>
@@ -1750,7 +1752,7 @@
           <p:cNvPr id="3" name="Content Placeholder 2">
             <a:extLst>
               <a:ext uri="{FF2B5EF4-FFF2-40B4-BE49-F238E27FC236}">
-                <a16:creationId xmlns="" xmlns:a16="http://schemas.microsoft.com/office/drawing/2014/main" id="{B24B832D-1DC5-2D0E-3314-7468DF1A9D25}"/>
+                <a16:creationId xmlns:a16="http://schemas.microsoft.com/office/drawing/2014/main" xmlns="" id="{B24B832D-1DC5-2D0E-3314-7468DF1A9D25}"/>
               </a:ext>
             </a:extLst>
           </p:cNvPr>
@@ -1813,7 +1815,7 @@
           <p:cNvPr id="4" name="Content Placeholder 3">
             <a:extLst>
               <a:ext uri="{FF2B5EF4-FFF2-40B4-BE49-F238E27FC236}">
-                <a16:creationId xmlns="" xmlns:a16="http://schemas.microsoft.com/office/drawing/2014/main" id="{7B8744EC-A25E-DAC7-42F3-1C2D61816428}"/>
+                <a16:creationId xmlns:a16="http://schemas.microsoft.com/office/drawing/2014/main" xmlns="" id="{7B8744EC-A25E-DAC7-42F3-1C2D61816428}"/>
               </a:ext>
             </a:extLst>
           </p:cNvPr>
@@ -1876,7 +1878,7 @@
           <p:cNvPr id="5" name="Date Placeholder 4">
             <a:extLst>
               <a:ext uri="{FF2B5EF4-FFF2-40B4-BE49-F238E27FC236}">
-                <a16:creationId xmlns="" xmlns:a16="http://schemas.microsoft.com/office/drawing/2014/main" id="{A4A32029-92D6-F551-FD61-3D709EB511AF}"/>
+                <a16:creationId xmlns:a16="http://schemas.microsoft.com/office/drawing/2014/main" xmlns="" id="{A4A32029-92D6-F551-FD61-3D709EB511AF}"/>
               </a:ext>
             </a:extLst>
           </p:cNvPr>
@@ -1894,7 +1896,7 @@
           <a:p>
             <a:fld id="{9597531F-F6AF-4185-8FD0-A38E26DF4D90}" type="datetimeFigureOut">
               <a:rPr lang="en-IE" smtClean="0"/>
-              <a:t>03/04/2023</a:t>
+              <a:t>04/04/2023</a:t>
             </a:fld>
             <a:endParaRPr lang="en-IE"/>
           </a:p>
@@ -1905,7 +1907,7 @@
           <p:cNvPr id="6" name="Footer Placeholder 5">
             <a:extLst>
               <a:ext uri="{FF2B5EF4-FFF2-40B4-BE49-F238E27FC236}">
-                <a16:creationId xmlns="" xmlns:a16="http://schemas.microsoft.com/office/drawing/2014/main" id="{19A86D69-5450-76DE-C766-9C730574D131}"/>
+                <a16:creationId xmlns:a16="http://schemas.microsoft.com/office/drawing/2014/main" xmlns="" id="{19A86D69-5450-76DE-C766-9C730574D131}"/>
               </a:ext>
             </a:extLst>
           </p:cNvPr>
@@ -1930,7 +1932,7 @@
           <p:cNvPr id="7" name="Slide Number Placeholder 6">
             <a:extLst>
               <a:ext uri="{FF2B5EF4-FFF2-40B4-BE49-F238E27FC236}">
-                <a16:creationId xmlns="" xmlns:a16="http://schemas.microsoft.com/office/drawing/2014/main" id="{7742CE89-7321-6EEB-2627-ACCDF5FF5DB8}"/>
+                <a16:creationId xmlns:a16="http://schemas.microsoft.com/office/drawing/2014/main" xmlns="" id="{7742CE89-7321-6EEB-2627-ACCDF5FF5DB8}"/>
               </a:ext>
             </a:extLst>
           </p:cNvPr>
@@ -1989,7 +1991,7 @@
           <p:cNvPr id="2" name="Title 1">
             <a:extLst>
               <a:ext uri="{FF2B5EF4-FFF2-40B4-BE49-F238E27FC236}">
-                <a16:creationId xmlns="" xmlns:a16="http://schemas.microsoft.com/office/drawing/2014/main" id="{0583B196-105D-B80B-C40A-DFF8D6B5E20F}"/>
+                <a16:creationId xmlns:a16="http://schemas.microsoft.com/office/drawing/2014/main" xmlns="" id="{0583B196-105D-B80B-C40A-DFF8D6B5E20F}"/>
               </a:ext>
             </a:extLst>
           </p:cNvPr>
@@ -2023,7 +2025,7 @@
           <p:cNvPr id="3" name="Text Placeholder 2">
             <a:extLst>
               <a:ext uri="{FF2B5EF4-FFF2-40B4-BE49-F238E27FC236}">
-                <a16:creationId xmlns="" xmlns:a16="http://schemas.microsoft.com/office/drawing/2014/main" id="{5BEED3D5-CB31-50C1-AC57-A6C4BEE8B3C9}"/>
+                <a16:creationId xmlns:a16="http://schemas.microsoft.com/office/drawing/2014/main" xmlns="" id="{5BEED3D5-CB31-50C1-AC57-A6C4BEE8B3C9}"/>
               </a:ext>
             </a:extLst>
           </p:cNvPr>
@@ -2094,7 +2096,7 @@
           <p:cNvPr id="4" name="Content Placeholder 3">
             <a:extLst>
               <a:ext uri="{FF2B5EF4-FFF2-40B4-BE49-F238E27FC236}">
-                <a16:creationId xmlns="" xmlns:a16="http://schemas.microsoft.com/office/drawing/2014/main" id="{6AC4EE3C-7642-2730-0DA8-A886A0E38A29}"/>
+                <a16:creationId xmlns:a16="http://schemas.microsoft.com/office/drawing/2014/main" xmlns="" id="{6AC4EE3C-7642-2730-0DA8-A886A0E38A29}"/>
               </a:ext>
             </a:extLst>
           </p:cNvPr>
@@ -2157,7 +2159,7 @@
           <p:cNvPr id="5" name="Text Placeholder 4">
             <a:extLst>
               <a:ext uri="{FF2B5EF4-FFF2-40B4-BE49-F238E27FC236}">
-                <a16:creationId xmlns="" xmlns:a16="http://schemas.microsoft.com/office/drawing/2014/main" id="{D2092D1F-D3CB-927E-A74D-F3E4542A0BCF}"/>
+                <a16:creationId xmlns:a16="http://schemas.microsoft.com/office/drawing/2014/main" xmlns="" id="{D2092D1F-D3CB-927E-A74D-F3E4542A0BCF}"/>
               </a:ext>
             </a:extLst>
           </p:cNvPr>
@@ -2228,7 +2230,7 @@
           <p:cNvPr id="6" name="Content Placeholder 5">
             <a:extLst>
               <a:ext uri="{FF2B5EF4-FFF2-40B4-BE49-F238E27FC236}">
-                <a16:creationId xmlns="" xmlns:a16="http://schemas.microsoft.com/office/drawing/2014/main" id="{6080C063-D3AE-858E-7675-0D941A54EA58}"/>
+                <a16:creationId xmlns:a16="http://schemas.microsoft.com/office/drawing/2014/main" xmlns="" id="{6080C063-D3AE-858E-7675-0D941A54EA58}"/>
               </a:ext>
             </a:extLst>
           </p:cNvPr>
@@ -2291,7 +2293,7 @@
           <p:cNvPr id="7" name="Date Placeholder 6">
             <a:extLst>
               <a:ext uri="{FF2B5EF4-FFF2-40B4-BE49-F238E27FC236}">
-                <a16:creationId xmlns="" xmlns:a16="http://schemas.microsoft.com/office/drawing/2014/main" id="{A2737A89-3893-5FBE-7B24-2D6F44738C4B}"/>
+                <a16:creationId xmlns:a16="http://schemas.microsoft.com/office/drawing/2014/main" xmlns="" id="{A2737A89-3893-5FBE-7B24-2D6F44738C4B}"/>
               </a:ext>
             </a:extLst>
           </p:cNvPr>
@@ -2309,7 +2311,7 @@
           <a:p>
             <a:fld id="{9597531F-F6AF-4185-8FD0-A38E26DF4D90}" type="datetimeFigureOut">
               <a:rPr lang="en-IE" smtClean="0"/>
-              <a:t>03/04/2023</a:t>
+              <a:t>04/04/2023</a:t>
             </a:fld>
             <a:endParaRPr lang="en-IE"/>
           </a:p>
@@ -2320,7 +2322,7 @@
           <p:cNvPr id="8" name="Footer Placeholder 7">
             <a:extLst>
               <a:ext uri="{FF2B5EF4-FFF2-40B4-BE49-F238E27FC236}">
-                <a16:creationId xmlns="" xmlns:a16="http://schemas.microsoft.com/office/drawing/2014/main" id="{45E1CA38-695E-7E13-1DD0-EE95F21ECC9F}"/>
+                <a16:creationId xmlns:a16="http://schemas.microsoft.com/office/drawing/2014/main" xmlns="" id="{45E1CA38-695E-7E13-1DD0-EE95F21ECC9F}"/>
               </a:ext>
             </a:extLst>
           </p:cNvPr>
@@ -2345,7 +2347,7 @@
           <p:cNvPr id="9" name="Slide Number Placeholder 8">
             <a:extLst>
               <a:ext uri="{FF2B5EF4-FFF2-40B4-BE49-F238E27FC236}">
-                <a16:creationId xmlns="" xmlns:a16="http://schemas.microsoft.com/office/drawing/2014/main" id="{EA62C0DB-BC60-0A3B-6C93-90C702019815}"/>
+                <a16:creationId xmlns:a16="http://schemas.microsoft.com/office/drawing/2014/main" xmlns="" id="{EA62C0DB-BC60-0A3B-6C93-90C702019815}"/>
               </a:ext>
             </a:extLst>
           </p:cNvPr>
@@ -2404,7 +2406,7 @@
           <p:cNvPr id="2" name="Title 1">
             <a:extLst>
               <a:ext uri="{FF2B5EF4-FFF2-40B4-BE49-F238E27FC236}">
-                <a16:creationId xmlns="" xmlns:a16="http://schemas.microsoft.com/office/drawing/2014/main" id="{8E2BE857-055E-A587-66FA-2BAD5C003C16}"/>
+                <a16:creationId xmlns:a16="http://schemas.microsoft.com/office/drawing/2014/main" xmlns="" id="{8E2BE857-055E-A587-66FA-2BAD5C003C16}"/>
               </a:ext>
             </a:extLst>
           </p:cNvPr>
@@ -2433,7 +2435,7 @@
           <p:cNvPr id="3" name="Date Placeholder 2">
             <a:extLst>
               <a:ext uri="{FF2B5EF4-FFF2-40B4-BE49-F238E27FC236}">
-                <a16:creationId xmlns="" xmlns:a16="http://schemas.microsoft.com/office/drawing/2014/main" id="{3F560FE4-547B-1DA6-C8BB-3B13823BFA7C}"/>
+                <a16:creationId xmlns:a16="http://schemas.microsoft.com/office/drawing/2014/main" xmlns="" id="{3F560FE4-547B-1DA6-C8BB-3B13823BFA7C}"/>
               </a:ext>
             </a:extLst>
           </p:cNvPr>
@@ -2451,7 +2453,7 @@
           <a:p>
             <a:fld id="{9597531F-F6AF-4185-8FD0-A38E26DF4D90}" type="datetimeFigureOut">
               <a:rPr lang="en-IE" smtClean="0"/>
-              <a:t>03/04/2023</a:t>
+              <a:t>04/04/2023</a:t>
             </a:fld>
             <a:endParaRPr lang="en-IE"/>
           </a:p>
@@ -2462,7 +2464,7 @@
           <p:cNvPr id="4" name="Footer Placeholder 3">
             <a:extLst>
               <a:ext uri="{FF2B5EF4-FFF2-40B4-BE49-F238E27FC236}">
-                <a16:creationId xmlns="" xmlns:a16="http://schemas.microsoft.com/office/drawing/2014/main" id="{6A22414C-A5D4-B309-4257-0BB005557BAF}"/>
+                <a16:creationId xmlns:a16="http://schemas.microsoft.com/office/drawing/2014/main" xmlns="" id="{6A22414C-A5D4-B309-4257-0BB005557BAF}"/>
               </a:ext>
             </a:extLst>
           </p:cNvPr>
@@ -2487,7 +2489,7 @@
           <p:cNvPr id="5" name="Slide Number Placeholder 4">
             <a:extLst>
               <a:ext uri="{FF2B5EF4-FFF2-40B4-BE49-F238E27FC236}">
-                <a16:creationId xmlns="" xmlns:a16="http://schemas.microsoft.com/office/drawing/2014/main" id="{22321CA0-5823-AEEA-34C0-2C24C08B6097}"/>
+                <a16:creationId xmlns:a16="http://schemas.microsoft.com/office/drawing/2014/main" xmlns="" id="{22321CA0-5823-AEEA-34C0-2C24C08B6097}"/>
               </a:ext>
             </a:extLst>
           </p:cNvPr>
@@ -2546,7 +2548,7 @@
           <p:cNvPr id="2" name="Date Placeholder 1">
             <a:extLst>
               <a:ext uri="{FF2B5EF4-FFF2-40B4-BE49-F238E27FC236}">
-                <a16:creationId xmlns="" xmlns:a16="http://schemas.microsoft.com/office/drawing/2014/main" id="{CF06C40B-CF20-3D02-37AA-0CAF70EEBDF4}"/>
+                <a16:creationId xmlns:a16="http://schemas.microsoft.com/office/drawing/2014/main" xmlns="" id="{CF06C40B-CF20-3D02-37AA-0CAF70EEBDF4}"/>
               </a:ext>
             </a:extLst>
           </p:cNvPr>
@@ -2564,7 +2566,7 @@
           <a:p>
             <a:fld id="{9597531F-F6AF-4185-8FD0-A38E26DF4D90}" type="datetimeFigureOut">
               <a:rPr lang="en-IE" smtClean="0"/>
-              <a:t>03/04/2023</a:t>
+              <a:t>04/04/2023</a:t>
             </a:fld>
             <a:endParaRPr lang="en-IE"/>
           </a:p>
@@ -2575,7 +2577,7 @@
           <p:cNvPr id="3" name="Footer Placeholder 2">
             <a:extLst>
               <a:ext uri="{FF2B5EF4-FFF2-40B4-BE49-F238E27FC236}">
-                <a16:creationId xmlns="" xmlns:a16="http://schemas.microsoft.com/office/drawing/2014/main" id="{A1BF906F-C40E-13A6-86B7-932FB94668D3}"/>
+                <a16:creationId xmlns:a16="http://schemas.microsoft.com/office/drawing/2014/main" xmlns="" id="{A1BF906F-C40E-13A6-86B7-932FB94668D3}"/>
               </a:ext>
             </a:extLst>
           </p:cNvPr>
@@ -2600,7 +2602,7 @@
           <p:cNvPr id="4" name="Slide Number Placeholder 3">
             <a:extLst>
               <a:ext uri="{FF2B5EF4-FFF2-40B4-BE49-F238E27FC236}">
-                <a16:creationId xmlns="" xmlns:a16="http://schemas.microsoft.com/office/drawing/2014/main" id="{85759CF8-BE0D-3347-B833-EE5C921EDBE4}"/>
+                <a16:creationId xmlns:a16="http://schemas.microsoft.com/office/drawing/2014/main" xmlns="" id="{85759CF8-BE0D-3347-B833-EE5C921EDBE4}"/>
               </a:ext>
             </a:extLst>
           </p:cNvPr>
@@ -2659,7 +2661,7 @@
           <p:cNvPr id="2" name="Title 1">
             <a:extLst>
               <a:ext uri="{FF2B5EF4-FFF2-40B4-BE49-F238E27FC236}">
-                <a16:creationId xmlns="" xmlns:a16="http://schemas.microsoft.com/office/drawing/2014/main" id="{CF4FA41E-FB4B-A5CA-AE2B-F4E7B2E5D1C2}"/>
+                <a16:creationId xmlns:a16="http://schemas.microsoft.com/office/drawing/2014/main" xmlns="" id="{CF4FA41E-FB4B-A5CA-AE2B-F4E7B2E5D1C2}"/>
               </a:ext>
             </a:extLst>
           </p:cNvPr>
@@ -2697,7 +2699,7 @@
           <p:cNvPr id="3" name="Content Placeholder 2">
             <a:extLst>
               <a:ext uri="{FF2B5EF4-FFF2-40B4-BE49-F238E27FC236}">
-                <a16:creationId xmlns="" xmlns:a16="http://schemas.microsoft.com/office/drawing/2014/main" id="{BE0BF845-4818-ACED-8DA9-84D7842BAB14}"/>
+                <a16:creationId xmlns:a16="http://schemas.microsoft.com/office/drawing/2014/main" xmlns="" id="{BE0BF845-4818-ACED-8DA9-84D7842BAB14}"/>
               </a:ext>
             </a:extLst>
           </p:cNvPr>
@@ -2788,7 +2790,7 @@
           <p:cNvPr id="4" name="Text Placeholder 3">
             <a:extLst>
               <a:ext uri="{FF2B5EF4-FFF2-40B4-BE49-F238E27FC236}">
-                <a16:creationId xmlns="" xmlns:a16="http://schemas.microsoft.com/office/drawing/2014/main" id="{F4FB9CCA-25F0-8B63-9726-56F8FF3303BE}"/>
+                <a16:creationId xmlns:a16="http://schemas.microsoft.com/office/drawing/2014/main" xmlns="" id="{F4FB9CCA-25F0-8B63-9726-56F8FF3303BE}"/>
               </a:ext>
             </a:extLst>
           </p:cNvPr>
@@ -2859,7 +2861,7 @@
           <p:cNvPr id="5" name="Date Placeholder 4">
             <a:extLst>
               <a:ext uri="{FF2B5EF4-FFF2-40B4-BE49-F238E27FC236}">
-                <a16:creationId xmlns="" xmlns:a16="http://schemas.microsoft.com/office/drawing/2014/main" id="{6B0368AC-4662-8E3B-EC12-D37890A77400}"/>
+                <a16:creationId xmlns:a16="http://schemas.microsoft.com/office/drawing/2014/main" xmlns="" id="{6B0368AC-4662-8E3B-EC12-D37890A77400}"/>
               </a:ext>
             </a:extLst>
           </p:cNvPr>
@@ -2877,7 +2879,7 @@
           <a:p>
             <a:fld id="{9597531F-F6AF-4185-8FD0-A38E26DF4D90}" type="datetimeFigureOut">
               <a:rPr lang="en-IE" smtClean="0"/>
-              <a:t>03/04/2023</a:t>
+              <a:t>04/04/2023</a:t>
             </a:fld>
             <a:endParaRPr lang="en-IE"/>
           </a:p>
@@ -2888,7 +2890,7 @@
           <p:cNvPr id="6" name="Footer Placeholder 5">
             <a:extLst>
               <a:ext uri="{FF2B5EF4-FFF2-40B4-BE49-F238E27FC236}">
-                <a16:creationId xmlns="" xmlns:a16="http://schemas.microsoft.com/office/drawing/2014/main" id="{C3AD261D-8A8D-111E-1B33-B306276858B9}"/>
+                <a16:creationId xmlns:a16="http://schemas.microsoft.com/office/drawing/2014/main" xmlns="" id="{C3AD261D-8A8D-111E-1B33-B306276858B9}"/>
               </a:ext>
             </a:extLst>
           </p:cNvPr>
@@ -2913,7 +2915,7 @@
           <p:cNvPr id="7" name="Slide Number Placeholder 6">
             <a:extLst>
               <a:ext uri="{FF2B5EF4-FFF2-40B4-BE49-F238E27FC236}">
-                <a16:creationId xmlns="" xmlns:a16="http://schemas.microsoft.com/office/drawing/2014/main" id="{B517EC67-906F-9F13-F67E-74ACA355FC31}"/>
+                <a16:creationId xmlns:a16="http://schemas.microsoft.com/office/drawing/2014/main" xmlns="" id="{B517EC67-906F-9F13-F67E-74ACA355FC31}"/>
               </a:ext>
             </a:extLst>
           </p:cNvPr>
@@ -2972,7 +2974,7 @@
           <p:cNvPr id="2" name="Title 1">
             <a:extLst>
               <a:ext uri="{FF2B5EF4-FFF2-40B4-BE49-F238E27FC236}">
-                <a16:creationId xmlns="" xmlns:a16="http://schemas.microsoft.com/office/drawing/2014/main" id="{48CFE0D4-1AF7-04B8-13EB-D74C1DDCF8D1}"/>
+                <a16:creationId xmlns:a16="http://schemas.microsoft.com/office/drawing/2014/main" xmlns="" id="{48CFE0D4-1AF7-04B8-13EB-D74C1DDCF8D1}"/>
               </a:ext>
             </a:extLst>
           </p:cNvPr>
@@ -3010,7 +3012,7 @@
           <p:cNvPr id="3" name="Picture Placeholder 2">
             <a:extLst>
               <a:ext uri="{FF2B5EF4-FFF2-40B4-BE49-F238E27FC236}">
-                <a16:creationId xmlns="" xmlns:a16="http://schemas.microsoft.com/office/drawing/2014/main" id="{74C35061-3068-9E11-F9ED-EEAF8DB3FA07}"/>
+                <a16:creationId xmlns:a16="http://schemas.microsoft.com/office/drawing/2014/main" xmlns="" id="{74C35061-3068-9E11-F9ED-EEAF8DB3FA07}"/>
               </a:ext>
             </a:extLst>
           </p:cNvPr>
@@ -3077,7 +3079,7 @@
           <p:cNvPr id="4" name="Text Placeholder 3">
             <a:extLst>
               <a:ext uri="{FF2B5EF4-FFF2-40B4-BE49-F238E27FC236}">
-                <a16:creationId xmlns="" xmlns:a16="http://schemas.microsoft.com/office/drawing/2014/main" id="{230E5384-4F54-14D2-9AA7-7F9A83D539C0}"/>
+                <a16:creationId xmlns:a16="http://schemas.microsoft.com/office/drawing/2014/main" xmlns="" id="{230E5384-4F54-14D2-9AA7-7F9A83D539C0}"/>
               </a:ext>
             </a:extLst>
           </p:cNvPr>
@@ -3148,7 +3150,7 @@
           <p:cNvPr id="5" name="Date Placeholder 4">
             <a:extLst>
               <a:ext uri="{FF2B5EF4-FFF2-40B4-BE49-F238E27FC236}">
-                <a16:creationId xmlns="" xmlns:a16="http://schemas.microsoft.com/office/drawing/2014/main" id="{03BFA12D-84AD-1BC4-74C8-342AD9AF841C}"/>
+                <a16:creationId xmlns:a16="http://schemas.microsoft.com/office/drawing/2014/main" xmlns="" id="{03BFA12D-84AD-1BC4-74C8-342AD9AF841C}"/>
               </a:ext>
             </a:extLst>
           </p:cNvPr>
@@ -3166,7 +3168,7 @@
           <a:p>
             <a:fld id="{9597531F-F6AF-4185-8FD0-A38E26DF4D90}" type="datetimeFigureOut">
               <a:rPr lang="en-IE" smtClean="0"/>
-              <a:t>03/04/2023</a:t>
+              <a:t>04/04/2023</a:t>
             </a:fld>
             <a:endParaRPr lang="en-IE"/>
           </a:p>
@@ -3177,7 +3179,7 @@
           <p:cNvPr id="6" name="Footer Placeholder 5">
             <a:extLst>
               <a:ext uri="{FF2B5EF4-FFF2-40B4-BE49-F238E27FC236}">
-                <a16:creationId xmlns="" xmlns:a16="http://schemas.microsoft.com/office/drawing/2014/main" id="{1DBE6898-C21B-EB99-020F-FBDE37FD40E8}"/>
+                <a16:creationId xmlns:a16="http://schemas.microsoft.com/office/drawing/2014/main" xmlns="" id="{1DBE6898-C21B-EB99-020F-FBDE37FD40E8}"/>
               </a:ext>
             </a:extLst>
           </p:cNvPr>
@@ -3202,7 +3204,7 @@
           <p:cNvPr id="7" name="Slide Number Placeholder 6">
             <a:extLst>
               <a:ext uri="{FF2B5EF4-FFF2-40B4-BE49-F238E27FC236}">
-                <a16:creationId xmlns="" xmlns:a16="http://schemas.microsoft.com/office/drawing/2014/main" id="{7E1E50A3-C4A9-A8FE-6BEC-B462010D02ED}"/>
+                <a16:creationId xmlns:a16="http://schemas.microsoft.com/office/drawing/2014/main" xmlns="" id="{7E1E50A3-C4A9-A8FE-6BEC-B462010D02ED}"/>
               </a:ext>
             </a:extLst>
           </p:cNvPr>
@@ -3266,7 +3268,7 @@
           <p:cNvPr id="2" name="Title Placeholder 1">
             <a:extLst>
               <a:ext uri="{FF2B5EF4-FFF2-40B4-BE49-F238E27FC236}">
-                <a16:creationId xmlns="" xmlns:a16="http://schemas.microsoft.com/office/drawing/2014/main" id="{81BFE920-27DD-AAF4-1F5D-F7155C27B3D9}"/>
+                <a16:creationId xmlns:a16="http://schemas.microsoft.com/office/drawing/2014/main" xmlns="" id="{81BFE920-27DD-AAF4-1F5D-F7155C27B3D9}"/>
               </a:ext>
             </a:extLst>
           </p:cNvPr>
@@ -3305,7 +3307,7 @@
           <p:cNvPr id="3" name="Text Placeholder 2">
             <a:extLst>
               <a:ext uri="{FF2B5EF4-FFF2-40B4-BE49-F238E27FC236}">
-                <a16:creationId xmlns="" xmlns:a16="http://schemas.microsoft.com/office/drawing/2014/main" id="{B5E5B730-7E1D-532E-0720-5BFFD119EC57}"/>
+                <a16:creationId xmlns:a16="http://schemas.microsoft.com/office/drawing/2014/main" xmlns="" id="{B5E5B730-7E1D-532E-0720-5BFFD119EC57}"/>
               </a:ext>
             </a:extLst>
           </p:cNvPr>
@@ -3373,7 +3375,7 @@
           <p:cNvPr id="4" name="Date Placeholder 3">
             <a:extLst>
               <a:ext uri="{FF2B5EF4-FFF2-40B4-BE49-F238E27FC236}">
-                <a16:creationId xmlns="" xmlns:a16="http://schemas.microsoft.com/office/drawing/2014/main" id="{39AF65B7-FB67-8383-660D-D14B58CE29D4}"/>
+                <a16:creationId xmlns:a16="http://schemas.microsoft.com/office/drawing/2014/main" xmlns="" id="{39AF65B7-FB67-8383-660D-D14B58CE29D4}"/>
               </a:ext>
             </a:extLst>
           </p:cNvPr>
@@ -3409,7 +3411,7 @@
           <a:p>
             <a:fld id="{9597531F-F6AF-4185-8FD0-A38E26DF4D90}" type="datetimeFigureOut">
               <a:rPr lang="en-IE" smtClean="0"/>
-              <a:t>03/04/2023</a:t>
+              <a:t>04/04/2023</a:t>
             </a:fld>
             <a:endParaRPr lang="en-IE"/>
           </a:p>
@@ -3420,7 +3422,7 @@
           <p:cNvPr id="5" name="Footer Placeholder 4">
             <a:extLst>
               <a:ext uri="{FF2B5EF4-FFF2-40B4-BE49-F238E27FC236}">
-                <a16:creationId xmlns="" xmlns:a16="http://schemas.microsoft.com/office/drawing/2014/main" id="{CBB1D89B-55BD-29B1-8F37-ACF8C473BC74}"/>
+                <a16:creationId xmlns:a16="http://schemas.microsoft.com/office/drawing/2014/main" xmlns="" id="{CBB1D89B-55BD-29B1-8F37-ACF8C473BC74}"/>
               </a:ext>
             </a:extLst>
           </p:cNvPr>
@@ -3463,7 +3465,7 @@
           <p:cNvPr id="6" name="Slide Number Placeholder 5">
             <a:extLst>
               <a:ext uri="{FF2B5EF4-FFF2-40B4-BE49-F238E27FC236}">
-                <a16:creationId xmlns="" xmlns:a16="http://schemas.microsoft.com/office/drawing/2014/main" id="{1CC0B688-FC4B-83EC-9190-F38AB17E4248}"/>
+                <a16:creationId xmlns:a16="http://schemas.microsoft.com/office/drawing/2014/main" xmlns="" id="{1CC0B688-FC4B-83EC-9190-F38AB17E4248}"/>
               </a:ext>
             </a:extLst>
           </p:cNvPr>
@@ -3839,10 +3841,10 @@
           <p:cNvPr id="14" name="!!Rectangle">
             <a:extLst>
               <a:ext uri="{FF2B5EF4-FFF2-40B4-BE49-F238E27FC236}">
-                <a16:creationId xmlns="" xmlns:a16="http://schemas.microsoft.com/office/drawing/2014/main" id="{D4906370-1564-49FA-A802-58546B3922DC}"/>
+                <a16:creationId xmlns:a16="http://schemas.microsoft.com/office/drawing/2014/main" xmlns="" id="{D4906370-1564-49FA-A802-58546B3922DC}"/>
               </a:ext>
               <a:ext uri="{C183D7F6-B498-43B3-948B-1728B52AA6E4}">
-                <adec:decorative xmlns="" xmlns:adec="http://schemas.microsoft.com/office/drawing/2017/decorative" val="1"/>
+                <adec:decorative xmlns:adec="http://schemas.microsoft.com/office/drawing/2017/decorative" xmlns="" val="1"/>
               </a:ext>
             </a:extLst>
           </p:cNvPr>
@@ -3852,7 +3854,7 @@
           <p:nvPr>
             <p:extLst>
               <p:ext uri="{386F3935-93C4-4BCD-93E2-E3B085C9AB24}">
-                <p16:designElem xmlns="" xmlns:p16="http://schemas.microsoft.com/office/powerpoint/2015/main" val="1"/>
+                <p16:designElem xmlns:p16="http://schemas.microsoft.com/office/powerpoint/2015/main" xmlns="" val="1"/>
               </p:ext>
             </p:extLst>
           </p:nvPr>
@@ -3902,7 +3904,7 @@
           <p:cNvPr id="5" name="Picture 4">
             <a:extLst>
               <a:ext uri="{FF2B5EF4-FFF2-40B4-BE49-F238E27FC236}">
-                <a16:creationId xmlns="" xmlns:a16="http://schemas.microsoft.com/office/drawing/2014/main" id="{6A2EAE04-4982-7159-B9A2-0CD3C094B982}"/>
+                <a16:creationId xmlns:a16="http://schemas.microsoft.com/office/drawing/2014/main" xmlns="" id="{6A2EAE04-4982-7159-B9A2-0CD3C094B982}"/>
               </a:ext>
             </a:extLst>
           </p:cNvPr>
@@ -3933,10 +3935,10 @@
           <p:cNvPr id="16" name="Oval 15">
             <a:extLst>
               <a:ext uri="{FF2B5EF4-FFF2-40B4-BE49-F238E27FC236}">
-                <a16:creationId xmlns="" xmlns:a16="http://schemas.microsoft.com/office/drawing/2014/main" id="{EF640709-BDFD-453B-B75D-6212E7A870BA}"/>
+                <a16:creationId xmlns:a16="http://schemas.microsoft.com/office/drawing/2014/main" xmlns="" id="{EF640709-BDFD-453B-B75D-6212E7A870BA}"/>
               </a:ext>
               <a:ext uri="{C183D7F6-B498-43B3-948B-1728B52AA6E4}">
-                <adec:decorative xmlns="" xmlns:adec="http://schemas.microsoft.com/office/drawing/2017/decorative" val="1"/>
+                <adec:decorative xmlns:adec="http://schemas.microsoft.com/office/drawing/2017/decorative" xmlns="" val="1"/>
               </a:ext>
             </a:extLst>
           </p:cNvPr>
@@ -3946,7 +3948,7 @@
           <p:nvPr>
             <p:extLst>
               <p:ext uri="{386F3935-93C4-4BCD-93E2-E3B085C9AB24}">
-                <p16:designElem xmlns="" xmlns:p16="http://schemas.microsoft.com/office/powerpoint/2015/main" val="1"/>
+                <p16:designElem xmlns:p16="http://schemas.microsoft.com/office/powerpoint/2015/main" xmlns="" val="1"/>
               </p:ext>
             </p:extLst>
           </p:nvPr>
@@ -3998,7 +4000,7 @@
           <p:cNvPr id="2" name="Title 1">
             <a:extLst>
               <a:ext uri="{FF2B5EF4-FFF2-40B4-BE49-F238E27FC236}">
-                <a16:creationId xmlns="" xmlns:a16="http://schemas.microsoft.com/office/drawing/2014/main" id="{751B364B-DC9F-1B83-4402-6FCCD4670EE2}"/>
+                <a16:creationId xmlns:a16="http://schemas.microsoft.com/office/drawing/2014/main" xmlns="" id="{751B364B-DC9F-1B83-4402-6FCCD4670EE2}"/>
               </a:ext>
             </a:extLst>
           </p:cNvPr>
@@ -4034,7 +4036,7 @@
           <p:cNvPr id="3" name="Subtitle 2">
             <a:extLst>
               <a:ext uri="{FF2B5EF4-FFF2-40B4-BE49-F238E27FC236}">
-                <a16:creationId xmlns="" xmlns:a16="http://schemas.microsoft.com/office/drawing/2014/main" id="{27A71120-1198-BC4E-F930-011F1A95992B}"/>
+                <a16:creationId xmlns:a16="http://schemas.microsoft.com/office/drawing/2014/main" xmlns="" id="{27A71120-1198-BC4E-F930-011F1A95992B}"/>
               </a:ext>
             </a:extLst>
           </p:cNvPr>
@@ -4081,10 +4083,10 @@
           <p:cNvPr id="18" name="Arc 17">
             <a:extLst>
               <a:ext uri="{FF2B5EF4-FFF2-40B4-BE49-F238E27FC236}">
-                <a16:creationId xmlns="" xmlns:a16="http://schemas.microsoft.com/office/drawing/2014/main" id="{B4019478-3FDC-438C-8848-1D7DA864AFC4}"/>
+                <a16:creationId xmlns:a16="http://schemas.microsoft.com/office/drawing/2014/main" xmlns="" id="{B4019478-3FDC-438C-8848-1D7DA864AFC4}"/>
               </a:ext>
               <a:ext uri="{C183D7F6-B498-43B3-948B-1728B52AA6E4}">
-                <adec:decorative xmlns="" xmlns:adec="http://schemas.microsoft.com/office/drawing/2017/decorative" val="1"/>
+                <adec:decorative xmlns:adec="http://schemas.microsoft.com/office/drawing/2017/decorative" xmlns="" val="1"/>
               </a:ext>
             </a:extLst>
           </p:cNvPr>
@@ -4094,7 +4096,7 @@
           <p:nvPr>
             <p:extLst>
               <p:ext uri="{386F3935-93C4-4BCD-93E2-E3B085C9AB24}">
-                <p16:designElem xmlns="" xmlns:p16="http://schemas.microsoft.com/office/powerpoint/2015/main" val="1"/>
+                <p16:designElem xmlns:p16="http://schemas.microsoft.com/office/powerpoint/2015/main" xmlns="" val="1"/>
               </p:ext>
             </p:extLst>
           </p:nvPr>
@@ -4147,10 +4149,10 @@
           <p:cNvPr id="23" name="Oval 19">
             <a:extLst>
               <a:ext uri="{FF2B5EF4-FFF2-40B4-BE49-F238E27FC236}">
-                <a16:creationId xmlns="" xmlns:a16="http://schemas.microsoft.com/office/drawing/2014/main" id="{FE406479-1D57-4209-B128-3C81746247C6}"/>
+                <a16:creationId xmlns:a16="http://schemas.microsoft.com/office/drawing/2014/main" xmlns="" id="{FE406479-1D57-4209-B128-3C81746247C6}"/>
               </a:ext>
               <a:ext uri="{C183D7F6-B498-43B3-948B-1728B52AA6E4}">
-                <adec:decorative xmlns="" xmlns:adec="http://schemas.microsoft.com/office/drawing/2017/decorative" val="1"/>
+                <adec:decorative xmlns:adec="http://schemas.microsoft.com/office/drawing/2017/decorative" xmlns="" val="1"/>
               </a:ext>
             </a:extLst>
           </p:cNvPr>
@@ -4160,7 +4162,7 @@
           <p:nvPr>
             <p:extLst>
               <p:ext uri="{386F3935-93C4-4BCD-93E2-E3B085C9AB24}">
-                <p16:designElem xmlns="" xmlns:p16="http://schemas.microsoft.com/office/powerpoint/2015/main" val="1"/>
+                <p16:designElem xmlns:p16="http://schemas.microsoft.com/office/powerpoint/2015/main" xmlns="" val="1"/>
               </p:ext>
             </p:extLst>
           </p:nvPr>
@@ -4240,7 +4242,7 @@
           <p:cNvPr id="3" name="Content Placeholder 2">
             <a:extLst>
               <a:ext uri="{FF2B5EF4-FFF2-40B4-BE49-F238E27FC236}">
-                <a16:creationId xmlns="" xmlns:a16="http://schemas.microsoft.com/office/drawing/2014/main" id="{A213933B-CDC8-EAA9-3FB5-560F924CA9E9}"/>
+                <a16:creationId xmlns:a16="http://schemas.microsoft.com/office/drawing/2014/main" xmlns="" id="{A213933B-CDC8-EAA9-3FB5-560F924CA9E9}"/>
               </a:ext>
             </a:extLst>
           </p:cNvPr>
@@ -5010,7 +5012,7 @@
           <p:cNvPr id="3" name="Content Placeholder 2">
             <a:extLst>
               <a:ext uri="{FF2B5EF4-FFF2-40B4-BE49-F238E27FC236}">
-                <a16:creationId xmlns="" xmlns:a16="http://schemas.microsoft.com/office/drawing/2014/main" id="{924C26A4-80C9-A9F5-4528-F95CD5209F9C}"/>
+                <a16:creationId xmlns:a16="http://schemas.microsoft.com/office/drawing/2014/main" xmlns="" id="{924C26A4-80C9-A9F5-4528-F95CD5209F9C}"/>
               </a:ext>
             </a:extLst>
           </p:cNvPr>
@@ -5245,7 +5247,7 @@
           <p:cNvPr id="3" name="Content Placeholder 2">
             <a:extLst>
               <a:ext uri="{FF2B5EF4-FFF2-40B4-BE49-F238E27FC236}">
-                <a16:creationId xmlns="" xmlns:a16="http://schemas.microsoft.com/office/drawing/2014/main" id="{99FCBBCB-82EF-2797-709A-525F7AF8E238}"/>
+                <a16:creationId xmlns:a16="http://schemas.microsoft.com/office/drawing/2014/main" xmlns="" id="{99FCBBCB-82EF-2797-709A-525F7AF8E238}"/>
               </a:ext>
             </a:extLst>
           </p:cNvPr>
@@ -5298,6 +5300,101 @@
     <p:extLst>
       <p:ext uri="{BB962C8B-B14F-4D97-AF65-F5344CB8AC3E}">
         <p14:creationId xmlns:p14="http://schemas.microsoft.com/office/powerpoint/2010/main" val="4193193381"/>
+      </p:ext>
+    </p:extLst>
+  </p:cSld>
+  <p:clrMapOvr>
+    <a:masterClrMapping/>
+  </p:clrMapOvr>
+</p:sld>
+</file>
+
+<file path=ppt/slides/slide13.xml><?xml version="1.0" encoding="utf-8"?>
+<p:sld xmlns:a="http://schemas.openxmlformats.org/drawingml/2006/main" xmlns:r="http://schemas.openxmlformats.org/officeDocument/2006/relationships" xmlns:p="http://schemas.openxmlformats.org/presentationml/2006/main">
+  <p:cSld>
+    <p:spTree>
+      <p:nvGrpSpPr>
+        <p:cNvPr id="1" name=""/>
+        <p:cNvGrpSpPr/>
+        <p:nvPr/>
+      </p:nvGrpSpPr>
+      <p:grpSpPr>
+        <a:xfrm>
+          <a:off x="0" y="0"/>
+          <a:ext cx="0" cy="0"/>
+          <a:chOff x="0" y="0"/>
+          <a:chExt cx="0" cy="0"/>
+        </a:xfrm>
+      </p:grpSpPr>
+      <p:sp>
+        <p:nvSpPr>
+          <p:cNvPr id="2" name="Title 1"/>
+          <p:cNvSpPr>
+            <a:spLocks noGrp="1"/>
+          </p:cNvSpPr>
+          <p:nvPr>
+            <p:ph type="title"/>
+          </p:nvPr>
+        </p:nvSpPr>
+        <p:spPr/>
+        <p:txBody>
+          <a:bodyPr/>
+          <a:lstStyle/>
+          <a:p>
+            <a:pPr algn="ctr"/>
+            <a:r>
+              <a:rPr lang="en-GB" dirty="0" smtClean="0"/>
+              <a:t>Takeaway</a:t>
+            </a:r>
+            <a:endParaRPr lang="en-GB" dirty="0"/>
+          </a:p>
+        </p:txBody>
+      </p:sp>
+      <p:sp>
+        <p:nvSpPr>
+          <p:cNvPr id="3" name="Content Placeholder 2"/>
+          <p:cNvSpPr>
+            <a:spLocks noGrp="1"/>
+          </p:cNvSpPr>
+          <p:nvPr>
+            <p:ph idx="1"/>
+          </p:nvPr>
+        </p:nvSpPr>
+        <p:spPr/>
+        <p:txBody>
+          <a:bodyPr/>
+          <a:lstStyle/>
+          <a:p>
+            <a:r>
+              <a:rPr lang="en-GB" dirty="0" smtClean="0"/>
+              <a:t>Fund parity is a major predictor of the effective number of parties</a:t>
+            </a:r>
+          </a:p>
+          <a:p>
+            <a:r>
+              <a:rPr lang="en-GB" dirty="0" smtClean="0"/>
+              <a:t>Parliamentary and Presidential system do affect the number </a:t>
+            </a:r>
+            <a:r>
+              <a:rPr lang="en-GB" smtClean="0"/>
+              <a:t>of parties, </a:t>
+            </a:r>
+            <a:r>
+              <a:rPr lang="en-GB" dirty="0" smtClean="0"/>
+              <a:t>however the effects work differently </a:t>
+            </a:r>
+            <a:r>
+              <a:rPr lang="en-GB" smtClean="0"/>
+              <a:t>over time</a:t>
+            </a:r>
+            <a:endParaRPr lang="en-GB" dirty="0"/>
+          </a:p>
+        </p:txBody>
+      </p:sp>
+    </p:spTree>
+    <p:extLst>
+      <p:ext uri="{BB962C8B-B14F-4D97-AF65-F5344CB8AC3E}">
+        <p14:creationId xmlns:p14="http://schemas.microsoft.com/office/powerpoint/2010/main" val="3039759423"/>
       </p:ext>
     </p:extLst>
   </p:cSld>
@@ -5337,10 +5434,10 @@
           <p:cNvPr id="8" name="Rectangle 7">
             <a:extLst>
               <a:ext uri="{FF2B5EF4-FFF2-40B4-BE49-F238E27FC236}">
-                <a16:creationId xmlns="" xmlns:a16="http://schemas.microsoft.com/office/drawing/2014/main" id="{907EF6B7-1338-4443-8C46-6A318D952DFD}"/>
+                <a16:creationId xmlns:a16="http://schemas.microsoft.com/office/drawing/2014/main" xmlns="" id="{907EF6B7-1338-4443-8C46-6A318D952DFD}"/>
               </a:ext>
               <a:ext uri="{C183D7F6-B498-43B3-948B-1728B52AA6E4}">
-                <adec:decorative xmlns="" xmlns:adec="http://schemas.microsoft.com/office/drawing/2017/decorative" val="1"/>
+                <adec:decorative xmlns:adec="http://schemas.microsoft.com/office/drawing/2017/decorative" xmlns="" val="1"/>
               </a:ext>
             </a:extLst>
           </p:cNvPr>
@@ -5350,7 +5447,7 @@
           <p:nvPr>
             <p:extLst>
               <p:ext uri="{386F3935-93C4-4BCD-93E2-E3B085C9AB24}">
-                <p16:designElem xmlns="" xmlns:p16="http://schemas.microsoft.com/office/powerpoint/2015/main" val="1"/>
+                <p16:designElem xmlns:p16="http://schemas.microsoft.com/office/powerpoint/2015/main" xmlns="" val="1"/>
               </p:ext>
             </p:extLst>
           </p:nvPr>
@@ -5397,10 +5494,10 @@
           <p:cNvPr id="10" name="Freeform: Shape 9">
             <a:extLst>
               <a:ext uri="{FF2B5EF4-FFF2-40B4-BE49-F238E27FC236}">
-                <a16:creationId xmlns="" xmlns:a16="http://schemas.microsoft.com/office/drawing/2014/main" id="{DAAE4CDD-124C-4DCF-9584-B6033B545DD5}"/>
+                <a16:creationId xmlns:a16="http://schemas.microsoft.com/office/drawing/2014/main" xmlns="" id="{DAAE4CDD-124C-4DCF-9584-B6033B545DD5}"/>
               </a:ext>
               <a:ext uri="{C183D7F6-B498-43B3-948B-1728B52AA6E4}">
-                <adec:decorative xmlns="" xmlns:adec="http://schemas.microsoft.com/office/drawing/2017/decorative" val="1"/>
+                <adec:decorative xmlns:adec="http://schemas.microsoft.com/office/drawing/2017/decorative" xmlns="" val="1"/>
               </a:ext>
             </a:extLst>
           </p:cNvPr>
@@ -5410,7 +5507,7 @@
           <p:nvPr>
             <p:extLst>
               <p:ext uri="{386F3935-93C4-4BCD-93E2-E3B085C9AB24}">
-                <p16:designElem xmlns="" xmlns:p16="http://schemas.microsoft.com/office/powerpoint/2015/main" val="1"/>
+                <p16:designElem xmlns:p16="http://schemas.microsoft.com/office/powerpoint/2015/main" xmlns="" val="1"/>
               </p:ext>
             </p:extLst>
           </p:nvPr>
@@ -5531,7 +5628,7 @@
           <p:cNvPr id="2" name="Title 1">
             <a:extLst>
               <a:ext uri="{FF2B5EF4-FFF2-40B4-BE49-F238E27FC236}">
-                <a16:creationId xmlns="" xmlns:a16="http://schemas.microsoft.com/office/drawing/2014/main" id="{C107BD1B-A567-3F93-0A64-4B4D3C8D36E3}"/>
+                <a16:creationId xmlns:a16="http://schemas.microsoft.com/office/drawing/2014/main" xmlns="" id="{C107BD1B-A567-3F93-0A64-4B4D3C8D36E3}"/>
               </a:ext>
             </a:extLst>
           </p:cNvPr>
@@ -5575,10 +5672,10 @@
           <p:cNvPr id="12" name="Arc 11">
             <a:extLst>
               <a:ext uri="{FF2B5EF4-FFF2-40B4-BE49-F238E27FC236}">
-                <a16:creationId xmlns="" xmlns:a16="http://schemas.microsoft.com/office/drawing/2014/main" id="{081E4A58-353D-44AE-B2FC-2A74E2E400F7}"/>
+                <a16:creationId xmlns:a16="http://schemas.microsoft.com/office/drawing/2014/main" xmlns="" id="{081E4A58-353D-44AE-B2FC-2A74E2E400F7}"/>
               </a:ext>
               <a:ext uri="{C183D7F6-B498-43B3-948B-1728B52AA6E4}">
-                <adec:decorative xmlns="" xmlns:adec="http://schemas.microsoft.com/office/drawing/2017/decorative" val="1"/>
+                <adec:decorative xmlns:adec="http://schemas.microsoft.com/office/drawing/2017/decorative" xmlns="" val="1"/>
               </a:ext>
             </a:extLst>
           </p:cNvPr>
@@ -5588,7 +5685,7 @@
           <p:nvPr>
             <p:extLst>
               <p:ext uri="{386F3935-93C4-4BCD-93E2-E3B085C9AB24}">
-                <p16:designElem xmlns="" xmlns:p16="http://schemas.microsoft.com/office/powerpoint/2015/main" val="1"/>
+                <p16:designElem xmlns:p16="http://schemas.microsoft.com/office/powerpoint/2015/main" xmlns="" val="1"/>
               </p:ext>
             </p:extLst>
           </p:nvPr>
@@ -5636,7 +5733,7 @@
           <p:cNvPr id="3" name="Content Placeholder 2">
             <a:extLst>
               <a:ext uri="{FF2B5EF4-FFF2-40B4-BE49-F238E27FC236}">
-                <a16:creationId xmlns="" xmlns:a16="http://schemas.microsoft.com/office/drawing/2014/main" id="{FD6CF253-766B-49E3-6220-B17EA324E6A1}"/>
+                <a16:creationId xmlns:a16="http://schemas.microsoft.com/office/drawing/2014/main" xmlns="" id="{FD6CF253-766B-49E3-6220-B17EA324E6A1}"/>
               </a:ext>
             </a:extLst>
           </p:cNvPr>
@@ -5847,10 +5944,10 @@
           <p:cNvPr id="8" name="Rectangle 7">
             <a:extLst>
               <a:ext uri="{FF2B5EF4-FFF2-40B4-BE49-F238E27FC236}">
-                <a16:creationId xmlns="" xmlns:a16="http://schemas.microsoft.com/office/drawing/2014/main" id="{907EF6B7-1338-4443-8C46-6A318D952DFD}"/>
+                <a16:creationId xmlns:a16="http://schemas.microsoft.com/office/drawing/2014/main" xmlns="" id="{907EF6B7-1338-4443-8C46-6A318D952DFD}"/>
               </a:ext>
               <a:ext uri="{C183D7F6-B498-43B3-948B-1728B52AA6E4}">
-                <adec:decorative xmlns="" xmlns:adec="http://schemas.microsoft.com/office/drawing/2017/decorative" val="1"/>
+                <adec:decorative xmlns:adec="http://schemas.microsoft.com/office/drawing/2017/decorative" xmlns="" val="1"/>
               </a:ext>
             </a:extLst>
           </p:cNvPr>
@@ -5860,7 +5957,7 @@
           <p:nvPr>
             <p:extLst>
               <p:ext uri="{386F3935-93C4-4BCD-93E2-E3B085C9AB24}">
-                <p16:designElem xmlns="" xmlns:p16="http://schemas.microsoft.com/office/powerpoint/2015/main" val="1"/>
+                <p16:designElem xmlns:p16="http://schemas.microsoft.com/office/powerpoint/2015/main" xmlns="" val="1"/>
               </p:ext>
             </p:extLst>
           </p:nvPr>
@@ -5907,10 +6004,10 @@
           <p:cNvPr id="10" name="Freeform: Shape 9">
             <a:extLst>
               <a:ext uri="{FF2B5EF4-FFF2-40B4-BE49-F238E27FC236}">
-                <a16:creationId xmlns="" xmlns:a16="http://schemas.microsoft.com/office/drawing/2014/main" id="{DAAE4CDD-124C-4DCF-9584-B6033B545DD5}"/>
+                <a16:creationId xmlns:a16="http://schemas.microsoft.com/office/drawing/2014/main" xmlns="" id="{DAAE4CDD-124C-4DCF-9584-B6033B545DD5}"/>
               </a:ext>
               <a:ext uri="{C183D7F6-B498-43B3-948B-1728B52AA6E4}">
-                <adec:decorative xmlns="" xmlns:adec="http://schemas.microsoft.com/office/drawing/2017/decorative" val="1"/>
+                <adec:decorative xmlns:adec="http://schemas.microsoft.com/office/drawing/2017/decorative" xmlns="" val="1"/>
               </a:ext>
             </a:extLst>
           </p:cNvPr>
@@ -5920,7 +6017,7 @@
           <p:nvPr>
             <p:extLst>
               <p:ext uri="{386F3935-93C4-4BCD-93E2-E3B085C9AB24}">
-                <p16:designElem xmlns="" xmlns:p16="http://schemas.microsoft.com/office/powerpoint/2015/main" val="1"/>
+                <p16:designElem xmlns:p16="http://schemas.microsoft.com/office/powerpoint/2015/main" xmlns="" val="1"/>
               </p:ext>
             </p:extLst>
           </p:nvPr>
@@ -6041,7 +6138,7 @@
           <p:cNvPr id="2" name="Title 1">
             <a:extLst>
               <a:ext uri="{FF2B5EF4-FFF2-40B4-BE49-F238E27FC236}">
-                <a16:creationId xmlns="" xmlns:a16="http://schemas.microsoft.com/office/drawing/2014/main" id="{FDF81566-23BB-C8B8-9CA0-D50F65D7F373}"/>
+                <a16:creationId xmlns:a16="http://schemas.microsoft.com/office/drawing/2014/main" xmlns="" id="{FDF81566-23BB-C8B8-9CA0-D50F65D7F373}"/>
               </a:ext>
             </a:extLst>
           </p:cNvPr>
@@ -6085,10 +6182,10 @@
           <p:cNvPr id="12" name="Arc 11">
             <a:extLst>
               <a:ext uri="{FF2B5EF4-FFF2-40B4-BE49-F238E27FC236}">
-                <a16:creationId xmlns="" xmlns:a16="http://schemas.microsoft.com/office/drawing/2014/main" id="{081E4A58-353D-44AE-B2FC-2A74E2E400F7}"/>
+                <a16:creationId xmlns:a16="http://schemas.microsoft.com/office/drawing/2014/main" xmlns="" id="{081E4A58-353D-44AE-B2FC-2A74E2E400F7}"/>
               </a:ext>
               <a:ext uri="{C183D7F6-B498-43B3-948B-1728B52AA6E4}">
-                <adec:decorative xmlns="" xmlns:adec="http://schemas.microsoft.com/office/drawing/2017/decorative" val="1"/>
+                <adec:decorative xmlns:adec="http://schemas.microsoft.com/office/drawing/2017/decorative" xmlns="" val="1"/>
               </a:ext>
             </a:extLst>
           </p:cNvPr>
@@ -6098,7 +6195,7 @@
           <p:nvPr>
             <p:extLst>
               <p:ext uri="{386F3935-93C4-4BCD-93E2-E3B085C9AB24}">
-                <p16:designElem xmlns="" xmlns:p16="http://schemas.microsoft.com/office/powerpoint/2015/main" val="1"/>
+                <p16:designElem xmlns:p16="http://schemas.microsoft.com/office/powerpoint/2015/main" xmlns="" val="1"/>
               </p:ext>
             </p:extLst>
           </p:nvPr>
@@ -6146,7 +6243,7 @@
           <p:cNvPr id="3" name="Content Placeholder 2">
             <a:extLst>
               <a:ext uri="{FF2B5EF4-FFF2-40B4-BE49-F238E27FC236}">
-                <a16:creationId xmlns="" xmlns:a16="http://schemas.microsoft.com/office/drawing/2014/main" id="{86B5DBCA-7F1A-B271-B62A-1F1BEE84B016}"/>
+                <a16:creationId xmlns:a16="http://schemas.microsoft.com/office/drawing/2014/main" xmlns="" id="{86B5DBCA-7F1A-B271-B62A-1F1BEE84B016}"/>
               </a:ext>
             </a:extLst>
           </p:cNvPr>
@@ -6692,7 +6789,7 @@
           <p:cNvPr id="3" name="Content Placeholder 2">
             <a:extLst>
               <a:ext uri="{FF2B5EF4-FFF2-40B4-BE49-F238E27FC236}">
-                <a16:creationId xmlns="" xmlns:a16="http://schemas.microsoft.com/office/drawing/2014/main" id="{95EAFD2A-E93E-B0E5-F751-79D6DEE577B4}"/>
+                <a16:creationId xmlns:a16="http://schemas.microsoft.com/office/drawing/2014/main" xmlns="" id="{95EAFD2A-E93E-B0E5-F751-79D6DEE577B4}"/>
               </a:ext>
             </a:extLst>
           </p:cNvPr>
@@ -7259,7 +7356,7 @@
           <p:cNvPr id="2" name="Title 1">
             <a:extLst>
               <a:ext uri="{FF2B5EF4-FFF2-40B4-BE49-F238E27FC236}">
-                <a16:creationId xmlns="" xmlns:a16="http://schemas.microsoft.com/office/drawing/2014/main" id="{6756D5C9-D8EC-098B-F59A-B9C94EB0F1C9}"/>
+                <a16:creationId xmlns:a16="http://schemas.microsoft.com/office/drawing/2014/main" xmlns="" id="{6756D5C9-D8EC-098B-F59A-B9C94EB0F1C9}"/>
               </a:ext>
             </a:extLst>
           </p:cNvPr>
@@ -7289,7 +7386,7 @@
           <p:cNvPr id="19" name="Content Placeholder 18">
             <a:extLst>
               <a:ext uri="{FF2B5EF4-FFF2-40B4-BE49-F238E27FC236}">
-                <a16:creationId xmlns="" xmlns:a16="http://schemas.microsoft.com/office/drawing/2014/main" id="{E77F34B8-1A21-F060-634C-4DA41ADDE93B}"/>
+                <a16:creationId xmlns:a16="http://schemas.microsoft.com/office/drawing/2014/main" xmlns="" id="{E77F34B8-1A21-F060-634C-4DA41ADDE93B}"/>
               </a:ext>
             </a:extLst>
           </p:cNvPr>
@@ -7317,7 +7414,7 @@
           <p:cNvPr id="21" name="TextBox 20">
             <a:extLst>
               <a:ext uri="{FF2B5EF4-FFF2-40B4-BE49-F238E27FC236}">
-                <a16:creationId xmlns="" xmlns:a16="http://schemas.microsoft.com/office/drawing/2014/main" id="{7BA7E4D2-3ACF-887A-FCAA-099E04BD75A8}"/>
+                <a16:creationId xmlns:a16="http://schemas.microsoft.com/office/drawing/2014/main" xmlns="" id="{7BA7E4D2-3ACF-887A-FCAA-099E04BD75A8}"/>
               </a:ext>
             </a:extLst>
           </p:cNvPr>
@@ -7481,7 +7578,7 @@
           <p:cNvPr id="3" name="Content Placeholder 2">
             <a:extLst>
               <a:ext uri="{FF2B5EF4-FFF2-40B4-BE49-F238E27FC236}">
-                <a16:creationId xmlns="" xmlns:a16="http://schemas.microsoft.com/office/drawing/2014/main" id="{663B506C-3371-868B-1199-E4839CED0C13}"/>
+                <a16:creationId xmlns:a16="http://schemas.microsoft.com/office/drawing/2014/main" xmlns="" id="{663B506C-3371-868B-1199-E4839CED0C13}"/>
               </a:ext>
             </a:extLst>
           </p:cNvPr>
@@ -8393,7 +8490,7 @@
           <p:cNvPr id="3" name="Content Placeholder 2">
             <a:extLst>
               <a:ext uri="{FF2B5EF4-FFF2-40B4-BE49-F238E27FC236}">
-                <a16:creationId xmlns="" xmlns:a16="http://schemas.microsoft.com/office/drawing/2014/main" id="{5CFA6F29-49E0-9915-2FAD-6ABCC2095D10}"/>
+                <a16:creationId xmlns:a16="http://schemas.microsoft.com/office/drawing/2014/main" xmlns="" id="{5CFA6F29-49E0-9915-2FAD-6ABCC2095D10}"/>
               </a:ext>
             </a:extLst>
           </p:cNvPr>
@@ -9337,7 +9434,7 @@
           <p:cNvPr id="3" name="Content Placeholder 2">
             <a:extLst>
               <a:ext uri="{FF2B5EF4-FFF2-40B4-BE49-F238E27FC236}">
-                <a16:creationId xmlns="" xmlns:a16="http://schemas.microsoft.com/office/drawing/2014/main" id="{403C7541-79A3-8B1C-8828-03B1F75A3026}"/>
+                <a16:creationId xmlns:a16="http://schemas.microsoft.com/office/drawing/2014/main" xmlns="" id="{403C7541-79A3-8B1C-8828-03B1F75A3026}"/>
               </a:ext>
             </a:extLst>
           </p:cNvPr>
